--- a/Prezentacja.pptx
+++ b/Prezentacja.pptx
@@ -113,6 +113,11 @@
       </a:defRPr>
     </a:lvl9pPr>
   </p:defaultTextStyle>
+  <p:extLst>
+    <p:ext uri="{EFAFB233-063F-42B5-8137-9DF3F51BA10A}">
+      <p15:sldGuideLst xmlns:p15="http://schemas.microsoft.com/office/powerpoint/2012/main"/>
+    </p:ext>
+  </p:extLst>
 </p:presentation>
 </file>
 
@@ -373,7 +378,7 @@
           <a:p>
             <a:fld id="{3341EE12-F28E-4B03-A404-A8FCAE0F6316}" type="datetime1">
               <a:rPr lang="en-US" smtClean="0"/>
-              <a:t>1/28/2023</a:t>
+              <a:t>2/5/2023</a:t>
             </a:fld>
             <a:endParaRPr lang="en-US" dirty="0"/>
           </a:p>
@@ -658,7 +663,7 @@
           <a:p>
             <a:fld id="{B68B8189-0D9C-48A6-9FA3-862227B094CE}" type="datetime1">
               <a:rPr lang="en-US" smtClean="0"/>
-              <a:t>1/28/2023</a:t>
+              <a:t>2/5/2023</a:t>
             </a:fld>
             <a:endParaRPr lang="en-US"/>
           </a:p>
@@ -1022,7 +1027,7 @@
           <a:p>
             <a:fld id="{26ADDCAE-6443-42C3-9C19-F95985500186}" type="datetime1">
               <a:rPr lang="en-US" smtClean="0"/>
-              <a:t>1/28/2023</a:t>
+              <a:t>2/5/2023</a:t>
             </a:fld>
             <a:endParaRPr lang="en-US" dirty="0"/>
           </a:p>
@@ -1284,7 +1289,7 @@
           <a:p>
             <a:fld id="{1962799E-EB8E-4038-8063-81BB57C732D4}" type="datetime1">
               <a:rPr lang="en-US" smtClean="0"/>
-              <a:t>1/28/2023</a:t>
+              <a:t>2/5/2023</a:t>
             </a:fld>
             <a:endParaRPr lang="en-US"/>
           </a:p>
@@ -1714,7 +1719,7 @@
           <a:p>
             <a:fld id="{217A73C3-B243-44D3-809D-EF8FDFBD85D4}" type="datetime1">
               <a:rPr lang="en-US" smtClean="0"/>
-              <a:t>1/28/2023</a:t>
+              <a:t>2/5/2023</a:t>
             </a:fld>
             <a:endParaRPr lang="en-US" dirty="0"/>
           </a:p>
@@ -2045,7 +2050,7 @@
           <a:p>
             <a:fld id="{C9B6D3E3-28E2-4380-A113-67698215C5F8}" type="datetime1">
               <a:rPr lang="en-US" smtClean="0"/>
-              <a:t>1/28/2023</a:t>
+              <a:t>2/5/2023</a:t>
             </a:fld>
             <a:endParaRPr lang="en-US" dirty="0"/>
           </a:p>
@@ -2478,7 +2483,7 @@
           <a:p>
             <a:fld id="{A9EFCB61-04AD-47C9-BF79-2BD8B9CEC07A}" type="datetime1">
               <a:rPr lang="en-US" smtClean="0"/>
-              <a:t>1/28/2023</a:t>
+              <a:t>2/5/2023</a:t>
             </a:fld>
             <a:endParaRPr lang="en-US" dirty="0"/>
           </a:p>
@@ -2630,7 +2635,7 @@
           <a:p>
             <a:fld id="{A4535E0C-D585-492F-8146-7493F4086301}" type="datetime1">
               <a:rPr lang="en-US" smtClean="0"/>
-              <a:t>1/28/2023</a:t>
+              <a:t>2/5/2023</a:t>
             </a:fld>
             <a:endParaRPr lang="en-US"/>
           </a:p>
@@ -2793,7 +2798,7 @@
           <a:p>
             <a:fld id="{8CE48390-48B5-49AB-B019-A7C8FB8C31F6}" type="datetime1">
               <a:rPr lang="en-US" smtClean="0"/>
-              <a:t>1/28/2023</a:t>
+              <a:t>2/5/2023</a:t>
             </a:fld>
             <a:endParaRPr lang="en-US"/>
           </a:p>
@@ -3322,7 +3327,7 @@
           <a:p>
             <a:fld id="{962E767E-8A14-4E70-91B9-2101CBC4D7BD}" type="datetime1">
               <a:rPr lang="en-US" smtClean="0"/>
-              <a:t>1/28/2023</a:t>
+              <a:t>2/5/2023</a:t>
             </a:fld>
             <a:endParaRPr lang="en-US" dirty="0"/>
           </a:p>
@@ -3843,7 +3848,7 @@
           <a:p>
             <a:fld id="{01AF0C4B-5A4A-45CA-ABEC-10F107160D33}" type="datetime1">
               <a:rPr lang="en-US" smtClean="0"/>
-              <a:t>1/28/2023</a:t>
+              <a:t>2/5/2023</a:t>
             </a:fld>
             <a:endParaRPr lang="en-US" dirty="0"/>
           </a:p>
@@ -4393,7 +4398,7 @@
           <a:p>
             <a:fld id="{6989806E-8E94-473C-AEE7-BE6F15F85533}" type="datetime1">
               <a:rPr lang="en-US" smtClean="0"/>
-              <a:t>1/28/2023</a:t>
+              <a:t>2/5/2023</a:t>
             </a:fld>
             <a:endParaRPr lang="en-US" dirty="0"/>
           </a:p>
@@ -9733,10 +9738,10 @@
       </p:sp>
       <p:pic>
         <p:nvPicPr>
-          <p:cNvPr id="5" name="Obraz 4">
-            <a:extLst>
-              <a:ext uri="{FF2B5EF4-FFF2-40B4-BE49-F238E27FC236}">
-                <a16:creationId xmlns:a16="http://schemas.microsoft.com/office/drawing/2014/main" id="{0FB515AA-7957-DE70-F58D-EFF1B0DEB1F4}"/>
+          <p:cNvPr id="3" name="Obraz 2">
+            <a:extLst>
+              <a:ext uri="{FF2B5EF4-FFF2-40B4-BE49-F238E27FC236}">
+                <a16:creationId xmlns:a16="http://schemas.microsoft.com/office/drawing/2014/main" id="{1FD991AD-5029-A75D-2B88-290B8AAB3F84}"/>
               </a:ext>
             </a:extLst>
           </p:cNvPr>
@@ -9759,8 +9764,8 @@
         </p:blipFill>
         <p:spPr>
           <a:xfrm>
-            <a:off x="1066798" y="828769"/>
-            <a:ext cx="9596421" cy="5860976"/>
+            <a:off x="1552073" y="786686"/>
+            <a:ext cx="8923344" cy="5839702"/>
           </a:xfrm>
           <a:prstGeom prst="rect">
             <a:avLst/>

--- a/Prezentacja.pptx
+++ b/Prezentacja.pptx
@@ -11,9 +11,9 @@
     <p:sldId id="259" r:id="rId5"/>
     <p:sldId id="260" r:id="rId6"/>
     <p:sldId id="266" r:id="rId7"/>
-    <p:sldId id="261" r:id="rId8"/>
-    <p:sldId id="264" r:id="rId9"/>
-    <p:sldId id="265" r:id="rId10"/>
+    <p:sldId id="271" r:id="rId8"/>
+    <p:sldId id="267" r:id="rId9"/>
+    <p:sldId id="264" r:id="rId10"/>
     <p:sldId id="263" r:id="rId11"/>
   </p:sldIdLst>
   <p:sldSz cx="12192000" cy="6858000"/>
@@ -378,7 +378,7 @@
           <a:p>
             <a:fld id="{3341EE12-F28E-4B03-A404-A8FCAE0F6316}" type="datetime1">
               <a:rPr lang="en-US" smtClean="0"/>
-              <a:t>2/5/2023</a:t>
+              <a:t>2/18/2023</a:t>
             </a:fld>
             <a:endParaRPr lang="en-US" dirty="0"/>
           </a:p>
@@ -663,7 +663,7 @@
           <a:p>
             <a:fld id="{B68B8189-0D9C-48A6-9FA3-862227B094CE}" type="datetime1">
               <a:rPr lang="en-US" smtClean="0"/>
-              <a:t>2/5/2023</a:t>
+              <a:t>2/18/2023</a:t>
             </a:fld>
             <a:endParaRPr lang="en-US"/>
           </a:p>
@@ -1027,7 +1027,7 @@
           <a:p>
             <a:fld id="{26ADDCAE-6443-42C3-9C19-F95985500186}" type="datetime1">
               <a:rPr lang="en-US" smtClean="0"/>
-              <a:t>2/5/2023</a:t>
+              <a:t>2/18/2023</a:t>
             </a:fld>
             <a:endParaRPr lang="en-US" dirty="0"/>
           </a:p>
@@ -1289,7 +1289,7 @@
           <a:p>
             <a:fld id="{1962799E-EB8E-4038-8063-81BB57C732D4}" type="datetime1">
               <a:rPr lang="en-US" smtClean="0"/>
-              <a:t>2/5/2023</a:t>
+              <a:t>2/18/2023</a:t>
             </a:fld>
             <a:endParaRPr lang="en-US"/>
           </a:p>
@@ -1719,7 +1719,7 @@
           <a:p>
             <a:fld id="{217A73C3-B243-44D3-809D-EF8FDFBD85D4}" type="datetime1">
               <a:rPr lang="en-US" smtClean="0"/>
-              <a:t>2/5/2023</a:t>
+              <a:t>2/18/2023</a:t>
             </a:fld>
             <a:endParaRPr lang="en-US" dirty="0"/>
           </a:p>
@@ -2050,7 +2050,7 @@
           <a:p>
             <a:fld id="{C9B6D3E3-28E2-4380-A113-67698215C5F8}" type="datetime1">
               <a:rPr lang="en-US" smtClean="0"/>
-              <a:t>2/5/2023</a:t>
+              <a:t>2/18/2023</a:t>
             </a:fld>
             <a:endParaRPr lang="en-US" dirty="0"/>
           </a:p>
@@ -2483,7 +2483,7 @@
           <a:p>
             <a:fld id="{A9EFCB61-04AD-47C9-BF79-2BD8B9CEC07A}" type="datetime1">
               <a:rPr lang="en-US" smtClean="0"/>
-              <a:t>2/5/2023</a:t>
+              <a:t>2/18/2023</a:t>
             </a:fld>
             <a:endParaRPr lang="en-US" dirty="0"/>
           </a:p>
@@ -2635,7 +2635,7 @@
           <a:p>
             <a:fld id="{A4535E0C-D585-492F-8146-7493F4086301}" type="datetime1">
               <a:rPr lang="en-US" smtClean="0"/>
-              <a:t>2/5/2023</a:t>
+              <a:t>2/18/2023</a:t>
             </a:fld>
             <a:endParaRPr lang="en-US"/>
           </a:p>
@@ -2798,7 +2798,7 @@
           <a:p>
             <a:fld id="{8CE48390-48B5-49AB-B019-A7C8FB8C31F6}" type="datetime1">
               <a:rPr lang="en-US" smtClean="0"/>
-              <a:t>2/5/2023</a:t>
+              <a:t>2/18/2023</a:t>
             </a:fld>
             <a:endParaRPr lang="en-US"/>
           </a:p>
@@ -3327,7 +3327,7 @@
           <a:p>
             <a:fld id="{962E767E-8A14-4E70-91B9-2101CBC4D7BD}" type="datetime1">
               <a:rPr lang="en-US" smtClean="0"/>
-              <a:t>2/5/2023</a:t>
+              <a:t>2/18/2023</a:t>
             </a:fld>
             <a:endParaRPr lang="en-US" dirty="0"/>
           </a:p>
@@ -3848,7 +3848,7 @@
           <a:p>
             <a:fld id="{01AF0C4B-5A4A-45CA-ABEC-10F107160D33}" type="datetime1">
               <a:rPr lang="en-US" smtClean="0"/>
-              <a:t>2/5/2023</a:t>
+              <a:t>2/18/2023</a:t>
             </a:fld>
             <a:endParaRPr lang="en-US" dirty="0"/>
           </a:p>
@@ -4398,7 +4398,7 @@
           <a:p>
             <a:fld id="{6989806E-8E94-473C-AEE7-BE6F15F85533}" type="datetime1">
               <a:rPr lang="en-US" smtClean="0"/>
-              <a:t>2/5/2023</a:t>
+              <a:t>2/18/2023</a:t>
             </a:fld>
             <a:endParaRPr lang="en-US" dirty="0"/>
           </a:p>
@@ -5795,7 +5795,7 @@
         </p:nvSpPr>
         <p:spPr>
           <a:xfrm>
-            <a:off x="6193845" y="758493"/>
+            <a:off x="350675" y="749420"/>
             <a:ext cx="5619160" cy="3351887"/>
           </a:xfrm>
           <a:prstGeom prst="roundRect">
@@ -5852,7 +5852,7 @@
         </p:nvSpPr>
         <p:spPr>
           <a:xfrm>
-            <a:off x="378995" y="758492"/>
+            <a:off x="6193845" y="755744"/>
             <a:ext cx="5597670" cy="5931253"/>
           </a:xfrm>
           <a:prstGeom prst="roundRect">
@@ -5917,7 +5917,7 @@
         </p:blipFill>
         <p:spPr>
           <a:xfrm>
-            <a:off x="878383" y="935039"/>
+            <a:off x="6693233" y="932291"/>
             <a:ext cx="4405657" cy="5457191"/>
           </a:xfrm>
           <a:prstGeom prst="rect">
@@ -5954,7 +5954,7 @@
         </p:blipFill>
         <p:spPr bwMode="auto">
           <a:xfrm>
-            <a:off x="9915923" y="974411"/>
+            <a:off x="4072753" y="941275"/>
             <a:ext cx="1365539" cy="716908"/>
           </a:xfrm>
           <a:prstGeom prst="rect">
@@ -6001,7 +6001,7 @@
         </p:blipFill>
         <p:spPr bwMode="auto">
           <a:xfrm>
-            <a:off x="6373151" y="947861"/>
+            <a:off x="529981" y="914725"/>
             <a:ext cx="1333267" cy="819212"/>
           </a:xfrm>
           <a:prstGeom prst="rect">
@@ -6048,7 +6048,7 @@
         </p:blipFill>
         <p:spPr bwMode="auto">
           <a:xfrm>
-            <a:off x="6291662" y="2105747"/>
+            <a:off x="448492" y="2072611"/>
             <a:ext cx="1686866" cy="631647"/>
           </a:xfrm>
           <a:prstGeom prst="rect">
@@ -6080,7 +6080,7 @@
         </p:nvSpPr>
         <p:spPr>
           <a:xfrm>
-            <a:off x="378994" y="168254"/>
+            <a:off x="6182833" y="171003"/>
             <a:ext cx="5616000" cy="439341"/>
           </a:xfrm>
           <a:prstGeom prst="roundRect">
@@ -6121,61 +6121,6 @@
           </a:p>
         </p:txBody>
       </p:sp>
-      <p:sp>
-        <p:nvSpPr>
-          <p:cNvPr id="7" name="Prostokąt: zaokrąglone rogi 6">
-            <a:extLst>
-              <a:ext uri="{FF2B5EF4-FFF2-40B4-BE49-F238E27FC236}">
-                <a16:creationId xmlns:a16="http://schemas.microsoft.com/office/drawing/2014/main" id="{3CA21CAA-47C1-CFD7-95FE-8B3D69837CA5}"/>
-              </a:ext>
-            </a:extLst>
-          </p:cNvPr>
-          <p:cNvSpPr/>
-          <p:nvPr/>
-        </p:nvSpPr>
-        <p:spPr>
-          <a:xfrm>
-            <a:off x="6193845" y="168254"/>
-            <a:ext cx="5580000" cy="439341"/>
-          </a:xfrm>
-          <a:prstGeom prst="roundRect">
-            <a:avLst/>
-          </a:prstGeom>
-          <a:solidFill>
-            <a:srgbClr val="36899A"/>
-          </a:solidFill>
-          <a:ln>
-            <a:noFill/>
-          </a:ln>
-        </p:spPr>
-        <p:style>
-          <a:lnRef idx="2">
-            <a:schemeClr val="accent1">
-              <a:shade val="50000"/>
-            </a:schemeClr>
-          </a:lnRef>
-          <a:fillRef idx="1">
-            <a:schemeClr val="accent1"/>
-          </a:fillRef>
-          <a:effectRef idx="0">
-            <a:schemeClr val="accent1"/>
-          </a:effectRef>
-          <a:fontRef idx="minor">
-            <a:schemeClr val="lt1"/>
-          </a:fontRef>
-        </p:style>
-        <p:txBody>
-          <a:bodyPr rtlCol="0" anchor="ctr"/>
-          <a:lstStyle/>
-          <a:p>
-            <a:pPr algn="ctr"/>
-            <a:r>
-              <a:rPr lang="pl-PL" sz="2800" dirty="0"/>
-              <a:t>Wykorzystane technologie</a:t>
-            </a:r>
-          </a:p>
-        </p:txBody>
-      </p:sp>
       <p:pic>
         <p:nvPicPr>
           <p:cNvPr id="1032" name="Picture 8" descr="Groovy – Wikipedia, wolna encyklopedia">
@@ -6205,7 +6150,7 @@
         </p:blipFill>
         <p:spPr bwMode="auto">
           <a:xfrm>
-            <a:off x="7983373" y="935039"/>
+            <a:off x="2140203" y="901903"/>
             <a:ext cx="1522135" cy="756280"/>
           </a:xfrm>
           <a:prstGeom prst="rect">
@@ -6252,7 +6197,7 @@
         </p:blipFill>
         <p:spPr bwMode="auto">
           <a:xfrm>
-            <a:off x="8388975" y="2153950"/>
+            <a:off x="2545805" y="2120814"/>
             <a:ext cx="1070485" cy="535243"/>
           </a:xfrm>
           <a:prstGeom prst="rect">
@@ -6299,7 +6244,7 @@
         </p:blipFill>
         <p:spPr bwMode="auto">
           <a:xfrm>
-            <a:off x="10011728" y="2183332"/>
+            <a:off x="4168558" y="2150196"/>
             <a:ext cx="1365539" cy="368056"/>
           </a:xfrm>
           <a:prstGeom prst="rect">
@@ -6331,7 +6276,7 @@
         </p:nvSpPr>
         <p:spPr>
           <a:xfrm>
-            <a:off x="6179673" y="4261278"/>
+            <a:off x="350675" y="4253790"/>
             <a:ext cx="5619160" cy="1138785"/>
           </a:xfrm>
           <a:prstGeom prst="roundRect">
@@ -6403,7 +6348,7 @@
         </p:blipFill>
         <p:spPr bwMode="auto">
           <a:xfrm>
-            <a:off x="8156040" y="4493252"/>
+            <a:off x="2327042" y="4485764"/>
             <a:ext cx="1349468" cy="674734"/>
           </a:xfrm>
           <a:prstGeom prst="rect">
@@ -6450,7 +6395,7 @@
         </p:blipFill>
         <p:spPr bwMode="auto">
           <a:xfrm>
-            <a:off x="6564492" y="4691485"/>
+            <a:off x="735494" y="4683997"/>
             <a:ext cx="1127754" cy="278854"/>
           </a:xfrm>
           <a:prstGeom prst="rect">
@@ -6497,7 +6442,7 @@
         </p:blipFill>
         <p:spPr bwMode="auto">
           <a:xfrm>
-            <a:off x="9901751" y="4581045"/>
+            <a:off x="4072753" y="4573557"/>
             <a:ext cx="1500839" cy="449275"/>
           </a:xfrm>
           <a:prstGeom prst="rect">
@@ -6544,7 +6489,7 @@
         </p:blipFill>
         <p:spPr bwMode="auto">
           <a:xfrm>
-            <a:off x="6373151" y="3091352"/>
+            <a:off x="529981" y="3058216"/>
             <a:ext cx="1537726" cy="537151"/>
           </a:xfrm>
           <a:prstGeom prst="rect">
@@ -6584,7 +6529,7 @@
         </p:blipFill>
         <p:spPr>
           <a:xfrm>
-            <a:off x="8213087" y="3113098"/>
+            <a:off x="2369917" y="3079962"/>
             <a:ext cx="1537727" cy="452273"/>
           </a:xfrm>
           <a:prstGeom prst="rect">
@@ -6621,7 +6566,7 @@
         </p:blipFill>
         <p:spPr bwMode="auto">
           <a:xfrm>
-            <a:off x="10065811" y="3135203"/>
+            <a:off x="4222641" y="3102067"/>
             <a:ext cx="1367523" cy="368056"/>
           </a:xfrm>
           <a:prstGeom prst="rect">
@@ -6653,7 +6598,7 @@
         </p:nvSpPr>
         <p:spPr>
           <a:xfrm>
-            <a:off x="6193845" y="5550961"/>
+            <a:off x="350675" y="5539187"/>
             <a:ext cx="5619160" cy="1138785"/>
           </a:xfrm>
           <a:prstGeom prst="roundRect">
@@ -6725,7 +6670,7 @@
         </p:blipFill>
         <p:spPr bwMode="auto">
           <a:xfrm>
-            <a:off x="6373087" y="5910139"/>
+            <a:off x="529917" y="5898365"/>
             <a:ext cx="1605441" cy="473246"/>
           </a:xfrm>
           <a:prstGeom prst="rect">
@@ -6772,7 +6717,7 @@
         </p:blipFill>
         <p:spPr bwMode="auto">
           <a:xfrm>
-            <a:off x="8138584" y="5644643"/>
+            <a:off x="2295414" y="5632869"/>
             <a:ext cx="1729681" cy="812144"/>
           </a:xfrm>
           <a:prstGeom prst="rect">
@@ -6819,7 +6764,7 @@
         </p:blipFill>
         <p:spPr bwMode="auto">
           <a:xfrm>
-            <a:off x="10387648" y="5787176"/>
+            <a:off x="4544478" y="5775402"/>
             <a:ext cx="893814" cy="677809"/>
           </a:xfrm>
           <a:prstGeom prst="rect">
@@ -6837,6 +6782,61 @@
           </a:extLst>
         </p:spPr>
       </p:pic>
+      <p:sp>
+        <p:nvSpPr>
+          <p:cNvPr id="3" name="Prostokąt: zaokrąglone rogi 2">
+            <a:extLst>
+              <a:ext uri="{FF2B5EF4-FFF2-40B4-BE49-F238E27FC236}">
+                <a16:creationId xmlns:a16="http://schemas.microsoft.com/office/drawing/2014/main" id="{41BC329D-F371-919A-C4FD-2387993DB265}"/>
+              </a:ext>
+            </a:extLst>
+          </p:cNvPr>
+          <p:cNvSpPr/>
+          <p:nvPr/>
+        </p:nvSpPr>
+        <p:spPr>
+          <a:xfrm>
+            <a:off x="387830" y="168253"/>
+            <a:ext cx="5580000" cy="439341"/>
+          </a:xfrm>
+          <a:prstGeom prst="roundRect">
+            <a:avLst/>
+          </a:prstGeom>
+          <a:solidFill>
+            <a:srgbClr val="36899A"/>
+          </a:solidFill>
+          <a:ln>
+            <a:noFill/>
+          </a:ln>
+        </p:spPr>
+        <p:style>
+          <a:lnRef idx="2">
+            <a:schemeClr val="accent1">
+              <a:shade val="50000"/>
+            </a:schemeClr>
+          </a:lnRef>
+          <a:fillRef idx="1">
+            <a:schemeClr val="accent1"/>
+          </a:fillRef>
+          <a:effectRef idx="0">
+            <a:schemeClr val="accent1"/>
+          </a:effectRef>
+          <a:fontRef idx="minor">
+            <a:schemeClr val="lt1"/>
+          </a:fontRef>
+        </p:style>
+        <p:txBody>
+          <a:bodyPr rtlCol="0" anchor="ctr"/>
+          <a:lstStyle/>
+          <a:p>
+            <a:pPr algn="ctr"/>
+            <a:r>
+              <a:rPr lang="pl-PL" sz="2800" dirty="0"/>
+              <a:t>Wykorzystane technologie</a:t>
+            </a:r>
+          </a:p>
+        </p:txBody>
+      </p:sp>
     </p:spTree>
     <p:extLst>
       <p:ext uri="{BB962C8B-B14F-4D97-AF65-F5344CB8AC3E}">
@@ -7164,10 +7164,10 @@
       </p:sp>
       <p:pic>
         <p:nvPicPr>
-          <p:cNvPr id="6" name="Obraz 5">
-            <a:extLst>
-              <a:ext uri="{FF2B5EF4-FFF2-40B4-BE49-F238E27FC236}">
-                <a16:creationId xmlns:a16="http://schemas.microsoft.com/office/drawing/2014/main" id="{7FCB46E1-5F7A-77A3-5BBB-58E2EAE568FE}"/>
+          <p:cNvPr id="8" name="Obraz 7">
+            <a:extLst>
+              <a:ext uri="{FF2B5EF4-FFF2-40B4-BE49-F238E27FC236}">
+                <a16:creationId xmlns:a16="http://schemas.microsoft.com/office/drawing/2014/main" id="{CF117C41-D302-4E61-A0CF-4A2BDA50EEE2}"/>
               </a:ext>
             </a:extLst>
           </p:cNvPr>
@@ -7177,30 +7177,25 @@
           <p:nvPr/>
         </p:nvPicPr>
         <p:blipFill>
-          <a:blip r:embed="rId2" cstate="print">
+          <a:blip r:embed="rId2">
             <a:extLst>
               <a:ext uri="{28A0092B-C50C-407E-A947-70E740481C1C}">
                 <a14:useLocalDpi xmlns:a14="http://schemas.microsoft.com/office/drawing/2010/main" val="0"/>
               </a:ext>
             </a:extLst>
           </a:blip>
-          <a:srcRect/>
           <a:stretch>
             <a:fillRect/>
           </a:stretch>
         </p:blipFill>
-        <p:spPr bwMode="auto">
-          <a:xfrm>
-            <a:off x="3558699" y="758040"/>
-            <a:ext cx="5074602" cy="5896994"/>
+        <p:spPr>
+          <a:xfrm>
+            <a:off x="3813015" y="823452"/>
+            <a:ext cx="4505571" cy="5766169"/>
           </a:xfrm>
           <a:prstGeom prst="rect">
             <a:avLst/>
           </a:prstGeom>
-          <a:noFill/>
-          <a:ln>
-            <a:noFill/>
-          </a:ln>
         </p:spPr>
       </p:pic>
     </p:spTree>
@@ -7347,10 +7342,10 @@
       </p:sp>
       <p:pic>
         <p:nvPicPr>
-          <p:cNvPr id="5" name="Obraz 4">
-            <a:extLst>
-              <a:ext uri="{FF2B5EF4-FFF2-40B4-BE49-F238E27FC236}">
-                <a16:creationId xmlns:a16="http://schemas.microsoft.com/office/drawing/2014/main" id="{8FCCF8A9-5B83-B566-B473-F7AC97A85414}"/>
+          <p:cNvPr id="3" name="Obraz 2">
+            <a:extLst>
+              <a:ext uri="{FF2B5EF4-FFF2-40B4-BE49-F238E27FC236}">
+                <a16:creationId xmlns:a16="http://schemas.microsoft.com/office/drawing/2014/main" id="{3278A7E7-A99E-E5A7-1382-7BF139A28AA0}"/>
               </a:ext>
             </a:extLst>
           </p:cNvPr>
@@ -7360,30 +7355,25 @@
           <p:nvPr/>
         </p:nvPicPr>
         <p:blipFill>
-          <a:blip r:embed="rId2" cstate="print">
+          <a:blip r:embed="rId2">
             <a:extLst>
               <a:ext uri="{28A0092B-C50C-407E-A947-70E740481C1C}">
                 <a14:useLocalDpi xmlns:a14="http://schemas.microsoft.com/office/drawing/2010/main" val="0"/>
               </a:ext>
             </a:extLst>
           </a:blip>
-          <a:srcRect/>
           <a:stretch>
             <a:fillRect/>
           </a:stretch>
         </p:blipFill>
-        <p:spPr bwMode="auto">
-          <a:xfrm>
-            <a:off x="2409130" y="827506"/>
-            <a:ext cx="6850876" cy="5757539"/>
+        <p:spPr>
+          <a:xfrm>
+            <a:off x="2863970" y="848265"/>
+            <a:ext cx="6244431" cy="5716544"/>
           </a:xfrm>
           <a:prstGeom prst="rect">
             <a:avLst/>
           </a:prstGeom>
-          <a:noFill/>
-          <a:ln>
-            <a:noFill/>
-          </a:ln>
         </p:spPr>
       </p:pic>
     </p:spTree>
@@ -7430,7 +7420,7 @@
         </p:nvSpPr>
         <p:spPr>
           <a:xfrm>
-            <a:off x="378995" y="723330"/>
+            <a:off x="378995" y="740583"/>
             <a:ext cx="11392198" cy="5966415"/>
           </a:xfrm>
           <a:prstGeom prst="roundRect">
@@ -7523,2081 +7513,45 @@
             <a:pPr algn="ctr"/>
             <a:r>
               <a:rPr lang="pl-PL" sz="2800" dirty="0"/>
-              <a:t>Wdrożenie aplikacji z wykorzystaniem Docker Compose</a:t>
-            </a:r>
-          </a:p>
-        </p:txBody>
-      </p:sp>
-      <p:sp>
-        <p:nvSpPr>
-          <p:cNvPr id="6" name="pole tekstowe 5">
-            <a:extLst>
-              <a:ext uri="{FF2B5EF4-FFF2-40B4-BE49-F238E27FC236}">
-                <a16:creationId xmlns:a16="http://schemas.microsoft.com/office/drawing/2014/main" id="{593C7011-3739-9EF6-39B5-FB46ED536D39}"/>
-              </a:ext>
-            </a:extLst>
-          </p:cNvPr>
-          <p:cNvSpPr txBox="1"/>
+              <a:t>Dokumentacja punktów końcowych REST API</a:t>
+            </a:r>
+          </a:p>
+        </p:txBody>
+      </p:sp>
+      <p:pic>
+        <p:nvPicPr>
+          <p:cNvPr id="3" name="Obraz 2">
+            <a:extLst>
+              <a:ext uri="{FF2B5EF4-FFF2-40B4-BE49-F238E27FC236}">
+                <a16:creationId xmlns:a16="http://schemas.microsoft.com/office/drawing/2014/main" id="{7D0422A8-60FD-698A-3C6F-9DD704635DD3}"/>
+              </a:ext>
+            </a:extLst>
+          </p:cNvPr>
+          <p:cNvPicPr>
+            <a:picLocks noChangeAspect="1"/>
+          </p:cNvPicPr>
           <p:nvPr/>
-        </p:nvSpPr>
-        <p:spPr>
-          <a:xfrm>
-            <a:off x="1104196" y="826308"/>
-            <a:ext cx="7378700" cy="5816977"/>
+        </p:nvPicPr>
+        <p:blipFill>
+          <a:blip r:embed="rId2"/>
+          <a:stretch>
+            <a:fillRect/>
+          </a:stretch>
+        </p:blipFill>
+        <p:spPr>
+          <a:xfrm>
+            <a:off x="2671306" y="833220"/>
+            <a:ext cx="6788990" cy="5781140"/>
           </a:xfrm>
           <a:prstGeom prst="rect">
             <a:avLst/>
           </a:prstGeom>
-          <a:noFill/>
-        </p:spPr>
-        <p:txBody>
-          <a:bodyPr wrap="square">
-            <a:spAutoFit/>
-          </a:bodyPr>
-          <a:lstStyle/>
-          <a:p>
-            <a:r>
-              <a:rPr lang="pl-PL" sz="1200" b="0" dirty="0">
-                <a:solidFill>
-                  <a:srgbClr val="569CD6"/>
-                </a:solidFill>
-                <a:effectLst/>
-                <a:latin typeface="Consolas" panose="020B0609020204030204" pitchFamily="49" charset="0"/>
-              </a:rPr>
-              <a:t>services</a:t>
-            </a:r>
-            <a:r>
-              <a:rPr lang="pl-PL" sz="1200" b="0" dirty="0">
-                <a:solidFill>
-                  <a:srgbClr val="D4D4D4"/>
-                </a:solidFill>
-                <a:effectLst/>
-                <a:latin typeface="Consolas" panose="020B0609020204030204" pitchFamily="49" charset="0"/>
-              </a:rPr>
-              <a:t>:</a:t>
-            </a:r>
-          </a:p>
-          <a:p>
-            <a:br>
-              <a:rPr lang="pl-PL" sz="1200" b="0" dirty="0">
-                <a:solidFill>
-                  <a:srgbClr val="D4D4D4"/>
-                </a:solidFill>
-                <a:effectLst/>
-                <a:latin typeface="Consolas" panose="020B0609020204030204" pitchFamily="49" charset="0"/>
-              </a:rPr>
-            </a:br>
-            <a:r>
-              <a:rPr lang="pl-PL" sz="1200" b="0" dirty="0">
-                <a:solidFill>
-                  <a:srgbClr val="D4D4D4"/>
-                </a:solidFill>
-                <a:effectLst/>
-                <a:latin typeface="Consolas" panose="020B0609020204030204" pitchFamily="49" charset="0"/>
-              </a:rPr>
-              <a:t>  </a:t>
-            </a:r>
-            <a:r>
-              <a:rPr lang="pl-PL" sz="1200" b="0" dirty="0" err="1">
-                <a:solidFill>
-                  <a:srgbClr val="569CD6"/>
-                </a:solidFill>
-                <a:effectLst/>
-                <a:latin typeface="Consolas" panose="020B0609020204030204" pitchFamily="49" charset="0"/>
-              </a:rPr>
-              <a:t>simple-bills</a:t>
-            </a:r>
-            <a:r>
-              <a:rPr lang="pl-PL" sz="1200" b="0" dirty="0">
-                <a:solidFill>
-                  <a:srgbClr val="D4D4D4"/>
-                </a:solidFill>
-                <a:effectLst/>
-                <a:latin typeface="Consolas" panose="020B0609020204030204" pitchFamily="49" charset="0"/>
-              </a:rPr>
-              <a:t>:</a:t>
-            </a:r>
-          </a:p>
-          <a:p>
-            <a:r>
-              <a:rPr lang="pl-PL" sz="1200" b="0" dirty="0">
-                <a:solidFill>
-                  <a:srgbClr val="D4D4D4"/>
-                </a:solidFill>
-                <a:effectLst/>
-                <a:latin typeface="Consolas" panose="020B0609020204030204" pitchFamily="49" charset="0"/>
-              </a:rPr>
-              <a:t>    </a:t>
-            </a:r>
-            <a:r>
-              <a:rPr lang="pl-PL" sz="1200" b="0" dirty="0" err="1">
-                <a:solidFill>
-                  <a:srgbClr val="569CD6"/>
-                </a:solidFill>
-                <a:effectLst/>
-                <a:latin typeface="Consolas" panose="020B0609020204030204" pitchFamily="49" charset="0"/>
-              </a:rPr>
-              <a:t>build</a:t>
-            </a:r>
-            <a:r>
-              <a:rPr lang="pl-PL" sz="1200" b="0" dirty="0">
-                <a:solidFill>
-                  <a:srgbClr val="D4D4D4"/>
-                </a:solidFill>
-                <a:effectLst/>
-                <a:latin typeface="Consolas" panose="020B0609020204030204" pitchFamily="49" charset="0"/>
-              </a:rPr>
-              <a:t>: </a:t>
-            </a:r>
-            <a:r>
-              <a:rPr lang="pl-PL" sz="1200" b="0" dirty="0" err="1">
-                <a:solidFill>
-                  <a:srgbClr val="CE9178"/>
-                </a:solidFill>
-                <a:effectLst/>
-                <a:latin typeface="Consolas" panose="020B0609020204030204" pitchFamily="49" charset="0"/>
-              </a:rPr>
-              <a:t>simple-bills-gui</a:t>
-            </a:r>
-            <a:endParaRPr lang="pl-PL" sz="1200" b="0" dirty="0">
-              <a:solidFill>
-                <a:srgbClr val="D4D4D4"/>
-              </a:solidFill>
-              <a:effectLst/>
-              <a:latin typeface="Consolas" panose="020B0609020204030204" pitchFamily="49" charset="0"/>
-            </a:endParaRPr>
-          </a:p>
-          <a:p>
-            <a:r>
-              <a:rPr lang="pl-PL" sz="1200" b="0" dirty="0">
-                <a:solidFill>
-                  <a:srgbClr val="D4D4D4"/>
-                </a:solidFill>
-                <a:effectLst/>
-                <a:latin typeface="Consolas" panose="020B0609020204030204" pitchFamily="49" charset="0"/>
-              </a:rPr>
-              <a:t>    </a:t>
-            </a:r>
-            <a:r>
-              <a:rPr lang="pl-PL" sz="1200" b="0" dirty="0" err="1">
-                <a:solidFill>
-                  <a:srgbClr val="569CD6"/>
-                </a:solidFill>
-                <a:effectLst/>
-                <a:latin typeface="Consolas" panose="020B0609020204030204" pitchFamily="49" charset="0"/>
-              </a:rPr>
-              <a:t>ports</a:t>
-            </a:r>
-            <a:r>
-              <a:rPr lang="pl-PL" sz="1200" b="0" dirty="0">
-                <a:solidFill>
-                  <a:srgbClr val="D4D4D4"/>
-                </a:solidFill>
-                <a:effectLst/>
-                <a:latin typeface="Consolas" panose="020B0609020204030204" pitchFamily="49" charset="0"/>
-              </a:rPr>
-              <a:t>:</a:t>
-            </a:r>
-          </a:p>
-          <a:p>
-            <a:r>
-              <a:rPr lang="pl-PL" sz="1200" b="0" dirty="0">
-                <a:solidFill>
-                  <a:srgbClr val="D4D4D4"/>
-                </a:solidFill>
-                <a:effectLst/>
-                <a:latin typeface="Consolas" panose="020B0609020204030204" pitchFamily="49" charset="0"/>
-              </a:rPr>
-              <a:t>      - </a:t>
-            </a:r>
-            <a:r>
-              <a:rPr lang="pl-PL" sz="1200" b="0" dirty="0">
-                <a:solidFill>
-                  <a:srgbClr val="CE9178"/>
-                </a:solidFill>
-                <a:effectLst/>
-                <a:latin typeface="Consolas" panose="020B0609020204030204" pitchFamily="49" charset="0"/>
-              </a:rPr>
-              <a:t>80:80</a:t>
-            </a:r>
-            <a:endParaRPr lang="pl-PL" sz="1200" b="0" dirty="0">
-              <a:solidFill>
-                <a:srgbClr val="D4D4D4"/>
-              </a:solidFill>
-              <a:effectLst/>
-              <a:latin typeface="Consolas" panose="020B0609020204030204" pitchFamily="49" charset="0"/>
-            </a:endParaRPr>
-          </a:p>
-          <a:p>
-            <a:r>
-              <a:rPr lang="pl-PL" sz="1200" b="0" dirty="0">
-                <a:solidFill>
-                  <a:srgbClr val="D4D4D4"/>
-                </a:solidFill>
-                <a:effectLst/>
-                <a:latin typeface="Consolas" panose="020B0609020204030204" pitchFamily="49" charset="0"/>
-              </a:rPr>
-              <a:t>    </a:t>
-            </a:r>
-            <a:r>
-              <a:rPr lang="pl-PL" sz="1200" b="0" dirty="0">
-                <a:solidFill>
-                  <a:srgbClr val="569CD6"/>
-                </a:solidFill>
-                <a:effectLst/>
-                <a:latin typeface="Consolas" panose="020B0609020204030204" pitchFamily="49" charset="0"/>
-              </a:rPr>
-              <a:t>restart</a:t>
-            </a:r>
-            <a:r>
-              <a:rPr lang="pl-PL" sz="1200" b="0" dirty="0">
-                <a:solidFill>
-                  <a:srgbClr val="D4D4D4"/>
-                </a:solidFill>
-                <a:effectLst/>
-                <a:latin typeface="Consolas" panose="020B0609020204030204" pitchFamily="49" charset="0"/>
-              </a:rPr>
-              <a:t>: </a:t>
-            </a:r>
-            <a:r>
-              <a:rPr lang="pl-PL" sz="1200" b="0" dirty="0" err="1">
-                <a:solidFill>
-                  <a:srgbClr val="CE9178"/>
-                </a:solidFill>
-                <a:effectLst/>
-                <a:latin typeface="Consolas" panose="020B0609020204030204" pitchFamily="49" charset="0"/>
-              </a:rPr>
-              <a:t>unless-stopped</a:t>
-            </a:r>
-            <a:endParaRPr lang="pl-PL" sz="1200" b="0" dirty="0">
-              <a:solidFill>
-                <a:srgbClr val="D4D4D4"/>
-              </a:solidFill>
-              <a:effectLst/>
-              <a:latin typeface="Consolas" panose="020B0609020204030204" pitchFamily="49" charset="0"/>
-            </a:endParaRPr>
-          </a:p>
-          <a:p>
-            <a:r>
-              <a:rPr lang="pl-PL" sz="1200" b="0" dirty="0">
-                <a:solidFill>
-                  <a:srgbClr val="D4D4D4"/>
-                </a:solidFill>
-                <a:effectLst/>
-                <a:latin typeface="Consolas" panose="020B0609020204030204" pitchFamily="49" charset="0"/>
-              </a:rPr>
-              <a:t>    </a:t>
-            </a:r>
-            <a:r>
-              <a:rPr lang="pl-PL" sz="1200" b="0" dirty="0" err="1">
-                <a:solidFill>
-                  <a:srgbClr val="569CD6"/>
-                </a:solidFill>
-                <a:effectLst/>
-                <a:latin typeface="Consolas" panose="020B0609020204030204" pitchFamily="49" charset="0"/>
-              </a:rPr>
-              <a:t>depends_on</a:t>
-            </a:r>
-            <a:r>
-              <a:rPr lang="pl-PL" sz="1200" b="0" dirty="0">
-                <a:solidFill>
-                  <a:srgbClr val="D4D4D4"/>
-                </a:solidFill>
-                <a:effectLst/>
-                <a:latin typeface="Consolas" panose="020B0609020204030204" pitchFamily="49" charset="0"/>
-              </a:rPr>
-              <a:t>:</a:t>
-            </a:r>
-          </a:p>
-          <a:p>
-            <a:r>
-              <a:rPr lang="pl-PL" sz="1200" b="0" dirty="0">
-                <a:solidFill>
-                  <a:srgbClr val="D4D4D4"/>
-                </a:solidFill>
-                <a:effectLst/>
-                <a:latin typeface="Consolas" panose="020B0609020204030204" pitchFamily="49" charset="0"/>
-              </a:rPr>
-              <a:t>      - </a:t>
-            </a:r>
-            <a:r>
-              <a:rPr lang="pl-PL" sz="1200" b="0" dirty="0">
-                <a:solidFill>
-                  <a:srgbClr val="CE9178"/>
-                </a:solidFill>
-                <a:effectLst/>
-                <a:latin typeface="Consolas" panose="020B0609020204030204" pitchFamily="49" charset="0"/>
-              </a:rPr>
-              <a:t>transaction-management</a:t>
-            </a:r>
-            <a:endParaRPr lang="pl-PL" sz="1200" b="0" dirty="0">
-              <a:solidFill>
-                <a:srgbClr val="D4D4D4"/>
-              </a:solidFill>
-              <a:effectLst/>
-              <a:latin typeface="Consolas" panose="020B0609020204030204" pitchFamily="49" charset="0"/>
-            </a:endParaRPr>
-          </a:p>
-          <a:p>
-            <a:r>
-              <a:rPr lang="pl-PL" sz="1200" b="0" dirty="0">
-                <a:solidFill>
-                  <a:srgbClr val="D4D4D4"/>
-                </a:solidFill>
-                <a:effectLst/>
-                <a:latin typeface="Consolas" panose="020B0609020204030204" pitchFamily="49" charset="0"/>
-              </a:rPr>
-              <a:t>      - </a:t>
-            </a:r>
-            <a:r>
-              <a:rPr lang="pl-PL" sz="1200" b="0" dirty="0" err="1">
-                <a:solidFill>
-                  <a:srgbClr val="CE9178"/>
-                </a:solidFill>
-                <a:effectLst/>
-                <a:latin typeface="Consolas" panose="020B0609020204030204" pitchFamily="49" charset="0"/>
-              </a:rPr>
-              <a:t>planning</a:t>
-            </a:r>
-            <a:endParaRPr lang="pl-PL" sz="1200" b="0" dirty="0">
-              <a:solidFill>
-                <a:srgbClr val="D4D4D4"/>
-              </a:solidFill>
-              <a:effectLst/>
-              <a:latin typeface="Consolas" panose="020B0609020204030204" pitchFamily="49" charset="0"/>
-            </a:endParaRPr>
-          </a:p>
-          <a:p>
-            <a:r>
-              <a:rPr lang="pl-PL" sz="1200" b="0" dirty="0">
-                <a:solidFill>
-                  <a:srgbClr val="D4D4D4"/>
-                </a:solidFill>
-                <a:effectLst/>
-                <a:latin typeface="Consolas" panose="020B0609020204030204" pitchFamily="49" charset="0"/>
-              </a:rPr>
-              <a:t>      - </a:t>
-            </a:r>
-            <a:r>
-              <a:rPr lang="pl-PL" sz="1200" b="0" dirty="0" err="1">
-                <a:solidFill>
-                  <a:srgbClr val="CE9178"/>
-                </a:solidFill>
-                <a:effectLst/>
-                <a:latin typeface="Consolas" panose="020B0609020204030204" pitchFamily="49" charset="0"/>
-              </a:rPr>
-              <a:t>asset</a:t>
-            </a:r>
-            <a:r>
-              <a:rPr lang="pl-PL" sz="1200" b="0" dirty="0">
-                <a:solidFill>
-                  <a:srgbClr val="CE9178"/>
-                </a:solidFill>
-                <a:effectLst/>
-                <a:latin typeface="Consolas" panose="020B0609020204030204" pitchFamily="49" charset="0"/>
-              </a:rPr>
-              <a:t>-management</a:t>
-            </a:r>
-            <a:endParaRPr lang="pl-PL" sz="1200" b="0" dirty="0">
-              <a:solidFill>
-                <a:srgbClr val="D4D4D4"/>
-              </a:solidFill>
-              <a:effectLst/>
-              <a:latin typeface="Consolas" panose="020B0609020204030204" pitchFamily="49" charset="0"/>
-            </a:endParaRPr>
-          </a:p>
-          <a:p>
-            <a:br>
-              <a:rPr lang="pl-PL" sz="1200" b="0" dirty="0">
-                <a:solidFill>
-                  <a:srgbClr val="D4D4D4"/>
-                </a:solidFill>
-                <a:effectLst/>
-                <a:latin typeface="Consolas" panose="020B0609020204030204" pitchFamily="49" charset="0"/>
-              </a:rPr>
-            </a:br>
-            <a:r>
-              <a:rPr lang="pl-PL" sz="1200" b="0" dirty="0">
-                <a:solidFill>
-                  <a:srgbClr val="D4D4D4"/>
-                </a:solidFill>
-                <a:effectLst/>
-                <a:latin typeface="Consolas" panose="020B0609020204030204" pitchFamily="49" charset="0"/>
-              </a:rPr>
-              <a:t>  </a:t>
-            </a:r>
-            <a:r>
-              <a:rPr lang="pl-PL" sz="1200" b="0" dirty="0">
-                <a:solidFill>
-                  <a:srgbClr val="569CD6"/>
-                </a:solidFill>
-                <a:effectLst/>
-                <a:latin typeface="Consolas" panose="020B0609020204030204" pitchFamily="49" charset="0"/>
-              </a:rPr>
-              <a:t>transaction-management</a:t>
-            </a:r>
-            <a:r>
-              <a:rPr lang="pl-PL" sz="1200" b="0" dirty="0">
-                <a:solidFill>
-                  <a:srgbClr val="D4D4D4"/>
-                </a:solidFill>
-                <a:effectLst/>
-                <a:latin typeface="Consolas" panose="020B0609020204030204" pitchFamily="49" charset="0"/>
-              </a:rPr>
-              <a:t>:</a:t>
-            </a:r>
-          </a:p>
-          <a:p>
-            <a:r>
-              <a:rPr lang="pl-PL" sz="1200" b="0" dirty="0">
-                <a:solidFill>
-                  <a:srgbClr val="D4D4D4"/>
-                </a:solidFill>
-                <a:effectLst/>
-                <a:latin typeface="Consolas" panose="020B0609020204030204" pitchFamily="49" charset="0"/>
-              </a:rPr>
-              <a:t>    </a:t>
-            </a:r>
-            <a:r>
-              <a:rPr lang="pl-PL" sz="1200" b="0" dirty="0" err="1">
-                <a:solidFill>
-                  <a:srgbClr val="569CD6"/>
-                </a:solidFill>
-                <a:effectLst/>
-                <a:latin typeface="Consolas" panose="020B0609020204030204" pitchFamily="49" charset="0"/>
-              </a:rPr>
-              <a:t>build</a:t>
-            </a:r>
-            <a:r>
-              <a:rPr lang="pl-PL" sz="1200" b="0" dirty="0">
-                <a:solidFill>
-                  <a:srgbClr val="D4D4D4"/>
-                </a:solidFill>
-                <a:effectLst/>
-                <a:latin typeface="Consolas" panose="020B0609020204030204" pitchFamily="49" charset="0"/>
-              </a:rPr>
-              <a:t>: </a:t>
-            </a:r>
-            <a:r>
-              <a:rPr lang="pl-PL" sz="1200" b="0" dirty="0">
-                <a:solidFill>
-                  <a:srgbClr val="CE9178"/>
-                </a:solidFill>
-                <a:effectLst/>
-                <a:latin typeface="Consolas" panose="020B0609020204030204" pitchFamily="49" charset="0"/>
-              </a:rPr>
-              <a:t>transaction-management</a:t>
-            </a:r>
-            <a:endParaRPr lang="pl-PL" sz="1200" b="0" dirty="0">
-              <a:solidFill>
-                <a:srgbClr val="D4D4D4"/>
-              </a:solidFill>
-              <a:effectLst/>
-              <a:latin typeface="Consolas" panose="020B0609020204030204" pitchFamily="49" charset="0"/>
-            </a:endParaRPr>
-          </a:p>
-          <a:p>
-            <a:r>
-              <a:rPr lang="pl-PL" sz="1200" b="0" dirty="0">
-                <a:solidFill>
-                  <a:srgbClr val="D4D4D4"/>
-                </a:solidFill>
-                <a:effectLst/>
-                <a:latin typeface="Consolas" panose="020B0609020204030204" pitchFamily="49" charset="0"/>
-              </a:rPr>
-              <a:t>    </a:t>
-            </a:r>
-            <a:r>
-              <a:rPr lang="pl-PL" sz="1200" b="0" dirty="0" err="1">
-                <a:solidFill>
-                  <a:srgbClr val="569CD6"/>
-                </a:solidFill>
-                <a:effectLst/>
-                <a:latin typeface="Consolas" panose="020B0609020204030204" pitchFamily="49" charset="0"/>
-              </a:rPr>
-              <a:t>ports</a:t>
-            </a:r>
-            <a:r>
-              <a:rPr lang="pl-PL" sz="1200" b="0" dirty="0">
-                <a:solidFill>
-                  <a:srgbClr val="D4D4D4"/>
-                </a:solidFill>
-                <a:effectLst/>
-                <a:latin typeface="Consolas" panose="020B0609020204030204" pitchFamily="49" charset="0"/>
-              </a:rPr>
-              <a:t>:</a:t>
-            </a:r>
-          </a:p>
-          <a:p>
-            <a:r>
-              <a:rPr lang="pl-PL" sz="1200" b="0" dirty="0">
-                <a:solidFill>
-                  <a:srgbClr val="D4D4D4"/>
-                </a:solidFill>
-                <a:effectLst/>
-                <a:latin typeface="Consolas" panose="020B0609020204030204" pitchFamily="49" charset="0"/>
-              </a:rPr>
-              <a:t>      - </a:t>
-            </a:r>
-            <a:r>
-              <a:rPr lang="pl-PL" sz="1200" b="0" dirty="0">
-                <a:solidFill>
-                  <a:srgbClr val="CE9178"/>
-                </a:solidFill>
-                <a:effectLst/>
-                <a:latin typeface="Consolas" panose="020B0609020204030204" pitchFamily="49" charset="0"/>
-              </a:rPr>
-              <a:t>443:8080</a:t>
-            </a:r>
-            <a:endParaRPr lang="pl-PL" sz="1200" b="0" dirty="0">
-              <a:solidFill>
-                <a:srgbClr val="D4D4D4"/>
-              </a:solidFill>
-              <a:effectLst/>
-              <a:latin typeface="Consolas" panose="020B0609020204030204" pitchFamily="49" charset="0"/>
-            </a:endParaRPr>
-          </a:p>
-          <a:p>
-            <a:r>
-              <a:rPr lang="pl-PL" sz="1200" b="0" dirty="0">
-                <a:solidFill>
-                  <a:srgbClr val="D4D4D4"/>
-                </a:solidFill>
-                <a:effectLst/>
-                <a:latin typeface="Consolas" panose="020B0609020204030204" pitchFamily="49" charset="0"/>
-              </a:rPr>
-              <a:t>    </a:t>
-            </a:r>
-            <a:r>
-              <a:rPr lang="pl-PL" sz="1200" b="0" dirty="0">
-                <a:solidFill>
-                  <a:srgbClr val="569CD6"/>
-                </a:solidFill>
-                <a:effectLst/>
-                <a:latin typeface="Consolas" panose="020B0609020204030204" pitchFamily="49" charset="0"/>
-              </a:rPr>
-              <a:t>restart</a:t>
-            </a:r>
-            <a:r>
-              <a:rPr lang="pl-PL" sz="1200" b="0" dirty="0">
-                <a:solidFill>
-                  <a:srgbClr val="D4D4D4"/>
-                </a:solidFill>
-                <a:effectLst/>
-                <a:latin typeface="Consolas" panose="020B0609020204030204" pitchFamily="49" charset="0"/>
-              </a:rPr>
-              <a:t>: </a:t>
-            </a:r>
-            <a:r>
-              <a:rPr lang="pl-PL" sz="1200" b="0" dirty="0" err="1">
-                <a:solidFill>
-                  <a:srgbClr val="CE9178"/>
-                </a:solidFill>
-                <a:effectLst/>
-                <a:latin typeface="Consolas" panose="020B0609020204030204" pitchFamily="49" charset="0"/>
-              </a:rPr>
-              <a:t>unless-stopped</a:t>
-            </a:r>
-            <a:endParaRPr lang="pl-PL" sz="1200" b="0" dirty="0">
-              <a:solidFill>
-                <a:srgbClr val="D4D4D4"/>
-              </a:solidFill>
-              <a:effectLst/>
-              <a:latin typeface="Consolas" panose="020B0609020204030204" pitchFamily="49" charset="0"/>
-            </a:endParaRPr>
-          </a:p>
-          <a:p>
-            <a:r>
-              <a:rPr lang="pl-PL" sz="1200" b="0" dirty="0">
-                <a:solidFill>
-                  <a:srgbClr val="D4D4D4"/>
-                </a:solidFill>
-                <a:effectLst/>
-                <a:latin typeface="Consolas" panose="020B0609020204030204" pitchFamily="49" charset="0"/>
-              </a:rPr>
-              <a:t>    </a:t>
-            </a:r>
-            <a:r>
-              <a:rPr lang="pl-PL" sz="1200" b="0" dirty="0" err="1">
-                <a:solidFill>
-                  <a:srgbClr val="569CD6"/>
-                </a:solidFill>
-                <a:effectLst/>
-                <a:latin typeface="Consolas" panose="020B0609020204030204" pitchFamily="49" charset="0"/>
-              </a:rPr>
-              <a:t>depends_on</a:t>
-            </a:r>
-            <a:r>
-              <a:rPr lang="pl-PL" sz="1200" b="0" dirty="0">
-                <a:solidFill>
-                  <a:srgbClr val="D4D4D4"/>
-                </a:solidFill>
-                <a:effectLst/>
-                <a:latin typeface="Consolas" panose="020B0609020204030204" pitchFamily="49" charset="0"/>
-              </a:rPr>
-              <a:t>:</a:t>
-            </a:r>
-          </a:p>
-          <a:p>
-            <a:r>
-              <a:rPr lang="pl-PL" sz="1200" b="0" dirty="0">
-                <a:solidFill>
-                  <a:srgbClr val="D4D4D4"/>
-                </a:solidFill>
-                <a:effectLst/>
-                <a:latin typeface="Consolas" panose="020B0609020204030204" pitchFamily="49" charset="0"/>
-              </a:rPr>
-              <a:t>      - </a:t>
-            </a:r>
-            <a:r>
-              <a:rPr lang="pl-PL" sz="1200" b="0" dirty="0" err="1">
-                <a:solidFill>
-                  <a:srgbClr val="CE9178"/>
-                </a:solidFill>
-                <a:effectLst/>
-                <a:latin typeface="Consolas" panose="020B0609020204030204" pitchFamily="49" charset="0"/>
-              </a:rPr>
-              <a:t>rabbitmq</a:t>
-            </a:r>
-            <a:endParaRPr lang="pl-PL" sz="1200" b="0" dirty="0">
-              <a:solidFill>
-                <a:srgbClr val="D4D4D4"/>
-              </a:solidFill>
-              <a:effectLst/>
-              <a:latin typeface="Consolas" panose="020B0609020204030204" pitchFamily="49" charset="0"/>
-            </a:endParaRPr>
-          </a:p>
-          <a:p>
-            <a:r>
-              <a:rPr lang="pl-PL" sz="1200" b="0" dirty="0">
-                <a:solidFill>
-                  <a:srgbClr val="D4D4D4"/>
-                </a:solidFill>
-                <a:effectLst/>
-                <a:latin typeface="Consolas" panose="020B0609020204030204" pitchFamily="49" charset="0"/>
-              </a:rPr>
-              <a:t>    </a:t>
-            </a:r>
-            <a:r>
-              <a:rPr lang="pl-PL" sz="1200" b="0" dirty="0" err="1">
-                <a:solidFill>
-                  <a:srgbClr val="569CD6"/>
-                </a:solidFill>
-                <a:effectLst/>
-                <a:latin typeface="Consolas" panose="020B0609020204030204" pitchFamily="49" charset="0"/>
-              </a:rPr>
-              <a:t>env_file</a:t>
-            </a:r>
-            <a:r>
-              <a:rPr lang="pl-PL" sz="1200" b="0" dirty="0">
-                <a:solidFill>
-                  <a:srgbClr val="D4D4D4"/>
-                </a:solidFill>
-                <a:effectLst/>
-                <a:latin typeface="Consolas" panose="020B0609020204030204" pitchFamily="49" charset="0"/>
-              </a:rPr>
-              <a:t>:</a:t>
-            </a:r>
-          </a:p>
-          <a:p>
-            <a:r>
-              <a:rPr lang="pl-PL" sz="1200" b="0" dirty="0">
-                <a:solidFill>
-                  <a:srgbClr val="D4D4D4"/>
-                </a:solidFill>
-                <a:effectLst/>
-                <a:latin typeface="Consolas" panose="020B0609020204030204" pitchFamily="49" charset="0"/>
-              </a:rPr>
-              <a:t>      - </a:t>
-            </a:r>
-            <a:r>
-              <a:rPr lang="pl-PL" sz="1200" b="0" dirty="0" err="1">
-                <a:solidFill>
-                  <a:srgbClr val="CE9178"/>
-                </a:solidFill>
-                <a:effectLst/>
-                <a:latin typeface="Consolas" panose="020B0609020204030204" pitchFamily="49" charset="0"/>
-              </a:rPr>
-              <a:t>common_env.env</a:t>
-            </a:r>
-            <a:endParaRPr lang="pl-PL" sz="1200" b="0" dirty="0">
-              <a:solidFill>
-                <a:srgbClr val="D4D4D4"/>
-              </a:solidFill>
-              <a:effectLst/>
-              <a:latin typeface="Consolas" panose="020B0609020204030204" pitchFamily="49" charset="0"/>
-            </a:endParaRPr>
-          </a:p>
-          <a:p>
-            <a:br>
-              <a:rPr lang="pl-PL" sz="1200" b="0" dirty="0">
-                <a:solidFill>
-                  <a:srgbClr val="D4D4D4"/>
-                </a:solidFill>
-                <a:effectLst/>
-                <a:latin typeface="Consolas" panose="020B0609020204030204" pitchFamily="49" charset="0"/>
-              </a:rPr>
-            </a:br>
-            <a:r>
-              <a:rPr lang="pl-PL" sz="1200" b="0" dirty="0">
-                <a:solidFill>
-                  <a:srgbClr val="D4D4D4"/>
-                </a:solidFill>
-                <a:effectLst/>
-                <a:latin typeface="Consolas" panose="020B0609020204030204" pitchFamily="49" charset="0"/>
-              </a:rPr>
-              <a:t>  </a:t>
-            </a:r>
-            <a:r>
-              <a:rPr lang="pl-PL" sz="1200" b="0" dirty="0" err="1">
-                <a:solidFill>
-                  <a:srgbClr val="569CD6"/>
-                </a:solidFill>
-                <a:effectLst/>
-                <a:latin typeface="Consolas" panose="020B0609020204030204" pitchFamily="49" charset="0"/>
-              </a:rPr>
-              <a:t>planning</a:t>
-            </a:r>
-            <a:r>
-              <a:rPr lang="pl-PL" sz="1200" b="0" dirty="0">
-                <a:solidFill>
-                  <a:srgbClr val="D4D4D4"/>
-                </a:solidFill>
-                <a:effectLst/>
-                <a:latin typeface="Consolas" panose="020B0609020204030204" pitchFamily="49" charset="0"/>
-              </a:rPr>
-              <a:t>:</a:t>
-            </a:r>
-          </a:p>
-          <a:p>
-            <a:r>
-              <a:rPr lang="pl-PL" sz="1200" b="0" dirty="0">
-                <a:solidFill>
-                  <a:srgbClr val="D4D4D4"/>
-                </a:solidFill>
-                <a:effectLst/>
-                <a:latin typeface="Consolas" panose="020B0609020204030204" pitchFamily="49" charset="0"/>
-              </a:rPr>
-              <a:t>    </a:t>
-            </a:r>
-            <a:r>
-              <a:rPr lang="pl-PL" sz="1200" b="0" dirty="0" err="1">
-                <a:solidFill>
-                  <a:srgbClr val="569CD6"/>
-                </a:solidFill>
-                <a:effectLst/>
-                <a:latin typeface="Consolas" panose="020B0609020204030204" pitchFamily="49" charset="0"/>
-              </a:rPr>
-              <a:t>build</a:t>
-            </a:r>
-            <a:r>
-              <a:rPr lang="pl-PL" sz="1200" b="0" dirty="0">
-                <a:solidFill>
-                  <a:srgbClr val="D4D4D4"/>
-                </a:solidFill>
-                <a:effectLst/>
-                <a:latin typeface="Consolas" panose="020B0609020204030204" pitchFamily="49" charset="0"/>
-              </a:rPr>
-              <a:t>: </a:t>
-            </a:r>
-            <a:r>
-              <a:rPr lang="pl-PL" sz="1200" b="0" dirty="0" err="1">
-                <a:solidFill>
-                  <a:srgbClr val="CE9178"/>
-                </a:solidFill>
-                <a:effectLst/>
-                <a:latin typeface="Consolas" panose="020B0609020204030204" pitchFamily="49" charset="0"/>
-              </a:rPr>
-              <a:t>planning</a:t>
-            </a:r>
-            <a:endParaRPr lang="pl-PL" sz="1200" b="0" dirty="0">
-              <a:solidFill>
-                <a:srgbClr val="D4D4D4"/>
-              </a:solidFill>
-              <a:effectLst/>
-              <a:latin typeface="Consolas" panose="020B0609020204030204" pitchFamily="49" charset="0"/>
-            </a:endParaRPr>
-          </a:p>
-          <a:p>
-            <a:r>
-              <a:rPr lang="pl-PL" sz="1200" b="0" dirty="0">
-                <a:solidFill>
-                  <a:srgbClr val="D4D4D4"/>
-                </a:solidFill>
-                <a:effectLst/>
-                <a:latin typeface="Consolas" panose="020B0609020204030204" pitchFamily="49" charset="0"/>
-              </a:rPr>
-              <a:t>    </a:t>
-            </a:r>
-            <a:r>
-              <a:rPr lang="pl-PL" sz="1200" b="0" dirty="0" err="1">
-                <a:solidFill>
-                  <a:srgbClr val="569CD6"/>
-                </a:solidFill>
-                <a:effectLst/>
-                <a:latin typeface="Consolas" panose="020B0609020204030204" pitchFamily="49" charset="0"/>
-              </a:rPr>
-              <a:t>ports</a:t>
-            </a:r>
-            <a:r>
-              <a:rPr lang="pl-PL" sz="1200" b="0" dirty="0">
-                <a:solidFill>
-                  <a:srgbClr val="D4D4D4"/>
-                </a:solidFill>
-                <a:effectLst/>
-                <a:latin typeface="Consolas" panose="020B0609020204030204" pitchFamily="49" charset="0"/>
-              </a:rPr>
-              <a:t>:</a:t>
-            </a:r>
-          </a:p>
-          <a:p>
-            <a:r>
-              <a:rPr lang="pl-PL" sz="1200" b="0" dirty="0">
-                <a:solidFill>
-                  <a:srgbClr val="D4D4D4"/>
-                </a:solidFill>
-                <a:effectLst/>
-                <a:latin typeface="Consolas" panose="020B0609020204030204" pitchFamily="49" charset="0"/>
-              </a:rPr>
-              <a:t>      - </a:t>
-            </a:r>
-            <a:r>
-              <a:rPr lang="pl-PL" sz="1200" b="0" dirty="0">
-                <a:solidFill>
-                  <a:srgbClr val="CE9178"/>
-                </a:solidFill>
-                <a:effectLst/>
-                <a:latin typeface="Consolas" panose="020B0609020204030204" pitchFamily="49" charset="0"/>
-              </a:rPr>
-              <a:t>443:8080</a:t>
-            </a:r>
-            <a:endParaRPr lang="pl-PL" sz="1200" b="0" dirty="0">
-              <a:solidFill>
-                <a:srgbClr val="D4D4D4"/>
-              </a:solidFill>
-              <a:effectLst/>
-              <a:latin typeface="Consolas" panose="020B0609020204030204" pitchFamily="49" charset="0"/>
-            </a:endParaRPr>
-          </a:p>
-          <a:p>
-            <a:r>
-              <a:rPr lang="pl-PL" sz="1200" b="0" dirty="0">
-                <a:solidFill>
-                  <a:srgbClr val="D4D4D4"/>
-                </a:solidFill>
-                <a:effectLst/>
-                <a:latin typeface="Consolas" panose="020B0609020204030204" pitchFamily="49" charset="0"/>
-              </a:rPr>
-              <a:t>    </a:t>
-            </a:r>
-            <a:r>
-              <a:rPr lang="pl-PL" sz="1200" b="0" dirty="0">
-                <a:solidFill>
-                  <a:srgbClr val="569CD6"/>
-                </a:solidFill>
-                <a:effectLst/>
-                <a:latin typeface="Consolas" panose="020B0609020204030204" pitchFamily="49" charset="0"/>
-              </a:rPr>
-              <a:t>restart</a:t>
-            </a:r>
-            <a:r>
-              <a:rPr lang="pl-PL" sz="1200" b="0" dirty="0">
-                <a:solidFill>
-                  <a:srgbClr val="D4D4D4"/>
-                </a:solidFill>
-                <a:effectLst/>
-                <a:latin typeface="Consolas" panose="020B0609020204030204" pitchFamily="49" charset="0"/>
-              </a:rPr>
-              <a:t>: </a:t>
-            </a:r>
-            <a:r>
-              <a:rPr lang="pl-PL" sz="1200" b="0" dirty="0" err="1">
-                <a:solidFill>
-                  <a:srgbClr val="CE9178"/>
-                </a:solidFill>
-                <a:effectLst/>
-                <a:latin typeface="Consolas" panose="020B0609020204030204" pitchFamily="49" charset="0"/>
-              </a:rPr>
-              <a:t>unless-stopped</a:t>
-            </a:r>
-            <a:endParaRPr lang="pl-PL" sz="1200" b="0" dirty="0">
-              <a:solidFill>
-                <a:srgbClr val="D4D4D4"/>
-              </a:solidFill>
-              <a:effectLst/>
-              <a:latin typeface="Consolas" panose="020B0609020204030204" pitchFamily="49" charset="0"/>
-            </a:endParaRPr>
-          </a:p>
-          <a:p>
-            <a:r>
-              <a:rPr lang="pl-PL" sz="1200" b="0" dirty="0">
-                <a:solidFill>
-                  <a:srgbClr val="D4D4D4"/>
-                </a:solidFill>
-                <a:effectLst/>
-                <a:latin typeface="Consolas" panose="020B0609020204030204" pitchFamily="49" charset="0"/>
-              </a:rPr>
-              <a:t>    </a:t>
-            </a:r>
-            <a:r>
-              <a:rPr lang="pl-PL" sz="1200" b="0" dirty="0" err="1">
-                <a:solidFill>
-                  <a:srgbClr val="569CD6"/>
-                </a:solidFill>
-                <a:effectLst/>
-                <a:latin typeface="Consolas" panose="020B0609020204030204" pitchFamily="49" charset="0"/>
-              </a:rPr>
-              <a:t>depends_on</a:t>
-            </a:r>
-            <a:r>
-              <a:rPr lang="pl-PL" sz="1200" b="0" dirty="0">
-                <a:solidFill>
-                  <a:srgbClr val="D4D4D4"/>
-                </a:solidFill>
-                <a:effectLst/>
-                <a:latin typeface="Consolas" panose="020B0609020204030204" pitchFamily="49" charset="0"/>
-              </a:rPr>
-              <a:t>:</a:t>
-            </a:r>
-          </a:p>
-          <a:p>
-            <a:r>
-              <a:rPr lang="pl-PL" sz="1200" b="0" dirty="0">
-                <a:solidFill>
-                  <a:srgbClr val="D4D4D4"/>
-                </a:solidFill>
-                <a:effectLst/>
-                <a:latin typeface="Consolas" panose="020B0609020204030204" pitchFamily="49" charset="0"/>
-              </a:rPr>
-              <a:t>      - </a:t>
-            </a:r>
-            <a:r>
-              <a:rPr lang="pl-PL" sz="1200" b="0" dirty="0" err="1">
-                <a:solidFill>
-                  <a:srgbClr val="CE9178"/>
-                </a:solidFill>
-                <a:effectLst/>
-                <a:latin typeface="Consolas" panose="020B0609020204030204" pitchFamily="49" charset="0"/>
-              </a:rPr>
-              <a:t>rabbitmq</a:t>
-            </a:r>
-            <a:endParaRPr lang="pl-PL" sz="1200" b="0" dirty="0">
-              <a:solidFill>
-                <a:srgbClr val="D4D4D4"/>
-              </a:solidFill>
-              <a:effectLst/>
-              <a:latin typeface="Consolas" panose="020B0609020204030204" pitchFamily="49" charset="0"/>
-            </a:endParaRPr>
-          </a:p>
-          <a:p>
-            <a:r>
-              <a:rPr lang="pl-PL" sz="1200" b="0" dirty="0">
-                <a:solidFill>
-                  <a:srgbClr val="D4D4D4"/>
-                </a:solidFill>
-                <a:effectLst/>
-                <a:latin typeface="Consolas" panose="020B0609020204030204" pitchFamily="49" charset="0"/>
-              </a:rPr>
-              <a:t>    </a:t>
-            </a:r>
-            <a:r>
-              <a:rPr lang="pl-PL" sz="1200" b="0" dirty="0" err="1">
-                <a:solidFill>
-                  <a:srgbClr val="569CD6"/>
-                </a:solidFill>
-                <a:effectLst/>
-                <a:latin typeface="Consolas" panose="020B0609020204030204" pitchFamily="49" charset="0"/>
-              </a:rPr>
-              <a:t>env_file</a:t>
-            </a:r>
-            <a:r>
-              <a:rPr lang="pl-PL" sz="1200" b="0" dirty="0">
-                <a:solidFill>
-                  <a:srgbClr val="D4D4D4"/>
-                </a:solidFill>
-                <a:effectLst/>
-                <a:latin typeface="Consolas" panose="020B0609020204030204" pitchFamily="49" charset="0"/>
-              </a:rPr>
-              <a:t>:</a:t>
-            </a:r>
-          </a:p>
-          <a:p>
-            <a:r>
-              <a:rPr lang="pl-PL" sz="1200" b="0" dirty="0">
-                <a:solidFill>
-                  <a:srgbClr val="D4D4D4"/>
-                </a:solidFill>
-                <a:effectLst/>
-                <a:latin typeface="Consolas" panose="020B0609020204030204" pitchFamily="49" charset="0"/>
-              </a:rPr>
-              <a:t>      - </a:t>
-            </a:r>
-            <a:r>
-              <a:rPr lang="pl-PL" sz="1200" b="0" dirty="0" err="1">
-                <a:solidFill>
-                  <a:srgbClr val="CE9178"/>
-                </a:solidFill>
-                <a:effectLst/>
-                <a:latin typeface="Consolas" panose="020B0609020204030204" pitchFamily="49" charset="0"/>
-              </a:rPr>
-              <a:t>common_env.env</a:t>
-            </a:r>
-            <a:endParaRPr lang="pl-PL" sz="1200" b="0" dirty="0">
-              <a:solidFill>
-                <a:srgbClr val="D4D4D4"/>
-              </a:solidFill>
-              <a:effectLst/>
-              <a:latin typeface="Consolas" panose="020B0609020204030204" pitchFamily="49" charset="0"/>
-            </a:endParaRPr>
-          </a:p>
-        </p:txBody>
-      </p:sp>
-      <p:sp>
-        <p:nvSpPr>
-          <p:cNvPr id="8" name="pole tekstowe 7">
-            <a:extLst>
-              <a:ext uri="{FF2B5EF4-FFF2-40B4-BE49-F238E27FC236}">
-                <a16:creationId xmlns:a16="http://schemas.microsoft.com/office/drawing/2014/main" id="{D8286526-1803-D0C4-19BC-1CA74C03C07F}"/>
-              </a:ext>
-            </a:extLst>
-          </p:cNvPr>
-          <p:cNvSpPr txBox="1"/>
-          <p:nvPr/>
-        </p:nvSpPr>
-        <p:spPr>
-          <a:xfrm>
-            <a:off x="6400394" y="612844"/>
-            <a:ext cx="6096000" cy="5632311"/>
-          </a:xfrm>
-          <a:prstGeom prst="rect">
-            <a:avLst/>
-          </a:prstGeom>
-          <a:noFill/>
-        </p:spPr>
-        <p:txBody>
-          <a:bodyPr wrap="square">
-            <a:spAutoFit/>
-          </a:bodyPr>
-          <a:lstStyle/>
-          <a:p>
-            <a:br>
-              <a:rPr lang="pl-PL" sz="1200" b="0" dirty="0">
-                <a:solidFill>
-                  <a:srgbClr val="D4D4D4"/>
-                </a:solidFill>
-                <a:effectLst/>
-                <a:latin typeface="Consolas" panose="020B0609020204030204" pitchFamily="49" charset="0"/>
-              </a:rPr>
-            </a:br>
-            <a:r>
-              <a:rPr lang="pl-PL" sz="1200" b="0" dirty="0">
-                <a:solidFill>
-                  <a:srgbClr val="D4D4D4"/>
-                </a:solidFill>
-                <a:effectLst/>
-                <a:latin typeface="Consolas" panose="020B0609020204030204" pitchFamily="49" charset="0"/>
-              </a:rPr>
-              <a:t>  </a:t>
-            </a:r>
-            <a:r>
-              <a:rPr lang="pl-PL" sz="1200" b="0" dirty="0" err="1">
-                <a:solidFill>
-                  <a:srgbClr val="569CD6"/>
-                </a:solidFill>
-                <a:effectLst/>
-                <a:latin typeface="Consolas" panose="020B0609020204030204" pitchFamily="49" charset="0"/>
-              </a:rPr>
-              <a:t>asset</a:t>
-            </a:r>
-            <a:r>
-              <a:rPr lang="pl-PL" sz="1200" b="0" dirty="0">
-                <a:solidFill>
-                  <a:srgbClr val="569CD6"/>
-                </a:solidFill>
-                <a:effectLst/>
-                <a:latin typeface="Consolas" panose="020B0609020204030204" pitchFamily="49" charset="0"/>
-              </a:rPr>
-              <a:t>-management</a:t>
-            </a:r>
-            <a:r>
-              <a:rPr lang="pl-PL" sz="1200" b="0" dirty="0">
-                <a:solidFill>
-                  <a:srgbClr val="D4D4D4"/>
-                </a:solidFill>
-                <a:effectLst/>
-                <a:latin typeface="Consolas" panose="020B0609020204030204" pitchFamily="49" charset="0"/>
-              </a:rPr>
-              <a:t>:</a:t>
-            </a:r>
-          </a:p>
-          <a:p>
-            <a:r>
-              <a:rPr lang="pl-PL" sz="1200" b="0" dirty="0">
-                <a:solidFill>
-                  <a:srgbClr val="D4D4D4"/>
-                </a:solidFill>
-                <a:effectLst/>
-                <a:latin typeface="Consolas" panose="020B0609020204030204" pitchFamily="49" charset="0"/>
-              </a:rPr>
-              <a:t>    </a:t>
-            </a:r>
-            <a:r>
-              <a:rPr lang="pl-PL" sz="1200" b="0" dirty="0" err="1">
-                <a:solidFill>
-                  <a:srgbClr val="569CD6"/>
-                </a:solidFill>
-                <a:effectLst/>
-                <a:latin typeface="Consolas" panose="020B0609020204030204" pitchFamily="49" charset="0"/>
-              </a:rPr>
-              <a:t>build</a:t>
-            </a:r>
-            <a:r>
-              <a:rPr lang="pl-PL" sz="1200" b="0" dirty="0">
-                <a:solidFill>
-                  <a:srgbClr val="D4D4D4"/>
-                </a:solidFill>
-                <a:effectLst/>
-                <a:latin typeface="Consolas" panose="020B0609020204030204" pitchFamily="49" charset="0"/>
-              </a:rPr>
-              <a:t>: </a:t>
-            </a:r>
-            <a:r>
-              <a:rPr lang="pl-PL" sz="1200" b="0" dirty="0" err="1">
-                <a:solidFill>
-                  <a:srgbClr val="CE9178"/>
-                </a:solidFill>
-                <a:effectLst/>
-                <a:latin typeface="Consolas" panose="020B0609020204030204" pitchFamily="49" charset="0"/>
-              </a:rPr>
-              <a:t>asset</a:t>
-            </a:r>
-            <a:r>
-              <a:rPr lang="pl-PL" sz="1200" b="0" dirty="0">
-                <a:solidFill>
-                  <a:srgbClr val="CE9178"/>
-                </a:solidFill>
-                <a:effectLst/>
-                <a:latin typeface="Consolas" panose="020B0609020204030204" pitchFamily="49" charset="0"/>
-              </a:rPr>
-              <a:t>-management</a:t>
-            </a:r>
-            <a:endParaRPr lang="pl-PL" sz="1200" b="0" dirty="0">
-              <a:solidFill>
-                <a:srgbClr val="D4D4D4"/>
-              </a:solidFill>
-              <a:effectLst/>
-              <a:latin typeface="Consolas" panose="020B0609020204030204" pitchFamily="49" charset="0"/>
-            </a:endParaRPr>
-          </a:p>
-          <a:p>
-            <a:r>
-              <a:rPr lang="pl-PL" sz="1200" b="0" dirty="0">
-                <a:solidFill>
-                  <a:srgbClr val="D4D4D4"/>
-                </a:solidFill>
-                <a:effectLst/>
-                <a:latin typeface="Consolas" panose="020B0609020204030204" pitchFamily="49" charset="0"/>
-              </a:rPr>
-              <a:t>    </a:t>
-            </a:r>
-            <a:r>
-              <a:rPr lang="pl-PL" sz="1200" b="0" dirty="0" err="1">
-                <a:solidFill>
-                  <a:srgbClr val="569CD6"/>
-                </a:solidFill>
-                <a:effectLst/>
-                <a:latin typeface="Consolas" panose="020B0609020204030204" pitchFamily="49" charset="0"/>
-              </a:rPr>
-              <a:t>ports</a:t>
-            </a:r>
-            <a:r>
-              <a:rPr lang="pl-PL" sz="1200" b="0" dirty="0">
-                <a:solidFill>
-                  <a:srgbClr val="D4D4D4"/>
-                </a:solidFill>
-                <a:effectLst/>
-                <a:latin typeface="Consolas" panose="020B0609020204030204" pitchFamily="49" charset="0"/>
-              </a:rPr>
-              <a:t>:</a:t>
-            </a:r>
-          </a:p>
-          <a:p>
-            <a:r>
-              <a:rPr lang="pl-PL" sz="1200" b="0" dirty="0">
-                <a:solidFill>
-                  <a:srgbClr val="D4D4D4"/>
-                </a:solidFill>
-                <a:effectLst/>
-                <a:latin typeface="Consolas" panose="020B0609020204030204" pitchFamily="49" charset="0"/>
-              </a:rPr>
-              <a:t>      - </a:t>
-            </a:r>
-            <a:r>
-              <a:rPr lang="pl-PL" sz="1200" b="0" dirty="0">
-                <a:solidFill>
-                  <a:srgbClr val="CE9178"/>
-                </a:solidFill>
-                <a:effectLst/>
-                <a:latin typeface="Consolas" panose="020B0609020204030204" pitchFamily="49" charset="0"/>
-              </a:rPr>
-              <a:t>443:8080</a:t>
-            </a:r>
-            <a:endParaRPr lang="pl-PL" sz="1200" b="0" dirty="0">
-              <a:solidFill>
-                <a:srgbClr val="D4D4D4"/>
-              </a:solidFill>
-              <a:effectLst/>
-              <a:latin typeface="Consolas" panose="020B0609020204030204" pitchFamily="49" charset="0"/>
-            </a:endParaRPr>
-          </a:p>
-          <a:p>
-            <a:r>
-              <a:rPr lang="pl-PL" sz="1200" b="0" dirty="0">
-                <a:solidFill>
-                  <a:srgbClr val="D4D4D4"/>
-                </a:solidFill>
-                <a:effectLst/>
-                <a:latin typeface="Consolas" panose="020B0609020204030204" pitchFamily="49" charset="0"/>
-              </a:rPr>
-              <a:t>    </a:t>
-            </a:r>
-            <a:r>
-              <a:rPr lang="pl-PL" sz="1200" b="0" dirty="0">
-                <a:solidFill>
-                  <a:srgbClr val="569CD6"/>
-                </a:solidFill>
-                <a:effectLst/>
-                <a:latin typeface="Consolas" panose="020B0609020204030204" pitchFamily="49" charset="0"/>
-              </a:rPr>
-              <a:t>restart</a:t>
-            </a:r>
-            <a:r>
-              <a:rPr lang="pl-PL" sz="1200" b="0" dirty="0">
-                <a:solidFill>
-                  <a:srgbClr val="D4D4D4"/>
-                </a:solidFill>
-                <a:effectLst/>
-                <a:latin typeface="Consolas" panose="020B0609020204030204" pitchFamily="49" charset="0"/>
-              </a:rPr>
-              <a:t>: </a:t>
-            </a:r>
-            <a:r>
-              <a:rPr lang="pl-PL" sz="1200" b="0" dirty="0" err="1">
-                <a:solidFill>
-                  <a:srgbClr val="CE9178"/>
-                </a:solidFill>
-                <a:effectLst/>
-                <a:latin typeface="Consolas" panose="020B0609020204030204" pitchFamily="49" charset="0"/>
-              </a:rPr>
-              <a:t>unless-stopped</a:t>
-            </a:r>
-            <a:endParaRPr lang="pl-PL" sz="1200" b="0" dirty="0">
-              <a:solidFill>
-                <a:srgbClr val="D4D4D4"/>
-              </a:solidFill>
-              <a:effectLst/>
-              <a:latin typeface="Consolas" panose="020B0609020204030204" pitchFamily="49" charset="0"/>
-            </a:endParaRPr>
-          </a:p>
-          <a:p>
-            <a:r>
-              <a:rPr lang="pl-PL" sz="1200" b="0" dirty="0">
-                <a:solidFill>
-                  <a:srgbClr val="D4D4D4"/>
-                </a:solidFill>
-                <a:effectLst/>
-                <a:latin typeface="Consolas" panose="020B0609020204030204" pitchFamily="49" charset="0"/>
-              </a:rPr>
-              <a:t>    </a:t>
-            </a:r>
-            <a:r>
-              <a:rPr lang="pl-PL" sz="1200" b="0" dirty="0" err="1">
-                <a:solidFill>
-                  <a:srgbClr val="569CD6"/>
-                </a:solidFill>
-                <a:effectLst/>
-                <a:latin typeface="Consolas" panose="020B0609020204030204" pitchFamily="49" charset="0"/>
-              </a:rPr>
-              <a:t>depends_on</a:t>
-            </a:r>
-            <a:r>
-              <a:rPr lang="pl-PL" sz="1200" b="0" dirty="0">
-                <a:solidFill>
-                  <a:srgbClr val="D4D4D4"/>
-                </a:solidFill>
-                <a:effectLst/>
-                <a:latin typeface="Consolas" panose="020B0609020204030204" pitchFamily="49" charset="0"/>
-              </a:rPr>
-              <a:t>:</a:t>
-            </a:r>
-          </a:p>
-          <a:p>
-            <a:r>
-              <a:rPr lang="pl-PL" sz="1200" b="0" dirty="0">
-                <a:solidFill>
-                  <a:srgbClr val="D4D4D4"/>
-                </a:solidFill>
-                <a:effectLst/>
-                <a:latin typeface="Consolas" panose="020B0609020204030204" pitchFamily="49" charset="0"/>
-              </a:rPr>
-              <a:t>      - </a:t>
-            </a:r>
-            <a:r>
-              <a:rPr lang="pl-PL" sz="1200" b="0" dirty="0" err="1">
-                <a:solidFill>
-                  <a:srgbClr val="CE9178"/>
-                </a:solidFill>
-                <a:effectLst/>
-                <a:latin typeface="Consolas" panose="020B0609020204030204" pitchFamily="49" charset="0"/>
-              </a:rPr>
-              <a:t>rabbitmq</a:t>
-            </a:r>
-            <a:endParaRPr lang="pl-PL" sz="1200" b="0" dirty="0">
-              <a:solidFill>
-                <a:srgbClr val="D4D4D4"/>
-              </a:solidFill>
-              <a:effectLst/>
-              <a:latin typeface="Consolas" panose="020B0609020204030204" pitchFamily="49" charset="0"/>
-            </a:endParaRPr>
-          </a:p>
-          <a:p>
-            <a:r>
-              <a:rPr lang="pl-PL" sz="1200" b="0" dirty="0">
-                <a:solidFill>
-                  <a:srgbClr val="D4D4D4"/>
-                </a:solidFill>
-                <a:effectLst/>
-                <a:latin typeface="Consolas" panose="020B0609020204030204" pitchFamily="49" charset="0"/>
-              </a:rPr>
-              <a:t>    </a:t>
-            </a:r>
-            <a:r>
-              <a:rPr lang="pl-PL" sz="1200" b="0" dirty="0" err="1">
-                <a:solidFill>
-                  <a:srgbClr val="569CD6"/>
-                </a:solidFill>
-                <a:effectLst/>
-                <a:latin typeface="Consolas" panose="020B0609020204030204" pitchFamily="49" charset="0"/>
-              </a:rPr>
-              <a:t>env_file</a:t>
-            </a:r>
-            <a:r>
-              <a:rPr lang="pl-PL" sz="1200" b="0" dirty="0">
-                <a:solidFill>
-                  <a:srgbClr val="D4D4D4"/>
-                </a:solidFill>
-                <a:effectLst/>
-                <a:latin typeface="Consolas" panose="020B0609020204030204" pitchFamily="49" charset="0"/>
-              </a:rPr>
-              <a:t>:</a:t>
-            </a:r>
-          </a:p>
-          <a:p>
-            <a:r>
-              <a:rPr lang="pl-PL" sz="1200" b="0" dirty="0">
-                <a:solidFill>
-                  <a:srgbClr val="D4D4D4"/>
-                </a:solidFill>
-                <a:effectLst/>
-                <a:latin typeface="Consolas" panose="020B0609020204030204" pitchFamily="49" charset="0"/>
-              </a:rPr>
-              <a:t>      - </a:t>
-            </a:r>
-            <a:r>
-              <a:rPr lang="pl-PL" sz="1200" b="0" dirty="0" err="1">
-                <a:solidFill>
-                  <a:srgbClr val="CE9178"/>
-                </a:solidFill>
-                <a:effectLst/>
-                <a:latin typeface="Consolas" panose="020B0609020204030204" pitchFamily="49" charset="0"/>
-              </a:rPr>
-              <a:t>common_env.env</a:t>
-            </a:r>
-            <a:endParaRPr lang="pl-PL" sz="1200" b="0" dirty="0">
-              <a:solidFill>
-                <a:srgbClr val="D4D4D4"/>
-              </a:solidFill>
-              <a:effectLst/>
-              <a:latin typeface="Consolas" panose="020B0609020204030204" pitchFamily="49" charset="0"/>
-            </a:endParaRPr>
-          </a:p>
-          <a:p>
-            <a:br>
-              <a:rPr lang="pl-PL" sz="1200" b="0" dirty="0">
-                <a:solidFill>
-                  <a:srgbClr val="D4D4D4"/>
-                </a:solidFill>
-                <a:effectLst/>
-                <a:latin typeface="Consolas" panose="020B0609020204030204" pitchFamily="49" charset="0"/>
-              </a:rPr>
-            </a:br>
-            <a:r>
-              <a:rPr lang="pl-PL" sz="1200" b="0" dirty="0">
-                <a:solidFill>
-                  <a:srgbClr val="D4D4D4"/>
-                </a:solidFill>
-                <a:effectLst/>
-                <a:latin typeface="Consolas" panose="020B0609020204030204" pitchFamily="49" charset="0"/>
-              </a:rPr>
-              <a:t>  </a:t>
-            </a:r>
-            <a:r>
-              <a:rPr lang="pl-PL" sz="1200" b="0" dirty="0" err="1">
-                <a:solidFill>
-                  <a:srgbClr val="569CD6"/>
-                </a:solidFill>
-                <a:effectLst/>
-                <a:latin typeface="Consolas" panose="020B0609020204030204" pitchFamily="49" charset="0"/>
-              </a:rPr>
-              <a:t>rabbitmq</a:t>
-            </a:r>
-            <a:r>
-              <a:rPr lang="pl-PL" sz="1200" b="0" dirty="0">
-                <a:solidFill>
-                  <a:srgbClr val="D4D4D4"/>
-                </a:solidFill>
-                <a:effectLst/>
-                <a:latin typeface="Consolas" panose="020B0609020204030204" pitchFamily="49" charset="0"/>
-              </a:rPr>
-              <a:t>:</a:t>
-            </a:r>
-          </a:p>
-          <a:p>
-            <a:r>
-              <a:rPr lang="pl-PL" sz="1200" b="0" dirty="0">
-                <a:solidFill>
-                  <a:srgbClr val="D4D4D4"/>
-                </a:solidFill>
-                <a:effectLst/>
-                <a:latin typeface="Consolas" panose="020B0609020204030204" pitchFamily="49" charset="0"/>
-              </a:rPr>
-              <a:t>    </a:t>
-            </a:r>
-            <a:r>
-              <a:rPr lang="pl-PL" sz="1200" b="0" dirty="0">
-                <a:solidFill>
-                  <a:srgbClr val="569CD6"/>
-                </a:solidFill>
-                <a:effectLst/>
-                <a:latin typeface="Consolas" panose="020B0609020204030204" pitchFamily="49" charset="0"/>
-              </a:rPr>
-              <a:t>image</a:t>
-            </a:r>
-            <a:r>
-              <a:rPr lang="pl-PL" sz="1200" b="0" dirty="0">
-                <a:solidFill>
-                  <a:srgbClr val="D4D4D4"/>
-                </a:solidFill>
-                <a:effectLst/>
-                <a:latin typeface="Consolas" panose="020B0609020204030204" pitchFamily="49" charset="0"/>
-              </a:rPr>
-              <a:t>: </a:t>
-            </a:r>
-            <a:r>
-              <a:rPr lang="pl-PL" sz="1200" b="0" dirty="0">
-                <a:solidFill>
-                  <a:srgbClr val="CE9178"/>
-                </a:solidFill>
-                <a:effectLst/>
-                <a:latin typeface="Consolas" panose="020B0609020204030204" pitchFamily="49" charset="0"/>
-              </a:rPr>
-              <a:t>rabbitmq:3-management</a:t>
-            </a:r>
-            <a:endParaRPr lang="pl-PL" sz="1200" b="0" dirty="0">
-              <a:solidFill>
-                <a:srgbClr val="D4D4D4"/>
-              </a:solidFill>
-              <a:effectLst/>
-              <a:latin typeface="Consolas" panose="020B0609020204030204" pitchFamily="49" charset="0"/>
-            </a:endParaRPr>
-          </a:p>
-          <a:p>
-            <a:r>
-              <a:rPr lang="pl-PL" sz="1200" b="0" dirty="0">
-                <a:solidFill>
-                  <a:srgbClr val="D4D4D4"/>
-                </a:solidFill>
-                <a:effectLst/>
-                <a:latin typeface="Consolas" panose="020B0609020204030204" pitchFamily="49" charset="0"/>
-              </a:rPr>
-              <a:t>    </a:t>
-            </a:r>
-            <a:r>
-              <a:rPr lang="pl-PL" sz="1200" b="0" dirty="0" err="1">
-                <a:solidFill>
-                  <a:srgbClr val="569CD6"/>
-                </a:solidFill>
-                <a:effectLst/>
-                <a:latin typeface="Consolas" panose="020B0609020204030204" pitchFamily="49" charset="0"/>
-              </a:rPr>
-              <a:t>ports</a:t>
-            </a:r>
-            <a:r>
-              <a:rPr lang="pl-PL" sz="1200" b="0" dirty="0">
-                <a:solidFill>
-                  <a:srgbClr val="D4D4D4"/>
-                </a:solidFill>
-                <a:effectLst/>
-                <a:latin typeface="Consolas" panose="020B0609020204030204" pitchFamily="49" charset="0"/>
-              </a:rPr>
-              <a:t>:</a:t>
-            </a:r>
-          </a:p>
-          <a:p>
-            <a:r>
-              <a:rPr lang="pl-PL" sz="1200" b="0" dirty="0">
-                <a:solidFill>
-                  <a:srgbClr val="D4D4D4"/>
-                </a:solidFill>
-                <a:effectLst/>
-                <a:latin typeface="Consolas" panose="020B0609020204030204" pitchFamily="49" charset="0"/>
-              </a:rPr>
-              <a:t>      - </a:t>
-            </a:r>
-            <a:r>
-              <a:rPr lang="pl-PL" sz="1200" b="0" dirty="0">
-                <a:solidFill>
-                  <a:srgbClr val="CE9178"/>
-                </a:solidFill>
-                <a:effectLst/>
-                <a:latin typeface="Consolas" panose="020B0609020204030204" pitchFamily="49" charset="0"/>
-              </a:rPr>
-              <a:t>5672:5672</a:t>
-            </a:r>
-            <a:endParaRPr lang="pl-PL" sz="1200" b="0" dirty="0">
-              <a:solidFill>
-                <a:srgbClr val="D4D4D4"/>
-              </a:solidFill>
-              <a:effectLst/>
-              <a:latin typeface="Consolas" panose="020B0609020204030204" pitchFamily="49" charset="0"/>
-            </a:endParaRPr>
-          </a:p>
-          <a:p>
-            <a:r>
-              <a:rPr lang="pl-PL" sz="1200" b="0" dirty="0">
-                <a:solidFill>
-                  <a:srgbClr val="D4D4D4"/>
-                </a:solidFill>
-                <a:effectLst/>
-                <a:latin typeface="Consolas" panose="020B0609020204030204" pitchFamily="49" charset="0"/>
-              </a:rPr>
-              <a:t>      - </a:t>
-            </a:r>
-            <a:r>
-              <a:rPr lang="pl-PL" sz="1200" b="0" dirty="0">
-                <a:solidFill>
-                  <a:srgbClr val="CE9178"/>
-                </a:solidFill>
-                <a:effectLst/>
-                <a:latin typeface="Consolas" panose="020B0609020204030204" pitchFamily="49" charset="0"/>
-              </a:rPr>
-              <a:t>15672:15672</a:t>
-            </a:r>
-            <a:endParaRPr lang="pl-PL" sz="1200" b="0" dirty="0">
-              <a:solidFill>
-                <a:srgbClr val="D4D4D4"/>
-              </a:solidFill>
-              <a:effectLst/>
-              <a:latin typeface="Consolas" panose="020B0609020204030204" pitchFamily="49" charset="0"/>
-            </a:endParaRPr>
-          </a:p>
-          <a:p>
-            <a:r>
-              <a:rPr lang="pl-PL" sz="1200" b="0" dirty="0">
-                <a:solidFill>
-                  <a:srgbClr val="D4D4D4"/>
-                </a:solidFill>
-                <a:effectLst/>
-                <a:latin typeface="Consolas" panose="020B0609020204030204" pitchFamily="49" charset="0"/>
-              </a:rPr>
-              <a:t>    </a:t>
-            </a:r>
-            <a:r>
-              <a:rPr lang="pl-PL" sz="1200" b="0" dirty="0" err="1">
-                <a:solidFill>
-                  <a:srgbClr val="569CD6"/>
-                </a:solidFill>
-                <a:effectLst/>
-                <a:latin typeface="Consolas" panose="020B0609020204030204" pitchFamily="49" charset="0"/>
-              </a:rPr>
-              <a:t>volumes</a:t>
-            </a:r>
-            <a:r>
-              <a:rPr lang="pl-PL" sz="1200" b="0" dirty="0">
-                <a:solidFill>
-                  <a:srgbClr val="D4D4D4"/>
-                </a:solidFill>
-                <a:effectLst/>
-                <a:latin typeface="Consolas" panose="020B0609020204030204" pitchFamily="49" charset="0"/>
-              </a:rPr>
-              <a:t>:</a:t>
-            </a:r>
-          </a:p>
-          <a:p>
-            <a:r>
-              <a:rPr lang="pl-PL" sz="1200" b="0" dirty="0">
-                <a:solidFill>
-                  <a:srgbClr val="D4D4D4"/>
-                </a:solidFill>
-                <a:effectLst/>
-                <a:latin typeface="Consolas" panose="020B0609020204030204" pitchFamily="49" charset="0"/>
-              </a:rPr>
-              <a:t>      - </a:t>
-            </a:r>
-            <a:r>
-              <a:rPr lang="pl-PL" sz="1200" b="0" dirty="0" err="1">
-                <a:solidFill>
-                  <a:srgbClr val="CE9178"/>
-                </a:solidFill>
-                <a:effectLst/>
-                <a:latin typeface="Consolas" panose="020B0609020204030204" pitchFamily="49" charset="0"/>
-              </a:rPr>
-              <a:t>rabbitmq_data</a:t>
-            </a:r>
-            <a:r>
-              <a:rPr lang="pl-PL" sz="1200" b="0" dirty="0">
-                <a:solidFill>
-                  <a:srgbClr val="CE9178"/>
-                </a:solidFill>
-                <a:effectLst/>
-                <a:latin typeface="Consolas" panose="020B0609020204030204" pitchFamily="49" charset="0"/>
-              </a:rPr>
-              <a:t>:/</a:t>
-            </a:r>
-            <a:r>
-              <a:rPr lang="pl-PL" sz="1200" b="0" dirty="0" err="1">
-                <a:solidFill>
-                  <a:srgbClr val="CE9178"/>
-                </a:solidFill>
-                <a:effectLst/>
-                <a:latin typeface="Consolas" panose="020B0609020204030204" pitchFamily="49" charset="0"/>
-              </a:rPr>
-              <a:t>var</a:t>
-            </a:r>
-            <a:r>
-              <a:rPr lang="pl-PL" sz="1200" b="0" dirty="0">
-                <a:solidFill>
-                  <a:srgbClr val="CE9178"/>
-                </a:solidFill>
-                <a:effectLst/>
-                <a:latin typeface="Consolas" panose="020B0609020204030204" pitchFamily="49" charset="0"/>
-              </a:rPr>
-              <a:t>/</a:t>
-            </a:r>
-            <a:r>
-              <a:rPr lang="pl-PL" sz="1200" b="0" dirty="0" err="1">
-                <a:solidFill>
-                  <a:srgbClr val="CE9178"/>
-                </a:solidFill>
-                <a:effectLst/>
-                <a:latin typeface="Consolas" panose="020B0609020204030204" pitchFamily="49" charset="0"/>
-              </a:rPr>
-              <a:t>lib</a:t>
-            </a:r>
-            <a:r>
-              <a:rPr lang="pl-PL" sz="1200" b="0" dirty="0">
-                <a:solidFill>
-                  <a:srgbClr val="CE9178"/>
-                </a:solidFill>
-                <a:effectLst/>
-                <a:latin typeface="Consolas" panose="020B0609020204030204" pitchFamily="49" charset="0"/>
-              </a:rPr>
-              <a:t>/</a:t>
-            </a:r>
-            <a:r>
-              <a:rPr lang="pl-PL" sz="1200" b="0" dirty="0" err="1">
-                <a:solidFill>
-                  <a:srgbClr val="CE9178"/>
-                </a:solidFill>
-                <a:effectLst/>
-                <a:latin typeface="Consolas" panose="020B0609020204030204" pitchFamily="49" charset="0"/>
-              </a:rPr>
-              <a:t>rabbitmq</a:t>
-            </a:r>
-            <a:endParaRPr lang="pl-PL" sz="1200" b="0" dirty="0">
-              <a:solidFill>
-                <a:srgbClr val="D4D4D4"/>
-              </a:solidFill>
-              <a:effectLst/>
-              <a:latin typeface="Consolas" panose="020B0609020204030204" pitchFamily="49" charset="0"/>
-            </a:endParaRPr>
-          </a:p>
-          <a:p>
-            <a:r>
-              <a:rPr lang="pl-PL" sz="1200" b="0" dirty="0">
-                <a:solidFill>
-                  <a:srgbClr val="D4D4D4"/>
-                </a:solidFill>
-                <a:effectLst/>
-                <a:latin typeface="Consolas" panose="020B0609020204030204" pitchFamily="49" charset="0"/>
-              </a:rPr>
-              <a:t>      - </a:t>
-            </a:r>
-            <a:r>
-              <a:rPr lang="pl-PL" sz="1200" b="0" dirty="0" err="1">
-                <a:solidFill>
-                  <a:srgbClr val="CE9178"/>
-                </a:solidFill>
-                <a:effectLst/>
-                <a:latin typeface="Consolas" panose="020B0609020204030204" pitchFamily="49" charset="0"/>
-              </a:rPr>
-              <a:t>rabbitmq_log</a:t>
-            </a:r>
-            <a:r>
-              <a:rPr lang="pl-PL" sz="1200" b="0" dirty="0">
-                <a:solidFill>
-                  <a:srgbClr val="CE9178"/>
-                </a:solidFill>
-                <a:effectLst/>
-                <a:latin typeface="Consolas" panose="020B0609020204030204" pitchFamily="49" charset="0"/>
-              </a:rPr>
-              <a:t>:/</a:t>
-            </a:r>
-            <a:r>
-              <a:rPr lang="pl-PL" sz="1200" b="0" dirty="0" err="1">
-                <a:solidFill>
-                  <a:srgbClr val="CE9178"/>
-                </a:solidFill>
-                <a:effectLst/>
-                <a:latin typeface="Consolas" panose="020B0609020204030204" pitchFamily="49" charset="0"/>
-              </a:rPr>
-              <a:t>var</a:t>
-            </a:r>
-            <a:r>
-              <a:rPr lang="pl-PL" sz="1200" b="0" dirty="0">
-                <a:solidFill>
-                  <a:srgbClr val="CE9178"/>
-                </a:solidFill>
-                <a:effectLst/>
-                <a:latin typeface="Consolas" panose="020B0609020204030204" pitchFamily="49" charset="0"/>
-              </a:rPr>
-              <a:t>/log/</a:t>
-            </a:r>
-            <a:r>
-              <a:rPr lang="pl-PL" sz="1200" b="0" dirty="0" err="1">
-                <a:solidFill>
-                  <a:srgbClr val="CE9178"/>
-                </a:solidFill>
-                <a:effectLst/>
-                <a:latin typeface="Consolas" panose="020B0609020204030204" pitchFamily="49" charset="0"/>
-              </a:rPr>
-              <a:t>rabbitmq</a:t>
-            </a:r>
-            <a:endParaRPr lang="pl-PL" sz="1200" b="0" dirty="0">
-              <a:solidFill>
-                <a:srgbClr val="D4D4D4"/>
-              </a:solidFill>
-              <a:effectLst/>
-              <a:latin typeface="Consolas" panose="020B0609020204030204" pitchFamily="49" charset="0"/>
-            </a:endParaRPr>
-          </a:p>
-          <a:p>
-            <a:r>
-              <a:rPr lang="pl-PL" sz="1200" b="0" dirty="0">
-                <a:solidFill>
-                  <a:srgbClr val="D4D4D4"/>
-                </a:solidFill>
-                <a:effectLst/>
-                <a:latin typeface="Consolas" panose="020B0609020204030204" pitchFamily="49" charset="0"/>
-              </a:rPr>
-              <a:t>    </a:t>
-            </a:r>
-            <a:r>
-              <a:rPr lang="pl-PL" sz="1200" b="0" dirty="0">
-                <a:solidFill>
-                  <a:srgbClr val="569CD6"/>
-                </a:solidFill>
-                <a:effectLst/>
-                <a:latin typeface="Consolas" panose="020B0609020204030204" pitchFamily="49" charset="0"/>
-              </a:rPr>
-              <a:t>environment</a:t>
-            </a:r>
-            <a:r>
-              <a:rPr lang="pl-PL" sz="1200" b="0" dirty="0">
-                <a:solidFill>
-                  <a:srgbClr val="D4D4D4"/>
-                </a:solidFill>
-                <a:effectLst/>
-                <a:latin typeface="Consolas" panose="020B0609020204030204" pitchFamily="49" charset="0"/>
-              </a:rPr>
-              <a:t>:</a:t>
-            </a:r>
-          </a:p>
-          <a:p>
-            <a:r>
-              <a:rPr lang="pl-PL" sz="1200" b="0" dirty="0">
-                <a:solidFill>
-                  <a:srgbClr val="D4D4D4"/>
-                </a:solidFill>
-                <a:effectLst/>
-                <a:latin typeface="Consolas" panose="020B0609020204030204" pitchFamily="49" charset="0"/>
-              </a:rPr>
-              <a:t>      - </a:t>
-            </a:r>
-            <a:r>
-              <a:rPr lang="pl-PL" sz="1200" b="0" dirty="0">
-                <a:solidFill>
-                  <a:srgbClr val="CE9178"/>
-                </a:solidFill>
-                <a:effectLst/>
-                <a:latin typeface="Consolas" panose="020B0609020204030204" pitchFamily="49" charset="0"/>
-              </a:rPr>
-              <a:t>RABBITMQ_DEFAULT_USER=${RABBITMQ_USER}</a:t>
-            </a:r>
-            <a:endParaRPr lang="pl-PL" sz="1200" b="0" dirty="0">
-              <a:solidFill>
-                <a:srgbClr val="D4D4D4"/>
-              </a:solidFill>
-              <a:effectLst/>
-              <a:latin typeface="Consolas" panose="020B0609020204030204" pitchFamily="49" charset="0"/>
-            </a:endParaRPr>
-          </a:p>
-          <a:p>
-            <a:r>
-              <a:rPr lang="pl-PL" sz="1200" b="0" dirty="0">
-                <a:solidFill>
-                  <a:srgbClr val="D4D4D4"/>
-                </a:solidFill>
-                <a:effectLst/>
-                <a:latin typeface="Consolas" panose="020B0609020204030204" pitchFamily="49" charset="0"/>
-              </a:rPr>
-              <a:t>      - </a:t>
-            </a:r>
-            <a:r>
-              <a:rPr lang="pl-PL" sz="1200" b="0" dirty="0">
-                <a:solidFill>
-                  <a:srgbClr val="CE9178"/>
-                </a:solidFill>
-                <a:effectLst/>
-                <a:latin typeface="Consolas" panose="020B0609020204030204" pitchFamily="49" charset="0"/>
-              </a:rPr>
-              <a:t>RABBITMQ_DEFAULT_PASS=${RABBITMQ_PASS}</a:t>
-            </a:r>
-            <a:endParaRPr lang="pl-PL" sz="1200" b="0" dirty="0">
-              <a:solidFill>
-                <a:srgbClr val="D4D4D4"/>
-              </a:solidFill>
-              <a:effectLst/>
-              <a:latin typeface="Consolas" panose="020B0609020204030204" pitchFamily="49" charset="0"/>
-            </a:endParaRPr>
-          </a:p>
-          <a:p>
-            <a:br>
-              <a:rPr lang="pl-PL" sz="1200" b="0" dirty="0">
-                <a:solidFill>
-                  <a:srgbClr val="D4D4D4"/>
-                </a:solidFill>
-                <a:effectLst/>
-                <a:latin typeface="Consolas" panose="020B0609020204030204" pitchFamily="49" charset="0"/>
-              </a:rPr>
-            </a:br>
-            <a:r>
-              <a:rPr lang="pl-PL" sz="1200" b="0" dirty="0" err="1">
-                <a:solidFill>
-                  <a:srgbClr val="569CD6"/>
-                </a:solidFill>
-                <a:effectLst/>
-                <a:latin typeface="Consolas" panose="020B0609020204030204" pitchFamily="49" charset="0"/>
-              </a:rPr>
-              <a:t>volumes</a:t>
-            </a:r>
-            <a:r>
-              <a:rPr lang="pl-PL" sz="1200" b="0" dirty="0">
-                <a:solidFill>
-                  <a:srgbClr val="D4D4D4"/>
-                </a:solidFill>
-                <a:effectLst/>
-                <a:latin typeface="Consolas" panose="020B0609020204030204" pitchFamily="49" charset="0"/>
-              </a:rPr>
-              <a:t>:</a:t>
-            </a:r>
-          </a:p>
-          <a:p>
-            <a:r>
-              <a:rPr lang="pl-PL" sz="1200" b="0" dirty="0">
-                <a:solidFill>
-                  <a:srgbClr val="D4D4D4"/>
-                </a:solidFill>
-                <a:effectLst/>
-                <a:latin typeface="Consolas" panose="020B0609020204030204" pitchFamily="49" charset="0"/>
-              </a:rPr>
-              <a:t>  </a:t>
-            </a:r>
-            <a:r>
-              <a:rPr lang="pl-PL" sz="1200" b="0" dirty="0" err="1">
-                <a:solidFill>
-                  <a:srgbClr val="569CD6"/>
-                </a:solidFill>
-                <a:effectLst/>
-                <a:latin typeface="Consolas" panose="020B0609020204030204" pitchFamily="49" charset="0"/>
-              </a:rPr>
-              <a:t>rabbitmq_data</a:t>
-            </a:r>
-            <a:r>
-              <a:rPr lang="pl-PL" sz="1200" b="0" dirty="0">
-                <a:solidFill>
-                  <a:srgbClr val="D4D4D4"/>
-                </a:solidFill>
-                <a:effectLst/>
-                <a:latin typeface="Consolas" panose="020B0609020204030204" pitchFamily="49" charset="0"/>
-              </a:rPr>
-              <a:t>:</a:t>
-            </a:r>
-          </a:p>
-          <a:p>
-            <a:r>
-              <a:rPr lang="pl-PL" sz="1200" b="0" dirty="0">
-                <a:solidFill>
-                  <a:srgbClr val="D4D4D4"/>
-                </a:solidFill>
-                <a:effectLst/>
-                <a:latin typeface="Consolas" panose="020B0609020204030204" pitchFamily="49" charset="0"/>
-              </a:rPr>
-              <a:t>    </a:t>
-            </a:r>
-            <a:r>
-              <a:rPr lang="pl-PL" sz="1200" b="0" dirty="0">
-                <a:solidFill>
-                  <a:srgbClr val="569CD6"/>
-                </a:solidFill>
-                <a:effectLst/>
-                <a:latin typeface="Consolas" panose="020B0609020204030204" pitchFamily="49" charset="0"/>
-              </a:rPr>
-              <a:t>driver</a:t>
-            </a:r>
-            <a:r>
-              <a:rPr lang="pl-PL" sz="1200" b="0" dirty="0">
-                <a:solidFill>
-                  <a:srgbClr val="D4D4D4"/>
-                </a:solidFill>
-                <a:effectLst/>
-                <a:latin typeface="Consolas" panose="020B0609020204030204" pitchFamily="49" charset="0"/>
-              </a:rPr>
-              <a:t>: </a:t>
-            </a:r>
-            <a:r>
-              <a:rPr lang="pl-PL" sz="1200" b="0" dirty="0" err="1">
-                <a:solidFill>
-                  <a:srgbClr val="CE9178"/>
-                </a:solidFill>
-                <a:effectLst/>
-                <a:latin typeface="Consolas" panose="020B0609020204030204" pitchFamily="49" charset="0"/>
-              </a:rPr>
-              <a:t>local</a:t>
-            </a:r>
-            <a:endParaRPr lang="pl-PL" sz="1200" b="0" dirty="0">
-              <a:solidFill>
-                <a:srgbClr val="D4D4D4"/>
-              </a:solidFill>
-              <a:effectLst/>
-              <a:latin typeface="Consolas" panose="020B0609020204030204" pitchFamily="49" charset="0"/>
-            </a:endParaRPr>
-          </a:p>
-          <a:p>
-            <a:r>
-              <a:rPr lang="pl-PL" sz="1200" b="0" dirty="0">
-                <a:solidFill>
-                  <a:srgbClr val="D4D4D4"/>
-                </a:solidFill>
-                <a:effectLst/>
-                <a:latin typeface="Consolas" panose="020B0609020204030204" pitchFamily="49" charset="0"/>
-              </a:rPr>
-              <a:t>  </a:t>
-            </a:r>
-            <a:r>
-              <a:rPr lang="pl-PL" sz="1200" b="0" dirty="0" err="1">
-                <a:solidFill>
-                  <a:srgbClr val="569CD6"/>
-                </a:solidFill>
-                <a:effectLst/>
-                <a:latin typeface="Consolas" panose="020B0609020204030204" pitchFamily="49" charset="0"/>
-              </a:rPr>
-              <a:t>rabbitmq_log</a:t>
-            </a:r>
-            <a:r>
-              <a:rPr lang="pl-PL" sz="1200" b="0" dirty="0">
-                <a:solidFill>
-                  <a:srgbClr val="D4D4D4"/>
-                </a:solidFill>
-                <a:effectLst/>
-                <a:latin typeface="Consolas" panose="020B0609020204030204" pitchFamily="49" charset="0"/>
-              </a:rPr>
-              <a:t>:</a:t>
-            </a:r>
-          </a:p>
-          <a:p>
-            <a:r>
-              <a:rPr lang="pl-PL" sz="1200" b="0" dirty="0">
-                <a:solidFill>
-                  <a:srgbClr val="D4D4D4"/>
-                </a:solidFill>
-                <a:effectLst/>
-                <a:latin typeface="Consolas" panose="020B0609020204030204" pitchFamily="49" charset="0"/>
-              </a:rPr>
-              <a:t>    </a:t>
-            </a:r>
-            <a:r>
-              <a:rPr lang="pl-PL" sz="1200" b="0" dirty="0">
-                <a:solidFill>
-                  <a:srgbClr val="569CD6"/>
-                </a:solidFill>
-                <a:effectLst/>
-                <a:latin typeface="Consolas" panose="020B0609020204030204" pitchFamily="49" charset="0"/>
-              </a:rPr>
-              <a:t>driver</a:t>
-            </a:r>
-            <a:r>
-              <a:rPr lang="pl-PL" sz="1200" b="0" dirty="0">
-                <a:solidFill>
-                  <a:srgbClr val="D4D4D4"/>
-                </a:solidFill>
-                <a:effectLst/>
-                <a:latin typeface="Consolas" panose="020B0609020204030204" pitchFamily="49" charset="0"/>
-              </a:rPr>
-              <a:t>: </a:t>
-            </a:r>
-            <a:r>
-              <a:rPr lang="pl-PL" sz="1200" b="0" dirty="0" err="1">
-                <a:solidFill>
-                  <a:srgbClr val="CE9178"/>
-                </a:solidFill>
-                <a:effectLst/>
-                <a:latin typeface="Consolas" panose="020B0609020204030204" pitchFamily="49" charset="0"/>
-              </a:rPr>
-              <a:t>local</a:t>
-            </a:r>
-            <a:endParaRPr lang="pl-PL" sz="1200" b="0" dirty="0">
-              <a:solidFill>
-                <a:srgbClr val="D4D4D4"/>
-              </a:solidFill>
-              <a:effectLst/>
-              <a:latin typeface="Consolas" panose="020B0609020204030204" pitchFamily="49" charset="0"/>
-            </a:endParaRPr>
-          </a:p>
-          <a:p>
-            <a:br>
-              <a:rPr lang="pl-PL" sz="1200" b="0" dirty="0">
-                <a:solidFill>
-                  <a:srgbClr val="D4D4D4"/>
-                </a:solidFill>
-                <a:effectLst/>
-                <a:latin typeface="Consolas" panose="020B0609020204030204" pitchFamily="49" charset="0"/>
-              </a:rPr>
-            </a:br>
-            <a:endParaRPr lang="pl-PL" sz="1200" b="0" dirty="0">
-              <a:solidFill>
-                <a:srgbClr val="D4D4D4"/>
-              </a:solidFill>
-              <a:effectLst/>
-              <a:latin typeface="Consolas" panose="020B0609020204030204" pitchFamily="49" charset="0"/>
-            </a:endParaRPr>
-          </a:p>
-        </p:txBody>
-      </p:sp>
+        </p:spPr>
+      </p:pic>
     </p:spTree>
     <p:extLst>
       <p:ext uri="{BB962C8B-B14F-4D97-AF65-F5344CB8AC3E}">
-        <p14:creationId xmlns:p14="http://schemas.microsoft.com/office/powerpoint/2010/main" val="172015169"/>
+        <p14:creationId xmlns:p14="http://schemas.microsoft.com/office/powerpoint/2010/main" val="2649338214"/>
       </p:ext>
     </p:extLst>
   </p:cSld>
@@ -9638,7 +7592,7 @@
         </p:nvSpPr>
         <p:spPr>
           <a:xfrm>
-            <a:off x="378995" y="723330"/>
+            <a:off x="378995" y="734338"/>
             <a:ext cx="11392198" cy="5966415"/>
           </a:xfrm>
           <a:prstGeom prst="roundRect">
@@ -9676,8 +7630,7 @@
           <a:bodyPr rtlCol="0" anchor="ctr"/>
           <a:lstStyle/>
           <a:p>
-            <a:pPr algn="ctr"/>
-            <a:endParaRPr lang="pl-PL" dirty="0"/>
+            <a:endParaRPr lang="pl-PL" sz="1600" dirty="0"/>
           </a:p>
         </p:txBody>
       </p:sp>
@@ -9731,51 +7684,2390 @@
             <a:pPr algn="ctr"/>
             <a:r>
               <a:rPr lang="pl-PL" sz="2800" dirty="0"/>
-              <a:t>Wdrożenie wszystkich składników systemu</a:t>
-            </a:r>
-          </a:p>
-        </p:txBody>
-      </p:sp>
-      <p:pic>
-        <p:nvPicPr>
-          <p:cNvPr id="3" name="Obraz 2">
-            <a:extLst>
-              <a:ext uri="{FF2B5EF4-FFF2-40B4-BE49-F238E27FC236}">
-                <a16:creationId xmlns:a16="http://schemas.microsoft.com/office/drawing/2014/main" id="{1FD991AD-5029-A75D-2B88-290B8AAB3F84}"/>
-              </a:ext>
-            </a:extLst>
-          </p:cNvPr>
-          <p:cNvPicPr>
-            <a:picLocks noChangeAspect="1"/>
-          </p:cNvPicPr>
+              <a:t>Automatyczne testy jednostkowe</a:t>
+            </a:r>
+          </a:p>
+        </p:txBody>
+      </p:sp>
+      <p:sp>
+        <p:nvSpPr>
+          <p:cNvPr id="9" name="Rectangle 5">
+            <a:extLst>
+              <a:ext uri="{FF2B5EF4-FFF2-40B4-BE49-F238E27FC236}">
+                <a16:creationId xmlns:a16="http://schemas.microsoft.com/office/drawing/2014/main" id="{AE0C4FEC-2B28-5A19-3BB4-1142D63E8199}"/>
+              </a:ext>
+            </a:extLst>
+          </p:cNvPr>
+          <p:cNvSpPr>
+            <a:spLocks noChangeArrowheads="1"/>
+          </p:cNvSpPr>
           <p:nvPr/>
-        </p:nvPicPr>
-        <p:blipFill>
-          <a:blip r:embed="rId2">
-            <a:extLst>
-              <a:ext uri="{28A0092B-C50C-407E-A947-70E740481C1C}">
-                <a14:useLocalDpi xmlns:a14="http://schemas.microsoft.com/office/drawing/2010/main" val="0"/>
-              </a:ext>
-            </a:extLst>
-          </a:blip>
-          <a:stretch>
-            <a:fillRect/>
-          </a:stretch>
-        </p:blipFill>
-        <p:spPr>
-          <a:xfrm>
-            <a:off x="1552073" y="786686"/>
-            <a:ext cx="8923344" cy="5839702"/>
+        </p:nvSpPr>
+        <p:spPr bwMode="auto">
+          <a:xfrm>
+            <a:off x="906379" y="1493576"/>
+            <a:ext cx="10906626" cy="4339650"/>
           </a:xfrm>
           <a:prstGeom prst="rect">
             <a:avLst/>
           </a:prstGeom>
-        </p:spPr>
-      </p:pic>
+          <a:solidFill>
+            <a:srgbClr val="FFFFFF"/>
+          </a:solidFill>
+          <a:ln>
+            <a:noFill/>
+          </a:ln>
+          <a:effectLst/>
+          <a:extLst>
+            <a:ext uri="{91240B29-F687-4F45-9708-019B960494DF}">
+              <a14:hiddenLine xmlns:a14="http://schemas.microsoft.com/office/drawing/2010/main" w="9525">
+                <a:solidFill>
+                  <a:schemeClr val="tx1"/>
+                </a:solidFill>
+                <a:miter lim="800000"/>
+                <a:headEnd/>
+                <a:tailEnd/>
+              </a14:hiddenLine>
+            </a:ext>
+            <a:ext uri="{AF507438-7753-43E0-B8FC-AC1667EBCBE1}">
+              <a14:hiddenEffects xmlns:a14="http://schemas.microsoft.com/office/drawing/2010/main">
+                <a:effectLst>
+                  <a:outerShdw dist="35921" dir="2700000" algn="ctr" rotWithShape="0">
+                    <a:schemeClr val="bg2"/>
+                  </a:outerShdw>
+                </a:effectLst>
+              </a14:hiddenEffects>
+            </a:ext>
+          </a:extLst>
+        </p:spPr>
+        <p:txBody>
+          <a:bodyPr vert="horz" wrap="square" lIns="91440" tIns="45720" rIns="91440" bIns="45720" numCol="1" anchor="ctr" anchorCtr="0" compatLnSpc="1">
+            <a:prstTxWarp prst="textNoShape">
+              <a:avLst/>
+            </a:prstTxWarp>
+            <a:spAutoFit/>
+          </a:bodyPr>
+          <a:lstStyle/>
+          <a:p>
+            <a:pPr marL="0" marR="0" lvl="0" indent="0" algn="l" defTabSz="914400" rtl="0" eaLnBrk="0" fontAlgn="base" latinLnBrk="0" hangingPunct="0">
+              <a:lnSpc>
+                <a:spcPct val="100000"/>
+              </a:lnSpc>
+              <a:spcBef>
+                <a:spcPct val="0"/>
+              </a:spcBef>
+              <a:spcAft>
+                <a:spcPct val="0"/>
+              </a:spcAft>
+              <a:buClrTx/>
+              <a:buSzTx/>
+              <a:buFontTx/>
+              <a:buNone/>
+              <a:tabLst/>
+            </a:pPr>
+            <a:r>
+              <a:rPr kumimoji="0" lang="pl-PL" altLang="pl-PL" sz="1200" b="0" i="0" u="none" strike="noStrike" cap="none" normalizeH="0" baseline="0" dirty="0">
+                <a:ln>
+                  <a:noFill/>
+                </a:ln>
+                <a:solidFill>
+                  <a:srgbClr val="0033B3"/>
+                </a:solidFill>
+                <a:effectLst/>
+                <a:latin typeface="Consolas" panose="020B0609020204030204" pitchFamily="49" charset="0"/>
+                <a:ea typeface="Microsoft GothicNeo Light" panose="020B0503020000020004" pitchFamily="34" charset="-127"/>
+                <a:cs typeface="Microsoft GothicNeo Light" panose="020B0503020000020004" pitchFamily="34" charset="-127"/>
+              </a:rPr>
+              <a:t>def </a:t>
+            </a:r>
+            <a:r>
+              <a:rPr kumimoji="0" lang="pl-PL" altLang="pl-PL" sz="1200" b="0" i="0" u="none" strike="noStrike" cap="none" normalizeH="0" baseline="0" dirty="0">
+                <a:ln>
+                  <a:noFill/>
+                </a:ln>
+                <a:solidFill>
+                  <a:srgbClr val="067D17"/>
+                </a:solidFill>
+                <a:effectLst/>
+                <a:latin typeface="Consolas" panose="020B0609020204030204" pitchFamily="49" charset="0"/>
+                <a:ea typeface="Microsoft GothicNeo Light" panose="020B0503020000020004" pitchFamily="34" charset="-127"/>
+                <a:cs typeface="Microsoft GothicNeo Light" panose="020B0503020000020004" pitchFamily="34" charset="-127"/>
+              </a:rPr>
+              <a:t>"</a:t>
+            </a:r>
+            <a:r>
+              <a:rPr kumimoji="0" lang="pl-PL" altLang="pl-PL" sz="1200" b="0" i="0" u="none" strike="noStrike" cap="none" normalizeH="0" baseline="0" dirty="0" err="1">
+                <a:ln>
+                  <a:noFill/>
+                </a:ln>
+                <a:solidFill>
+                  <a:srgbClr val="067D17"/>
+                </a:solidFill>
+                <a:effectLst/>
+                <a:latin typeface="Consolas" panose="020B0609020204030204" pitchFamily="49" charset="0"/>
+                <a:ea typeface="Microsoft GothicNeo Light" panose="020B0503020000020004" pitchFamily="34" charset="-127"/>
+                <a:cs typeface="Microsoft GothicNeo Light" panose="020B0503020000020004" pitchFamily="34" charset="-127"/>
+              </a:rPr>
+              <a:t>should</a:t>
+            </a:r>
+            <a:r>
+              <a:rPr kumimoji="0" lang="pl-PL" altLang="pl-PL" sz="1200" b="0" i="0" u="none" strike="noStrike" cap="none" normalizeH="0" baseline="0" dirty="0">
+                <a:ln>
+                  <a:noFill/>
+                </a:ln>
+                <a:solidFill>
+                  <a:srgbClr val="067D17"/>
+                </a:solidFill>
+                <a:effectLst/>
+                <a:latin typeface="Consolas" panose="020B0609020204030204" pitchFamily="49" charset="0"/>
+                <a:ea typeface="Microsoft GothicNeo Light" panose="020B0503020000020004" pitchFamily="34" charset="-127"/>
+                <a:cs typeface="Microsoft GothicNeo Light" panose="020B0503020000020004" pitchFamily="34" charset="-127"/>
+              </a:rPr>
+              <a:t> </a:t>
+            </a:r>
+            <a:r>
+              <a:rPr kumimoji="0" lang="pl-PL" altLang="pl-PL" sz="1200" b="0" i="0" u="none" strike="noStrike" cap="none" normalizeH="0" baseline="0" dirty="0" err="1">
+                <a:ln>
+                  <a:noFill/>
+                </a:ln>
+                <a:solidFill>
+                  <a:srgbClr val="067D17"/>
+                </a:solidFill>
+                <a:effectLst/>
+                <a:latin typeface="Consolas" panose="020B0609020204030204" pitchFamily="49" charset="0"/>
+                <a:ea typeface="Microsoft GothicNeo Light" panose="020B0503020000020004" pitchFamily="34" charset="-127"/>
+                <a:cs typeface="Microsoft GothicNeo Light" panose="020B0503020000020004" pitchFamily="34" charset="-127"/>
+              </a:rPr>
+              <a:t>uprate</a:t>
+            </a:r>
+            <a:r>
+              <a:rPr kumimoji="0" lang="pl-PL" altLang="pl-PL" sz="1200" b="0" i="0" u="none" strike="noStrike" cap="none" normalizeH="0" baseline="0" dirty="0">
+                <a:ln>
+                  <a:noFill/>
+                </a:ln>
+                <a:solidFill>
+                  <a:srgbClr val="067D17"/>
+                </a:solidFill>
+                <a:effectLst/>
+                <a:latin typeface="Consolas" panose="020B0609020204030204" pitchFamily="49" charset="0"/>
+                <a:ea typeface="Microsoft GothicNeo Light" panose="020B0503020000020004" pitchFamily="34" charset="-127"/>
+                <a:cs typeface="Microsoft GothicNeo Light" panose="020B0503020000020004" pitchFamily="34" charset="-127"/>
+              </a:rPr>
+              <a:t> </a:t>
+            </a:r>
+            <a:r>
+              <a:rPr kumimoji="0" lang="pl-PL" altLang="pl-PL" sz="1200" b="0" i="0" u="none" strike="noStrike" cap="none" normalizeH="0" baseline="0" dirty="0" err="1">
+                <a:ln>
+                  <a:noFill/>
+                </a:ln>
+                <a:solidFill>
+                  <a:srgbClr val="067D17"/>
+                </a:solidFill>
+                <a:effectLst/>
+                <a:latin typeface="Consolas" panose="020B0609020204030204" pitchFamily="49" charset="0"/>
+                <a:ea typeface="Microsoft GothicNeo Light" panose="020B0503020000020004" pitchFamily="34" charset="-127"/>
+                <a:cs typeface="Microsoft GothicNeo Light" panose="020B0503020000020004" pitchFamily="34" charset="-127"/>
+              </a:rPr>
+              <a:t>balance</a:t>
+            </a:r>
+            <a:r>
+              <a:rPr kumimoji="0" lang="pl-PL" altLang="pl-PL" sz="1200" b="0" i="0" u="none" strike="noStrike" cap="none" normalizeH="0" baseline="0" dirty="0">
+                <a:ln>
+                  <a:noFill/>
+                </a:ln>
+                <a:solidFill>
+                  <a:srgbClr val="067D17"/>
+                </a:solidFill>
+                <a:effectLst/>
+                <a:latin typeface="Consolas" panose="020B0609020204030204" pitchFamily="49" charset="0"/>
+                <a:ea typeface="Microsoft GothicNeo Light" panose="020B0503020000020004" pitchFamily="34" charset="-127"/>
+                <a:cs typeface="Microsoft GothicNeo Light" panose="020B0503020000020004" pitchFamily="34" charset="-127"/>
+              </a:rPr>
+              <a:t> </a:t>
+            </a:r>
+            <a:r>
+              <a:rPr kumimoji="0" lang="pl-PL" altLang="pl-PL" sz="1200" b="0" i="0" u="none" strike="noStrike" cap="none" normalizeH="0" baseline="0" dirty="0" err="1">
+                <a:ln>
+                  <a:noFill/>
+                </a:ln>
+                <a:solidFill>
+                  <a:srgbClr val="067D17"/>
+                </a:solidFill>
+                <a:effectLst/>
+                <a:latin typeface="Consolas" panose="020B0609020204030204" pitchFamily="49" charset="0"/>
+                <a:ea typeface="Microsoft GothicNeo Light" panose="020B0503020000020004" pitchFamily="34" charset="-127"/>
+                <a:cs typeface="Microsoft GothicNeo Light" panose="020B0503020000020004" pitchFamily="34" charset="-127"/>
+              </a:rPr>
+              <a:t>correctly</a:t>
+            </a:r>
+            <a:r>
+              <a:rPr kumimoji="0" lang="pl-PL" altLang="pl-PL" sz="1200" b="0" i="0" u="none" strike="noStrike" cap="none" normalizeH="0" baseline="0" dirty="0">
+                <a:ln>
+                  <a:noFill/>
+                </a:ln>
+                <a:solidFill>
+                  <a:srgbClr val="067D17"/>
+                </a:solidFill>
+                <a:effectLst/>
+                <a:latin typeface="Consolas" panose="020B0609020204030204" pitchFamily="49" charset="0"/>
+                <a:ea typeface="Microsoft GothicNeo Light" panose="020B0503020000020004" pitchFamily="34" charset="-127"/>
+                <a:cs typeface="Microsoft GothicNeo Light" panose="020B0503020000020004" pitchFamily="34" charset="-127"/>
+              </a:rPr>
+              <a:t>"</a:t>
+            </a:r>
+            <a:r>
+              <a:rPr kumimoji="0" lang="pl-PL" altLang="pl-PL" sz="1200" b="0" i="0" u="none" strike="noStrike" cap="none" normalizeH="0" baseline="0" dirty="0">
+                <a:ln>
+                  <a:noFill/>
+                </a:ln>
+                <a:solidFill>
+                  <a:srgbClr val="080808"/>
+                </a:solidFill>
+                <a:effectLst/>
+                <a:latin typeface="Consolas" panose="020B0609020204030204" pitchFamily="49" charset="0"/>
+                <a:ea typeface="Microsoft GothicNeo Light" panose="020B0503020000020004" pitchFamily="34" charset="-127"/>
+                <a:cs typeface="Microsoft GothicNeo Light" panose="020B0503020000020004" pitchFamily="34" charset="-127"/>
+              </a:rPr>
+              <a:t>() {</a:t>
+            </a:r>
+            <a:br>
+              <a:rPr kumimoji="0" lang="pl-PL" altLang="pl-PL" sz="1200" b="0" i="0" u="none" strike="noStrike" cap="none" normalizeH="0" baseline="0" dirty="0">
+                <a:ln>
+                  <a:noFill/>
+                </a:ln>
+                <a:solidFill>
+                  <a:srgbClr val="080808"/>
+                </a:solidFill>
+                <a:effectLst/>
+                <a:latin typeface="Consolas" panose="020B0609020204030204" pitchFamily="49" charset="0"/>
+                <a:ea typeface="Microsoft GothicNeo Light" panose="020B0503020000020004" pitchFamily="34" charset="-127"/>
+                <a:cs typeface="Microsoft GothicNeo Light" panose="020B0503020000020004" pitchFamily="34" charset="-127"/>
+              </a:rPr>
+            </a:br>
+            <a:br>
+              <a:rPr kumimoji="0" lang="pl-PL" altLang="pl-PL" sz="1200" b="0" i="0" u="none" strike="noStrike" cap="none" normalizeH="0" baseline="0" dirty="0">
+                <a:ln>
+                  <a:noFill/>
+                </a:ln>
+                <a:solidFill>
+                  <a:srgbClr val="080808"/>
+                </a:solidFill>
+                <a:effectLst/>
+                <a:latin typeface="Consolas" panose="020B0609020204030204" pitchFamily="49" charset="0"/>
+                <a:ea typeface="Microsoft GothicNeo Light" panose="020B0503020000020004" pitchFamily="34" charset="-127"/>
+                <a:cs typeface="Microsoft GothicNeo Light" panose="020B0503020000020004" pitchFamily="34" charset="-127"/>
+              </a:rPr>
+            </a:br>
+            <a:r>
+              <a:rPr kumimoji="0" lang="pl-PL" altLang="pl-PL" sz="1200" b="0" i="0" u="none" strike="noStrike" cap="none" normalizeH="0" baseline="0" dirty="0">
+                <a:ln>
+                  <a:noFill/>
+                </a:ln>
+                <a:solidFill>
+                  <a:srgbClr val="080808"/>
+                </a:solidFill>
+                <a:effectLst/>
+                <a:latin typeface="Consolas" panose="020B0609020204030204" pitchFamily="49" charset="0"/>
+                <a:ea typeface="Microsoft GothicNeo Light" panose="020B0503020000020004" pitchFamily="34" charset="-127"/>
+                <a:cs typeface="Microsoft GothicNeo Light" panose="020B0503020000020004" pitchFamily="34" charset="-127"/>
+              </a:rPr>
+              <a:t>    </a:t>
+            </a:r>
+            <a:r>
+              <a:rPr kumimoji="0" lang="pl-PL" altLang="pl-PL" sz="1200" b="0" i="0" u="none" strike="noStrike" cap="none" normalizeH="0" baseline="0" dirty="0" err="1">
+                <a:ln>
+                  <a:noFill/>
+                </a:ln>
+                <a:solidFill>
+                  <a:srgbClr val="080808"/>
+                </a:solidFill>
+                <a:effectLst/>
+                <a:latin typeface="Consolas" panose="020B0609020204030204" pitchFamily="49" charset="0"/>
+                <a:ea typeface="Microsoft GothicNeo Light" panose="020B0503020000020004" pitchFamily="34" charset="-127"/>
+                <a:cs typeface="Microsoft GothicNeo Light" panose="020B0503020000020004" pitchFamily="34" charset="-127"/>
+              </a:rPr>
+              <a:t>given</a:t>
+            </a:r>
+            <a:r>
+              <a:rPr kumimoji="0" lang="pl-PL" altLang="pl-PL" sz="1200" b="0" i="0" u="none" strike="noStrike" cap="none" normalizeH="0" baseline="0" dirty="0">
+                <a:ln>
+                  <a:noFill/>
+                </a:ln>
+                <a:solidFill>
+                  <a:srgbClr val="080808"/>
+                </a:solidFill>
+                <a:effectLst/>
+                <a:latin typeface="Consolas" panose="020B0609020204030204" pitchFamily="49" charset="0"/>
+                <a:ea typeface="Microsoft GothicNeo Light" panose="020B0503020000020004" pitchFamily="34" charset="-127"/>
+                <a:cs typeface="Microsoft GothicNeo Light" panose="020B0503020000020004" pitchFamily="34" charset="-127"/>
+              </a:rPr>
+              <a:t>: </a:t>
+            </a:r>
+            <a:r>
+              <a:rPr kumimoji="0" lang="pl-PL" altLang="pl-PL" sz="1200" b="0" i="0" u="none" strike="noStrike" cap="none" normalizeH="0" baseline="0" dirty="0">
+                <a:ln>
+                  <a:noFill/>
+                </a:ln>
+                <a:solidFill>
+                  <a:srgbClr val="067D17"/>
+                </a:solidFill>
+                <a:effectLst/>
+                <a:latin typeface="Consolas" panose="020B0609020204030204" pitchFamily="49" charset="0"/>
+                <a:ea typeface="Microsoft GothicNeo Light" panose="020B0503020000020004" pitchFamily="34" charset="-127"/>
+                <a:cs typeface="Microsoft GothicNeo Light" panose="020B0503020000020004" pitchFamily="34" charset="-127"/>
+              </a:rPr>
+              <a:t>"</a:t>
+            </a:r>
+            <a:r>
+              <a:rPr kumimoji="0" lang="pl-PL" altLang="pl-PL" sz="1200" b="0" i="0" u="none" strike="noStrike" cap="none" normalizeH="0" baseline="0" dirty="0" err="1">
+                <a:ln>
+                  <a:noFill/>
+                </a:ln>
+                <a:solidFill>
+                  <a:srgbClr val="067D17"/>
+                </a:solidFill>
+                <a:effectLst/>
+                <a:latin typeface="Consolas" panose="020B0609020204030204" pitchFamily="49" charset="0"/>
+                <a:ea typeface="Microsoft GothicNeo Light" panose="020B0503020000020004" pitchFamily="34" charset="-127"/>
+                <a:cs typeface="Microsoft GothicNeo Light" panose="020B0503020000020004" pitchFamily="34" charset="-127"/>
+              </a:rPr>
+              <a:t>prepare</a:t>
+            </a:r>
+            <a:r>
+              <a:rPr kumimoji="0" lang="pl-PL" altLang="pl-PL" sz="1200" b="0" i="0" u="none" strike="noStrike" cap="none" normalizeH="0" baseline="0" dirty="0">
+                <a:ln>
+                  <a:noFill/>
+                </a:ln>
+                <a:solidFill>
+                  <a:srgbClr val="067D17"/>
+                </a:solidFill>
+                <a:effectLst/>
+                <a:latin typeface="Consolas" panose="020B0609020204030204" pitchFamily="49" charset="0"/>
+                <a:ea typeface="Microsoft GothicNeo Light" panose="020B0503020000020004" pitchFamily="34" charset="-127"/>
+                <a:cs typeface="Microsoft GothicNeo Light" panose="020B0503020000020004" pitchFamily="34" charset="-127"/>
+              </a:rPr>
+              <a:t> </a:t>
+            </a:r>
+            <a:r>
+              <a:rPr kumimoji="0" lang="pl-PL" altLang="pl-PL" sz="1200" b="0" i="0" u="none" strike="noStrike" cap="none" normalizeH="0" baseline="0" dirty="0" err="1">
+                <a:ln>
+                  <a:noFill/>
+                </a:ln>
+                <a:solidFill>
+                  <a:srgbClr val="067D17"/>
+                </a:solidFill>
+                <a:effectLst/>
+                <a:latin typeface="Consolas" panose="020B0609020204030204" pitchFamily="49" charset="0"/>
+                <a:ea typeface="Microsoft GothicNeo Light" panose="020B0503020000020004" pitchFamily="34" charset="-127"/>
+                <a:cs typeface="Microsoft GothicNeo Light" panose="020B0503020000020004" pitchFamily="34" charset="-127"/>
+              </a:rPr>
+              <a:t>TransactionEventDto</a:t>
+            </a:r>
+            <a:r>
+              <a:rPr kumimoji="0" lang="pl-PL" altLang="pl-PL" sz="1200" b="0" i="0" u="none" strike="noStrike" cap="none" normalizeH="0" baseline="0" dirty="0">
+                <a:ln>
+                  <a:noFill/>
+                </a:ln>
+                <a:solidFill>
+                  <a:srgbClr val="067D17"/>
+                </a:solidFill>
+                <a:effectLst/>
+                <a:latin typeface="Consolas" panose="020B0609020204030204" pitchFamily="49" charset="0"/>
+                <a:ea typeface="Microsoft GothicNeo Light" panose="020B0503020000020004" pitchFamily="34" charset="-127"/>
+                <a:cs typeface="Microsoft GothicNeo Light" panose="020B0503020000020004" pitchFamily="34" charset="-127"/>
+              </a:rPr>
+              <a:t>"</a:t>
+            </a:r>
+            <a:br>
+              <a:rPr kumimoji="0" lang="pl-PL" altLang="pl-PL" sz="1200" b="0" i="0" u="none" strike="noStrike" cap="none" normalizeH="0" baseline="0" dirty="0">
+                <a:ln>
+                  <a:noFill/>
+                </a:ln>
+                <a:solidFill>
+                  <a:srgbClr val="067D17"/>
+                </a:solidFill>
+                <a:effectLst/>
+                <a:latin typeface="Consolas" panose="020B0609020204030204" pitchFamily="49" charset="0"/>
+                <a:ea typeface="Microsoft GothicNeo Light" panose="020B0503020000020004" pitchFamily="34" charset="-127"/>
+                <a:cs typeface="Microsoft GothicNeo Light" panose="020B0503020000020004" pitchFamily="34" charset="-127"/>
+              </a:rPr>
+            </a:br>
+            <a:r>
+              <a:rPr kumimoji="0" lang="pl-PL" altLang="pl-PL" sz="1200" b="0" i="0" u="none" strike="noStrike" cap="none" normalizeH="0" baseline="0" dirty="0">
+                <a:ln>
+                  <a:noFill/>
+                </a:ln>
+                <a:solidFill>
+                  <a:srgbClr val="067D17"/>
+                </a:solidFill>
+                <a:effectLst/>
+                <a:latin typeface="Consolas" panose="020B0609020204030204" pitchFamily="49" charset="0"/>
+                <a:ea typeface="Microsoft GothicNeo Light" panose="020B0503020000020004" pitchFamily="34" charset="-127"/>
+                <a:cs typeface="Microsoft GothicNeo Light" panose="020B0503020000020004" pitchFamily="34" charset="-127"/>
+              </a:rPr>
+              <a:t>    </a:t>
+            </a:r>
+            <a:r>
+              <a:rPr kumimoji="0" lang="pl-PL" altLang="pl-PL" sz="1200" b="0" i="0" u="none" strike="noStrike" cap="none" normalizeH="0" baseline="0" dirty="0">
+                <a:ln>
+                  <a:noFill/>
+                </a:ln>
+                <a:solidFill>
+                  <a:srgbClr val="0033B3"/>
+                </a:solidFill>
+                <a:effectLst/>
+                <a:latin typeface="Consolas" panose="020B0609020204030204" pitchFamily="49" charset="0"/>
+                <a:ea typeface="Microsoft GothicNeo Light" panose="020B0503020000020004" pitchFamily="34" charset="-127"/>
+                <a:cs typeface="Microsoft GothicNeo Light" panose="020B0503020000020004" pitchFamily="34" charset="-127"/>
+              </a:rPr>
+              <a:t>def </a:t>
+            </a:r>
+            <a:r>
+              <a:rPr kumimoji="0" lang="pl-PL" altLang="pl-PL" sz="1200" b="0" i="0" u="none" strike="noStrike" cap="none" normalizeH="0" baseline="0" dirty="0" err="1">
+                <a:ln>
+                  <a:noFill/>
+                </a:ln>
+                <a:solidFill>
+                  <a:srgbClr val="080808"/>
+                </a:solidFill>
+                <a:effectLst/>
+                <a:latin typeface="Consolas" panose="020B0609020204030204" pitchFamily="49" charset="0"/>
+                <a:ea typeface="Microsoft GothicNeo Light" panose="020B0503020000020004" pitchFamily="34" charset="-127"/>
+                <a:cs typeface="Microsoft GothicNeo Light" panose="020B0503020000020004" pitchFamily="34" charset="-127"/>
+              </a:rPr>
+              <a:t>transactionEventDto</a:t>
+            </a:r>
+            <a:r>
+              <a:rPr kumimoji="0" lang="pl-PL" altLang="pl-PL" sz="1200" b="0" i="0" u="none" strike="noStrike" cap="none" normalizeH="0" baseline="0" dirty="0">
+                <a:ln>
+                  <a:noFill/>
+                </a:ln>
+                <a:solidFill>
+                  <a:srgbClr val="080808"/>
+                </a:solidFill>
+                <a:effectLst/>
+                <a:latin typeface="Consolas" panose="020B0609020204030204" pitchFamily="49" charset="0"/>
+                <a:ea typeface="Microsoft GothicNeo Light" panose="020B0503020000020004" pitchFamily="34" charset="-127"/>
+                <a:cs typeface="Microsoft GothicNeo Light" panose="020B0503020000020004" pitchFamily="34" charset="-127"/>
+              </a:rPr>
+              <a:t> =</a:t>
+            </a:r>
+            <a:br>
+              <a:rPr kumimoji="0" lang="pl-PL" altLang="pl-PL" sz="1200" b="0" i="0" u="none" strike="noStrike" cap="none" normalizeH="0" baseline="0" dirty="0">
+                <a:ln>
+                  <a:noFill/>
+                </a:ln>
+                <a:solidFill>
+                  <a:srgbClr val="080808"/>
+                </a:solidFill>
+                <a:effectLst/>
+                <a:latin typeface="Consolas" panose="020B0609020204030204" pitchFamily="49" charset="0"/>
+                <a:ea typeface="Microsoft GothicNeo Light" panose="020B0503020000020004" pitchFamily="34" charset="-127"/>
+                <a:cs typeface="Microsoft GothicNeo Light" panose="020B0503020000020004" pitchFamily="34" charset="-127"/>
+              </a:rPr>
+            </a:br>
+            <a:r>
+              <a:rPr kumimoji="0" lang="pl-PL" altLang="pl-PL" sz="1200" b="0" i="0" u="none" strike="noStrike" cap="none" normalizeH="0" baseline="0" dirty="0">
+                <a:ln>
+                  <a:noFill/>
+                </a:ln>
+                <a:solidFill>
+                  <a:srgbClr val="080808"/>
+                </a:solidFill>
+                <a:effectLst/>
+                <a:latin typeface="Consolas" panose="020B0609020204030204" pitchFamily="49" charset="0"/>
+                <a:ea typeface="Microsoft GothicNeo Light" panose="020B0503020000020004" pitchFamily="34" charset="-127"/>
+                <a:cs typeface="Microsoft GothicNeo Light" panose="020B0503020000020004" pitchFamily="34" charset="-127"/>
+              </a:rPr>
+              <a:t>            </a:t>
+            </a:r>
+            <a:r>
+              <a:rPr kumimoji="0" lang="pl-PL" altLang="pl-PL" sz="1200" b="0" i="0" u="none" strike="noStrike" cap="none" normalizeH="0" baseline="0" dirty="0" err="1">
+                <a:ln>
+                  <a:noFill/>
+                </a:ln>
+                <a:solidFill>
+                  <a:srgbClr val="080808"/>
+                </a:solidFill>
+                <a:effectLst/>
+                <a:latin typeface="Consolas" panose="020B0609020204030204" pitchFamily="49" charset="0"/>
+                <a:ea typeface="Microsoft GothicNeo Light" panose="020B0503020000020004" pitchFamily="34" charset="-127"/>
+                <a:cs typeface="Microsoft GothicNeo Light" panose="020B0503020000020004" pitchFamily="34" charset="-127"/>
+              </a:rPr>
+              <a:t>TransactionBalanceSpecUtils.prepareTransactionEventDto</a:t>
+            </a:r>
+            <a:r>
+              <a:rPr kumimoji="0" lang="pl-PL" altLang="pl-PL" sz="1200" b="0" i="0" u="none" strike="noStrike" cap="none" normalizeH="0" baseline="0" dirty="0">
+                <a:ln>
+                  <a:noFill/>
+                </a:ln>
+                <a:solidFill>
+                  <a:srgbClr val="080808"/>
+                </a:solidFill>
+                <a:effectLst/>
+                <a:latin typeface="Consolas" panose="020B0609020204030204" pitchFamily="49" charset="0"/>
+                <a:ea typeface="Microsoft GothicNeo Light" panose="020B0503020000020004" pitchFamily="34" charset="-127"/>
+                <a:cs typeface="Microsoft GothicNeo Light" panose="020B0503020000020004" pitchFamily="34" charset="-127"/>
+              </a:rPr>
+              <a:t>(</a:t>
+            </a:r>
+            <a:r>
+              <a:rPr kumimoji="0" lang="pl-PL" altLang="pl-PL" sz="1200" b="0" i="0" u="none" strike="noStrike" cap="none" normalizeH="0" baseline="0" dirty="0" err="1">
+                <a:ln>
+                  <a:noFill/>
+                </a:ln>
+                <a:solidFill>
+                  <a:srgbClr val="080808"/>
+                </a:solidFill>
+                <a:effectLst/>
+                <a:latin typeface="Consolas" panose="020B0609020204030204" pitchFamily="49" charset="0"/>
+                <a:ea typeface="Microsoft GothicNeo Light" panose="020B0503020000020004" pitchFamily="34" charset="-127"/>
+                <a:cs typeface="Microsoft GothicNeo Light" panose="020B0503020000020004" pitchFamily="34" charset="-127"/>
+              </a:rPr>
+              <a:t>transactionAmount</a:t>
+            </a:r>
+            <a:r>
+              <a:rPr kumimoji="0" lang="pl-PL" altLang="pl-PL" sz="1200" b="0" i="0" u="none" strike="noStrike" cap="none" normalizeH="0" baseline="0" dirty="0">
+                <a:ln>
+                  <a:noFill/>
+                </a:ln>
+                <a:solidFill>
+                  <a:srgbClr val="080808"/>
+                </a:solidFill>
+                <a:effectLst/>
+                <a:latin typeface="Consolas" panose="020B0609020204030204" pitchFamily="49" charset="0"/>
+                <a:ea typeface="Microsoft GothicNeo Light" panose="020B0503020000020004" pitchFamily="34" charset="-127"/>
+                <a:cs typeface="Microsoft GothicNeo Light" panose="020B0503020000020004" pitchFamily="34" charset="-127"/>
+              </a:rPr>
+              <a:t> </a:t>
+            </a:r>
+            <a:r>
+              <a:rPr kumimoji="0" lang="pl-PL" altLang="pl-PL" sz="1200" b="0" i="0" u="none" strike="noStrike" cap="none" normalizeH="0" baseline="0" dirty="0">
+                <a:ln>
+                  <a:noFill/>
+                </a:ln>
+                <a:solidFill>
+                  <a:srgbClr val="0033B3"/>
+                </a:solidFill>
+                <a:effectLst/>
+                <a:latin typeface="Consolas" panose="020B0609020204030204" pitchFamily="49" charset="0"/>
+                <a:ea typeface="Microsoft GothicNeo Light" panose="020B0503020000020004" pitchFamily="34" charset="-127"/>
+                <a:cs typeface="Microsoft GothicNeo Light" panose="020B0503020000020004" pitchFamily="34" charset="-127"/>
+              </a:rPr>
+              <a:t>as </a:t>
+            </a:r>
+            <a:r>
+              <a:rPr kumimoji="0" lang="pl-PL" altLang="pl-PL" sz="1200" b="0" i="0" u="none" strike="noStrike" cap="none" normalizeH="0" baseline="0" dirty="0" err="1">
+                <a:ln>
+                  <a:noFill/>
+                </a:ln>
+                <a:solidFill>
+                  <a:srgbClr val="080808"/>
+                </a:solidFill>
+                <a:effectLst/>
+                <a:latin typeface="Consolas" panose="020B0609020204030204" pitchFamily="49" charset="0"/>
+                <a:ea typeface="Microsoft GothicNeo Light" panose="020B0503020000020004" pitchFamily="34" charset="-127"/>
+                <a:cs typeface="Microsoft GothicNeo Light" panose="020B0503020000020004" pitchFamily="34" charset="-127"/>
+              </a:rPr>
+              <a:t>BigDecimal</a:t>
+            </a:r>
+            <a:r>
+              <a:rPr kumimoji="0" lang="pl-PL" altLang="pl-PL" sz="1200" b="0" i="0" u="none" strike="noStrike" cap="none" normalizeH="0" baseline="0" dirty="0">
+                <a:ln>
+                  <a:noFill/>
+                </a:ln>
+                <a:solidFill>
+                  <a:srgbClr val="080808"/>
+                </a:solidFill>
+                <a:effectLst/>
+                <a:latin typeface="Consolas" panose="020B0609020204030204" pitchFamily="49" charset="0"/>
+                <a:ea typeface="Microsoft GothicNeo Light" panose="020B0503020000020004" pitchFamily="34" charset="-127"/>
+                <a:cs typeface="Microsoft GothicNeo Light" panose="020B0503020000020004" pitchFamily="34" charset="-127"/>
+              </a:rPr>
+              <a:t>, </a:t>
+            </a:r>
+            <a:r>
+              <a:rPr kumimoji="0" lang="pl-PL" altLang="pl-PL" sz="1200" b="0" i="0" u="none" strike="noStrike" cap="none" normalizeH="0" baseline="0" dirty="0" err="1">
+                <a:ln>
+                  <a:noFill/>
+                </a:ln>
+                <a:solidFill>
+                  <a:srgbClr val="080808"/>
+                </a:solidFill>
+                <a:effectLst/>
+                <a:latin typeface="Consolas" panose="020B0609020204030204" pitchFamily="49" charset="0"/>
+                <a:ea typeface="Microsoft GothicNeo Light" panose="020B0503020000020004" pitchFamily="34" charset="-127"/>
+                <a:cs typeface="Microsoft GothicNeo Light" panose="020B0503020000020004" pitchFamily="34" charset="-127"/>
+              </a:rPr>
+              <a:t>actionType</a:t>
+            </a:r>
+            <a:r>
+              <a:rPr kumimoji="0" lang="pl-PL" altLang="pl-PL" sz="1200" b="0" i="0" u="none" strike="noStrike" cap="none" normalizeH="0" baseline="0" dirty="0">
+                <a:ln>
+                  <a:noFill/>
+                </a:ln>
+                <a:solidFill>
+                  <a:srgbClr val="080808"/>
+                </a:solidFill>
+                <a:effectLst/>
+                <a:latin typeface="Consolas" panose="020B0609020204030204" pitchFamily="49" charset="0"/>
+                <a:ea typeface="Microsoft GothicNeo Light" panose="020B0503020000020004" pitchFamily="34" charset="-127"/>
+                <a:cs typeface="Microsoft GothicNeo Light" panose="020B0503020000020004" pitchFamily="34" charset="-127"/>
+              </a:rPr>
+              <a:t>)</a:t>
+            </a:r>
+            <a:br>
+              <a:rPr kumimoji="0" lang="pl-PL" altLang="pl-PL" sz="1200" b="0" i="0" u="none" strike="noStrike" cap="none" normalizeH="0" baseline="0" dirty="0">
+                <a:ln>
+                  <a:noFill/>
+                </a:ln>
+                <a:solidFill>
+                  <a:srgbClr val="080808"/>
+                </a:solidFill>
+                <a:effectLst/>
+                <a:latin typeface="Consolas" panose="020B0609020204030204" pitchFamily="49" charset="0"/>
+                <a:ea typeface="Microsoft GothicNeo Light" panose="020B0503020000020004" pitchFamily="34" charset="-127"/>
+                <a:cs typeface="Microsoft GothicNeo Light" panose="020B0503020000020004" pitchFamily="34" charset="-127"/>
+              </a:rPr>
+            </a:br>
+            <a:br>
+              <a:rPr kumimoji="0" lang="pl-PL" altLang="pl-PL" sz="1200" b="0" i="0" u="none" strike="noStrike" cap="none" normalizeH="0" baseline="0" dirty="0">
+                <a:ln>
+                  <a:noFill/>
+                </a:ln>
+                <a:solidFill>
+                  <a:srgbClr val="080808"/>
+                </a:solidFill>
+                <a:effectLst/>
+                <a:latin typeface="Consolas" panose="020B0609020204030204" pitchFamily="49" charset="0"/>
+                <a:ea typeface="Microsoft GothicNeo Light" panose="020B0503020000020004" pitchFamily="34" charset="-127"/>
+                <a:cs typeface="Microsoft GothicNeo Light" panose="020B0503020000020004" pitchFamily="34" charset="-127"/>
+              </a:rPr>
+            </a:br>
+            <a:r>
+              <a:rPr kumimoji="0" lang="pl-PL" altLang="pl-PL" sz="1200" b="0" i="0" u="none" strike="noStrike" cap="none" normalizeH="0" baseline="0" dirty="0">
+                <a:ln>
+                  <a:noFill/>
+                </a:ln>
+                <a:solidFill>
+                  <a:srgbClr val="080808"/>
+                </a:solidFill>
+                <a:effectLst/>
+                <a:latin typeface="Consolas" panose="020B0609020204030204" pitchFamily="49" charset="0"/>
+                <a:ea typeface="Microsoft GothicNeo Light" panose="020B0503020000020004" pitchFamily="34" charset="-127"/>
+                <a:cs typeface="Microsoft GothicNeo Light" panose="020B0503020000020004" pitchFamily="34" charset="-127"/>
+              </a:rPr>
+              <a:t>    </a:t>
+            </a:r>
+            <a:r>
+              <a:rPr kumimoji="0" lang="pl-PL" altLang="pl-PL" sz="1200" b="0" i="0" u="none" strike="noStrike" cap="none" normalizeH="0" baseline="0" dirty="0" err="1">
+                <a:ln>
+                  <a:noFill/>
+                </a:ln>
+                <a:solidFill>
+                  <a:srgbClr val="080808"/>
+                </a:solidFill>
+                <a:effectLst/>
+                <a:latin typeface="Consolas" panose="020B0609020204030204" pitchFamily="49" charset="0"/>
+                <a:ea typeface="Microsoft GothicNeo Light" panose="020B0503020000020004" pitchFamily="34" charset="-127"/>
+                <a:cs typeface="Microsoft GothicNeo Light" panose="020B0503020000020004" pitchFamily="34" charset="-127"/>
+              </a:rPr>
+              <a:t>when</a:t>
+            </a:r>
+            <a:r>
+              <a:rPr kumimoji="0" lang="pl-PL" altLang="pl-PL" sz="1200" b="0" i="0" u="none" strike="noStrike" cap="none" normalizeH="0" baseline="0" dirty="0">
+                <a:ln>
+                  <a:noFill/>
+                </a:ln>
+                <a:solidFill>
+                  <a:srgbClr val="080808"/>
+                </a:solidFill>
+                <a:effectLst/>
+                <a:latin typeface="Consolas" panose="020B0609020204030204" pitchFamily="49" charset="0"/>
+                <a:ea typeface="Microsoft GothicNeo Light" panose="020B0503020000020004" pitchFamily="34" charset="-127"/>
+                <a:cs typeface="Microsoft GothicNeo Light" panose="020B0503020000020004" pitchFamily="34" charset="-127"/>
+              </a:rPr>
+              <a:t>: </a:t>
+            </a:r>
+            <a:r>
+              <a:rPr kumimoji="0" lang="pl-PL" altLang="pl-PL" sz="1200" b="0" i="0" u="none" strike="noStrike" cap="none" normalizeH="0" baseline="0" dirty="0">
+                <a:ln>
+                  <a:noFill/>
+                </a:ln>
+                <a:solidFill>
+                  <a:srgbClr val="067D17"/>
+                </a:solidFill>
+                <a:effectLst/>
+                <a:latin typeface="Consolas" panose="020B0609020204030204" pitchFamily="49" charset="0"/>
+                <a:ea typeface="Microsoft GothicNeo Light" panose="020B0503020000020004" pitchFamily="34" charset="-127"/>
+                <a:cs typeface="Microsoft GothicNeo Light" panose="020B0503020000020004" pitchFamily="34" charset="-127"/>
+              </a:rPr>
+              <a:t>"</a:t>
+            </a:r>
+            <a:r>
+              <a:rPr kumimoji="0" lang="pl-PL" altLang="pl-PL" sz="1200" b="0" i="0" u="none" strike="noStrike" cap="none" normalizeH="0" baseline="0" dirty="0" err="1">
+                <a:ln>
+                  <a:noFill/>
+                </a:ln>
+                <a:solidFill>
+                  <a:srgbClr val="067D17"/>
+                </a:solidFill>
+                <a:effectLst/>
+                <a:latin typeface="Consolas" panose="020B0609020204030204" pitchFamily="49" charset="0"/>
+                <a:ea typeface="Microsoft GothicNeo Light" panose="020B0503020000020004" pitchFamily="34" charset="-127"/>
+                <a:cs typeface="Microsoft GothicNeo Light" panose="020B0503020000020004" pitchFamily="34" charset="-127"/>
+              </a:rPr>
+              <a:t>invoke</a:t>
+            </a:r>
+            <a:r>
+              <a:rPr kumimoji="0" lang="pl-PL" altLang="pl-PL" sz="1200" b="0" i="0" u="none" strike="noStrike" cap="none" normalizeH="0" baseline="0" dirty="0">
+                <a:ln>
+                  <a:noFill/>
+                </a:ln>
+                <a:solidFill>
+                  <a:srgbClr val="067D17"/>
+                </a:solidFill>
+                <a:effectLst/>
+                <a:latin typeface="Consolas" panose="020B0609020204030204" pitchFamily="49" charset="0"/>
+                <a:ea typeface="Microsoft GothicNeo Light" panose="020B0503020000020004" pitchFamily="34" charset="-127"/>
+                <a:cs typeface="Microsoft GothicNeo Light" panose="020B0503020000020004" pitchFamily="34" charset="-127"/>
+              </a:rPr>
+              <a:t> </a:t>
+            </a:r>
+            <a:r>
+              <a:rPr kumimoji="0" lang="pl-PL" altLang="pl-PL" sz="1200" b="0" i="0" u="none" strike="noStrike" cap="none" normalizeH="0" baseline="0" dirty="0" err="1">
+                <a:ln>
+                  <a:noFill/>
+                </a:ln>
+                <a:solidFill>
+                  <a:srgbClr val="067D17"/>
+                </a:solidFill>
+                <a:effectLst/>
+                <a:latin typeface="Consolas" panose="020B0609020204030204" pitchFamily="49" charset="0"/>
+                <a:ea typeface="Microsoft GothicNeo Light" panose="020B0503020000020004" pitchFamily="34" charset="-127"/>
+                <a:cs typeface="Microsoft GothicNeo Light" panose="020B0503020000020004" pitchFamily="34" charset="-127"/>
+              </a:rPr>
+              <a:t>updateBalance</a:t>
+            </a:r>
+            <a:r>
+              <a:rPr kumimoji="0" lang="pl-PL" altLang="pl-PL" sz="1200" b="0" i="0" u="none" strike="noStrike" cap="none" normalizeH="0" baseline="0" dirty="0">
+                <a:ln>
+                  <a:noFill/>
+                </a:ln>
+                <a:solidFill>
+                  <a:srgbClr val="067D17"/>
+                </a:solidFill>
+                <a:effectLst/>
+                <a:latin typeface="Consolas" panose="020B0609020204030204" pitchFamily="49" charset="0"/>
+                <a:ea typeface="Microsoft GothicNeo Light" panose="020B0503020000020004" pitchFamily="34" charset="-127"/>
+                <a:cs typeface="Microsoft GothicNeo Light" panose="020B0503020000020004" pitchFamily="34" charset="-127"/>
+              </a:rPr>
+              <a:t> </a:t>
+            </a:r>
+            <a:r>
+              <a:rPr kumimoji="0" lang="pl-PL" altLang="pl-PL" sz="1200" b="0" i="0" u="none" strike="noStrike" cap="none" normalizeH="0" baseline="0" dirty="0" err="1">
+                <a:ln>
+                  <a:noFill/>
+                </a:ln>
+                <a:solidFill>
+                  <a:srgbClr val="067D17"/>
+                </a:solidFill>
+                <a:effectLst/>
+                <a:latin typeface="Consolas" panose="020B0609020204030204" pitchFamily="49" charset="0"/>
+                <a:ea typeface="Microsoft GothicNeo Light" panose="020B0503020000020004" pitchFamily="34" charset="-127"/>
+                <a:cs typeface="Microsoft GothicNeo Light" panose="020B0503020000020004" pitchFamily="34" charset="-127"/>
+              </a:rPr>
+              <a:t>method</a:t>
+            </a:r>
+            <a:r>
+              <a:rPr kumimoji="0" lang="pl-PL" altLang="pl-PL" sz="1200" b="0" i="0" u="none" strike="noStrike" cap="none" normalizeH="0" baseline="0" dirty="0">
+                <a:ln>
+                  <a:noFill/>
+                </a:ln>
+                <a:solidFill>
+                  <a:srgbClr val="067D17"/>
+                </a:solidFill>
+                <a:effectLst/>
+                <a:latin typeface="Consolas" panose="020B0609020204030204" pitchFamily="49" charset="0"/>
+                <a:ea typeface="Microsoft GothicNeo Light" panose="020B0503020000020004" pitchFamily="34" charset="-127"/>
+                <a:cs typeface="Microsoft GothicNeo Light" panose="020B0503020000020004" pitchFamily="34" charset="-127"/>
+              </a:rPr>
+              <a:t>"</a:t>
+            </a:r>
+            <a:br>
+              <a:rPr kumimoji="0" lang="pl-PL" altLang="pl-PL" sz="1200" b="0" i="0" u="none" strike="noStrike" cap="none" normalizeH="0" baseline="0" dirty="0">
+                <a:ln>
+                  <a:noFill/>
+                </a:ln>
+                <a:solidFill>
+                  <a:srgbClr val="067D17"/>
+                </a:solidFill>
+                <a:effectLst/>
+                <a:latin typeface="Consolas" panose="020B0609020204030204" pitchFamily="49" charset="0"/>
+                <a:ea typeface="Microsoft GothicNeo Light" panose="020B0503020000020004" pitchFamily="34" charset="-127"/>
+                <a:cs typeface="Microsoft GothicNeo Light" panose="020B0503020000020004" pitchFamily="34" charset="-127"/>
+              </a:rPr>
+            </a:br>
+            <a:r>
+              <a:rPr kumimoji="0" lang="pl-PL" altLang="pl-PL" sz="1200" b="0" i="0" u="none" strike="noStrike" cap="none" normalizeH="0" baseline="0" dirty="0">
+                <a:ln>
+                  <a:noFill/>
+                </a:ln>
+                <a:solidFill>
+                  <a:srgbClr val="067D17"/>
+                </a:solidFill>
+                <a:effectLst/>
+                <a:latin typeface="Consolas" panose="020B0609020204030204" pitchFamily="49" charset="0"/>
+                <a:ea typeface="Microsoft GothicNeo Light" panose="020B0503020000020004" pitchFamily="34" charset="-127"/>
+                <a:cs typeface="Microsoft GothicNeo Light" panose="020B0503020000020004" pitchFamily="34" charset="-127"/>
+              </a:rPr>
+              <a:t>    </a:t>
+            </a:r>
+            <a:r>
+              <a:rPr kumimoji="0" lang="pl-PL" altLang="pl-PL" sz="1200" b="0" i="0" u="none" strike="noStrike" cap="none" normalizeH="0" baseline="0" dirty="0">
+                <a:ln>
+                  <a:noFill/>
+                </a:ln>
+                <a:solidFill>
+                  <a:srgbClr val="0033B3"/>
+                </a:solidFill>
+                <a:effectLst/>
+                <a:latin typeface="Consolas" panose="020B0609020204030204" pitchFamily="49" charset="0"/>
+                <a:ea typeface="Microsoft GothicNeo Light" panose="020B0503020000020004" pitchFamily="34" charset="-127"/>
+                <a:cs typeface="Microsoft GothicNeo Light" panose="020B0503020000020004" pitchFamily="34" charset="-127"/>
+              </a:rPr>
+              <a:t>def </a:t>
+            </a:r>
+            <a:r>
+              <a:rPr kumimoji="0" lang="pl-PL" altLang="pl-PL" sz="1200" b="0" i="0" u="none" strike="noStrike" cap="none" normalizeH="0" baseline="0" dirty="0" err="1">
+                <a:ln>
+                  <a:noFill/>
+                </a:ln>
+                <a:solidFill>
+                  <a:srgbClr val="080808"/>
+                </a:solidFill>
+                <a:effectLst/>
+                <a:latin typeface="Consolas" panose="020B0609020204030204" pitchFamily="49" charset="0"/>
+                <a:ea typeface="Microsoft GothicNeo Light" panose="020B0503020000020004" pitchFamily="34" charset="-127"/>
+                <a:cs typeface="Microsoft GothicNeo Light" panose="020B0503020000020004" pitchFamily="34" charset="-127"/>
+              </a:rPr>
+              <a:t>balanceAfterUpdate</a:t>
+            </a:r>
+            <a:r>
+              <a:rPr kumimoji="0" lang="pl-PL" altLang="pl-PL" sz="1200" b="0" i="0" u="none" strike="noStrike" cap="none" normalizeH="0" baseline="0" dirty="0">
+                <a:ln>
+                  <a:noFill/>
+                </a:ln>
+                <a:solidFill>
+                  <a:srgbClr val="080808"/>
+                </a:solidFill>
+                <a:effectLst/>
+                <a:latin typeface="Consolas" panose="020B0609020204030204" pitchFamily="49" charset="0"/>
+                <a:ea typeface="Microsoft GothicNeo Light" panose="020B0503020000020004" pitchFamily="34" charset="-127"/>
+                <a:cs typeface="Microsoft GothicNeo Light" panose="020B0503020000020004" pitchFamily="34" charset="-127"/>
+              </a:rPr>
+              <a:t> =</a:t>
+            </a:r>
+            <a:br>
+              <a:rPr kumimoji="0" lang="pl-PL" altLang="pl-PL" sz="1200" b="0" i="0" u="none" strike="noStrike" cap="none" normalizeH="0" baseline="0" dirty="0">
+                <a:ln>
+                  <a:noFill/>
+                </a:ln>
+                <a:solidFill>
+                  <a:srgbClr val="080808"/>
+                </a:solidFill>
+                <a:effectLst/>
+                <a:latin typeface="Consolas" panose="020B0609020204030204" pitchFamily="49" charset="0"/>
+                <a:ea typeface="Microsoft GothicNeo Light" panose="020B0503020000020004" pitchFamily="34" charset="-127"/>
+                <a:cs typeface="Microsoft GothicNeo Light" panose="020B0503020000020004" pitchFamily="34" charset="-127"/>
+              </a:rPr>
+            </a:br>
+            <a:r>
+              <a:rPr kumimoji="0" lang="pl-PL" altLang="pl-PL" sz="1200" b="0" i="0" u="none" strike="noStrike" cap="none" normalizeH="0" baseline="0" dirty="0">
+                <a:ln>
+                  <a:noFill/>
+                </a:ln>
+                <a:solidFill>
+                  <a:srgbClr val="080808"/>
+                </a:solidFill>
+                <a:effectLst/>
+                <a:latin typeface="Consolas" panose="020B0609020204030204" pitchFamily="49" charset="0"/>
+                <a:ea typeface="Microsoft GothicNeo Light" panose="020B0503020000020004" pitchFamily="34" charset="-127"/>
+                <a:cs typeface="Microsoft GothicNeo Light" panose="020B0503020000020004" pitchFamily="34" charset="-127"/>
+              </a:rPr>
+              <a:t>            </a:t>
+            </a:r>
+            <a:r>
+              <a:rPr kumimoji="0" lang="pl-PL" altLang="pl-PL" sz="1200" b="0" i="0" u="none" strike="noStrike" cap="none" normalizeH="0" baseline="0" dirty="0" err="1">
+                <a:ln>
+                  <a:noFill/>
+                </a:ln>
+                <a:solidFill>
+                  <a:srgbClr val="080808"/>
+                </a:solidFill>
+                <a:effectLst/>
+                <a:latin typeface="Consolas" panose="020B0609020204030204" pitchFamily="49" charset="0"/>
+                <a:ea typeface="Microsoft GothicNeo Light" panose="020B0503020000020004" pitchFamily="34" charset="-127"/>
+                <a:cs typeface="Microsoft GothicNeo Light" panose="020B0503020000020004" pitchFamily="34" charset="-127"/>
+              </a:rPr>
+              <a:t>TransactionBalanceUtils.updateBalance</a:t>
+            </a:r>
+            <a:r>
+              <a:rPr kumimoji="0" lang="pl-PL" altLang="pl-PL" sz="1200" b="0" i="0" u="none" strike="noStrike" cap="none" normalizeH="0" baseline="0" dirty="0">
+                <a:ln>
+                  <a:noFill/>
+                </a:ln>
+                <a:solidFill>
+                  <a:srgbClr val="080808"/>
+                </a:solidFill>
+                <a:effectLst/>
+                <a:latin typeface="Consolas" panose="020B0609020204030204" pitchFamily="49" charset="0"/>
+                <a:ea typeface="Microsoft GothicNeo Light" panose="020B0503020000020004" pitchFamily="34" charset="-127"/>
+                <a:cs typeface="Microsoft GothicNeo Light" panose="020B0503020000020004" pitchFamily="34" charset="-127"/>
+              </a:rPr>
+              <a:t>(</a:t>
+            </a:r>
+            <a:r>
+              <a:rPr kumimoji="0" lang="pl-PL" altLang="pl-PL" sz="1200" b="0" i="0" u="none" strike="noStrike" cap="none" normalizeH="0" baseline="0" dirty="0" err="1">
+                <a:ln>
+                  <a:noFill/>
+                </a:ln>
+                <a:solidFill>
+                  <a:srgbClr val="080808"/>
+                </a:solidFill>
+                <a:effectLst/>
+                <a:latin typeface="Consolas" panose="020B0609020204030204" pitchFamily="49" charset="0"/>
+                <a:ea typeface="Microsoft GothicNeo Light" panose="020B0503020000020004" pitchFamily="34" charset="-127"/>
+                <a:cs typeface="Microsoft GothicNeo Light" panose="020B0503020000020004" pitchFamily="34" charset="-127"/>
+              </a:rPr>
+              <a:t>balanceBeforeUpdate</a:t>
+            </a:r>
+            <a:r>
+              <a:rPr kumimoji="0" lang="pl-PL" altLang="pl-PL" sz="1200" b="0" i="0" u="none" strike="noStrike" cap="none" normalizeH="0" baseline="0" dirty="0">
+                <a:ln>
+                  <a:noFill/>
+                </a:ln>
+                <a:solidFill>
+                  <a:srgbClr val="080808"/>
+                </a:solidFill>
+                <a:effectLst/>
+                <a:latin typeface="Consolas" panose="020B0609020204030204" pitchFamily="49" charset="0"/>
+                <a:ea typeface="Microsoft GothicNeo Light" panose="020B0503020000020004" pitchFamily="34" charset="-127"/>
+                <a:cs typeface="Microsoft GothicNeo Light" panose="020B0503020000020004" pitchFamily="34" charset="-127"/>
+              </a:rPr>
+              <a:t> </a:t>
+            </a:r>
+            <a:r>
+              <a:rPr kumimoji="0" lang="pl-PL" altLang="pl-PL" sz="1200" b="0" i="0" u="none" strike="noStrike" cap="none" normalizeH="0" baseline="0" dirty="0">
+                <a:ln>
+                  <a:noFill/>
+                </a:ln>
+                <a:solidFill>
+                  <a:srgbClr val="0033B3"/>
+                </a:solidFill>
+                <a:effectLst/>
+                <a:latin typeface="Consolas" panose="020B0609020204030204" pitchFamily="49" charset="0"/>
+                <a:ea typeface="Microsoft GothicNeo Light" panose="020B0503020000020004" pitchFamily="34" charset="-127"/>
+                <a:cs typeface="Microsoft GothicNeo Light" panose="020B0503020000020004" pitchFamily="34" charset="-127"/>
+              </a:rPr>
+              <a:t>as </a:t>
+            </a:r>
+            <a:r>
+              <a:rPr kumimoji="0" lang="pl-PL" altLang="pl-PL" sz="1200" b="0" i="0" u="none" strike="noStrike" cap="none" normalizeH="0" baseline="0" dirty="0" err="1">
+                <a:ln>
+                  <a:noFill/>
+                </a:ln>
+                <a:solidFill>
+                  <a:srgbClr val="080808"/>
+                </a:solidFill>
+                <a:effectLst/>
+                <a:latin typeface="Consolas" panose="020B0609020204030204" pitchFamily="49" charset="0"/>
+                <a:ea typeface="Microsoft GothicNeo Light" panose="020B0503020000020004" pitchFamily="34" charset="-127"/>
+                <a:cs typeface="Microsoft GothicNeo Light" panose="020B0503020000020004" pitchFamily="34" charset="-127"/>
+              </a:rPr>
+              <a:t>BigDecimal</a:t>
+            </a:r>
+            <a:r>
+              <a:rPr kumimoji="0" lang="pl-PL" altLang="pl-PL" sz="1200" b="0" i="0" u="none" strike="noStrike" cap="none" normalizeH="0" baseline="0" dirty="0">
+                <a:ln>
+                  <a:noFill/>
+                </a:ln>
+                <a:solidFill>
+                  <a:srgbClr val="080808"/>
+                </a:solidFill>
+                <a:effectLst/>
+                <a:latin typeface="Consolas" panose="020B0609020204030204" pitchFamily="49" charset="0"/>
+                <a:ea typeface="Microsoft GothicNeo Light" panose="020B0503020000020004" pitchFamily="34" charset="-127"/>
+                <a:cs typeface="Microsoft GothicNeo Light" panose="020B0503020000020004" pitchFamily="34" charset="-127"/>
+              </a:rPr>
+              <a:t>, </a:t>
+            </a:r>
+            <a:r>
+              <a:rPr kumimoji="0" lang="pl-PL" altLang="pl-PL" sz="1200" b="0" i="0" u="none" strike="noStrike" cap="none" normalizeH="0" baseline="0" dirty="0" err="1">
+                <a:ln>
+                  <a:noFill/>
+                </a:ln>
+                <a:solidFill>
+                  <a:srgbClr val="080808"/>
+                </a:solidFill>
+                <a:effectLst/>
+                <a:latin typeface="Consolas" panose="020B0609020204030204" pitchFamily="49" charset="0"/>
+                <a:ea typeface="Microsoft GothicNeo Light" panose="020B0503020000020004" pitchFamily="34" charset="-127"/>
+                <a:cs typeface="Microsoft GothicNeo Light" panose="020B0503020000020004" pitchFamily="34" charset="-127"/>
+              </a:rPr>
+              <a:t>transactionEventDto</a:t>
+            </a:r>
+            <a:r>
+              <a:rPr kumimoji="0" lang="pl-PL" altLang="pl-PL" sz="1200" b="0" i="0" u="none" strike="noStrike" cap="none" normalizeH="0" baseline="0" dirty="0">
+                <a:ln>
+                  <a:noFill/>
+                </a:ln>
+                <a:solidFill>
+                  <a:srgbClr val="080808"/>
+                </a:solidFill>
+                <a:effectLst/>
+                <a:latin typeface="Consolas" panose="020B0609020204030204" pitchFamily="49" charset="0"/>
+                <a:ea typeface="Microsoft GothicNeo Light" panose="020B0503020000020004" pitchFamily="34" charset="-127"/>
+                <a:cs typeface="Microsoft GothicNeo Light" panose="020B0503020000020004" pitchFamily="34" charset="-127"/>
+              </a:rPr>
+              <a:t>)</a:t>
+            </a:r>
+            <a:br>
+              <a:rPr kumimoji="0" lang="pl-PL" altLang="pl-PL" sz="1200" b="0" i="0" u="none" strike="noStrike" cap="none" normalizeH="0" baseline="0" dirty="0">
+                <a:ln>
+                  <a:noFill/>
+                </a:ln>
+                <a:solidFill>
+                  <a:srgbClr val="080808"/>
+                </a:solidFill>
+                <a:effectLst/>
+                <a:latin typeface="Consolas" panose="020B0609020204030204" pitchFamily="49" charset="0"/>
+                <a:ea typeface="Microsoft GothicNeo Light" panose="020B0503020000020004" pitchFamily="34" charset="-127"/>
+                <a:cs typeface="Microsoft GothicNeo Light" panose="020B0503020000020004" pitchFamily="34" charset="-127"/>
+              </a:rPr>
+            </a:br>
+            <a:br>
+              <a:rPr kumimoji="0" lang="pl-PL" altLang="pl-PL" sz="1200" b="0" i="0" u="none" strike="noStrike" cap="none" normalizeH="0" baseline="0" dirty="0">
+                <a:ln>
+                  <a:noFill/>
+                </a:ln>
+                <a:solidFill>
+                  <a:srgbClr val="080808"/>
+                </a:solidFill>
+                <a:effectLst/>
+                <a:latin typeface="Consolas" panose="020B0609020204030204" pitchFamily="49" charset="0"/>
+                <a:ea typeface="Microsoft GothicNeo Light" panose="020B0503020000020004" pitchFamily="34" charset="-127"/>
+                <a:cs typeface="Microsoft GothicNeo Light" panose="020B0503020000020004" pitchFamily="34" charset="-127"/>
+              </a:rPr>
+            </a:br>
+            <a:r>
+              <a:rPr kumimoji="0" lang="pl-PL" altLang="pl-PL" sz="1200" b="0" i="0" u="none" strike="noStrike" cap="none" normalizeH="0" baseline="0" dirty="0">
+                <a:ln>
+                  <a:noFill/>
+                </a:ln>
+                <a:solidFill>
+                  <a:srgbClr val="080808"/>
+                </a:solidFill>
+                <a:effectLst/>
+                <a:latin typeface="Consolas" panose="020B0609020204030204" pitchFamily="49" charset="0"/>
+                <a:ea typeface="Microsoft GothicNeo Light" panose="020B0503020000020004" pitchFamily="34" charset="-127"/>
+                <a:cs typeface="Microsoft GothicNeo Light" panose="020B0503020000020004" pitchFamily="34" charset="-127"/>
+              </a:rPr>
+              <a:t>    </a:t>
+            </a:r>
+            <a:r>
+              <a:rPr kumimoji="0" lang="pl-PL" altLang="pl-PL" sz="1200" b="0" i="0" u="none" strike="noStrike" cap="none" normalizeH="0" baseline="0" dirty="0" err="1">
+                <a:ln>
+                  <a:noFill/>
+                </a:ln>
+                <a:solidFill>
+                  <a:srgbClr val="080808"/>
+                </a:solidFill>
+                <a:effectLst/>
+                <a:latin typeface="Consolas" panose="020B0609020204030204" pitchFamily="49" charset="0"/>
+                <a:ea typeface="Microsoft GothicNeo Light" panose="020B0503020000020004" pitchFamily="34" charset="-127"/>
+                <a:cs typeface="Microsoft GothicNeo Light" panose="020B0503020000020004" pitchFamily="34" charset="-127"/>
+              </a:rPr>
+              <a:t>then</a:t>
+            </a:r>
+            <a:r>
+              <a:rPr kumimoji="0" lang="pl-PL" altLang="pl-PL" sz="1200" b="0" i="0" u="none" strike="noStrike" cap="none" normalizeH="0" baseline="0" dirty="0">
+                <a:ln>
+                  <a:noFill/>
+                </a:ln>
+                <a:solidFill>
+                  <a:srgbClr val="080808"/>
+                </a:solidFill>
+                <a:effectLst/>
+                <a:latin typeface="Consolas" panose="020B0609020204030204" pitchFamily="49" charset="0"/>
+                <a:ea typeface="Microsoft GothicNeo Light" panose="020B0503020000020004" pitchFamily="34" charset="-127"/>
+                <a:cs typeface="Microsoft GothicNeo Light" panose="020B0503020000020004" pitchFamily="34" charset="-127"/>
+              </a:rPr>
+              <a:t>: </a:t>
+            </a:r>
+            <a:r>
+              <a:rPr kumimoji="0" lang="pl-PL" altLang="pl-PL" sz="1200" b="0" i="0" u="none" strike="noStrike" cap="none" normalizeH="0" baseline="0" dirty="0">
+                <a:ln>
+                  <a:noFill/>
+                </a:ln>
+                <a:solidFill>
+                  <a:srgbClr val="067D17"/>
+                </a:solidFill>
+                <a:effectLst/>
+                <a:latin typeface="Consolas" panose="020B0609020204030204" pitchFamily="49" charset="0"/>
+                <a:ea typeface="Microsoft GothicNeo Light" panose="020B0503020000020004" pitchFamily="34" charset="-127"/>
+                <a:cs typeface="Microsoft GothicNeo Light" panose="020B0503020000020004" pitchFamily="34" charset="-127"/>
+              </a:rPr>
+              <a:t>"</a:t>
+            </a:r>
+            <a:r>
+              <a:rPr kumimoji="0" lang="pl-PL" altLang="pl-PL" sz="1200" b="0" i="0" u="none" strike="noStrike" cap="none" normalizeH="0" baseline="0" dirty="0" err="1">
+                <a:ln>
+                  <a:noFill/>
+                </a:ln>
+                <a:solidFill>
+                  <a:srgbClr val="067D17"/>
+                </a:solidFill>
+                <a:effectLst/>
+                <a:latin typeface="Consolas" panose="020B0609020204030204" pitchFamily="49" charset="0"/>
+                <a:ea typeface="Microsoft GothicNeo Light" panose="020B0503020000020004" pitchFamily="34" charset="-127"/>
+                <a:cs typeface="Microsoft GothicNeo Light" panose="020B0503020000020004" pitchFamily="34" charset="-127"/>
+              </a:rPr>
+              <a:t>should</a:t>
+            </a:r>
+            <a:r>
+              <a:rPr kumimoji="0" lang="pl-PL" altLang="pl-PL" sz="1200" b="0" i="0" u="none" strike="noStrike" cap="none" normalizeH="0" baseline="0" dirty="0">
+                <a:ln>
+                  <a:noFill/>
+                </a:ln>
+                <a:solidFill>
+                  <a:srgbClr val="067D17"/>
+                </a:solidFill>
+                <a:effectLst/>
+                <a:latin typeface="Consolas" panose="020B0609020204030204" pitchFamily="49" charset="0"/>
+                <a:ea typeface="Microsoft GothicNeo Light" panose="020B0503020000020004" pitchFamily="34" charset="-127"/>
+                <a:cs typeface="Microsoft GothicNeo Light" panose="020B0503020000020004" pitchFamily="34" charset="-127"/>
+              </a:rPr>
+              <a:t> </a:t>
+            </a:r>
+            <a:r>
+              <a:rPr kumimoji="0" lang="pl-PL" altLang="pl-PL" sz="1200" b="0" i="0" u="none" strike="noStrike" cap="none" normalizeH="0" baseline="0" dirty="0" err="1">
+                <a:ln>
+                  <a:noFill/>
+                </a:ln>
+                <a:solidFill>
+                  <a:srgbClr val="067D17"/>
+                </a:solidFill>
+                <a:effectLst/>
+                <a:latin typeface="Consolas" panose="020B0609020204030204" pitchFamily="49" charset="0"/>
+                <a:ea typeface="Microsoft GothicNeo Light" panose="020B0503020000020004" pitchFamily="34" charset="-127"/>
+                <a:cs typeface="Microsoft GothicNeo Light" panose="020B0503020000020004" pitchFamily="34" charset="-127"/>
+              </a:rPr>
+              <a:t>calculate</a:t>
+            </a:r>
+            <a:r>
+              <a:rPr kumimoji="0" lang="pl-PL" altLang="pl-PL" sz="1200" b="0" i="0" u="none" strike="noStrike" cap="none" normalizeH="0" baseline="0" dirty="0">
+                <a:ln>
+                  <a:noFill/>
+                </a:ln>
+                <a:solidFill>
+                  <a:srgbClr val="067D17"/>
+                </a:solidFill>
+                <a:effectLst/>
+                <a:latin typeface="Consolas" panose="020B0609020204030204" pitchFamily="49" charset="0"/>
+                <a:ea typeface="Microsoft GothicNeo Light" panose="020B0503020000020004" pitchFamily="34" charset="-127"/>
+                <a:cs typeface="Microsoft GothicNeo Light" panose="020B0503020000020004" pitchFamily="34" charset="-127"/>
+              </a:rPr>
+              <a:t> </a:t>
+            </a:r>
+            <a:r>
+              <a:rPr kumimoji="0" lang="pl-PL" altLang="pl-PL" sz="1200" b="0" i="0" u="none" strike="noStrike" cap="none" normalizeH="0" baseline="0" dirty="0" err="1">
+                <a:ln>
+                  <a:noFill/>
+                </a:ln>
+                <a:solidFill>
+                  <a:srgbClr val="067D17"/>
+                </a:solidFill>
+                <a:effectLst/>
+                <a:latin typeface="Consolas" panose="020B0609020204030204" pitchFamily="49" charset="0"/>
+                <a:ea typeface="Microsoft GothicNeo Light" panose="020B0503020000020004" pitchFamily="34" charset="-127"/>
+                <a:cs typeface="Microsoft GothicNeo Light" panose="020B0503020000020004" pitchFamily="34" charset="-127"/>
+              </a:rPr>
+              <a:t>balance</a:t>
+            </a:r>
+            <a:r>
+              <a:rPr kumimoji="0" lang="pl-PL" altLang="pl-PL" sz="1200" b="0" i="0" u="none" strike="noStrike" cap="none" normalizeH="0" baseline="0" dirty="0">
+                <a:ln>
+                  <a:noFill/>
+                </a:ln>
+                <a:solidFill>
+                  <a:srgbClr val="067D17"/>
+                </a:solidFill>
+                <a:effectLst/>
+                <a:latin typeface="Consolas" panose="020B0609020204030204" pitchFamily="49" charset="0"/>
+                <a:ea typeface="Microsoft GothicNeo Light" panose="020B0503020000020004" pitchFamily="34" charset="-127"/>
+                <a:cs typeface="Microsoft GothicNeo Light" panose="020B0503020000020004" pitchFamily="34" charset="-127"/>
+              </a:rPr>
+              <a:t> </a:t>
+            </a:r>
+            <a:r>
+              <a:rPr kumimoji="0" lang="pl-PL" altLang="pl-PL" sz="1200" b="0" i="0" u="none" strike="noStrike" cap="none" normalizeH="0" baseline="0" dirty="0" err="1">
+                <a:ln>
+                  <a:noFill/>
+                </a:ln>
+                <a:solidFill>
+                  <a:srgbClr val="067D17"/>
+                </a:solidFill>
+                <a:effectLst/>
+                <a:latin typeface="Consolas" panose="020B0609020204030204" pitchFamily="49" charset="0"/>
+                <a:ea typeface="Microsoft GothicNeo Light" panose="020B0503020000020004" pitchFamily="34" charset="-127"/>
+                <a:cs typeface="Microsoft GothicNeo Light" panose="020B0503020000020004" pitchFamily="34" charset="-127"/>
+              </a:rPr>
+              <a:t>correctly</a:t>
+            </a:r>
+            <a:r>
+              <a:rPr kumimoji="0" lang="pl-PL" altLang="pl-PL" sz="1200" b="0" i="0" u="none" strike="noStrike" cap="none" normalizeH="0" baseline="0" dirty="0">
+                <a:ln>
+                  <a:noFill/>
+                </a:ln>
+                <a:solidFill>
+                  <a:srgbClr val="067D17"/>
+                </a:solidFill>
+                <a:effectLst/>
+                <a:latin typeface="Consolas" panose="020B0609020204030204" pitchFamily="49" charset="0"/>
+                <a:ea typeface="Microsoft GothicNeo Light" panose="020B0503020000020004" pitchFamily="34" charset="-127"/>
+                <a:cs typeface="Microsoft GothicNeo Light" panose="020B0503020000020004" pitchFamily="34" charset="-127"/>
+              </a:rPr>
+              <a:t>"</a:t>
+            </a:r>
+            <a:br>
+              <a:rPr kumimoji="0" lang="pl-PL" altLang="pl-PL" sz="1200" b="0" i="0" u="none" strike="noStrike" cap="none" normalizeH="0" baseline="0" dirty="0">
+                <a:ln>
+                  <a:noFill/>
+                </a:ln>
+                <a:solidFill>
+                  <a:srgbClr val="067D17"/>
+                </a:solidFill>
+                <a:effectLst/>
+                <a:latin typeface="Consolas" panose="020B0609020204030204" pitchFamily="49" charset="0"/>
+                <a:ea typeface="Microsoft GothicNeo Light" panose="020B0503020000020004" pitchFamily="34" charset="-127"/>
+                <a:cs typeface="Microsoft GothicNeo Light" panose="020B0503020000020004" pitchFamily="34" charset="-127"/>
+              </a:rPr>
+            </a:br>
+            <a:r>
+              <a:rPr kumimoji="0" lang="pl-PL" altLang="pl-PL" sz="1200" b="0" i="0" u="none" strike="noStrike" cap="none" normalizeH="0" baseline="0" dirty="0">
+                <a:ln>
+                  <a:noFill/>
+                </a:ln>
+                <a:solidFill>
+                  <a:srgbClr val="067D17"/>
+                </a:solidFill>
+                <a:effectLst/>
+                <a:latin typeface="Consolas" panose="020B0609020204030204" pitchFamily="49" charset="0"/>
+                <a:ea typeface="Microsoft GothicNeo Light" panose="020B0503020000020004" pitchFamily="34" charset="-127"/>
+                <a:cs typeface="Microsoft GothicNeo Light" panose="020B0503020000020004" pitchFamily="34" charset="-127"/>
+              </a:rPr>
+              <a:t>    </a:t>
+            </a:r>
+            <a:r>
+              <a:rPr kumimoji="0" lang="pl-PL" altLang="pl-PL" sz="1200" b="0" i="0" u="none" strike="noStrike" cap="none" normalizeH="0" baseline="0" dirty="0" err="1">
+                <a:ln>
+                  <a:noFill/>
+                </a:ln>
+                <a:solidFill>
+                  <a:srgbClr val="080808"/>
+                </a:solidFill>
+                <a:effectLst/>
+                <a:latin typeface="Consolas" panose="020B0609020204030204" pitchFamily="49" charset="0"/>
+                <a:ea typeface="Microsoft GothicNeo Light" panose="020B0503020000020004" pitchFamily="34" charset="-127"/>
+                <a:cs typeface="Microsoft GothicNeo Light" panose="020B0503020000020004" pitchFamily="34" charset="-127"/>
+              </a:rPr>
+              <a:t>balanceAfterUpdate</a:t>
+            </a:r>
+            <a:r>
+              <a:rPr kumimoji="0" lang="pl-PL" altLang="pl-PL" sz="1200" b="0" i="0" u="none" strike="noStrike" cap="none" normalizeH="0" baseline="0" dirty="0">
+                <a:ln>
+                  <a:noFill/>
+                </a:ln>
+                <a:solidFill>
+                  <a:srgbClr val="080808"/>
+                </a:solidFill>
+                <a:effectLst/>
+                <a:latin typeface="Consolas" panose="020B0609020204030204" pitchFamily="49" charset="0"/>
+                <a:ea typeface="Microsoft GothicNeo Light" panose="020B0503020000020004" pitchFamily="34" charset="-127"/>
+                <a:cs typeface="Microsoft GothicNeo Light" panose="020B0503020000020004" pitchFamily="34" charset="-127"/>
+              </a:rPr>
+              <a:t> == </a:t>
+            </a:r>
+            <a:r>
+              <a:rPr kumimoji="0" lang="pl-PL" altLang="pl-PL" sz="1200" b="0" i="0" u="none" strike="noStrike" cap="none" normalizeH="0" baseline="0" dirty="0" err="1">
+                <a:ln>
+                  <a:noFill/>
+                </a:ln>
+                <a:solidFill>
+                  <a:srgbClr val="080808"/>
+                </a:solidFill>
+                <a:effectLst/>
+                <a:latin typeface="Consolas" panose="020B0609020204030204" pitchFamily="49" charset="0"/>
+                <a:ea typeface="Microsoft GothicNeo Light" panose="020B0503020000020004" pitchFamily="34" charset="-127"/>
+                <a:cs typeface="Microsoft GothicNeo Light" panose="020B0503020000020004" pitchFamily="34" charset="-127"/>
+              </a:rPr>
+              <a:t>expectedBalanceAfterUpdate</a:t>
+            </a:r>
+            <a:br>
+              <a:rPr kumimoji="0" lang="pl-PL" altLang="pl-PL" sz="1200" b="0" i="0" u="none" strike="noStrike" cap="none" normalizeH="0" baseline="0" dirty="0">
+                <a:ln>
+                  <a:noFill/>
+                </a:ln>
+                <a:solidFill>
+                  <a:srgbClr val="080808"/>
+                </a:solidFill>
+                <a:effectLst/>
+                <a:latin typeface="Consolas" panose="020B0609020204030204" pitchFamily="49" charset="0"/>
+                <a:ea typeface="Microsoft GothicNeo Light" panose="020B0503020000020004" pitchFamily="34" charset="-127"/>
+                <a:cs typeface="Microsoft GothicNeo Light" panose="020B0503020000020004" pitchFamily="34" charset="-127"/>
+              </a:rPr>
+            </a:br>
+            <a:br>
+              <a:rPr kumimoji="0" lang="pl-PL" altLang="pl-PL" sz="1200" b="0" i="0" u="none" strike="noStrike" cap="none" normalizeH="0" baseline="0" dirty="0">
+                <a:ln>
+                  <a:noFill/>
+                </a:ln>
+                <a:solidFill>
+                  <a:srgbClr val="080808"/>
+                </a:solidFill>
+                <a:effectLst/>
+                <a:latin typeface="Consolas" panose="020B0609020204030204" pitchFamily="49" charset="0"/>
+                <a:ea typeface="Microsoft GothicNeo Light" panose="020B0503020000020004" pitchFamily="34" charset="-127"/>
+                <a:cs typeface="Microsoft GothicNeo Light" panose="020B0503020000020004" pitchFamily="34" charset="-127"/>
+              </a:rPr>
+            </a:br>
+            <a:r>
+              <a:rPr kumimoji="0" lang="pl-PL" altLang="pl-PL" sz="1200" b="0" i="0" u="none" strike="noStrike" cap="none" normalizeH="0" baseline="0" dirty="0">
+                <a:ln>
+                  <a:noFill/>
+                </a:ln>
+                <a:solidFill>
+                  <a:srgbClr val="080808"/>
+                </a:solidFill>
+                <a:effectLst/>
+                <a:latin typeface="Consolas" panose="020B0609020204030204" pitchFamily="49" charset="0"/>
+                <a:ea typeface="Microsoft GothicNeo Light" panose="020B0503020000020004" pitchFamily="34" charset="-127"/>
+                <a:cs typeface="Microsoft GothicNeo Light" panose="020B0503020000020004" pitchFamily="34" charset="-127"/>
+              </a:rPr>
+              <a:t>    </a:t>
+            </a:r>
+            <a:r>
+              <a:rPr kumimoji="0" lang="pl-PL" altLang="pl-PL" sz="1200" b="0" i="0" u="none" strike="noStrike" cap="none" normalizeH="0" baseline="0" dirty="0" err="1">
+                <a:ln>
+                  <a:noFill/>
+                </a:ln>
+                <a:solidFill>
+                  <a:srgbClr val="080808"/>
+                </a:solidFill>
+                <a:effectLst/>
+                <a:latin typeface="Consolas" panose="020B0609020204030204" pitchFamily="49" charset="0"/>
+                <a:ea typeface="Microsoft GothicNeo Light" panose="020B0503020000020004" pitchFamily="34" charset="-127"/>
+                <a:cs typeface="Microsoft GothicNeo Light" panose="020B0503020000020004" pitchFamily="34" charset="-127"/>
+              </a:rPr>
+              <a:t>where</a:t>
+            </a:r>
+            <a:r>
+              <a:rPr kumimoji="0" lang="pl-PL" altLang="pl-PL" sz="1200" b="0" i="0" u="none" strike="noStrike" cap="none" normalizeH="0" baseline="0" dirty="0">
+                <a:ln>
+                  <a:noFill/>
+                </a:ln>
+                <a:solidFill>
+                  <a:srgbClr val="080808"/>
+                </a:solidFill>
+                <a:effectLst/>
+                <a:latin typeface="Consolas" panose="020B0609020204030204" pitchFamily="49" charset="0"/>
+                <a:ea typeface="Microsoft GothicNeo Light" panose="020B0503020000020004" pitchFamily="34" charset="-127"/>
+                <a:cs typeface="Microsoft GothicNeo Light" panose="020B0503020000020004" pitchFamily="34" charset="-127"/>
+              </a:rPr>
+              <a:t>:</a:t>
+            </a:r>
+            <a:br>
+              <a:rPr kumimoji="0" lang="pl-PL" altLang="pl-PL" sz="1200" b="0" i="0" u="none" strike="noStrike" cap="none" normalizeH="0" baseline="0" dirty="0">
+                <a:ln>
+                  <a:noFill/>
+                </a:ln>
+                <a:solidFill>
+                  <a:srgbClr val="080808"/>
+                </a:solidFill>
+                <a:effectLst/>
+                <a:latin typeface="Consolas" panose="020B0609020204030204" pitchFamily="49" charset="0"/>
+                <a:ea typeface="Microsoft GothicNeo Light" panose="020B0503020000020004" pitchFamily="34" charset="-127"/>
+                <a:cs typeface="Microsoft GothicNeo Light" panose="020B0503020000020004" pitchFamily="34" charset="-127"/>
+              </a:rPr>
+            </a:br>
+            <a:r>
+              <a:rPr kumimoji="0" lang="pl-PL" altLang="pl-PL" sz="1200" b="0" i="0" u="none" strike="noStrike" cap="none" normalizeH="0" baseline="0" dirty="0">
+                <a:ln>
+                  <a:noFill/>
+                </a:ln>
+                <a:solidFill>
+                  <a:srgbClr val="080808"/>
+                </a:solidFill>
+                <a:effectLst/>
+                <a:latin typeface="Consolas" panose="020B0609020204030204" pitchFamily="49" charset="0"/>
+                <a:ea typeface="Microsoft GothicNeo Light" panose="020B0503020000020004" pitchFamily="34" charset="-127"/>
+                <a:cs typeface="Microsoft GothicNeo Light" panose="020B0503020000020004" pitchFamily="34" charset="-127"/>
+              </a:rPr>
+              <a:t>    </a:t>
+            </a:r>
+            <a:r>
+              <a:rPr kumimoji="0" lang="pl-PL" altLang="pl-PL" sz="1200" b="0" i="0" u="none" strike="noStrike" cap="none" normalizeH="0" baseline="0" dirty="0" err="1">
+                <a:ln>
+                  <a:noFill/>
+                </a:ln>
+                <a:solidFill>
+                  <a:srgbClr val="080808"/>
+                </a:solidFill>
+                <a:effectLst/>
+                <a:latin typeface="Consolas" panose="020B0609020204030204" pitchFamily="49" charset="0"/>
+                <a:ea typeface="Microsoft GothicNeo Light" panose="020B0503020000020004" pitchFamily="34" charset="-127"/>
+                <a:cs typeface="Microsoft GothicNeo Light" panose="020B0503020000020004" pitchFamily="34" charset="-127"/>
+              </a:rPr>
+              <a:t>transactionAmount</a:t>
+            </a:r>
+            <a:r>
+              <a:rPr kumimoji="0" lang="pl-PL" altLang="pl-PL" sz="1200" b="0" i="0" u="none" strike="noStrike" cap="none" normalizeH="0" baseline="0" dirty="0">
+                <a:ln>
+                  <a:noFill/>
+                </a:ln>
+                <a:solidFill>
+                  <a:srgbClr val="080808"/>
+                </a:solidFill>
+                <a:effectLst/>
+                <a:latin typeface="Consolas" panose="020B0609020204030204" pitchFamily="49" charset="0"/>
+                <a:ea typeface="Microsoft GothicNeo Light" panose="020B0503020000020004" pitchFamily="34" charset="-127"/>
+                <a:cs typeface="Microsoft GothicNeo Light" panose="020B0503020000020004" pitchFamily="34" charset="-127"/>
+              </a:rPr>
+              <a:t> | </a:t>
+            </a:r>
+            <a:r>
+              <a:rPr kumimoji="0" lang="pl-PL" altLang="pl-PL" sz="1200" b="0" i="0" u="none" strike="noStrike" cap="none" normalizeH="0" baseline="0" dirty="0" err="1">
+                <a:ln>
+                  <a:noFill/>
+                </a:ln>
+                <a:solidFill>
+                  <a:srgbClr val="080808"/>
+                </a:solidFill>
+                <a:effectLst/>
+                <a:latin typeface="Consolas" panose="020B0609020204030204" pitchFamily="49" charset="0"/>
+                <a:ea typeface="Microsoft GothicNeo Light" panose="020B0503020000020004" pitchFamily="34" charset="-127"/>
+                <a:cs typeface="Microsoft GothicNeo Light" panose="020B0503020000020004" pitchFamily="34" charset="-127"/>
+              </a:rPr>
+              <a:t>actionType</a:t>
+            </a:r>
+            <a:r>
+              <a:rPr kumimoji="0" lang="pl-PL" altLang="pl-PL" sz="1200" b="0" i="0" u="none" strike="noStrike" cap="none" normalizeH="0" baseline="0" dirty="0">
+                <a:ln>
+                  <a:noFill/>
+                </a:ln>
+                <a:solidFill>
+                  <a:srgbClr val="080808"/>
+                </a:solidFill>
+                <a:effectLst/>
+                <a:latin typeface="Consolas" panose="020B0609020204030204" pitchFamily="49" charset="0"/>
+                <a:ea typeface="Microsoft GothicNeo Light" panose="020B0503020000020004" pitchFamily="34" charset="-127"/>
+                <a:cs typeface="Microsoft GothicNeo Light" panose="020B0503020000020004" pitchFamily="34" charset="-127"/>
+              </a:rPr>
+              <a:t>          | </a:t>
+            </a:r>
+            <a:r>
+              <a:rPr kumimoji="0" lang="pl-PL" altLang="pl-PL" sz="1200" b="0" i="0" u="none" strike="noStrike" cap="none" normalizeH="0" baseline="0" dirty="0" err="1">
+                <a:ln>
+                  <a:noFill/>
+                </a:ln>
+                <a:solidFill>
+                  <a:srgbClr val="080808"/>
+                </a:solidFill>
+                <a:effectLst/>
+                <a:latin typeface="Consolas" panose="020B0609020204030204" pitchFamily="49" charset="0"/>
+                <a:ea typeface="Microsoft GothicNeo Light" panose="020B0503020000020004" pitchFamily="34" charset="-127"/>
+                <a:cs typeface="Microsoft GothicNeo Light" panose="020B0503020000020004" pitchFamily="34" charset="-127"/>
+              </a:rPr>
+              <a:t>balanceBeforeUpdate</a:t>
+            </a:r>
+            <a:r>
+              <a:rPr kumimoji="0" lang="pl-PL" altLang="pl-PL" sz="1200" b="0" i="0" u="none" strike="noStrike" cap="none" normalizeH="0" baseline="0" dirty="0">
+                <a:ln>
+                  <a:noFill/>
+                </a:ln>
+                <a:solidFill>
+                  <a:srgbClr val="080808"/>
+                </a:solidFill>
+                <a:effectLst/>
+                <a:latin typeface="Consolas" panose="020B0609020204030204" pitchFamily="49" charset="0"/>
+                <a:ea typeface="Microsoft GothicNeo Light" panose="020B0503020000020004" pitchFamily="34" charset="-127"/>
+                <a:cs typeface="Microsoft GothicNeo Light" panose="020B0503020000020004" pitchFamily="34" charset="-127"/>
+              </a:rPr>
+              <a:t> || </a:t>
+            </a:r>
+            <a:r>
+              <a:rPr kumimoji="0" lang="pl-PL" altLang="pl-PL" sz="1200" b="0" i="0" u="none" strike="noStrike" cap="none" normalizeH="0" baseline="0" dirty="0" err="1">
+                <a:ln>
+                  <a:noFill/>
+                </a:ln>
+                <a:solidFill>
+                  <a:srgbClr val="080808"/>
+                </a:solidFill>
+                <a:effectLst/>
+                <a:latin typeface="Consolas" panose="020B0609020204030204" pitchFamily="49" charset="0"/>
+                <a:ea typeface="Microsoft GothicNeo Light" panose="020B0503020000020004" pitchFamily="34" charset="-127"/>
+                <a:cs typeface="Microsoft GothicNeo Light" panose="020B0503020000020004" pitchFamily="34" charset="-127"/>
+              </a:rPr>
+              <a:t>expectedBalanceAfterUpdate</a:t>
+            </a:r>
+            <a:br>
+              <a:rPr kumimoji="0" lang="pl-PL" altLang="pl-PL" sz="1200" b="0" i="0" u="none" strike="noStrike" cap="none" normalizeH="0" baseline="0" dirty="0">
+                <a:ln>
+                  <a:noFill/>
+                </a:ln>
+                <a:solidFill>
+                  <a:srgbClr val="080808"/>
+                </a:solidFill>
+                <a:effectLst/>
+                <a:latin typeface="Consolas" panose="020B0609020204030204" pitchFamily="49" charset="0"/>
+                <a:ea typeface="Microsoft GothicNeo Light" panose="020B0503020000020004" pitchFamily="34" charset="-127"/>
+                <a:cs typeface="Microsoft GothicNeo Light" panose="020B0503020000020004" pitchFamily="34" charset="-127"/>
+              </a:rPr>
+            </a:br>
+            <a:r>
+              <a:rPr kumimoji="0" lang="pl-PL" altLang="pl-PL" sz="1200" b="0" i="0" u="none" strike="noStrike" cap="none" normalizeH="0" baseline="0" dirty="0">
+                <a:ln>
+                  <a:noFill/>
+                </a:ln>
+                <a:solidFill>
+                  <a:srgbClr val="080808"/>
+                </a:solidFill>
+                <a:effectLst/>
+                <a:latin typeface="Consolas" panose="020B0609020204030204" pitchFamily="49" charset="0"/>
+                <a:ea typeface="Microsoft GothicNeo Light" panose="020B0503020000020004" pitchFamily="34" charset="-127"/>
+                <a:cs typeface="Microsoft GothicNeo Light" panose="020B0503020000020004" pitchFamily="34" charset="-127"/>
+              </a:rPr>
+              <a:t>    -</a:t>
+            </a:r>
+            <a:r>
+              <a:rPr kumimoji="0" lang="pl-PL" altLang="pl-PL" sz="1200" b="0" i="0" u="none" strike="noStrike" cap="none" normalizeH="0" baseline="0" dirty="0">
+                <a:ln>
+                  <a:noFill/>
+                </a:ln>
+                <a:solidFill>
+                  <a:srgbClr val="1750EB"/>
+                </a:solidFill>
+                <a:effectLst/>
+                <a:latin typeface="Consolas" panose="020B0609020204030204" pitchFamily="49" charset="0"/>
+                <a:ea typeface="Microsoft GothicNeo Light" panose="020B0503020000020004" pitchFamily="34" charset="-127"/>
+                <a:cs typeface="Microsoft GothicNeo Light" panose="020B0503020000020004" pitchFamily="34" charset="-127"/>
+              </a:rPr>
+              <a:t>100              </a:t>
+            </a:r>
+            <a:r>
+              <a:rPr kumimoji="0" lang="pl-PL" altLang="pl-PL" sz="1200" b="0" i="0" u="none" strike="noStrike" cap="none" normalizeH="0" baseline="0" dirty="0">
+                <a:ln>
+                  <a:noFill/>
+                </a:ln>
+                <a:solidFill>
+                  <a:srgbClr val="080808"/>
+                </a:solidFill>
+                <a:effectLst/>
+                <a:latin typeface="Consolas" panose="020B0609020204030204" pitchFamily="49" charset="0"/>
+                <a:ea typeface="Microsoft GothicNeo Light" panose="020B0503020000020004" pitchFamily="34" charset="-127"/>
+                <a:cs typeface="Microsoft GothicNeo Light" panose="020B0503020000020004" pitchFamily="34" charset="-127"/>
+              </a:rPr>
+              <a:t>| </a:t>
+            </a:r>
+            <a:r>
+              <a:rPr kumimoji="0" lang="pl-PL" altLang="pl-PL" sz="1200" b="0" i="0" u="none" strike="noStrike" cap="none" normalizeH="0" baseline="0" dirty="0" err="1">
+                <a:ln>
+                  <a:noFill/>
+                </a:ln>
+                <a:solidFill>
+                  <a:srgbClr val="080808"/>
+                </a:solidFill>
+                <a:effectLst/>
+                <a:latin typeface="Consolas" panose="020B0609020204030204" pitchFamily="49" charset="0"/>
+                <a:ea typeface="Microsoft GothicNeo Light" panose="020B0503020000020004" pitchFamily="34" charset="-127"/>
+                <a:cs typeface="Microsoft GothicNeo Light" panose="020B0503020000020004" pitchFamily="34" charset="-127"/>
+              </a:rPr>
+              <a:t>ActionType.CREATION</a:t>
+            </a:r>
+            <a:r>
+              <a:rPr kumimoji="0" lang="pl-PL" altLang="pl-PL" sz="1200" b="0" i="0" u="none" strike="noStrike" cap="none" normalizeH="0" baseline="0" dirty="0">
+                <a:ln>
+                  <a:noFill/>
+                </a:ln>
+                <a:solidFill>
+                  <a:srgbClr val="080808"/>
+                </a:solidFill>
+                <a:effectLst/>
+                <a:latin typeface="Consolas" panose="020B0609020204030204" pitchFamily="49" charset="0"/>
+                <a:ea typeface="Microsoft GothicNeo Light" panose="020B0503020000020004" pitchFamily="34" charset="-127"/>
+                <a:cs typeface="Microsoft GothicNeo Light" panose="020B0503020000020004" pitchFamily="34" charset="-127"/>
+              </a:rPr>
+              <a:t> | </a:t>
+            </a:r>
+            <a:r>
+              <a:rPr kumimoji="0" lang="pl-PL" altLang="pl-PL" sz="1200" b="0" i="0" u="none" strike="noStrike" cap="none" normalizeH="0" baseline="0" dirty="0">
+                <a:ln>
+                  <a:noFill/>
+                </a:ln>
+                <a:solidFill>
+                  <a:srgbClr val="1750EB"/>
+                </a:solidFill>
+                <a:effectLst/>
+                <a:latin typeface="Consolas" panose="020B0609020204030204" pitchFamily="49" charset="0"/>
+                <a:ea typeface="Microsoft GothicNeo Light" panose="020B0503020000020004" pitchFamily="34" charset="-127"/>
+                <a:cs typeface="Microsoft GothicNeo Light" panose="020B0503020000020004" pitchFamily="34" charset="-127"/>
+              </a:rPr>
+              <a:t>5000                </a:t>
+            </a:r>
+            <a:r>
+              <a:rPr kumimoji="0" lang="pl-PL" altLang="pl-PL" sz="1200" b="0" i="0" u="none" strike="noStrike" cap="none" normalizeH="0" baseline="0" dirty="0">
+                <a:ln>
+                  <a:noFill/>
+                </a:ln>
+                <a:solidFill>
+                  <a:srgbClr val="080808"/>
+                </a:solidFill>
+                <a:effectLst/>
+                <a:latin typeface="Consolas" panose="020B0609020204030204" pitchFamily="49" charset="0"/>
+                <a:ea typeface="Microsoft GothicNeo Light" panose="020B0503020000020004" pitchFamily="34" charset="-127"/>
+                <a:cs typeface="Microsoft GothicNeo Light" panose="020B0503020000020004" pitchFamily="34" charset="-127"/>
+              </a:rPr>
+              <a:t>|| </a:t>
+            </a:r>
+            <a:r>
+              <a:rPr kumimoji="0" lang="pl-PL" altLang="pl-PL" sz="1200" b="0" i="0" u="none" strike="noStrike" cap="none" normalizeH="0" baseline="0" dirty="0">
+                <a:ln>
+                  <a:noFill/>
+                </a:ln>
+                <a:solidFill>
+                  <a:srgbClr val="1750EB"/>
+                </a:solidFill>
+                <a:effectLst/>
+                <a:latin typeface="Consolas" panose="020B0609020204030204" pitchFamily="49" charset="0"/>
+                <a:ea typeface="Microsoft GothicNeo Light" panose="020B0503020000020004" pitchFamily="34" charset="-127"/>
+                <a:cs typeface="Microsoft GothicNeo Light" panose="020B0503020000020004" pitchFamily="34" charset="-127"/>
+              </a:rPr>
+              <a:t>4900</a:t>
+            </a:r>
+            <a:br>
+              <a:rPr kumimoji="0" lang="pl-PL" altLang="pl-PL" sz="1200" b="0" i="0" u="none" strike="noStrike" cap="none" normalizeH="0" baseline="0" dirty="0">
+                <a:ln>
+                  <a:noFill/>
+                </a:ln>
+                <a:solidFill>
+                  <a:srgbClr val="1750EB"/>
+                </a:solidFill>
+                <a:effectLst/>
+                <a:latin typeface="Consolas" panose="020B0609020204030204" pitchFamily="49" charset="0"/>
+                <a:ea typeface="Microsoft GothicNeo Light" panose="020B0503020000020004" pitchFamily="34" charset="-127"/>
+                <a:cs typeface="Microsoft GothicNeo Light" panose="020B0503020000020004" pitchFamily="34" charset="-127"/>
+              </a:rPr>
+            </a:br>
+            <a:r>
+              <a:rPr kumimoji="0" lang="pl-PL" altLang="pl-PL" sz="1200" b="0" i="0" u="none" strike="noStrike" cap="none" normalizeH="0" baseline="0" dirty="0">
+                <a:ln>
+                  <a:noFill/>
+                </a:ln>
+                <a:solidFill>
+                  <a:srgbClr val="1750EB"/>
+                </a:solidFill>
+                <a:effectLst/>
+                <a:latin typeface="Consolas" panose="020B0609020204030204" pitchFamily="49" charset="0"/>
+                <a:ea typeface="Microsoft GothicNeo Light" panose="020B0503020000020004" pitchFamily="34" charset="-127"/>
+                <a:cs typeface="Microsoft GothicNeo Light" panose="020B0503020000020004" pitchFamily="34" charset="-127"/>
+              </a:rPr>
+              <a:t>    100.22            </a:t>
+            </a:r>
+            <a:r>
+              <a:rPr kumimoji="0" lang="pl-PL" altLang="pl-PL" sz="1200" b="0" i="0" u="none" strike="noStrike" cap="none" normalizeH="0" baseline="0" dirty="0">
+                <a:ln>
+                  <a:noFill/>
+                </a:ln>
+                <a:solidFill>
+                  <a:srgbClr val="080808"/>
+                </a:solidFill>
+                <a:effectLst/>
+                <a:latin typeface="Consolas" panose="020B0609020204030204" pitchFamily="49" charset="0"/>
+                <a:ea typeface="Microsoft GothicNeo Light" panose="020B0503020000020004" pitchFamily="34" charset="-127"/>
+                <a:cs typeface="Microsoft GothicNeo Light" panose="020B0503020000020004" pitchFamily="34" charset="-127"/>
+              </a:rPr>
+              <a:t>| </a:t>
+            </a:r>
+            <a:r>
+              <a:rPr kumimoji="0" lang="pl-PL" altLang="pl-PL" sz="1200" b="0" i="0" u="none" strike="noStrike" cap="none" normalizeH="0" baseline="0" dirty="0" err="1">
+                <a:ln>
+                  <a:noFill/>
+                </a:ln>
+                <a:solidFill>
+                  <a:srgbClr val="080808"/>
+                </a:solidFill>
+                <a:effectLst/>
+                <a:latin typeface="Consolas" panose="020B0609020204030204" pitchFamily="49" charset="0"/>
+                <a:ea typeface="Microsoft GothicNeo Light" panose="020B0503020000020004" pitchFamily="34" charset="-127"/>
+                <a:cs typeface="Microsoft GothicNeo Light" panose="020B0503020000020004" pitchFamily="34" charset="-127"/>
+              </a:rPr>
+              <a:t>ActionType.CREATION</a:t>
+            </a:r>
+            <a:r>
+              <a:rPr kumimoji="0" lang="pl-PL" altLang="pl-PL" sz="1200" b="0" i="0" u="none" strike="noStrike" cap="none" normalizeH="0" baseline="0" dirty="0">
+                <a:ln>
+                  <a:noFill/>
+                </a:ln>
+                <a:solidFill>
+                  <a:srgbClr val="080808"/>
+                </a:solidFill>
+                <a:effectLst/>
+                <a:latin typeface="Consolas" panose="020B0609020204030204" pitchFamily="49" charset="0"/>
+                <a:ea typeface="Microsoft GothicNeo Light" panose="020B0503020000020004" pitchFamily="34" charset="-127"/>
+                <a:cs typeface="Microsoft GothicNeo Light" panose="020B0503020000020004" pitchFamily="34" charset="-127"/>
+              </a:rPr>
+              <a:t> | </a:t>
+            </a:r>
+            <a:r>
+              <a:rPr kumimoji="0" lang="pl-PL" altLang="pl-PL" sz="1200" b="0" i="0" u="none" strike="noStrike" cap="none" normalizeH="0" baseline="0" dirty="0">
+                <a:ln>
+                  <a:noFill/>
+                </a:ln>
+                <a:solidFill>
+                  <a:srgbClr val="1750EB"/>
+                </a:solidFill>
+                <a:effectLst/>
+                <a:latin typeface="Consolas" panose="020B0609020204030204" pitchFamily="49" charset="0"/>
+                <a:ea typeface="Microsoft GothicNeo Light" panose="020B0503020000020004" pitchFamily="34" charset="-127"/>
+                <a:cs typeface="Microsoft GothicNeo Light" panose="020B0503020000020004" pitchFamily="34" charset="-127"/>
+              </a:rPr>
+              <a:t>232.22              </a:t>
+            </a:r>
+            <a:r>
+              <a:rPr kumimoji="0" lang="pl-PL" altLang="pl-PL" sz="1200" b="0" i="0" u="none" strike="noStrike" cap="none" normalizeH="0" baseline="0" dirty="0">
+                <a:ln>
+                  <a:noFill/>
+                </a:ln>
+                <a:solidFill>
+                  <a:srgbClr val="080808"/>
+                </a:solidFill>
+                <a:effectLst/>
+                <a:latin typeface="Consolas" panose="020B0609020204030204" pitchFamily="49" charset="0"/>
+                <a:ea typeface="Microsoft GothicNeo Light" panose="020B0503020000020004" pitchFamily="34" charset="-127"/>
+                <a:cs typeface="Microsoft GothicNeo Light" panose="020B0503020000020004" pitchFamily="34" charset="-127"/>
+              </a:rPr>
+              <a:t>|| </a:t>
+            </a:r>
+            <a:r>
+              <a:rPr kumimoji="0" lang="pl-PL" altLang="pl-PL" sz="1200" b="0" i="0" u="none" strike="noStrike" cap="none" normalizeH="0" baseline="0" dirty="0">
+                <a:ln>
+                  <a:noFill/>
+                </a:ln>
+                <a:solidFill>
+                  <a:srgbClr val="1750EB"/>
+                </a:solidFill>
+                <a:effectLst/>
+                <a:latin typeface="Consolas" panose="020B0609020204030204" pitchFamily="49" charset="0"/>
+                <a:ea typeface="Microsoft GothicNeo Light" panose="020B0503020000020004" pitchFamily="34" charset="-127"/>
+                <a:cs typeface="Microsoft GothicNeo Light" panose="020B0503020000020004" pitchFamily="34" charset="-127"/>
+              </a:rPr>
+              <a:t>332.44</a:t>
+            </a:r>
+            <a:br>
+              <a:rPr kumimoji="0" lang="pl-PL" altLang="pl-PL" sz="1200" b="0" i="0" u="none" strike="noStrike" cap="none" normalizeH="0" baseline="0" dirty="0">
+                <a:ln>
+                  <a:noFill/>
+                </a:ln>
+                <a:solidFill>
+                  <a:srgbClr val="1750EB"/>
+                </a:solidFill>
+                <a:effectLst/>
+                <a:latin typeface="Consolas" panose="020B0609020204030204" pitchFamily="49" charset="0"/>
+                <a:ea typeface="Microsoft GothicNeo Light" panose="020B0503020000020004" pitchFamily="34" charset="-127"/>
+                <a:cs typeface="Microsoft GothicNeo Light" panose="020B0503020000020004" pitchFamily="34" charset="-127"/>
+              </a:rPr>
+            </a:br>
+            <a:r>
+              <a:rPr kumimoji="0" lang="pl-PL" altLang="pl-PL" sz="1200" b="0" i="0" u="none" strike="noStrike" cap="none" normalizeH="0" baseline="0" dirty="0">
+                <a:ln>
+                  <a:noFill/>
+                </a:ln>
+                <a:solidFill>
+                  <a:srgbClr val="1750EB"/>
+                </a:solidFill>
+                <a:effectLst/>
+                <a:latin typeface="Consolas" panose="020B0609020204030204" pitchFamily="49" charset="0"/>
+                <a:ea typeface="Microsoft GothicNeo Light" panose="020B0503020000020004" pitchFamily="34" charset="-127"/>
+                <a:cs typeface="Microsoft GothicNeo Light" panose="020B0503020000020004" pitchFamily="34" charset="-127"/>
+              </a:rPr>
+              <a:t>    </a:t>
+            </a:r>
+            <a:r>
+              <a:rPr kumimoji="0" lang="pl-PL" altLang="pl-PL" sz="1200" b="0" i="0" u="none" strike="noStrike" cap="none" normalizeH="0" baseline="0" dirty="0">
+                <a:ln>
+                  <a:noFill/>
+                </a:ln>
+                <a:solidFill>
+                  <a:srgbClr val="080808"/>
+                </a:solidFill>
+                <a:effectLst/>
+                <a:latin typeface="Consolas" panose="020B0609020204030204" pitchFamily="49" charset="0"/>
+                <a:ea typeface="Microsoft GothicNeo Light" panose="020B0503020000020004" pitchFamily="34" charset="-127"/>
+                <a:cs typeface="Microsoft GothicNeo Light" panose="020B0503020000020004" pitchFamily="34" charset="-127"/>
+              </a:rPr>
+              <a:t>-</a:t>
+            </a:r>
+            <a:r>
+              <a:rPr kumimoji="0" lang="pl-PL" altLang="pl-PL" sz="1200" b="0" i="0" u="none" strike="noStrike" cap="none" normalizeH="0" baseline="0" dirty="0">
+                <a:ln>
+                  <a:noFill/>
+                </a:ln>
+                <a:solidFill>
+                  <a:srgbClr val="1750EB"/>
+                </a:solidFill>
+                <a:effectLst/>
+                <a:latin typeface="Consolas" panose="020B0609020204030204" pitchFamily="49" charset="0"/>
+                <a:ea typeface="Microsoft GothicNeo Light" panose="020B0503020000020004" pitchFamily="34" charset="-127"/>
+                <a:cs typeface="Microsoft GothicNeo Light" panose="020B0503020000020004" pitchFamily="34" charset="-127"/>
+              </a:rPr>
+              <a:t>99.99            </a:t>
+            </a:r>
+            <a:r>
+              <a:rPr kumimoji="0" lang="pl-PL" altLang="pl-PL" sz="1200" b="0" i="0" u="none" strike="noStrike" cap="none" normalizeH="0" baseline="0" dirty="0">
+                <a:ln>
+                  <a:noFill/>
+                </a:ln>
+                <a:solidFill>
+                  <a:srgbClr val="080808"/>
+                </a:solidFill>
+                <a:effectLst/>
+                <a:latin typeface="Consolas" panose="020B0609020204030204" pitchFamily="49" charset="0"/>
+                <a:ea typeface="Microsoft GothicNeo Light" panose="020B0503020000020004" pitchFamily="34" charset="-127"/>
+                <a:cs typeface="Microsoft GothicNeo Light" panose="020B0503020000020004" pitchFamily="34" charset="-127"/>
+              </a:rPr>
+              <a:t>| </a:t>
+            </a:r>
+            <a:r>
+              <a:rPr kumimoji="0" lang="pl-PL" altLang="pl-PL" sz="1200" b="0" i="0" u="none" strike="noStrike" cap="none" normalizeH="0" baseline="0" dirty="0" err="1">
+                <a:ln>
+                  <a:noFill/>
+                </a:ln>
+                <a:solidFill>
+                  <a:srgbClr val="080808"/>
+                </a:solidFill>
+                <a:effectLst/>
+                <a:latin typeface="Consolas" panose="020B0609020204030204" pitchFamily="49" charset="0"/>
+                <a:ea typeface="Microsoft GothicNeo Light" panose="020B0503020000020004" pitchFamily="34" charset="-127"/>
+                <a:cs typeface="Microsoft GothicNeo Light" panose="020B0503020000020004" pitchFamily="34" charset="-127"/>
+              </a:rPr>
+              <a:t>ActionType.UPDATE</a:t>
+            </a:r>
+            <a:r>
+              <a:rPr kumimoji="0" lang="pl-PL" altLang="pl-PL" sz="1200" b="0" i="0" u="none" strike="noStrike" cap="none" normalizeH="0" baseline="0" dirty="0">
+                <a:ln>
+                  <a:noFill/>
+                </a:ln>
+                <a:solidFill>
+                  <a:srgbClr val="080808"/>
+                </a:solidFill>
+                <a:effectLst/>
+                <a:latin typeface="Consolas" panose="020B0609020204030204" pitchFamily="49" charset="0"/>
+                <a:ea typeface="Microsoft GothicNeo Light" panose="020B0503020000020004" pitchFamily="34" charset="-127"/>
+                <a:cs typeface="Microsoft GothicNeo Light" panose="020B0503020000020004" pitchFamily="34" charset="-127"/>
+              </a:rPr>
+              <a:t>   | </a:t>
+            </a:r>
+            <a:r>
+              <a:rPr kumimoji="0" lang="pl-PL" altLang="pl-PL" sz="1200" b="0" i="0" u="none" strike="noStrike" cap="none" normalizeH="0" baseline="0" dirty="0">
+                <a:ln>
+                  <a:noFill/>
+                </a:ln>
+                <a:solidFill>
+                  <a:srgbClr val="1750EB"/>
+                </a:solidFill>
+                <a:effectLst/>
+                <a:latin typeface="Consolas" panose="020B0609020204030204" pitchFamily="49" charset="0"/>
+                <a:ea typeface="Microsoft GothicNeo Light" panose="020B0503020000020004" pitchFamily="34" charset="-127"/>
+                <a:cs typeface="Microsoft GothicNeo Light" panose="020B0503020000020004" pitchFamily="34" charset="-127"/>
+              </a:rPr>
+              <a:t>5000                </a:t>
+            </a:r>
+            <a:r>
+              <a:rPr kumimoji="0" lang="pl-PL" altLang="pl-PL" sz="1200" b="0" i="0" u="none" strike="noStrike" cap="none" normalizeH="0" baseline="0" dirty="0">
+                <a:ln>
+                  <a:noFill/>
+                </a:ln>
+                <a:solidFill>
+                  <a:srgbClr val="080808"/>
+                </a:solidFill>
+                <a:effectLst/>
+                <a:latin typeface="Consolas" panose="020B0609020204030204" pitchFamily="49" charset="0"/>
+                <a:ea typeface="Microsoft GothicNeo Light" panose="020B0503020000020004" pitchFamily="34" charset="-127"/>
+                <a:cs typeface="Microsoft GothicNeo Light" panose="020B0503020000020004" pitchFamily="34" charset="-127"/>
+              </a:rPr>
+              <a:t>|| </a:t>
+            </a:r>
+            <a:r>
+              <a:rPr kumimoji="0" lang="pl-PL" altLang="pl-PL" sz="1200" b="0" i="0" u="none" strike="noStrike" cap="none" normalizeH="0" baseline="0" dirty="0">
+                <a:ln>
+                  <a:noFill/>
+                </a:ln>
+                <a:solidFill>
+                  <a:srgbClr val="1750EB"/>
+                </a:solidFill>
+                <a:effectLst/>
+                <a:latin typeface="Consolas" panose="020B0609020204030204" pitchFamily="49" charset="0"/>
+                <a:ea typeface="Microsoft GothicNeo Light" panose="020B0503020000020004" pitchFamily="34" charset="-127"/>
+                <a:cs typeface="Microsoft GothicNeo Light" panose="020B0503020000020004" pitchFamily="34" charset="-127"/>
+              </a:rPr>
+              <a:t>4900.01</a:t>
+            </a:r>
+            <a:br>
+              <a:rPr kumimoji="0" lang="pl-PL" altLang="pl-PL" sz="1200" b="0" i="0" u="none" strike="noStrike" cap="none" normalizeH="0" baseline="0" dirty="0">
+                <a:ln>
+                  <a:noFill/>
+                </a:ln>
+                <a:solidFill>
+                  <a:srgbClr val="1750EB"/>
+                </a:solidFill>
+                <a:effectLst/>
+                <a:latin typeface="Consolas" panose="020B0609020204030204" pitchFamily="49" charset="0"/>
+                <a:ea typeface="Microsoft GothicNeo Light" panose="020B0503020000020004" pitchFamily="34" charset="-127"/>
+                <a:cs typeface="Microsoft GothicNeo Light" panose="020B0503020000020004" pitchFamily="34" charset="-127"/>
+              </a:rPr>
+            </a:br>
+            <a:r>
+              <a:rPr kumimoji="0" lang="pl-PL" altLang="pl-PL" sz="1200" b="0" i="0" u="none" strike="noStrike" cap="none" normalizeH="0" baseline="0" dirty="0">
+                <a:ln>
+                  <a:noFill/>
+                </a:ln>
+                <a:solidFill>
+                  <a:srgbClr val="1750EB"/>
+                </a:solidFill>
+                <a:effectLst/>
+                <a:latin typeface="Consolas" panose="020B0609020204030204" pitchFamily="49" charset="0"/>
+                <a:ea typeface="Microsoft GothicNeo Light" panose="020B0503020000020004" pitchFamily="34" charset="-127"/>
+                <a:cs typeface="Microsoft GothicNeo Light" panose="020B0503020000020004" pitchFamily="34" charset="-127"/>
+              </a:rPr>
+              <a:t>    99.99             </a:t>
+            </a:r>
+            <a:r>
+              <a:rPr kumimoji="0" lang="pl-PL" altLang="pl-PL" sz="1200" b="0" i="0" u="none" strike="noStrike" cap="none" normalizeH="0" baseline="0" dirty="0">
+                <a:ln>
+                  <a:noFill/>
+                </a:ln>
+                <a:solidFill>
+                  <a:srgbClr val="080808"/>
+                </a:solidFill>
+                <a:effectLst/>
+                <a:latin typeface="Consolas" panose="020B0609020204030204" pitchFamily="49" charset="0"/>
+                <a:ea typeface="Microsoft GothicNeo Light" panose="020B0503020000020004" pitchFamily="34" charset="-127"/>
+                <a:cs typeface="Microsoft GothicNeo Light" panose="020B0503020000020004" pitchFamily="34" charset="-127"/>
+              </a:rPr>
+              <a:t>| </a:t>
+            </a:r>
+            <a:r>
+              <a:rPr kumimoji="0" lang="pl-PL" altLang="pl-PL" sz="1200" b="0" i="0" u="none" strike="noStrike" cap="none" normalizeH="0" baseline="0" dirty="0" err="1">
+                <a:ln>
+                  <a:noFill/>
+                </a:ln>
+                <a:solidFill>
+                  <a:srgbClr val="080808"/>
+                </a:solidFill>
+                <a:effectLst/>
+                <a:latin typeface="Consolas" panose="020B0609020204030204" pitchFamily="49" charset="0"/>
+                <a:ea typeface="Microsoft GothicNeo Light" panose="020B0503020000020004" pitchFamily="34" charset="-127"/>
+                <a:cs typeface="Microsoft GothicNeo Light" panose="020B0503020000020004" pitchFamily="34" charset="-127"/>
+              </a:rPr>
+              <a:t>ActionType.UPDATE</a:t>
+            </a:r>
+            <a:r>
+              <a:rPr kumimoji="0" lang="pl-PL" altLang="pl-PL" sz="1200" b="0" i="0" u="none" strike="noStrike" cap="none" normalizeH="0" baseline="0" dirty="0">
+                <a:ln>
+                  <a:noFill/>
+                </a:ln>
+                <a:solidFill>
+                  <a:srgbClr val="080808"/>
+                </a:solidFill>
+                <a:effectLst/>
+                <a:latin typeface="Consolas" panose="020B0609020204030204" pitchFamily="49" charset="0"/>
+                <a:ea typeface="Microsoft GothicNeo Light" panose="020B0503020000020004" pitchFamily="34" charset="-127"/>
+                <a:cs typeface="Microsoft GothicNeo Light" panose="020B0503020000020004" pitchFamily="34" charset="-127"/>
+              </a:rPr>
+              <a:t>   | </a:t>
+            </a:r>
+            <a:r>
+              <a:rPr kumimoji="0" lang="pl-PL" altLang="pl-PL" sz="1200" b="0" i="0" u="none" strike="noStrike" cap="none" normalizeH="0" baseline="0" dirty="0">
+                <a:ln>
+                  <a:noFill/>
+                </a:ln>
+                <a:solidFill>
+                  <a:srgbClr val="1750EB"/>
+                </a:solidFill>
+                <a:effectLst/>
+                <a:latin typeface="Consolas" panose="020B0609020204030204" pitchFamily="49" charset="0"/>
+                <a:ea typeface="Microsoft GothicNeo Light" panose="020B0503020000020004" pitchFamily="34" charset="-127"/>
+                <a:cs typeface="Microsoft GothicNeo Light" panose="020B0503020000020004" pitchFamily="34" charset="-127"/>
+              </a:rPr>
+              <a:t>5000                </a:t>
+            </a:r>
+            <a:r>
+              <a:rPr kumimoji="0" lang="pl-PL" altLang="pl-PL" sz="1200" b="0" i="0" u="none" strike="noStrike" cap="none" normalizeH="0" baseline="0" dirty="0">
+                <a:ln>
+                  <a:noFill/>
+                </a:ln>
+                <a:solidFill>
+                  <a:srgbClr val="080808"/>
+                </a:solidFill>
+                <a:effectLst/>
+                <a:latin typeface="Consolas" panose="020B0609020204030204" pitchFamily="49" charset="0"/>
+                <a:ea typeface="Microsoft GothicNeo Light" panose="020B0503020000020004" pitchFamily="34" charset="-127"/>
+                <a:cs typeface="Microsoft GothicNeo Light" panose="020B0503020000020004" pitchFamily="34" charset="-127"/>
+              </a:rPr>
+              <a:t>|| </a:t>
+            </a:r>
+            <a:r>
+              <a:rPr kumimoji="0" lang="pl-PL" altLang="pl-PL" sz="1200" b="0" i="0" u="none" strike="noStrike" cap="none" normalizeH="0" baseline="0" dirty="0">
+                <a:ln>
+                  <a:noFill/>
+                </a:ln>
+                <a:solidFill>
+                  <a:srgbClr val="1750EB"/>
+                </a:solidFill>
+                <a:effectLst/>
+                <a:latin typeface="Consolas" panose="020B0609020204030204" pitchFamily="49" charset="0"/>
+                <a:ea typeface="Microsoft GothicNeo Light" panose="020B0503020000020004" pitchFamily="34" charset="-127"/>
+                <a:cs typeface="Microsoft GothicNeo Light" panose="020B0503020000020004" pitchFamily="34" charset="-127"/>
+              </a:rPr>
+              <a:t>5099.99</a:t>
+            </a:r>
+            <a:br>
+              <a:rPr kumimoji="0" lang="pl-PL" altLang="pl-PL" sz="1200" b="0" i="0" u="none" strike="noStrike" cap="none" normalizeH="0" baseline="0" dirty="0">
+                <a:ln>
+                  <a:noFill/>
+                </a:ln>
+                <a:solidFill>
+                  <a:srgbClr val="1750EB"/>
+                </a:solidFill>
+                <a:effectLst/>
+                <a:latin typeface="Consolas" panose="020B0609020204030204" pitchFamily="49" charset="0"/>
+                <a:ea typeface="Microsoft GothicNeo Light" panose="020B0503020000020004" pitchFamily="34" charset="-127"/>
+                <a:cs typeface="Microsoft GothicNeo Light" panose="020B0503020000020004" pitchFamily="34" charset="-127"/>
+              </a:rPr>
+            </a:br>
+            <a:r>
+              <a:rPr kumimoji="0" lang="pl-PL" altLang="pl-PL" sz="1200" b="0" i="0" u="none" strike="noStrike" cap="none" normalizeH="0" baseline="0" dirty="0">
+                <a:ln>
+                  <a:noFill/>
+                </a:ln>
+                <a:solidFill>
+                  <a:srgbClr val="1750EB"/>
+                </a:solidFill>
+                <a:effectLst/>
+                <a:latin typeface="Consolas" panose="020B0609020204030204" pitchFamily="49" charset="0"/>
+                <a:ea typeface="Microsoft GothicNeo Light" panose="020B0503020000020004" pitchFamily="34" charset="-127"/>
+                <a:cs typeface="Microsoft GothicNeo Light" panose="020B0503020000020004" pitchFamily="34" charset="-127"/>
+              </a:rPr>
+              <a:t>    </a:t>
+            </a:r>
+            <a:r>
+              <a:rPr kumimoji="0" lang="pl-PL" altLang="pl-PL" sz="1200" b="0" i="0" u="none" strike="noStrike" cap="none" normalizeH="0" baseline="0" dirty="0">
+                <a:ln>
+                  <a:noFill/>
+                </a:ln>
+                <a:solidFill>
+                  <a:srgbClr val="080808"/>
+                </a:solidFill>
+                <a:effectLst/>
+                <a:latin typeface="Consolas" panose="020B0609020204030204" pitchFamily="49" charset="0"/>
+                <a:ea typeface="Microsoft GothicNeo Light" panose="020B0503020000020004" pitchFamily="34" charset="-127"/>
+                <a:cs typeface="Microsoft GothicNeo Light" panose="020B0503020000020004" pitchFamily="34" charset="-127"/>
+              </a:rPr>
+              <a:t>-</a:t>
+            </a:r>
+            <a:r>
+              <a:rPr kumimoji="0" lang="pl-PL" altLang="pl-PL" sz="1200" b="0" i="0" u="none" strike="noStrike" cap="none" normalizeH="0" baseline="0" dirty="0">
+                <a:ln>
+                  <a:noFill/>
+                </a:ln>
+                <a:solidFill>
+                  <a:srgbClr val="1750EB"/>
+                </a:solidFill>
+                <a:effectLst/>
+                <a:latin typeface="Consolas" panose="020B0609020204030204" pitchFamily="49" charset="0"/>
+                <a:ea typeface="Microsoft GothicNeo Light" panose="020B0503020000020004" pitchFamily="34" charset="-127"/>
+                <a:cs typeface="Microsoft GothicNeo Light" panose="020B0503020000020004" pitchFamily="34" charset="-127"/>
+              </a:rPr>
+              <a:t>344.03           </a:t>
+            </a:r>
+            <a:r>
+              <a:rPr kumimoji="0" lang="pl-PL" altLang="pl-PL" sz="1200" b="0" i="0" u="none" strike="noStrike" cap="none" normalizeH="0" baseline="0" dirty="0">
+                <a:ln>
+                  <a:noFill/>
+                </a:ln>
+                <a:solidFill>
+                  <a:srgbClr val="080808"/>
+                </a:solidFill>
+                <a:effectLst/>
+                <a:latin typeface="Consolas" panose="020B0609020204030204" pitchFamily="49" charset="0"/>
+                <a:ea typeface="Microsoft GothicNeo Light" panose="020B0503020000020004" pitchFamily="34" charset="-127"/>
+                <a:cs typeface="Microsoft GothicNeo Light" panose="020B0503020000020004" pitchFamily="34" charset="-127"/>
+              </a:rPr>
+              <a:t>| </a:t>
+            </a:r>
+            <a:r>
+              <a:rPr kumimoji="0" lang="pl-PL" altLang="pl-PL" sz="1200" b="0" i="0" u="none" strike="noStrike" cap="none" normalizeH="0" baseline="0" dirty="0" err="1">
+                <a:ln>
+                  <a:noFill/>
+                </a:ln>
+                <a:solidFill>
+                  <a:srgbClr val="080808"/>
+                </a:solidFill>
+                <a:effectLst/>
+                <a:latin typeface="Consolas" panose="020B0609020204030204" pitchFamily="49" charset="0"/>
+                <a:ea typeface="Microsoft GothicNeo Light" panose="020B0503020000020004" pitchFamily="34" charset="-127"/>
+                <a:cs typeface="Microsoft GothicNeo Light" panose="020B0503020000020004" pitchFamily="34" charset="-127"/>
+              </a:rPr>
+              <a:t>ActionType.DELETION</a:t>
+            </a:r>
+            <a:r>
+              <a:rPr kumimoji="0" lang="pl-PL" altLang="pl-PL" sz="1200" b="0" i="0" u="none" strike="noStrike" cap="none" normalizeH="0" baseline="0" dirty="0">
+                <a:ln>
+                  <a:noFill/>
+                </a:ln>
+                <a:solidFill>
+                  <a:srgbClr val="080808"/>
+                </a:solidFill>
+                <a:effectLst/>
+                <a:latin typeface="Consolas" panose="020B0609020204030204" pitchFamily="49" charset="0"/>
+                <a:ea typeface="Microsoft GothicNeo Light" panose="020B0503020000020004" pitchFamily="34" charset="-127"/>
+                <a:cs typeface="Microsoft GothicNeo Light" panose="020B0503020000020004" pitchFamily="34" charset="-127"/>
+              </a:rPr>
+              <a:t> | </a:t>
+            </a:r>
+            <a:r>
+              <a:rPr kumimoji="0" lang="pl-PL" altLang="pl-PL" sz="1200" b="0" i="0" u="none" strike="noStrike" cap="none" normalizeH="0" baseline="0" dirty="0">
+                <a:ln>
+                  <a:noFill/>
+                </a:ln>
+                <a:solidFill>
+                  <a:srgbClr val="1750EB"/>
+                </a:solidFill>
+                <a:effectLst/>
+                <a:latin typeface="Consolas" panose="020B0609020204030204" pitchFamily="49" charset="0"/>
+                <a:ea typeface="Microsoft GothicNeo Light" panose="020B0503020000020004" pitchFamily="34" charset="-127"/>
+                <a:cs typeface="Microsoft GothicNeo Light" panose="020B0503020000020004" pitchFamily="34" charset="-127"/>
+              </a:rPr>
+              <a:t>1000.33             </a:t>
+            </a:r>
+            <a:r>
+              <a:rPr kumimoji="0" lang="pl-PL" altLang="pl-PL" sz="1200" b="0" i="0" u="none" strike="noStrike" cap="none" normalizeH="0" baseline="0" dirty="0">
+                <a:ln>
+                  <a:noFill/>
+                </a:ln>
+                <a:solidFill>
+                  <a:srgbClr val="080808"/>
+                </a:solidFill>
+                <a:effectLst/>
+                <a:latin typeface="Consolas" panose="020B0609020204030204" pitchFamily="49" charset="0"/>
+                <a:ea typeface="Microsoft GothicNeo Light" panose="020B0503020000020004" pitchFamily="34" charset="-127"/>
+                <a:cs typeface="Microsoft GothicNeo Light" panose="020B0503020000020004" pitchFamily="34" charset="-127"/>
+              </a:rPr>
+              <a:t>|| </a:t>
+            </a:r>
+            <a:r>
+              <a:rPr kumimoji="0" lang="pl-PL" altLang="pl-PL" sz="1200" b="0" i="0" u="none" strike="noStrike" cap="none" normalizeH="0" baseline="0" dirty="0">
+                <a:ln>
+                  <a:noFill/>
+                </a:ln>
+                <a:solidFill>
+                  <a:srgbClr val="1750EB"/>
+                </a:solidFill>
+                <a:effectLst/>
+                <a:latin typeface="Consolas" panose="020B0609020204030204" pitchFamily="49" charset="0"/>
+                <a:ea typeface="Microsoft GothicNeo Light" panose="020B0503020000020004" pitchFamily="34" charset="-127"/>
+                <a:cs typeface="Microsoft GothicNeo Light" panose="020B0503020000020004" pitchFamily="34" charset="-127"/>
+              </a:rPr>
+              <a:t>1344.36</a:t>
+            </a:r>
+            <a:br>
+              <a:rPr kumimoji="0" lang="pl-PL" altLang="pl-PL" sz="1200" b="0" i="0" u="none" strike="noStrike" cap="none" normalizeH="0" baseline="0" dirty="0">
+                <a:ln>
+                  <a:noFill/>
+                </a:ln>
+                <a:solidFill>
+                  <a:srgbClr val="1750EB"/>
+                </a:solidFill>
+                <a:effectLst/>
+                <a:latin typeface="Consolas" panose="020B0609020204030204" pitchFamily="49" charset="0"/>
+                <a:ea typeface="Microsoft GothicNeo Light" panose="020B0503020000020004" pitchFamily="34" charset="-127"/>
+                <a:cs typeface="Microsoft GothicNeo Light" panose="020B0503020000020004" pitchFamily="34" charset="-127"/>
+              </a:rPr>
+            </a:br>
+            <a:r>
+              <a:rPr kumimoji="0" lang="pl-PL" altLang="pl-PL" sz="1200" b="0" i="0" u="none" strike="noStrike" cap="none" normalizeH="0" baseline="0" dirty="0">
+                <a:ln>
+                  <a:noFill/>
+                </a:ln>
+                <a:solidFill>
+                  <a:srgbClr val="1750EB"/>
+                </a:solidFill>
+                <a:effectLst/>
+                <a:latin typeface="Consolas" panose="020B0609020204030204" pitchFamily="49" charset="0"/>
+                <a:ea typeface="Microsoft GothicNeo Light" panose="020B0503020000020004" pitchFamily="34" charset="-127"/>
+                <a:cs typeface="Microsoft GothicNeo Light" panose="020B0503020000020004" pitchFamily="34" charset="-127"/>
+              </a:rPr>
+              <a:t>    150               </a:t>
+            </a:r>
+            <a:r>
+              <a:rPr kumimoji="0" lang="pl-PL" altLang="pl-PL" sz="1200" b="0" i="0" u="none" strike="noStrike" cap="none" normalizeH="0" baseline="0" dirty="0">
+                <a:ln>
+                  <a:noFill/>
+                </a:ln>
+                <a:solidFill>
+                  <a:srgbClr val="080808"/>
+                </a:solidFill>
+                <a:effectLst/>
+                <a:latin typeface="Consolas" panose="020B0609020204030204" pitchFamily="49" charset="0"/>
+                <a:ea typeface="Microsoft GothicNeo Light" panose="020B0503020000020004" pitchFamily="34" charset="-127"/>
+                <a:cs typeface="Microsoft GothicNeo Light" panose="020B0503020000020004" pitchFamily="34" charset="-127"/>
+              </a:rPr>
+              <a:t>| </a:t>
+            </a:r>
+            <a:r>
+              <a:rPr kumimoji="0" lang="pl-PL" altLang="pl-PL" sz="1200" b="0" i="0" u="none" strike="noStrike" cap="none" normalizeH="0" baseline="0" dirty="0" err="1">
+                <a:ln>
+                  <a:noFill/>
+                </a:ln>
+                <a:solidFill>
+                  <a:srgbClr val="080808"/>
+                </a:solidFill>
+                <a:effectLst/>
+                <a:latin typeface="Consolas" panose="020B0609020204030204" pitchFamily="49" charset="0"/>
+                <a:ea typeface="Microsoft GothicNeo Light" panose="020B0503020000020004" pitchFamily="34" charset="-127"/>
+                <a:cs typeface="Microsoft GothicNeo Light" panose="020B0503020000020004" pitchFamily="34" charset="-127"/>
+              </a:rPr>
+              <a:t>ActionType.DELETION</a:t>
+            </a:r>
+            <a:r>
+              <a:rPr kumimoji="0" lang="pl-PL" altLang="pl-PL" sz="1200" b="0" i="0" u="none" strike="noStrike" cap="none" normalizeH="0" baseline="0" dirty="0">
+                <a:ln>
+                  <a:noFill/>
+                </a:ln>
+                <a:solidFill>
+                  <a:srgbClr val="080808"/>
+                </a:solidFill>
+                <a:effectLst/>
+                <a:latin typeface="Consolas" panose="020B0609020204030204" pitchFamily="49" charset="0"/>
+                <a:ea typeface="Microsoft GothicNeo Light" panose="020B0503020000020004" pitchFamily="34" charset="-127"/>
+                <a:cs typeface="Microsoft GothicNeo Light" panose="020B0503020000020004" pitchFamily="34" charset="-127"/>
+              </a:rPr>
+              <a:t> | </a:t>
+            </a:r>
+            <a:r>
+              <a:rPr kumimoji="0" lang="pl-PL" altLang="pl-PL" sz="1200" b="0" i="0" u="none" strike="noStrike" cap="none" normalizeH="0" baseline="0" dirty="0">
+                <a:ln>
+                  <a:noFill/>
+                </a:ln>
+                <a:solidFill>
+                  <a:srgbClr val="1750EB"/>
+                </a:solidFill>
+                <a:effectLst/>
+                <a:latin typeface="Consolas" panose="020B0609020204030204" pitchFamily="49" charset="0"/>
+                <a:ea typeface="Microsoft GothicNeo Light" panose="020B0503020000020004" pitchFamily="34" charset="-127"/>
+                <a:cs typeface="Microsoft GothicNeo Light" panose="020B0503020000020004" pitchFamily="34" charset="-127"/>
+              </a:rPr>
+              <a:t>200                 </a:t>
+            </a:r>
+            <a:r>
+              <a:rPr kumimoji="0" lang="pl-PL" altLang="pl-PL" sz="1200" b="0" i="0" u="none" strike="noStrike" cap="none" normalizeH="0" baseline="0" dirty="0">
+                <a:ln>
+                  <a:noFill/>
+                </a:ln>
+                <a:solidFill>
+                  <a:srgbClr val="080808"/>
+                </a:solidFill>
+                <a:effectLst/>
+                <a:latin typeface="Consolas" panose="020B0609020204030204" pitchFamily="49" charset="0"/>
+                <a:ea typeface="Microsoft GothicNeo Light" panose="020B0503020000020004" pitchFamily="34" charset="-127"/>
+                <a:cs typeface="Microsoft GothicNeo Light" panose="020B0503020000020004" pitchFamily="34" charset="-127"/>
+              </a:rPr>
+              <a:t>|| </a:t>
+            </a:r>
+            <a:r>
+              <a:rPr kumimoji="0" lang="pl-PL" altLang="pl-PL" sz="1200" b="0" i="0" u="none" strike="noStrike" cap="none" normalizeH="0" baseline="0" dirty="0">
+                <a:ln>
+                  <a:noFill/>
+                </a:ln>
+                <a:solidFill>
+                  <a:srgbClr val="1750EB"/>
+                </a:solidFill>
+                <a:effectLst/>
+                <a:latin typeface="Consolas" panose="020B0609020204030204" pitchFamily="49" charset="0"/>
+                <a:ea typeface="Microsoft GothicNeo Light" panose="020B0503020000020004" pitchFamily="34" charset="-127"/>
+                <a:cs typeface="Microsoft GothicNeo Light" panose="020B0503020000020004" pitchFamily="34" charset="-127"/>
+              </a:rPr>
+              <a:t>50</a:t>
+            </a:r>
+            <a:br>
+              <a:rPr kumimoji="0" lang="pl-PL" altLang="pl-PL" sz="1200" b="0" i="0" u="none" strike="noStrike" cap="none" normalizeH="0" baseline="0" dirty="0">
+                <a:ln>
+                  <a:noFill/>
+                </a:ln>
+                <a:solidFill>
+                  <a:srgbClr val="1750EB"/>
+                </a:solidFill>
+                <a:effectLst/>
+                <a:latin typeface="Consolas" panose="020B0609020204030204" pitchFamily="49" charset="0"/>
+                <a:ea typeface="Microsoft GothicNeo Light" panose="020B0503020000020004" pitchFamily="34" charset="-127"/>
+                <a:cs typeface="Microsoft GothicNeo Light" panose="020B0503020000020004" pitchFamily="34" charset="-127"/>
+              </a:rPr>
+            </a:br>
+            <a:r>
+              <a:rPr kumimoji="0" lang="pl-PL" altLang="pl-PL" sz="1200" b="0" i="0" u="none" strike="noStrike" cap="none" normalizeH="0" baseline="0" dirty="0">
+                <a:ln>
+                  <a:noFill/>
+                </a:ln>
+                <a:solidFill>
+                  <a:srgbClr val="080808"/>
+                </a:solidFill>
+                <a:effectLst/>
+                <a:latin typeface="Consolas" panose="020B0609020204030204" pitchFamily="49" charset="0"/>
+                <a:ea typeface="Microsoft GothicNeo Light" panose="020B0503020000020004" pitchFamily="34" charset="-127"/>
+                <a:cs typeface="Microsoft GothicNeo Light" panose="020B0503020000020004" pitchFamily="34" charset="-127"/>
+              </a:rPr>
+              <a:t>}</a:t>
+            </a:r>
+            <a:br>
+              <a:rPr kumimoji="0" lang="pl-PL" altLang="pl-PL" sz="1200" b="0" i="0" u="none" strike="noStrike" cap="none" normalizeH="0" baseline="0" dirty="0">
+                <a:ln>
+                  <a:noFill/>
+                </a:ln>
+                <a:solidFill>
+                  <a:srgbClr val="080808"/>
+                </a:solidFill>
+                <a:effectLst/>
+                <a:latin typeface="Consolas" panose="020B0609020204030204" pitchFamily="49" charset="0"/>
+              </a:rPr>
+            </a:br>
+            <a:endParaRPr kumimoji="0" lang="pl-PL" altLang="pl-PL" sz="1200" b="0" i="0" u="none" strike="noStrike" cap="none" normalizeH="0" baseline="0" dirty="0">
+              <a:ln>
+                <a:noFill/>
+              </a:ln>
+              <a:solidFill>
+                <a:schemeClr val="tx1"/>
+              </a:solidFill>
+              <a:effectLst/>
+              <a:latin typeface="Consolas" panose="020B0609020204030204" pitchFamily="49" charset="0"/>
+            </a:endParaRPr>
+          </a:p>
+        </p:txBody>
+      </p:sp>
     </p:spTree>
     <p:extLst>
       <p:ext uri="{BB962C8B-B14F-4D97-AF65-F5344CB8AC3E}">
-        <p14:creationId xmlns:p14="http://schemas.microsoft.com/office/powerpoint/2010/main" val="2321416734"/>
+        <p14:creationId xmlns:p14="http://schemas.microsoft.com/office/powerpoint/2010/main" val="3300684725"/>
       </p:ext>
     </p:extLst>
   </p:cSld>
@@ -9909,17 +10201,17 @@
             <a:pPr algn="ctr"/>
             <a:r>
               <a:rPr lang="pl-PL" sz="2800" dirty="0"/>
-              <a:t>Wdrożenie aplikacji na platformie Okteto</a:t>
+              <a:t>Wdrożenie wszystkich składników systemu</a:t>
             </a:r>
           </a:p>
         </p:txBody>
       </p:sp>
       <p:pic>
         <p:nvPicPr>
-          <p:cNvPr id="2" name="Obraz 1">
-            <a:extLst>
-              <a:ext uri="{FF2B5EF4-FFF2-40B4-BE49-F238E27FC236}">
-                <a16:creationId xmlns:a16="http://schemas.microsoft.com/office/drawing/2014/main" id="{AAC86B96-E7EA-5139-F7F6-DC7F0DF651C2}"/>
+          <p:cNvPr id="3" name="Obraz 2">
+            <a:extLst>
+              <a:ext uri="{FF2B5EF4-FFF2-40B4-BE49-F238E27FC236}">
+                <a16:creationId xmlns:a16="http://schemas.microsoft.com/office/drawing/2014/main" id="{1FD991AD-5029-A75D-2B88-290B8AAB3F84}"/>
               </a:ext>
             </a:extLst>
           </p:cNvPr>
@@ -9929,15 +10221,21 @@
           <p:nvPr/>
         </p:nvPicPr>
         <p:blipFill>
-          <a:blip r:embed="rId2"/>
+          <a:blip r:embed="rId2">
+            <a:extLst>
+              <a:ext uri="{28A0092B-C50C-407E-A947-70E740481C1C}">
+                <a14:useLocalDpi xmlns:a14="http://schemas.microsoft.com/office/drawing/2010/main" val="0"/>
+              </a:ext>
+            </a:extLst>
+          </a:blip>
           <a:stretch>
             <a:fillRect/>
           </a:stretch>
         </p:blipFill>
         <p:spPr>
           <a:xfrm>
-            <a:off x="2282672" y="792907"/>
-            <a:ext cx="7208318" cy="5691714"/>
+            <a:off x="1552073" y="786686"/>
+            <a:ext cx="8923344" cy="5839702"/>
           </a:xfrm>
           <a:prstGeom prst="rect">
             <a:avLst/>
@@ -9947,7 +10245,7 @@
     </p:spTree>
     <p:extLst>
       <p:ext uri="{BB962C8B-B14F-4D97-AF65-F5344CB8AC3E}">
-        <p14:creationId xmlns:p14="http://schemas.microsoft.com/office/powerpoint/2010/main" val="1959017368"/>
+        <p14:creationId xmlns:p14="http://schemas.microsoft.com/office/powerpoint/2010/main" val="2321416734"/>
       </p:ext>
     </p:extLst>
   </p:cSld>

--- a/Prezentacja.pptx
+++ b/Prezentacja.pptx
@@ -4,6 +4,9 @@
   <p:sldMasterIdLst>
     <p:sldMasterId id="2147483712" r:id="rId1"/>
   </p:sldMasterIdLst>
+  <p:notesMasterIdLst>
+    <p:notesMasterId r:id="rId12"/>
+  </p:notesMasterIdLst>
   <p:sldIdLst>
     <p:sldId id="256" r:id="rId2"/>
     <p:sldId id="257" r:id="rId3"/>
@@ -121,6 +124,1504 @@
 </p:presentation>
 </file>
 
+<file path=ppt/authors.xml><?xml version="1.0" encoding="utf-8"?>
+<p188:authorLst xmlns:a="http://schemas.openxmlformats.org/drawingml/2006/main" xmlns:r="http://schemas.openxmlformats.org/officeDocument/2006/relationships" xmlns:p188="http://schemas.microsoft.com/office/powerpoint/2018/8/main">
+  <p188:author id="{FCDB68FB-A585-D246-ECE8-B3393DE9B499}" name="Lukasz Seremak" initials="LS" userId="2a14ec347cae5b9f" providerId="Windows Live"/>
+</p188:authorLst>
+</file>
+
+<file path=ppt/comments/modernComment_100_6DD788C5.xml><?xml version="1.0" encoding="utf-8"?>
+<p188:cmLst xmlns:a="http://schemas.openxmlformats.org/drawingml/2006/main" xmlns:r="http://schemas.openxmlformats.org/officeDocument/2006/relationships" xmlns:p188="http://schemas.microsoft.com/office/powerpoint/2018/8/main">
+  <p188:cm id="{26ED1860-1EDF-4761-8827-E5A2AB964979}" authorId="{FCDB68FB-A585-D246-ECE8-B3393DE9B499}" created="2023-02-19T15:38:11.223">
+    <pc:sldMkLst xmlns:pc="http://schemas.microsoft.com/office/powerpoint/2013/main/command">
+      <pc:docMk/>
+      <pc:sldMk cId="1842841797" sldId="256"/>
+    </pc:sldMkLst>
+    <p188:txBody>
+      <a:bodyPr/>
+      <a:lstStyle/>
+      <a:p>
+        <a:r>
+          <a:rPr lang="pl-PL"/>
+          <a:t>sss</a:t>
+        </a:r>
+      </a:p>
+    </p188:txBody>
+  </p188:cm>
+</p188:cmLst>
+</file>
+
+<file path=ppt/notesMasters/notesMaster1.xml><?xml version="1.0" encoding="utf-8"?>
+<p:notesMaster xmlns:a="http://schemas.openxmlformats.org/drawingml/2006/main" xmlns:r="http://schemas.openxmlformats.org/officeDocument/2006/relationships" xmlns:p="http://schemas.openxmlformats.org/presentationml/2006/main">
+  <p:cSld>
+    <p:bg>
+      <p:bgRef idx="1001">
+        <a:schemeClr val="bg1"/>
+      </p:bgRef>
+    </p:bg>
+    <p:spTree>
+      <p:nvGrpSpPr>
+        <p:cNvPr id="1" name=""/>
+        <p:cNvGrpSpPr/>
+        <p:nvPr/>
+      </p:nvGrpSpPr>
+      <p:grpSpPr>
+        <a:xfrm>
+          <a:off x="0" y="0"/>
+          <a:ext cx="0" cy="0"/>
+          <a:chOff x="0" y="0"/>
+          <a:chExt cx="0" cy="0"/>
+        </a:xfrm>
+      </p:grpSpPr>
+      <p:sp>
+        <p:nvSpPr>
+          <p:cNvPr id="2" name="Symbol zastępczy nagłówka 1"/>
+          <p:cNvSpPr>
+            <a:spLocks noGrp="1"/>
+          </p:cNvSpPr>
+          <p:nvPr>
+            <p:ph type="hdr" sz="quarter"/>
+          </p:nvPr>
+        </p:nvSpPr>
+        <p:spPr>
+          <a:xfrm>
+            <a:off x="0" y="0"/>
+            <a:ext cx="2971800" cy="458788"/>
+          </a:xfrm>
+          <a:prstGeom prst="rect">
+            <a:avLst/>
+          </a:prstGeom>
+        </p:spPr>
+        <p:txBody>
+          <a:bodyPr vert="horz" lIns="91440" tIns="45720" rIns="91440" bIns="45720" rtlCol="0"/>
+          <a:lstStyle>
+            <a:lvl1pPr algn="l">
+              <a:defRPr sz="1200"/>
+            </a:lvl1pPr>
+          </a:lstStyle>
+          <a:p>
+            <a:endParaRPr lang="pl-PL"/>
+          </a:p>
+        </p:txBody>
+      </p:sp>
+      <p:sp>
+        <p:nvSpPr>
+          <p:cNvPr id="3" name="Symbol zastępczy daty 2"/>
+          <p:cNvSpPr>
+            <a:spLocks noGrp="1"/>
+          </p:cNvSpPr>
+          <p:nvPr>
+            <p:ph type="dt" idx="1"/>
+          </p:nvPr>
+        </p:nvSpPr>
+        <p:spPr>
+          <a:xfrm>
+            <a:off x="3884613" y="0"/>
+            <a:ext cx="2971800" cy="458788"/>
+          </a:xfrm>
+          <a:prstGeom prst="rect">
+            <a:avLst/>
+          </a:prstGeom>
+        </p:spPr>
+        <p:txBody>
+          <a:bodyPr vert="horz" lIns="91440" tIns="45720" rIns="91440" bIns="45720" rtlCol="0"/>
+          <a:lstStyle>
+            <a:lvl1pPr algn="r">
+              <a:defRPr sz="1200"/>
+            </a:lvl1pPr>
+          </a:lstStyle>
+          <a:p>
+            <a:fld id="{FF3567AD-46B8-42F9-B53B-49EF8B82F4FA}" type="datetimeFigureOut">
+              <a:rPr lang="pl-PL" smtClean="0"/>
+              <a:t>19.02.2023</a:t>
+            </a:fld>
+            <a:endParaRPr lang="pl-PL"/>
+          </a:p>
+        </p:txBody>
+      </p:sp>
+      <p:sp>
+        <p:nvSpPr>
+          <p:cNvPr id="4" name="Symbol zastępczy obrazu slajdu 3"/>
+          <p:cNvSpPr>
+            <a:spLocks noGrp="1" noRot="1" noChangeAspect="1"/>
+          </p:cNvSpPr>
+          <p:nvPr>
+            <p:ph type="sldImg" idx="2"/>
+          </p:nvPr>
+        </p:nvSpPr>
+        <p:spPr>
+          <a:xfrm>
+            <a:off x="685800" y="1143000"/>
+            <a:ext cx="5486400" cy="3086100"/>
+          </a:xfrm>
+          <a:prstGeom prst="rect">
+            <a:avLst/>
+          </a:prstGeom>
+          <a:noFill/>
+          <a:ln w="12700">
+            <a:solidFill>
+              <a:prstClr val="black"/>
+            </a:solidFill>
+          </a:ln>
+        </p:spPr>
+        <p:txBody>
+          <a:bodyPr vert="horz" lIns="91440" tIns="45720" rIns="91440" bIns="45720" rtlCol="0" anchor="ctr"/>
+          <a:lstStyle/>
+          <a:p>
+            <a:endParaRPr lang="pl-PL"/>
+          </a:p>
+        </p:txBody>
+      </p:sp>
+      <p:sp>
+        <p:nvSpPr>
+          <p:cNvPr id="5" name="Symbol zastępczy notatek 4"/>
+          <p:cNvSpPr>
+            <a:spLocks noGrp="1"/>
+          </p:cNvSpPr>
+          <p:nvPr>
+            <p:ph type="body" sz="quarter" idx="3"/>
+          </p:nvPr>
+        </p:nvSpPr>
+        <p:spPr>
+          <a:xfrm>
+            <a:off x="685800" y="4400550"/>
+            <a:ext cx="5486400" cy="3600450"/>
+          </a:xfrm>
+          <a:prstGeom prst="rect">
+            <a:avLst/>
+          </a:prstGeom>
+        </p:spPr>
+        <p:txBody>
+          <a:bodyPr vert="horz" lIns="91440" tIns="45720" rIns="91440" bIns="45720" rtlCol="0"/>
+          <a:lstStyle/>
+          <a:p>
+            <a:pPr lvl="0"/>
+            <a:r>
+              <a:rPr lang="pl-PL" dirty="0"/>
+              <a:t>Kliknij, aby edytować style wzorca tekstu</a:t>
+            </a:r>
+          </a:p>
+          <a:p>
+            <a:pPr lvl="1"/>
+            <a:r>
+              <a:rPr lang="pl-PL" dirty="0"/>
+              <a:t>Drugi poziom</a:t>
+            </a:r>
+          </a:p>
+          <a:p>
+            <a:pPr lvl="2"/>
+            <a:r>
+              <a:rPr lang="pl-PL" dirty="0"/>
+              <a:t>Trzeci poziom</a:t>
+            </a:r>
+          </a:p>
+          <a:p>
+            <a:pPr lvl="3"/>
+            <a:r>
+              <a:rPr lang="pl-PL" dirty="0"/>
+              <a:t>Czwarty poziom</a:t>
+            </a:r>
+          </a:p>
+          <a:p>
+            <a:pPr lvl="4"/>
+            <a:r>
+              <a:rPr lang="pl-PL" dirty="0"/>
+              <a:t>Piąty poziom</a:t>
+            </a:r>
+          </a:p>
+        </p:txBody>
+      </p:sp>
+      <p:sp>
+        <p:nvSpPr>
+          <p:cNvPr id="6" name="Symbol zastępczy stopki 5"/>
+          <p:cNvSpPr>
+            <a:spLocks noGrp="1"/>
+          </p:cNvSpPr>
+          <p:nvPr>
+            <p:ph type="ftr" sz="quarter" idx="4"/>
+          </p:nvPr>
+        </p:nvSpPr>
+        <p:spPr>
+          <a:xfrm>
+            <a:off x="0" y="8685213"/>
+            <a:ext cx="2971800" cy="458787"/>
+          </a:xfrm>
+          <a:prstGeom prst="rect">
+            <a:avLst/>
+          </a:prstGeom>
+        </p:spPr>
+        <p:txBody>
+          <a:bodyPr vert="horz" lIns="91440" tIns="45720" rIns="91440" bIns="45720" rtlCol="0" anchor="b"/>
+          <a:lstStyle>
+            <a:lvl1pPr algn="l">
+              <a:defRPr sz="1200"/>
+            </a:lvl1pPr>
+          </a:lstStyle>
+          <a:p>
+            <a:endParaRPr lang="pl-PL"/>
+          </a:p>
+        </p:txBody>
+      </p:sp>
+      <p:sp>
+        <p:nvSpPr>
+          <p:cNvPr id="7" name="Symbol zastępczy numeru slajdu 6"/>
+          <p:cNvSpPr>
+            <a:spLocks noGrp="1"/>
+          </p:cNvSpPr>
+          <p:nvPr>
+            <p:ph type="sldNum" sz="quarter" idx="5"/>
+          </p:nvPr>
+        </p:nvSpPr>
+        <p:spPr>
+          <a:xfrm>
+            <a:off x="3884613" y="8685213"/>
+            <a:ext cx="2971800" cy="458787"/>
+          </a:xfrm>
+          <a:prstGeom prst="rect">
+            <a:avLst/>
+          </a:prstGeom>
+        </p:spPr>
+        <p:txBody>
+          <a:bodyPr vert="horz" lIns="91440" tIns="45720" rIns="91440" bIns="45720" rtlCol="0" anchor="b"/>
+          <a:lstStyle>
+            <a:lvl1pPr algn="r">
+              <a:defRPr sz="1200"/>
+            </a:lvl1pPr>
+          </a:lstStyle>
+          <a:p>
+            <a:fld id="{D43575A8-D8DC-4AC7-AE60-45A20BC874FF}" type="slidenum">
+              <a:rPr lang="pl-PL" smtClean="0"/>
+              <a:t>‹#›</a:t>
+            </a:fld>
+            <a:endParaRPr lang="pl-PL"/>
+          </a:p>
+        </p:txBody>
+      </p:sp>
+    </p:spTree>
+    <p:extLst>
+      <p:ext uri="{BB962C8B-B14F-4D97-AF65-F5344CB8AC3E}">
+        <p14:creationId xmlns:p14="http://schemas.microsoft.com/office/powerpoint/2010/main" val="1451138344"/>
+      </p:ext>
+    </p:extLst>
+  </p:cSld>
+  <p:clrMap bg1="lt1" tx1="dk1" bg2="lt2" tx2="dk2" accent1="accent1" accent2="accent2" accent3="accent3" accent4="accent4" accent5="accent5" accent6="accent6" hlink="hlink" folHlink="folHlink"/>
+  <p:notesStyle>
+    <a:lvl1pPr marL="0" algn="l" defTabSz="914400" rtl="0" eaLnBrk="1" latinLnBrk="0" hangingPunct="1">
+      <a:defRPr sz="1200" kern="1200">
+        <a:solidFill>
+          <a:schemeClr val="tx1"/>
+        </a:solidFill>
+        <a:latin typeface="+mn-lt"/>
+        <a:ea typeface="+mn-ea"/>
+        <a:cs typeface="+mn-cs"/>
+      </a:defRPr>
+    </a:lvl1pPr>
+    <a:lvl2pPr marL="457200" algn="l" defTabSz="914400" rtl="0" eaLnBrk="1" latinLnBrk="0" hangingPunct="1">
+      <a:defRPr sz="1200" kern="1200">
+        <a:solidFill>
+          <a:schemeClr val="tx1"/>
+        </a:solidFill>
+        <a:latin typeface="+mn-lt"/>
+        <a:ea typeface="+mn-ea"/>
+        <a:cs typeface="+mn-cs"/>
+      </a:defRPr>
+    </a:lvl2pPr>
+    <a:lvl3pPr marL="914400" algn="l" defTabSz="914400" rtl="0" eaLnBrk="1" latinLnBrk="0" hangingPunct="1">
+      <a:defRPr sz="1200" kern="1200">
+        <a:solidFill>
+          <a:schemeClr val="tx1"/>
+        </a:solidFill>
+        <a:latin typeface="+mn-lt"/>
+        <a:ea typeface="+mn-ea"/>
+        <a:cs typeface="+mn-cs"/>
+      </a:defRPr>
+    </a:lvl3pPr>
+    <a:lvl4pPr marL="1371600" algn="l" defTabSz="914400" rtl="0" eaLnBrk="1" latinLnBrk="0" hangingPunct="1">
+      <a:defRPr sz="1200" kern="1200">
+        <a:solidFill>
+          <a:schemeClr val="tx1"/>
+        </a:solidFill>
+        <a:latin typeface="+mn-lt"/>
+        <a:ea typeface="+mn-ea"/>
+        <a:cs typeface="+mn-cs"/>
+      </a:defRPr>
+    </a:lvl4pPr>
+    <a:lvl5pPr marL="1828800" algn="l" defTabSz="914400" rtl="0" eaLnBrk="1" latinLnBrk="0" hangingPunct="1">
+      <a:defRPr sz="1200" kern="1200">
+        <a:solidFill>
+          <a:schemeClr val="tx1"/>
+        </a:solidFill>
+        <a:latin typeface="+mn-lt"/>
+        <a:ea typeface="+mn-ea"/>
+        <a:cs typeface="+mn-cs"/>
+      </a:defRPr>
+    </a:lvl5pPr>
+    <a:lvl6pPr marL="2286000" algn="l" defTabSz="914400" rtl="0" eaLnBrk="1" latinLnBrk="0" hangingPunct="1">
+      <a:defRPr sz="1200" kern="1200">
+        <a:solidFill>
+          <a:schemeClr val="tx1"/>
+        </a:solidFill>
+        <a:latin typeface="+mn-lt"/>
+        <a:ea typeface="+mn-ea"/>
+        <a:cs typeface="+mn-cs"/>
+      </a:defRPr>
+    </a:lvl6pPr>
+    <a:lvl7pPr marL="2743200" algn="l" defTabSz="914400" rtl="0" eaLnBrk="1" latinLnBrk="0" hangingPunct="1">
+      <a:defRPr sz="1200" kern="1200">
+        <a:solidFill>
+          <a:schemeClr val="tx1"/>
+        </a:solidFill>
+        <a:latin typeface="+mn-lt"/>
+        <a:ea typeface="+mn-ea"/>
+        <a:cs typeface="+mn-cs"/>
+      </a:defRPr>
+    </a:lvl7pPr>
+    <a:lvl8pPr marL="3200400" algn="l" defTabSz="914400" rtl="0" eaLnBrk="1" latinLnBrk="0" hangingPunct="1">
+      <a:defRPr sz="1200" kern="1200">
+        <a:solidFill>
+          <a:schemeClr val="tx1"/>
+        </a:solidFill>
+        <a:latin typeface="+mn-lt"/>
+        <a:ea typeface="+mn-ea"/>
+        <a:cs typeface="+mn-cs"/>
+      </a:defRPr>
+    </a:lvl8pPr>
+    <a:lvl9pPr marL="3657600" algn="l" defTabSz="914400" rtl="0" eaLnBrk="1" latinLnBrk="0" hangingPunct="1">
+      <a:defRPr sz="1200" kern="1200">
+        <a:solidFill>
+          <a:schemeClr val="tx1"/>
+        </a:solidFill>
+        <a:latin typeface="+mn-lt"/>
+        <a:ea typeface="+mn-ea"/>
+        <a:cs typeface="+mn-cs"/>
+      </a:defRPr>
+    </a:lvl9pPr>
+  </p:notesStyle>
+</p:notesMaster>
+</file>
+
+<file path=ppt/notesSlides/notesSlide1.xml><?xml version="1.0" encoding="utf-8"?>
+<p:notes xmlns:a="http://schemas.openxmlformats.org/drawingml/2006/main" xmlns:r="http://schemas.openxmlformats.org/officeDocument/2006/relationships" xmlns:p="http://schemas.openxmlformats.org/presentationml/2006/main">
+  <p:cSld>
+    <p:spTree>
+      <p:nvGrpSpPr>
+        <p:cNvPr id="1" name=""/>
+        <p:cNvGrpSpPr/>
+        <p:nvPr/>
+      </p:nvGrpSpPr>
+      <p:grpSpPr>
+        <a:xfrm>
+          <a:off x="0" y="0"/>
+          <a:ext cx="0" cy="0"/>
+          <a:chOff x="0" y="0"/>
+          <a:chExt cx="0" cy="0"/>
+        </a:xfrm>
+      </p:grpSpPr>
+      <p:sp>
+        <p:nvSpPr>
+          <p:cNvPr id="2" name="Symbol zastępczy obrazu slajdu 1"/>
+          <p:cNvSpPr>
+            <a:spLocks noGrp="1" noRot="1" noChangeAspect="1"/>
+          </p:cNvSpPr>
+          <p:nvPr>
+            <p:ph type="sldImg"/>
+          </p:nvPr>
+        </p:nvSpPr>
+        <p:spPr/>
+      </p:sp>
+      <p:sp>
+        <p:nvSpPr>
+          <p:cNvPr id="3" name="Symbol zastępczy notatek 2"/>
+          <p:cNvSpPr>
+            <a:spLocks noGrp="1"/>
+          </p:cNvSpPr>
+          <p:nvPr>
+            <p:ph type="body" idx="1"/>
+          </p:nvPr>
+        </p:nvSpPr>
+        <p:spPr/>
+        <p:txBody>
+          <a:bodyPr/>
+          <a:lstStyle/>
+          <a:p>
+            <a:pPr marL="0" marR="0" lvl="0" indent="0" algn="l" defTabSz="914400" rtl="0" eaLnBrk="1" fontAlgn="auto" latinLnBrk="0" hangingPunct="1">
+              <a:lnSpc>
+                <a:spcPct val="100000"/>
+              </a:lnSpc>
+              <a:spcBef>
+                <a:spcPts val="0"/>
+              </a:spcBef>
+              <a:spcAft>
+                <a:spcPts val="0"/>
+              </a:spcAft>
+              <a:buClrTx/>
+              <a:buSzTx/>
+              <a:buFontTx/>
+              <a:buNone/>
+              <a:tabLst/>
+              <a:defRPr/>
+            </a:pPr>
+            <a:r>
+              <a:rPr lang="pl-PL" sz="1800" dirty="0">
+                <a:effectLst/>
+                <a:latin typeface="Calibri" panose="020F0502020204030204" pitchFamily="34" charset="0"/>
+                <a:ea typeface="Calibri" panose="020F0502020204030204" pitchFamily="34" charset="0"/>
+                <a:cs typeface="Times New Roman" panose="02020603050405020304" pitchFamily="18" charset="0"/>
+              </a:rPr>
+              <a:t>Tematem pracy był Projekt i implementacja aplikacji wspomagającej zarządzanie finansami domowymi. Tematyka pracy posłużyła przy tym głownie do zaprezentowania możliwości jakie oferują wykorzystane technologie.</a:t>
+            </a:r>
+          </a:p>
+          <a:p>
+            <a:endParaRPr lang="pl-PL" dirty="0"/>
+          </a:p>
+        </p:txBody>
+      </p:sp>
+      <p:sp>
+        <p:nvSpPr>
+          <p:cNvPr id="4" name="Symbol zastępczy numeru slajdu 3"/>
+          <p:cNvSpPr>
+            <a:spLocks noGrp="1"/>
+          </p:cNvSpPr>
+          <p:nvPr>
+            <p:ph type="sldNum" sz="quarter" idx="5"/>
+          </p:nvPr>
+        </p:nvSpPr>
+        <p:spPr/>
+        <p:txBody>
+          <a:bodyPr/>
+          <a:lstStyle/>
+          <a:p>
+            <a:fld id="{D43575A8-D8DC-4AC7-AE60-45A20BC874FF}" type="slidenum">
+              <a:rPr lang="pl-PL" smtClean="0"/>
+              <a:t>1</a:t>
+            </a:fld>
+            <a:endParaRPr lang="pl-PL"/>
+          </a:p>
+        </p:txBody>
+      </p:sp>
+    </p:spTree>
+    <p:extLst>
+      <p:ext uri="{BB962C8B-B14F-4D97-AF65-F5344CB8AC3E}">
+        <p14:creationId xmlns:p14="http://schemas.microsoft.com/office/powerpoint/2010/main" val="1685761368"/>
+      </p:ext>
+    </p:extLst>
+  </p:cSld>
+  <p:clrMapOvr>
+    <a:masterClrMapping/>
+  </p:clrMapOvr>
+</p:notes>
+</file>
+
+<file path=ppt/notesSlides/notesSlide2.xml><?xml version="1.0" encoding="utf-8"?>
+<p:notes xmlns:a="http://schemas.openxmlformats.org/drawingml/2006/main" xmlns:r="http://schemas.openxmlformats.org/officeDocument/2006/relationships" xmlns:p="http://schemas.openxmlformats.org/presentationml/2006/main">
+  <p:cSld>
+    <p:spTree>
+      <p:nvGrpSpPr>
+        <p:cNvPr id="1" name=""/>
+        <p:cNvGrpSpPr/>
+        <p:nvPr/>
+      </p:nvGrpSpPr>
+      <p:grpSpPr>
+        <a:xfrm>
+          <a:off x="0" y="0"/>
+          <a:ext cx="0" cy="0"/>
+          <a:chOff x="0" y="0"/>
+          <a:chExt cx="0" cy="0"/>
+        </a:xfrm>
+      </p:grpSpPr>
+      <p:sp>
+        <p:nvSpPr>
+          <p:cNvPr id="2" name="Symbol zastępczy obrazu slajdu 1"/>
+          <p:cNvSpPr>
+            <a:spLocks noGrp="1" noRot="1" noChangeAspect="1"/>
+          </p:cNvSpPr>
+          <p:nvPr>
+            <p:ph type="sldImg"/>
+          </p:nvPr>
+        </p:nvSpPr>
+        <p:spPr/>
+      </p:sp>
+      <p:sp>
+        <p:nvSpPr>
+          <p:cNvPr id="3" name="Symbol zastępczy notatek 2"/>
+          <p:cNvSpPr>
+            <a:spLocks noGrp="1"/>
+          </p:cNvSpPr>
+          <p:nvPr>
+            <p:ph type="body" idx="1"/>
+          </p:nvPr>
+        </p:nvSpPr>
+        <p:spPr/>
+        <p:txBody>
+          <a:bodyPr/>
+          <a:lstStyle/>
+          <a:p>
+            <a:pPr marL="0" marR="0" lvl="0" indent="0" algn="l" defTabSz="914400" rtl="0" eaLnBrk="1" fontAlgn="auto" latinLnBrk="0" hangingPunct="1">
+              <a:lnSpc>
+                <a:spcPct val="100000"/>
+              </a:lnSpc>
+              <a:spcBef>
+                <a:spcPts val="0"/>
+              </a:spcBef>
+              <a:spcAft>
+                <a:spcPts val="0"/>
+              </a:spcAft>
+              <a:buClrTx/>
+              <a:buSzTx/>
+              <a:buFontTx/>
+              <a:buNone/>
+              <a:tabLst/>
+              <a:defRPr/>
+            </a:pPr>
+            <a:r>
+              <a:rPr lang="pl-PL" sz="1800" dirty="0">
+                <a:effectLst/>
+                <a:latin typeface="Calibri" panose="020F0502020204030204" pitchFamily="34" charset="0"/>
+                <a:ea typeface="Calibri" panose="020F0502020204030204" pitchFamily="34" charset="0"/>
+                <a:cs typeface="Times New Roman" panose="02020603050405020304" pitchFamily="18" charset="0"/>
+              </a:rPr>
+              <a:t>Zaprojektowania i zaimplementowana w ramach pracy Aplikacja składa się z trzech warstw:</a:t>
+            </a:r>
+          </a:p>
+          <a:p>
+            <a:pPr marL="342900" lvl="0" indent="-342900">
+              <a:lnSpc>
+                <a:spcPct val="107000"/>
+              </a:lnSpc>
+              <a:buFont typeface="Symbol" panose="05050102010706020507" pitchFamily="18" charset="2"/>
+              <a:buChar char=""/>
+            </a:pPr>
+            <a:r>
+              <a:rPr lang="pl-PL" sz="1800" dirty="0">
+                <a:effectLst/>
+                <a:latin typeface="Calibri" panose="020F0502020204030204" pitchFamily="34" charset="0"/>
+                <a:ea typeface="Calibri" panose="020F0502020204030204" pitchFamily="34" charset="0"/>
+                <a:cs typeface="Times New Roman" panose="02020603050405020304" pitchFamily="18" charset="0"/>
+              </a:rPr>
+              <a:t>Warstwy aplikacji klienckiej napisanej w języku TypeScript z wykorzystaniem środowiska Angular</a:t>
+            </a:r>
+          </a:p>
+          <a:p>
+            <a:pPr marL="342900" lvl="0" indent="-342900">
+              <a:lnSpc>
+                <a:spcPct val="107000"/>
+              </a:lnSpc>
+              <a:buFont typeface="Symbol" panose="05050102010706020507" pitchFamily="18" charset="2"/>
+              <a:buChar char=""/>
+            </a:pPr>
+            <a:r>
+              <a:rPr lang="pl-PL" sz="1800" dirty="0">
+                <a:effectLst/>
+                <a:latin typeface="Calibri" panose="020F0502020204030204" pitchFamily="34" charset="0"/>
+                <a:ea typeface="Calibri" panose="020F0502020204030204" pitchFamily="34" charset="0"/>
+                <a:cs typeface="Times New Roman" panose="02020603050405020304" pitchFamily="18" charset="0"/>
+              </a:rPr>
+              <a:t>Warstwy serwerowej zbudowanej w oparciu o architekturę mikrousług, składającą się z 3 niezależnych mikroserwisów</a:t>
+            </a:r>
+          </a:p>
+          <a:p>
+            <a:pPr marL="342900" lvl="0" indent="-342900">
+              <a:lnSpc>
+                <a:spcPct val="107000"/>
+              </a:lnSpc>
+              <a:spcAft>
+                <a:spcPts val="800"/>
+              </a:spcAft>
+              <a:buFont typeface="Symbol" panose="05050102010706020507" pitchFamily="18" charset="2"/>
+              <a:buChar char=""/>
+            </a:pPr>
+            <a:r>
+              <a:rPr lang="pl-PL" sz="1800" dirty="0">
+                <a:effectLst/>
+                <a:latin typeface="Calibri" panose="020F0502020204030204" pitchFamily="34" charset="0"/>
+                <a:ea typeface="Calibri" panose="020F0502020204030204" pitchFamily="34" charset="0"/>
+                <a:cs typeface="Times New Roman" panose="02020603050405020304" pitchFamily="18" charset="0"/>
+              </a:rPr>
+              <a:t>Warstwy danych. W tym przypadku wykorzystano bazę danych MongoDB dostępną w modelu SaaS.</a:t>
+            </a:r>
+          </a:p>
+          <a:p>
+            <a:r>
+              <a:rPr lang="pl-PL" sz="1800" dirty="0">
+                <a:effectLst/>
+                <a:latin typeface="Calibri" panose="020F0502020204030204" pitchFamily="34" charset="0"/>
+                <a:ea typeface="Calibri" panose="020F0502020204030204" pitchFamily="34" charset="0"/>
+                <a:cs typeface="Times New Roman" panose="02020603050405020304" pitchFamily="18" charset="0"/>
+              </a:rPr>
+              <a:t>Aplikacja kliencka komunikuje się z warstwą serwerową za pomocą interfejsu REST API, natomiast komunikacja pomiędzy poszczególnymi mikrousługami może być zrealizowana na dwa sposoby: synchronicznie – z wykorzystaniem interfejsu REST API oraz asynchronicznie z wykorzystaniem brokera wiadomości RABBIT MQ</a:t>
+            </a:r>
+            <a:endParaRPr lang="pl-PL" dirty="0"/>
+          </a:p>
+        </p:txBody>
+      </p:sp>
+      <p:sp>
+        <p:nvSpPr>
+          <p:cNvPr id="4" name="Symbol zastępczy numeru slajdu 3"/>
+          <p:cNvSpPr>
+            <a:spLocks noGrp="1"/>
+          </p:cNvSpPr>
+          <p:nvPr>
+            <p:ph type="sldNum" sz="quarter" idx="5"/>
+          </p:nvPr>
+        </p:nvSpPr>
+        <p:spPr/>
+        <p:txBody>
+          <a:bodyPr/>
+          <a:lstStyle/>
+          <a:p>
+            <a:fld id="{D43575A8-D8DC-4AC7-AE60-45A20BC874FF}" type="slidenum">
+              <a:rPr lang="pl-PL" smtClean="0"/>
+              <a:t>2</a:t>
+            </a:fld>
+            <a:endParaRPr lang="pl-PL"/>
+          </a:p>
+        </p:txBody>
+      </p:sp>
+    </p:spTree>
+    <p:extLst>
+      <p:ext uri="{BB962C8B-B14F-4D97-AF65-F5344CB8AC3E}">
+        <p14:creationId xmlns:p14="http://schemas.microsoft.com/office/powerpoint/2010/main" val="130495138"/>
+      </p:ext>
+    </p:extLst>
+  </p:cSld>
+  <p:clrMapOvr>
+    <a:masterClrMapping/>
+  </p:clrMapOvr>
+</p:notes>
+</file>
+
+<file path=ppt/notesSlides/notesSlide3.xml><?xml version="1.0" encoding="utf-8"?>
+<p:notes xmlns:a="http://schemas.openxmlformats.org/drawingml/2006/main" xmlns:r="http://schemas.openxmlformats.org/officeDocument/2006/relationships" xmlns:p="http://schemas.openxmlformats.org/presentationml/2006/main">
+  <p:cSld>
+    <p:spTree>
+      <p:nvGrpSpPr>
+        <p:cNvPr id="1" name=""/>
+        <p:cNvGrpSpPr/>
+        <p:nvPr/>
+      </p:nvGrpSpPr>
+      <p:grpSpPr>
+        <a:xfrm>
+          <a:off x="0" y="0"/>
+          <a:ext cx="0" cy="0"/>
+          <a:chOff x="0" y="0"/>
+          <a:chExt cx="0" cy="0"/>
+        </a:xfrm>
+      </p:grpSpPr>
+      <p:sp>
+        <p:nvSpPr>
+          <p:cNvPr id="2" name="Symbol zastępczy obrazu slajdu 1"/>
+          <p:cNvSpPr>
+            <a:spLocks noGrp="1" noRot="1" noChangeAspect="1"/>
+          </p:cNvSpPr>
+          <p:nvPr>
+            <p:ph type="sldImg"/>
+          </p:nvPr>
+        </p:nvSpPr>
+        <p:spPr/>
+      </p:sp>
+      <p:sp>
+        <p:nvSpPr>
+          <p:cNvPr id="3" name="Symbol zastępczy notatek 2"/>
+          <p:cNvSpPr>
+            <a:spLocks noGrp="1"/>
+          </p:cNvSpPr>
+          <p:nvPr>
+            <p:ph type="body" idx="1"/>
+          </p:nvPr>
+        </p:nvSpPr>
+        <p:spPr/>
+        <p:txBody>
+          <a:bodyPr/>
+          <a:lstStyle/>
+          <a:p>
+            <a:r>
+              <a:rPr lang="pl-PL" dirty="0"/>
+              <a:t>Na kolejnym slajdzie zaprezentowano wykorzystane w aplikacji technologie. </a:t>
+            </a:r>
+          </a:p>
+          <a:p>
+            <a:endParaRPr lang="pl-PL" dirty="0"/>
+          </a:p>
+          <a:p>
+            <a:r>
+              <a:rPr lang="pl-PL" dirty="0"/>
+              <a:t>Technologie podzielono na 3 grupy:</a:t>
+            </a:r>
+          </a:p>
+          <a:p>
+            <a:endParaRPr lang="pl-PL" dirty="0"/>
+          </a:p>
+          <a:p>
+            <a:r>
+              <a:rPr lang="pl-PL" dirty="0"/>
+              <a:t>- Pierwszą grupą są, technologie wykorzystane w implementacji mikroserwisów: m.in. język Java, biblioteki Spring Boot oraz bibliotek reaktywne Reactor.</a:t>
+            </a:r>
+          </a:p>
+          <a:p>
+            <a:endParaRPr lang="pl-PL" dirty="0"/>
+          </a:p>
+          <a:p>
+            <a:r>
+              <a:rPr lang="pl-PL" dirty="0"/>
+              <a:t>- Drugą grupę stanowią technologie wykorzystane do stworzenia aplikacji klienckiej, m.in. TypeScript, Angular oraz biblioteki reaktywne </a:t>
+            </a:r>
+            <a:r>
+              <a:rPr lang="pl-PL" dirty="0" err="1"/>
+              <a:t>RxJS</a:t>
+            </a:r>
+            <a:r>
+              <a:rPr lang="pl-PL" dirty="0"/>
+              <a:t>.</a:t>
+            </a:r>
+          </a:p>
+          <a:p>
+            <a:endParaRPr lang="pl-PL" dirty="0"/>
+          </a:p>
+          <a:p>
+            <a:r>
+              <a:rPr lang="pl-PL" dirty="0"/>
+              <a:t>- Z kolei do 3 grupy należą technologie wykorzystane do wdrożenia aplikacji czyli oprogramowanie do konteneryzacji Docker, oraz platforma Okteto umożliwiającą uruchamianie aplikacji z wykorzystaniem systemu do zarządzania kontenerami jakim jest Kubernetes.</a:t>
+            </a:r>
+          </a:p>
+          <a:p>
+            <a:endParaRPr lang="pl-PL" dirty="0"/>
+          </a:p>
+          <a:p>
+            <a:r>
+              <a:rPr lang="pl-PL" dirty="0"/>
+              <a:t>--------</a:t>
+            </a:r>
+          </a:p>
+          <a:p>
+            <a:r>
+              <a:rPr lang="pl-PL" dirty="0"/>
+              <a:t>Poszczególne mikroserwisy zostały zbudowane z wykorzystaniem architektury warstwowej. Najwyższą warstwę stanowi tutaj warstwa API, na którą składają się punkty końcowe REST API oraz klasy odpowiedzialne za odbieranie i wysyłanie wiadomości asynchronicznych.</a:t>
+            </a:r>
+          </a:p>
+          <a:p>
+            <a:endParaRPr lang="pl-PL" dirty="0"/>
+          </a:p>
+          <a:p>
+            <a:r>
+              <a:rPr lang="pl-PL" dirty="0"/>
+              <a:t>Środkową warstwę stanowi warstwa serwisów zawierających logikę biznesową.</a:t>
+            </a:r>
+          </a:p>
+          <a:p>
+            <a:endParaRPr lang="pl-PL" dirty="0"/>
+          </a:p>
+          <a:p>
+            <a:r>
+              <a:rPr lang="pl-PL" dirty="0"/>
+              <a:t>Najniższą warstwę stanowią klasy odpowiedzialne za obsługę dostęp do bazy danych (repozytoria danych).</a:t>
+            </a:r>
+          </a:p>
+          <a:p>
+            <a:endParaRPr lang="pl-PL" dirty="0"/>
+          </a:p>
+          <a:p>
+            <a:endParaRPr lang="pl-PL" dirty="0"/>
+          </a:p>
+        </p:txBody>
+      </p:sp>
+      <p:sp>
+        <p:nvSpPr>
+          <p:cNvPr id="4" name="Symbol zastępczy numeru slajdu 3"/>
+          <p:cNvSpPr>
+            <a:spLocks noGrp="1"/>
+          </p:cNvSpPr>
+          <p:nvPr>
+            <p:ph type="sldNum" sz="quarter" idx="5"/>
+          </p:nvPr>
+        </p:nvSpPr>
+        <p:spPr/>
+        <p:txBody>
+          <a:bodyPr/>
+          <a:lstStyle/>
+          <a:p>
+            <a:fld id="{D43575A8-D8DC-4AC7-AE60-45A20BC874FF}" type="slidenum">
+              <a:rPr lang="pl-PL" smtClean="0"/>
+              <a:t>3</a:t>
+            </a:fld>
+            <a:endParaRPr lang="pl-PL"/>
+          </a:p>
+        </p:txBody>
+      </p:sp>
+    </p:spTree>
+    <p:extLst>
+      <p:ext uri="{BB962C8B-B14F-4D97-AF65-F5344CB8AC3E}">
+        <p14:creationId xmlns:p14="http://schemas.microsoft.com/office/powerpoint/2010/main" val="2214004209"/>
+      </p:ext>
+    </p:extLst>
+  </p:cSld>
+  <p:clrMapOvr>
+    <a:masterClrMapping/>
+  </p:clrMapOvr>
+</p:notes>
+</file>
+
+<file path=ppt/notesSlides/notesSlide4.xml><?xml version="1.0" encoding="utf-8"?>
+<p:notes xmlns:a="http://schemas.openxmlformats.org/drawingml/2006/main" xmlns:r="http://schemas.openxmlformats.org/officeDocument/2006/relationships" xmlns:p="http://schemas.openxmlformats.org/presentationml/2006/main">
+  <p:cSld>
+    <p:spTree>
+      <p:nvGrpSpPr>
+        <p:cNvPr id="1" name=""/>
+        <p:cNvGrpSpPr/>
+        <p:nvPr/>
+      </p:nvGrpSpPr>
+      <p:grpSpPr>
+        <a:xfrm>
+          <a:off x="0" y="0"/>
+          <a:ext cx="0" cy="0"/>
+          <a:chOff x="0" y="0"/>
+          <a:chExt cx="0" cy="0"/>
+        </a:xfrm>
+      </p:grpSpPr>
+      <p:sp>
+        <p:nvSpPr>
+          <p:cNvPr id="2" name="Symbol zastępczy obrazu slajdu 1"/>
+          <p:cNvSpPr>
+            <a:spLocks noGrp="1" noRot="1" noChangeAspect="1"/>
+          </p:cNvSpPr>
+          <p:nvPr>
+            <p:ph type="sldImg"/>
+          </p:nvPr>
+        </p:nvSpPr>
+        <p:spPr/>
+      </p:sp>
+      <p:sp>
+        <p:nvSpPr>
+          <p:cNvPr id="3" name="Symbol zastępczy notatek 2"/>
+          <p:cNvSpPr>
+            <a:spLocks noGrp="1"/>
+          </p:cNvSpPr>
+          <p:nvPr>
+            <p:ph type="body" idx="1"/>
+          </p:nvPr>
+        </p:nvSpPr>
+        <p:spPr/>
+        <p:txBody>
+          <a:bodyPr/>
+          <a:lstStyle/>
+          <a:p>
+            <a:r>
+              <a:rPr lang="pl-PL" dirty="0"/>
+              <a:t>W celu umożliwienia logowania się użytkowników oraz zapewnienia bezpiecznego sposobu uwierzytelniania i autoryzacji wykorzystano zewnętrzną aplikację Keycloak, która pełni funkcję dostarczyciela tożsamości użytkowników. Uwierzytelnianie i autoryzacja możliwa jest dzięki wykorzystaniu protokołu OAuth 2.0 oraz Open ID Connect. </a:t>
+            </a:r>
+          </a:p>
+          <a:p>
+            <a:endParaRPr lang="pl-PL" dirty="0"/>
+          </a:p>
+          <a:p>
+            <a:r>
+              <a:rPr lang="pl-PL" dirty="0"/>
+              <a:t>Na slajdzie pokazano diagram sekwencji ilustrujący proces logowania użytkownika na który składa się m.in. uzyskanie tokenu JWT oraz wysłanie żądania zawierającego token w nagłówku. Jest to rodzaj przepływu zdefiniowanego w protokole OAuth2.0 który nazywa się Authorization Code Flow.</a:t>
+            </a:r>
+          </a:p>
+          <a:p>
+            <a:endParaRPr lang="pl-PL" dirty="0"/>
+          </a:p>
+        </p:txBody>
+      </p:sp>
+      <p:sp>
+        <p:nvSpPr>
+          <p:cNvPr id="4" name="Symbol zastępczy numeru slajdu 3"/>
+          <p:cNvSpPr>
+            <a:spLocks noGrp="1"/>
+          </p:cNvSpPr>
+          <p:nvPr>
+            <p:ph type="sldNum" sz="quarter" idx="5"/>
+          </p:nvPr>
+        </p:nvSpPr>
+        <p:spPr/>
+        <p:txBody>
+          <a:bodyPr/>
+          <a:lstStyle/>
+          <a:p>
+            <a:fld id="{D43575A8-D8DC-4AC7-AE60-45A20BC874FF}" type="slidenum">
+              <a:rPr lang="pl-PL" smtClean="0"/>
+              <a:t>4</a:t>
+            </a:fld>
+            <a:endParaRPr lang="pl-PL"/>
+          </a:p>
+        </p:txBody>
+      </p:sp>
+    </p:spTree>
+    <p:extLst>
+      <p:ext uri="{BB962C8B-B14F-4D97-AF65-F5344CB8AC3E}">
+        <p14:creationId xmlns:p14="http://schemas.microsoft.com/office/powerpoint/2010/main" val="2292748030"/>
+      </p:ext>
+    </p:extLst>
+  </p:cSld>
+  <p:clrMapOvr>
+    <a:masterClrMapping/>
+  </p:clrMapOvr>
+</p:notes>
+</file>
+
+<file path=ppt/notesSlides/notesSlide5.xml><?xml version="1.0" encoding="utf-8"?>
+<p:notes xmlns:a="http://schemas.openxmlformats.org/drawingml/2006/main" xmlns:r="http://schemas.openxmlformats.org/officeDocument/2006/relationships" xmlns:p="http://schemas.openxmlformats.org/presentationml/2006/main">
+  <p:cSld>
+    <p:spTree>
+      <p:nvGrpSpPr>
+        <p:cNvPr id="1" name=""/>
+        <p:cNvGrpSpPr/>
+        <p:nvPr/>
+      </p:nvGrpSpPr>
+      <p:grpSpPr>
+        <a:xfrm>
+          <a:off x="0" y="0"/>
+          <a:ext cx="0" cy="0"/>
+          <a:chOff x="0" y="0"/>
+          <a:chExt cx="0" cy="0"/>
+        </a:xfrm>
+      </p:grpSpPr>
+      <p:sp>
+        <p:nvSpPr>
+          <p:cNvPr id="2" name="Symbol zastępczy obrazu slajdu 1"/>
+          <p:cNvSpPr>
+            <a:spLocks noGrp="1" noRot="1" noChangeAspect="1"/>
+          </p:cNvSpPr>
+          <p:nvPr>
+            <p:ph type="sldImg"/>
+          </p:nvPr>
+        </p:nvSpPr>
+        <p:spPr/>
+      </p:sp>
+      <p:sp>
+        <p:nvSpPr>
+          <p:cNvPr id="3" name="Symbol zastępczy notatek 2"/>
+          <p:cNvSpPr>
+            <a:spLocks noGrp="1"/>
+          </p:cNvSpPr>
+          <p:nvPr>
+            <p:ph type="body" idx="1"/>
+          </p:nvPr>
+        </p:nvSpPr>
+        <p:spPr/>
+        <p:txBody>
+          <a:bodyPr/>
+          <a:lstStyle/>
+          <a:p>
+            <a:r>
+              <a:rPr lang="pl-PL" dirty="0"/>
+              <a:t>Na kolejnym slajdzie przedstawiono diagram sekwencji dla jednego z wybranych przypadków użycia, którym jest konkretnie przypadek „Dodaj przychód/wydatek”.</a:t>
+            </a:r>
+          </a:p>
+          <a:p>
+            <a:endParaRPr lang="pl-PL" dirty="0"/>
+          </a:p>
+          <a:p>
+            <a:r>
+              <a:rPr lang="pl-PL" dirty="0"/>
+              <a:t>W celu obsłużenia tego przypadku użycia jak widać na diagramie wykorzystane zostaną dwa mikroserwisy: Transaction management oraz Planning, a także aplikacja kliencka oraz broker wiadomości.</a:t>
+            </a:r>
+          </a:p>
+          <a:p>
+            <a:endParaRPr lang="pl-PL" dirty="0"/>
+          </a:p>
+          <a:p>
+            <a:r>
+              <a:rPr lang="pl-PL" dirty="0"/>
+              <a:t>PREZENTACJA APLIKACJI</a:t>
+            </a:r>
+          </a:p>
+          <a:p>
+            <a:endParaRPr lang="pl-PL" dirty="0"/>
+          </a:p>
+          <a:p>
+            <a:r>
+              <a:rPr lang="pl-PL" dirty="0"/>
+              <a:t>Przejdę teraz do prezentacji działania aplikacji, a będzie to właśnie realizacja przypadku użycia dodaj komponent.</a:t>
+            </a:r>
+          </a:p>
+        </p:txBody>
+      </p:sp>
+      <p:sp>
+        <p:nvSpPr>
+          <p:cNvPr id="4" name="Symbol zastępczy numeru slajdu 3"/>
+          <p:cNvSpPr>
+            <a:spLocks noGrp="1"/>
+          </p:cNvSpPr>
+          <p:nvPr>
+            <p:ph type="sldNum" sz="quarter" idx="5"/>
+          </p:nvPr>
+        </p:nvSpPr>
+        <p:spPr/>
+        <p:txBody>
+          <a:bodyPr/>
+          <a:lstStyle/>
+          <a:p>
+            <a:fld id="{D43575A8-D8DC-4AC7-AE60-45A20BC874FF}" type="slidenum">
+              <a:rPr lang="pl-PL" smtClean="0"/>
+              <a:t>5</a:t>
+            </a:fld>
+            <a:endParaRPr lang="pl-PL"/>
+          </a:p>
+        </p:txBody>
+      </p:sp>
+    </p:spTree>
+    <p:extLst>
+      <p:ext uri="{BB962C8B-B14F-4D97-AF65-F5344CB8AC3E}">
+        <p14:creationId xmlns:p14="http://schemas.microsoft.com/office/powerpoint/2010/main" val="3473720111"/>
+      </p:ext>
+    </p:extLst>
+  </p:cSld>
+  <p:clrMapOvr>
+    <a:masterClrMapping/>
+  </p:clrMapOvr>
+</p:notes>
+</file>
+
+<file path=ppt/notesSlides/notesSlide6.xml><?xml version="1.0" encoding="utf-8"?>
+<p:notes xmlns:a="http://schemas.openxmlformats.org/drawingml/2006/main" xmlns:r="http://schemas.openxmlformats.org/officeDocument/2006/relationships" xmlns:p="http://schemas.openxmlformats.org/presentationml/2006/main">
+  <p:cSld>
+    <p:spTree>
+      <p:nvGrpSpPr>
+        <p:cNvPr id="1" name=""/>
+        <p:cNvGrpSpPr/>
+        <p:nvPr/>
+      </p:nvGrpSpPr>
+      <p:grpSpPr>
+        <a:xfrm>
+          <a:off x="0" y="0"/>
+          <a:ext cx="0" cy="0"/>
+          <a:chOff x="0" y="0"/>
+          <a:chExt cx="0" cy="0"/>
+        </a:xfrm>
+      </p:grpSpPr>
+      <p:sp>
+        <p:nvSpPr>
+          <p:cNvPr id="2" name="Symbol zastępczy obrazu slajdu 1"/>
+          <p:cNvSpPr>
+            <a:spLocks noGrp="1" noRot="1" noChangeAspect="1"/>
+          </p:cNvSpPr>
+          <p:nvPr>
+            <p:ph type="sldImg"/>
+          </p:nvPr>
+        </p:nvSpPr>
+        <p:spPr/>
+      </p:sp>
+      <p:sp>
+        <p:nvSpPr>
+          <p:cNvPr id="3" name="Symbol zastępczy notatek 2"/>
+          <p:cNvSpPr>
+            <a:spLocks noGrp="1"/>
+          </p:cNvSpPr>
+          <p:nvPr>
+            <p:ph type="body" idx="1"/>
+          </p:nvPr>
+        </p:nvSpPr>
+        <p:spPr/>
+        <p:txBody>
+          <a:bodyPr/>
+          <a:lstStyle/>
+          <a:p>
+            <a:r>
+              <a:rPr lang="pl-PL" dirty="0"/>
+              <a:t>Na następnym slajdzie z kolei przedstawiono diagram przypadku użycia „Dodaj Depozyt”. W tym przypadku komunikacja pomiędzy mikroserwisami odbywa się nie tylko asynchronicznie, ale również synchronicznie. Jak widać na diagramie mikroserwis Asset management, wykonuje serie synchronicznych żądań do serwisu Planning w celu pobrania aktualnego stanu środków oraz sprawdzenia czy kategoria Asset jest utworzona (w przypadku jej braku wysłane  zostanie żądanie utworzenia, co zostało pominięte na schemacie). </a:t>
+            </a:r>
+          </a:p>
+          <a:p>
+            <a:r>
+              <a:rPr lang="pl-PL" dirty="0"/>
+              <a:t>Następnie wykonywane jest synchroniczne żądanie do serwisu Transaction management w celu utworzenia transakcji. Serwis  transaction Management z kolei w trakcie przetwarzania żądania wysyła asynchroniczną wiadomość do serwisu Planning, z informacją o szczegółach utworzonej transakcji.</a:t>
+            </a:r>
+          </a:p>
+          <a:p>
+            <a:endParaRPr lang="pl-PL" dirty="0"/>
+          </a:p>
+        </p:txBody>
+      </p:sp>
+      <p:sp>
+        <p:nvSpPr>
+          <p:cNvPr id="4" name="Symbol zastępczy numeru slajdu 3"/>
+          <p:cNvSpPr>
+            <a:spLocks noGrp="1"/>
+          </p:cNvSpPr>
+          <p:nvPr>
+            <p:ph type="sldNum" sz="quarter" idx="5"/>
+          </p:nvPr>
+        </p:nvSpPr>
+        <p:spPr/>
+        <p:txBody>
+          <a:bodyPr/>
+          <a:lstStyle/>
+          <a:p>
+            <a:fld id="{D43575A8-D8DC-4AC7-AE60-45A20BC874FF}" type="slidenum">
+              <a:rPr lang="pl-PL" smtClean="0"/>
+              <a:t>6</a:t>
+            </a:fld>
+            <a:endParaRPr lang="pl-PL"/>
+          </a:p>
+        </p:txBody>
+      </p:sp>
+    </p:spTree>
+    <p:extLst>
+      <p:ext uri="{BB962C8B-B14F-4D97-AF65-F5344CB8AC3E}">
+        <p14:creationId xmlns:p14="http://schemas.microsoft.com/office/powerpoint/2010/main" val="44265940"/>
+      </p:ext>
+    </p:extLst>
+  </p:cSld>
+  <p:clrMapOvr>
+    <a:masterClrMapping/>
+  </p:clrMapOvr>
+</p:notes>
+</file>
+
+<file path=ppt/notesSlides/notesSlide7.xml><?xml version="1.0" encoding="utf-8"?>
+<p:notes xmlns:a="http://schemas.openxmlformats.org/drawingml/2006/main" xmlns:r="http://schemas.openxmlformats.org/officeDocument/2006/relationships" xmlns:p="http://schemas.openxmlformats.org/presentationml/2006/main">
+  <p:cSld>
+    <p:spTree>
+      <p:nvGrpSpPr>
+        <p:cNvPr id="1" name=""/>
+        <p:cNvGrpSpPr/>
+        <p:nvPr/>
+      </p:nvGrpSpPr>
+      <p:grpSpPr>
+        <a:xfrm>
+          <a:off x="0" y="0"/>
+          <a:ext cx="0" cy="0"/>
+          <a:chOff x="0" y="0"/>
+          <a:chExt cx="0" cy="0"/>
+        </a:xfrm>
+      </p:grpSpPr>
+      <p:sp>
+        <p:nvSpPr>
+          <p:cNvPr id="2" name="Symbol zastępczy obrazu slajdu 1"/>
+          <p:cNvSpPr>
+            <a:spLocks noGrp="1" noRot="1" noChangeAspect="1"/>
+          </p:cNvSpPr>
+          <p:nvPr>
+            <p:ph type="sldImg"/>
+          </p:nvPr>
+        </p:nvSpPr>
+        <p:spPr/>
+      </p:sp>
+      <p:sp>
+        <p:nvSpPr>
+          <p:cNvPr id="3" name="Symbol zastępczy notatek 2"/>
+          <p:cNvSpPr>
+            <a:spLocks noGrp="1"/>
+          </p:cNvSpPr>
+          <p:nvPr>
+            <p:ph type="body" idx="1"/>
+          </p:nvPr>
+        </p:nvSpPr>
+        <p:spPr/>
+        <p:txBody>
+          <a:bodyPr/>
+          <a:lstStyle/>
+          <a:p>
+            <a:r>
+              <a:rPr lang="pl-PL" dirty="0"/>
+              <a:t>W ramach pracy przygotowano również dokumentację punktów końcowych REST API. W tym celu wykorzystano bibliotekę Spring OpenAPI Webflux umożliwiającą automatyczne generowanie dokumentacji bezpośrednio z kodu punktów końcowych, z wykorzystaniem adnotacji które umożliwiają rozszerzanie dokumentacji czy tworzenie dodatkowych opisów.</a:t>
+            </a:r>
+          </a:p>
+          <a:p>
+            <a:r>
+              <a:rPr lang="pl-PL" dirty="0"/>
+              <a:t>Spring automatycznie tworzy dokumentację w formacie JSON a także udostępnia je online w formie graficznej.</a:t>
+            </a:r>
+          </a:p>
+          <a:p>
+            <a:endParaRPr lang="pl-PL" dirty="0"/>
+          </a:p>
+        </p:txBody>
+      </p:sp>
+      <p:sp>
+        <p:nvSpPr>
+          <p:cNvPr id="4" name="Symbol zastępczy numeru slajdu 3"/>
+          <p:cNvSpPr>
+            <a:spLocks noGrp="1"/>
+          </p:cNvSpPr>
+          <p:nvPr>
+            <p:ph type="sldNum" sz="quarter" idx="5"/>
+          </p:nvPr>
+        </p:nvSpPr>
+        <p:spPr/>
+        <p:txBody>
+          <a:bodyPr/>
+          <a:lstStyle/>
+          <a:p>
+            <a:fld id="{D43575A8-D8DC-4AC7-AE60-45A20BC874FF}" type="slidenum">
+              <a:rPr lang="pl-PL" smtClean="0"/>
+              <a:t>7</a:t>
+            </a:fld>
+            <a:endParaRPr lang="pl-PL"/>
+          </a:p>
+        </p:txBody>
+      </p:sp>
+    </p:spTree>
+    <p:extLst>
+      <p:ext uri="{BB962C8B-B14F-4D97-AF65-F5344CB8AC3E}">
+        <p14:creationId xmlns:p14="http://schemas.microsoft.com/office/powerpoint/2010/main" val="447928876"/>
+      </p:ext>
+    </p:extLst>
+  </p:cSld>
+  <p:clrMapOvr>
+    <a:masterClrMapping/>
+  </p:clrMapOvr>
+</p:notes>
+</file>
+
+<file path=ppt/notesSlides/notesSlide8.xml><?xml version="1.0" encoding="utf-8"?>
+<p:notes xmlns:a="http://schemas.openxmlformats.org/drawingml/2006/main" xmlns:r="http://schemas.openxmlformats.org/officeDocument/2006/relationships" xmlns:p="http://schemas.openxmlformats.org/presentationml/2006/main">
+  <p:cSld>
+    <p:spTree>
+      <p:nvGrpSpPr>
+        <p:cNvPr id="1" name=""/>
+        <p:cNvGrpSpPr/>
+        <p:nvPr/>
+      </p:nvGrpSpPr>
+      <p:grpSpPr>
+        <a:xfrm>
+          <a:off x="0" y="0"/>
+          <a:ext cx="0" cy="0"/>
+          <a:chOff x="0" y="0"/>
+          <a:chExt cx="0" cy="0"/>
+        </a:xfrm>
+      </p:grpSpPr>
+      <p:sp>
+        <p:nvSpPr>
+          <p:cNvPr id="2" name="Symbol zastępczy obrazu slajdu 1"/>
+          <p:cNvSpPr>
+            <a:spLocks noGrp="1" noRot="1" noChangeAspect="1"/>
+          </p:cNvSpPr>
+          <p:nvPr>
+            <p:ph type="sldImg"/>
+          </p:nvPr>
+        </p:nvSpPr>
+        <p:spPr/>
+      </p:sp>
+      <p:sp>
+        <p:nvSpPr>
+          <p:cNvPr id="3" name="Symbol zastępczy notatek 2"/>
+          <p:cNvSpPr>
+            <a:spLocks noGrp="1"/>
+          </p:cNvSpPr>
+          <p:nvPr>
+            <p:ph type="body" idx="1"/>
+          </p:nvPr>
+        </p:nvSpPr>
+        <p:spPr/>
+        <p:txBody>
+          <a:bodyPr/>
+          <a:lstStyle/>
+          <a:p>
+            <a:r>
+              <a:rPr lang="pl-PL" dirty="0"/>
+              <a:t>W celu sprawdzenia poprawności działania poszczególnych funkcji zaimplementowano testy jednostkowe. W tym celu wykorzystano środowisko testowe Spock oraz język Groovy.</a:t>
+            </a:r>
+          </a:p>
+          <a:p>
+            <a:r>
+              <a:rPr lang="pl-PL" dirty="0"/>
+              <a:t>Przykładowy prosty test jednostkowy służący do testowania statycznej metody pokazany jest na slajdzie. Wykorzystano tutaj metodę DDT, pozwalającą na sprawdzenie wielu przypadków w jednej metodzie testowej.</a:t>
+            </a:r>
+          </a:p>
+          <a:p>
+            <a:endParaRPr lang="pl-PL" dirty="0"/>
+          </a:p>
+          <a:p>
+            <a:r>
+              <a:rPr lang="pl-PL" dirty="0"/>
+              <a:t>Testy jednostkowe wykorzystano także do testowania bardziej skomplikowanych funkcji systemu wymagających zbudowania kontekstu aplikacji oraz stworzenia protez (</a:t>
+            </a:r>
+            <a:r>
+              <a:rPr lang="pl-PL" dirty="0" err="1"/>
+              <a:t>mocków</a:t>
+            </a:r>
+            <a:r>
+              <a:rPr lang="pl-PL" dirty="0"/>
+              <a:t>) m.in. dla metod które zwracają dane z zewnętrznych systemów.</a:t>
+            </a:r>
+          </a:p>
+          <a:p>
+            <a:endParaRPr lang="pl-PL" dirty="0"/>
+          </a:p>
+          <a:p>
+            <a:r>
+              <a:rPr lang="pl-PL" dirty="0"/>
+              <a:t>W aplikacji zastosowano także testy integracyjne których celem jest sprawdzenie prawidłowości współpracy aplikacji z zewnętrznymi systemami takimi jak bazy danych czy też zewnętrzne interfejsy API.</a:t>
+            </a:r>
+          </a:p>
+          <a:p>
+            <a:endParaRPr lang="pl-PL" dirty="0"/>
+          </a:p>
+          <a:p>
+            <a:r>
+              <a:rPr lang="pl-PL" dirty="0"/>
+              <a:t>Aby przetestować łączność z zewnętrznymi systemami w tym przypadku z bazą danych MongoDB oraz brokerem wiadomości RabbitMQ skorzystano z bibliotek umożliwiających uruchamianie tych systemów w tymczasowych kontenerach testowych z wykorzystaniem Dockera.</a:t>
+            </a:r>
+          </a:p>
+          <a:p>
+            <a:endParaRPr lang="pl-PL" dirty="0"/>
+          </a:p>
+        </p:txBody>
+      </p:sp>
+      <p:sp>
+        <p:nvSpPr>
+          <p:cNvPr id="4" name="Symbol zastępczy numeru slajdu 3"/>
+          <p:cNvSpPr>
+            <a:spLocks noGrp="1"/>
+          </p:cNvSpPr>
+          <p:nvPr>
+            <p:ph type="sldNum" sz="quarter" idx="5"/>
+          </p:nvPr>
+        </p:nvSpPr>
+        <p:spPr/>
+        <p:txBody>
+          <a:bodyPr/>
+          <a:lstStyle/>
+          <a:p>
+            <a:fld id="{D43575A8-D8DC-4AC7-AE60-45A20BC874FF}" type="slidenum">
+              <a:rPr lang="pl-PL" smtClean="0"/>
+              <a:t>8</a:t>
+            </a:fld>
+            <a:endParaRPr lang="pl-PL"/>
+          </a:p>
+        </p:txBody>
+      </p:sp>
+    </p:spTree>
+    <p:extLst>
+      <p:ext uri="{BB962C8B-B14F-4D97-AF65-F5344CB8AC3E}">
+        <p14:creationId xmlns:p14="http://schemas.microsoft.com/office/powerpoint/2010/main" val="1283525748"/>
+      </p:ext>
+    </p:extLst>
+  </p:cSld>
+  <p:clrMapOvr>
+    <a:masterClrMapping/>
+  </p:clrMapOvr>
+</p:notes>
+</file>
+
+<file path=ppt/notesSlides/notesSlide9.xml><?xml version="1.0" encoding="utf-8"?>
+<p:notes xmlns:a="http://schemas.openxmlformats.org/drawingml/2006/main" xmlns:r="http://schemas.openxmlformats.org/officeDocument/2006/relationships" xmlns:p="http://schemas.openxmlformats.org/presentationml/2006/main">
+  <p:cSld>
+    <p:spTree>
+      <p:nvGrpSpPr>
+        <p:cNvPr id="1" name=""/>
+        <p:cNvGrpSpPr/>
+        <p:nvPr/>
+      </p:nvGrpSpPr>
+      <p:grpSpPr>
+        <a:xfrm>
+          <a:off x="0" y="0"/>
+          <a:ext cx="0" cy="0"/>
+          <a:chOff x="0" y="0"/>
+          <a:chExt cx="0" cy="0"/>
+        </a:xfrm>
+      </p:grpSpPr>
+      <p:sp>
+        <p:nvSpPr>
+          <p:cNvPr id="2" name="Symbol zastępczy obrazu slajdu 1"/>
+          <p:cNvSpPr>
+            <a:spLocks noGrp="1" noRot="1" noChangeAspect="1"/>
+          </p:cNvSpPr>
+          <p:nvPr>
+            <p:ph type="sldImg"/>
+          </p:nvPr>
+        </p:nvSpPr>
+        <p:spPr/>
+      </p:sp>
+      <p:sp>
+        <p:nvSpPr>
+          <p:cNvPr id="3" name="Symbol zastępczy notatek 2"/>
+          <p:cNvSpPr>
+            <a:spLocks noGrp="1"/>
+          </p:cNvSpPr>
+          <p:nvPr>
+            <p:ph type="body" idx="1"/>
+          </p:nvPr>
+        </p:nvSpPr>
+        <p:spPr/>
+        <p:txBody>
+          <a:bodyPr/>
+          <a:lstStyle/>
+          <a:p>
+            <a:r>
+              <a:rPr lang="pl-PL" dirty="0"/>
+              <a:t>Ostatnim etapem pracy było wdrożenie aplikacji. W tym celu skorzystano z platformy Okteto, która oferuje możliwość uruchamiania aplikacji z wykorzystaniem systemu Kubernetes. Platforma Okteto wspiera przy tym możliwość uruchamiania/wdrażania aplikacji z wykorzystaniem plików Docker Compose.	</a:t>
+            </a:r>
+          </a:p>
+          <a:p>
+            <a:endParaRPr lang="pl-PL" dirty="0"/>
+          </a:p>
+          <a:p>
+            <a:r>
+              <a:rPr lang="pl-PL" dirty="0"/>
+              <a:t>Na platformie Okteto uruchamiane są wszystkie aplikacje w tym aplikacja kliencka oraz 3 mikroserwisy. Oprócz tego na platformie Okteto uruchamiana jest aplikacja RabbitMQ.</a:t>
+            </a:r>
+          </a:p>
+          <a:p>
+            <a:endParaRPr lang="pl-PL" dirty="0"/>
+          </a:p>
+          <a:p>
+            <a:r>
+              <a:rPr lang="pl-PL" dirty="0"/>
+              <a:t>Jak pokazuje diagram wdrożenia, baza danych znajduje się na zewnętrznym systemie. W tym przypadku skorzystano z bazy danych MongoDB w modelu Software as a Service.</a:t>
+            </a:r>
+          </a:p>
+          <a:p>
+            <a:endParaRPr lang="pl-PL" dirty="0"/>
+          </a:p>
+          <a:p>
+            <a:r>
+              <a:rPr lang="pl-PL" dirty="0"/>
+              <a:t>Dodatkowo na serwerze zewnętrznym również z wykorzystaniem Docker Compose uruchamiana jest aplikacja Keycloak pełniąca funkcję dostarczyciela tożsamości.</a:t>
+            </a:r>
+          </a:p>
+          <a:p>
+            <a:endParaRPr lang="pl-PL" dirty="0"/>
+          </a:p>
+          <a:p>
+            <a:r>
+              <a:rPr lang="pl-PL" dirty="0"/>
+              <a:t>Ostatecznym efektem pracy jest działający system o podstawowej funkcjonalności, który jednak dzięki modułowej  budowie może być łatwo rozbudowany. Dzięki zastosowaniu architektury mikroserwisowej, programowanie reaktywnego, nierelacyjnej bazy danych oraz komunikacji asynchronicznej,  system taki może być w łatwy sposób skalowalny, przez co nadaje się do obsługi ruchu o zróżnicowanym nasileniu.</a:t>
+            </a:r>
+          </a:p>
+          <a:p>
+            <a:endParaRPr lang="pl-PL" dirty="0"/>
+          </a:p>
+        </p:txBody>
+      </p:sp>
+      <p:sp>
+        <p:nvSpPr>
+          <p:cNvPr id="4" name="Symbol zastępczy numeru slajdu 3"/>
+          <p:cNvSpPr>
+            <a:spLocks noGrp="1"/>
+          </p:cNvSpPr>
+          <p:nvPr>
+            <p:ph type="sldNum" sz="quarter" idx="5"/>
+          </p:nvPr>
+        </p:nvSpPr>
+        <p:spPr/>
+        <p:txBody>
+          <a:bodyPr/>
+          <a:lstStyle/>
+          <a:p>
+            <a:fld id="{D43575A8-D8DC-4AC7-AE60-45A20BC874FF}" type="slidenum">
+              <a:rPr lang="pl-PL" smtClean="0"/>
+              <a:t>9</a:t>
+            </a:fld>
+            <a:endParaRPr lang="pl-PL"/>
+          </a:p>
+        </p:txBody>
+      </p:sp>
+    </p:spTree>
+    <p:extLst>
+      <p:ext uri="{BB962C8B-B14F-4D97-AF65-F5344CB8AC3E}">
+        <p14:creationId xmlns:p14="http://schemas.microsoft.com/office/powerpoint/2010/main" val="1226769109"/>
+      </p:ext>
+    </p:extLst>
+  </p:cSld>
+  <p:clrMapOvr>
+    <a:masterClrMapping/>
+  </p:clrMapOvr>
+</p:notes>
+</file>
+
 <file path=ppt/slideLayouts/slideLayout1.xml><?xml version="1.0" encoding="utf-8"?>
 <p:sldLayout xmlns:a="http://schemas.openxmlformats.org/drawingml/2006/main" xmlns:r="http://schemas.openxmlformats.org/officeDocument/2006/relationships" xmlns:p="http://schemas.openxmlformats.org/presentationml/2006/main" showMasterSp="0" type="title" preserve="1">
   <p:cSld name="Title Slide">
@@ -378,7 +1879,7 @@
           <a:p>
             <a:fld id="{3341EE12-F28E-4B03-A404-A8FCAE0F6316}" type="datetime1">
               <a:rPr lang="en-US" smtClean="0"/>
-              <a:t>2/18/2023</a:t>
+              <a:t>2/19/2023</a:t>
             </a:fld>
             <a:endParaRPr lang="en-US" dirty="0"/>
           </a:p>
@@ -663,7 +2164,7 @@
           <a:p>
             <a:fld id="{B68B8189-0D9C-48A6-9FA3-862227B094CE}" type="datetime1">
               <a:rPr lang="en-US" smtClean="0"/>
-              <a:t>2/18/2023</a:t>
+              <a:t>2/19/2023</a:t>
             </a:fld>
             <a:endParaRPr lang="en-US"/>
           </a:p>
@@ -1027,7 +2528,7 @@
           <a:p>
             <a:fld id="{26ADDCAE-6443-42C3-9C19-F95985500186}" type="datetime1">
               <a:rPr lang="en-US" smtClean="0"/>
-              <a:t>2/18/2023</a:t>
+              <a:t>2/19/2023</a:t>
             </a:fld>
             <a:endParaRPr lang="en-US" dirty="0"/>
           </a:p>
@@ -1289,7 +2790,7 @@
           <a:p>
             <a:fld id="{1962799E-EB8E-4038-8063-81BB57C732D4}" type="datetime1">
               <a:rPr lang="en-US" smtClean="0"/>
-              <a:t>2/18/2023</a:t>
+              <a:t>2/19/2023</a:t>
             </a:fld>
             <a:endParaRPr lang="en-US"/>
           </a:p>
@@ -1719,7 +3220,7 @@
           <a:p>
             <a:fld id="{217A73C3-B243-44D3-809D-EF8FDFBD85D4}" type="datetime1">
               <a:rPr lang="en-US" smtClean="0"/>
-              <a:t>2/18/2023</a:t>
+              <a:t>2/19/2023</a:t>
             </a:fld>
             <a:endParaRPr lang="en-US" dirty="0"/>
           </a:p>
@@ -2050,7 +3551,7 @@
           <a:p>
             <a:fld id="{C9B6D3E3-28E2-4380-A113-67698215C5F8}" type="datetime1">
               <a:rPr lang="en-US" smtClean="0"/>
-              <a:t>2/18/2023</a:t>
+              <a:t>2/19/2023</a:t>
             </a:fld>
             <a:endParaRPr lang="en-US" dirty="0"/>
           </a:p>
@@ -2483,7 +3984,7 @@
           <a:p>
             <a:fld id="{A9EFCB61-04AD-47C9-BF79-2BD8B9CEC07A}" type="datetime1">
               <a:rPr lang="en-US" smtClean="0"/>
-              <a:t>2/18/2023</a:t>
+              <a:t>2/19/2023</a:t>
             </a:fld>
             <a:endParaRPr lang="en-US" dirty="0"/>
           </a:p>
@@ -2635,7 +4136,7 @@
           <a:p>
             <a:fld id="{A4535E0C-D585-492F-8146-7493F4086301}" type="datetime1">
               <a:rPr lang="en-US" smtClean="0"/>
-              <a:t>2/18/2023</a:t>
+              <a:t>2/19/2023</a:t>
             </a:fld>
             <a:endParaRPr lang="en-US"/>
           </a:p>
@@ -2798,7 +4299,7 @@
           <a:p>
             <a:fld id="{8CE48390-48B5-49AB-B019-A7C8FB8C31F6}" type="datetime1">
               <a:rPr lang="en-US" smtClean="0"/>
-              <a:t>2/18/2023</a:t>
+              <a:t>2/19/2023</a:t>
             </a:fld>
             <a:endParaRPr lang="en-US"/>
           </a:p>
@@ -3327,7 +4828,7 @@
           <a:p>
             <a:fld id="{962E767E-8A14-4E70-91B9-2101CBC4D7BD}" type="datetime1">
               <a:rPr lang="en-US" smtClean="0"/>
-              <a:t>2/18/2023</a:t>
+              <a:t>2/19/2023</a:t>
             </a:fld>
             <a:endParaRPr lang="en-US" dirty="0"/>
           </a:p>
@@ -3848,7 +5349,7 @@
           <a:p>
             <a:fld id="{01AF0C4B-5A4A-45CA-ABEC-10F107160D33}" type="datetime1">
               <a:rPr lang="en-US" smtClean="0"/>
-              <a:t>2/18/2023</a:t>
+              <a:t>2/19/2023</a:t>
             </a:fld>
             <a:endParaRPr lang="en-US" dirty="0"/>
           </a:p>
@@ -4398,7 +5899,7 @@
           <a:p>
             <a:fld id="{6989806E-8E94-473C-AEE7-BE6F15F85533}" type="datetime1">
               <a:rPr lang="en-US" smtClean="0"/>
-              <a:t>2/18/2023</a:t>
+              <a:t>2/19/2023</a:t>
             </a:fld>
             <a:endParaRPr lang="en-US" dirty="0"/>
           </a:p>
@@ -5250,7 +6751,7 @@
           <p:nvPr/>
         </p:nvPicPr>
         <p:blipFill>
-          <a:blip r:embed="rId2"/>
+          <a:blip r:embed="rId4"/>
           <a:stretch>
             <a:fillRect/>
           </a:stretch>
@@ -5490,6 +6991,19 @@
   <p:clrMapOvr>
     <a:masterClrMapping/>
   </p:clrMapOvr>
+  <mc:AlternateContent xmlns:mc="http://schemas.openxmlformats.org/markup-compatibility/2006">
+    <mc:Choice xmlns:p14="http://schemas.microsoft.com/office/powerpoint/2010/main" Requires="p14">
+      <p:transition p14:dur="10"/>
+    </mc:Choice>
+    <mc:Fallback>
+      <p:transition/>
+    </mc:Fallback>
+  </mc:AlternateContent>
+  <p:extLst>
+    <p:ext uri="{6950BFC3-D8DA-4A85-94F7-54DA5524770B}">
+      <p188:commentRel xmlns:p188="http://schemas.microsoft.com/office/powerpoint/2018/8/main" r:id="rId3"/>
+    </p:ext>
+  </p:extLst>
 </p:sld>
 </file>
 
@@ -5676,7 +7190,7 @@
           <p:nvPr/>
         </p:nvPicPr>
         <p:blipFill>
-          <a:blip r:embed="rId2"/>
+          <a:blip r:embed="rId3"/>
           <a:stretch>
             <a:fillRect/>
           </a:stretch>
@@ -5761,6 +7275,14 @@
   <p:clrMapOvr>
     <a:masterClrMapping/>
   </p:clrMapOvr>
+  <mc:AlternateContent xmlns:mc="http://schemas.openxmlformats.org/markup-compatibility/2006">
+    <mc:Choice xmlns:p14="http://schemas.microsoft.com/office/powerpoint/2010/main" Requires="p14">
+      <p:transition p14:dur="10"/>
+    </mc:Choice>
+    <mc:Fallback>
+      <p:transition/>
+    </mc:Fallback>
+  </mc:AlternateContent>
 </p:sld>
 </file>
 
@@ -5910,7 +7432,7 @@
           <p:nvPr/>
         </p:nvPicPr>
         <p:blipFill>
-          <a:blip r:embed="rId2"/>
+          <a:blip r:embed="rId3"/>
           <a:stretch>
             <a:fillRect/>
           </a:stretch>
@@ -5940,7 +7462,7 @@
           <p:nvPr/>
         </p:nvPicPr>
         <p:blipFill>
-          <a:blip r:embed="rId3">
+          <a:blip r:embed="rId4">
             <a:extLst>
               <a:ext uri="{28A0092B-C50C-407E-A947-70E740481C1C}">
                 <a14:useLocalDpi xmlns:a14="http://schemas.microsoft.com/office/drawing/2010/main" val="0"/>
@@ -5987,7 +7509,7 @@
           <p:nvPr/>
         </p:nvPicPr>
         <p:blipFill>
-          <a:blip r:embed="rId4">
+          <a:blip r:embed="rId5">
             <a:extLst>
               <a:ext uri="{28A0092B-C50C-407E-A947-70E740481C1C}">
                 <a14:useLocalDpi xmlns:a14="http://schemas.microsoft.com/office/drawing/2010/main" val="0"/>
@@ -6034,7 +7556,7 @@
           <p:nvPr/>
         </p:nvPicPr>
         <p:blipFill>
-          <a:blip r:embed="rId5">
+          <a:blip r:embed="rId6">
             <a:extLst>
               <a:ext uri="{28A0092B-C50C-407E-A947-70E740481C1C}">
                 <a14:useLocalDpi xmlns:a14="http://schemas.microsoft.com/office/drawing/2010/main" val="0"/>
@@ -6136,7 +7658,7 @@
           <p:nvPr/>
         </p:nvPicPr>
         <p:blipFill>
-          <a:blip r:embed="rId6">
+          <a:blip r:embed="rId7">
             <a:extLst>
               <a:ext uri="{28A0092B-C50C-407E-A947-70E740481C1C}">
                 <a14:useLocalDpi xmlns:a14="http://schemas.microsoft.com/office/drawing/2010/main" val="0"/>
@@ -6183,7 +7705,7 @@
           <p:nvPr/>
         </p:nvPicPr>
         <p:blipFill>
-          <a:blip r:embed="rId7">
+          <a:blip r:embed="rId8">
             <a:extLst>
               <a:ext uri="{28A0092B-C50C-407E-A947-70E740481C1C}">
                 <a14:useLocalDpi xmlns:a14="http://schemas.microsoft.com/office/drawing/2010/main" val="0"/>
@@ -6230,7 +7752,7 @@
           <p:nvPr/>
         </p:nvPicPr>
         <p:blipFill>
-          <a:blip r:embed="rId8">
+          <a:blip r:embed="rId9">
             <a:extLst>
               <a:ext uri="{28A0092B-C50C-407E-A947-70E740481C1C}">
                 <a14:useLocalDpi xmlns:a14="http://schemas.microsoft.com/office/drawing/2010/main" val="0"/>
@@ -6334,7 +7856,7 @@
           <p:nvPr/>
         </p:nvPicPr>
         <p:blipFill>
-          <a:blip r:embed="rId9">
+          <a:blip r:embed="rId10">
             <a:extLst>
               <a:ext uri="{28A0092B-C50C-407E-A947-70E740481C1C}">
                 <a14:useLocalDpi xmlns:a14="http://schemas.microsoft.com/office/drawing/2010/main" val="0"/>
@@ -6381,7 +7903,7 @@
           <p:nvPr/>
         </p:nvPicPr>
         <p:blipFill>
-          <a:blip r:embed="rId10">
+          <a:blip r:embed="rId11">
             <a:extLst>
               <a:ext uri="{28A0092B-C50C-407E-A947-70E740481C1C}">
                 <a14:useLocalDpi xmlns:a14="http://schemas.microsoft.com/office/drawing/2010/main" val="0"/>
@@ -6428,7 +7950,7 @@
           <p:nvPr/>
         </p:nvPicPr>
         <p:blipFill>
-          <a:blip r:embed="rId11">
+          <a:blip r:embed="rId12">
             <a:extLst>
               <a:ext uri="{28A0092B-C50C-407E-A947-70E740481C1C}">
                 <a14:useLocalDpi xmlns:a14="http://schemas.microsoft.com/office/drawing/2010/main" val="0"/>
@@ -6475,7 +7997,7 @@
           <p:nvPr/>
         </p:nvPicPr>
         <p:blipFill>
-          <a:blip r:embed="rId12">
+          <a:blip r:embed="rId13">
             <a:extLst>
               <a:ext uri="{28A0092B-C50C-407E-A947-70E740481C1C}">
                 <a14:useLocalDpi xmlns:a14="http://schemas.microsoft.com/office/drawing/2010/main" val="0"/>
@@ -6522,7 +8044,7 @@
           <p:nvPr/>
         </p:nvPicPr>
         <p:blipFill>
-          <a:blip r:embed="rId13"/>
+          <a:blip r:embed="rId14"/>
           <a:stretch>
             <a:fillRect/>
           </a:stretch>
@@ -6552,7 +8074,7 @@
           <p:nvPr/>
         </p:nvPicPr>
         <p:blipFill>
-          <a:blip r:embed="rId14">
+          <a:blip r:embed="rId15">
             <a:extLst>
               <a:ext uri="{28A0092B-C50C-407E-A947-70E740481C1C}">
                 <a14:useLocalDpi xmlns:a14="http://schemas.microsoft.com/office/drawing/2010/main" val="0"/>
@@ -6656,7 +8178,7 @@
           <p:nvPr/>
         </p:nvPicPr>
         <p:blipFill>
-          <a:blip r:embed="rId15">
+          <a:blip r:embed="rId16">
             <a:extLst>
               <a:ext uri="{28A0092B-C50C-407E-A947-70E740481C1C}">
                 <a14:useLocalDpi xmlns:a14="http://schemas.microsoft.com/office/drawing/2010/main" val="0"/>
@@ -6703,7 +8225,7 @@
           <p:nvPr/>
         </p:nvPicPr>
         <p:blipFill>
-          <a:blip r:embed="rId16">
+          <a:blip r:embed="rId17">
             <a:extLst>
               <a:ext uri="{28A0092B-C50C-407E-A947-70E740481C1C}">
                 <a14:useLocalDpi xmlns:a14="http://schemas.microsoft.com/office/drawing/2010/main" val="0"/>
@@ -6750,7 +8272,7 @@
           <p:nvPr/>
         </p:nvPicPr>
         <p:blipFill>
-          <a:blip r:embed="rId17">
+          <a:blip r:embed="rId18">
             <a:extLst>
               <a:ext uri="{28A0092B-C50C-407E-A947-70E740481C1C}">
                 <a14:useLocalDpi xmlns:a14="http://schemas.microsoft.com/office/drawing/2010/main" val="0"/>
@@ -6847,6 +8369,787 @@
   <p:clrMapOvr>
     <a:masterClrMapping/>
   </p:clrMapOvr>
+  <p:timing>
+    <p:tnLst>
+      <p:par>
+        <p:cTn id="1" dur="indefinite" restart="never" nodeType="tmRoot">
+          <p:childTnLst>
+            <p:seq concurrent="1" nextAc="seek">
+              <p:cTn id="2" dur="indefinite" nodeType="mainSeq">
+                <p:childTnLst>
+                  <p:par>
+                    <p:cTn id="3" fill="hold">
+                      <p:stCondLst>
+                        <p:cond delay="indefinite"/>
+                        <p:cond evt="onBegin" delay="0">
+                          <p:tn val="2"/>
+                        </p:cond>
+                      </p:stCondLst>
+                      <p:childTnLst>
+                        <p:par>
+                          <p:cTn id="4" fill="hold">
+                            <p:stCondLst>
+                              <p:cond delay="0"/>
+                            </p:stCondLst>
+                            <p:childTnLst>
+                              <p:par>
+                                <p:cTn id="5" presetID="1" presetClass="entr" presetSubtype="0" fill="hold" nodeType="withEffect">
+                                  <p:stCondLst>
+                                    <p:cond delay="0"/>
+                                  </p:stCondLst>
+                                  <p:childTnLst>
+                                    <p:set>
+                                      <p:cBhvr>
+                                        <p:cTn id="6" dur="1" fill="hold">
+                                          <p:stCondLst>
+                                            <p:cond delay="0"/>
+                                          </p:stCondLst>
+                                        </p:cTn>
+                                        <p:tgtEl>
+                                          <p:spTgt spid="1026"/>
+                                        </p:tgtEl>
+                                        <p:attrNameLst>
+                                          <p:attrName>style.visibility</p:attrName>
+                                        </p:attrNameLst>
+                                      </p:cBhvr>
+                                      <p:to>
+                                        <p:strVal val="visible"/>
+                                      </p:to>
+                                    </p:set>
+                                  </p:childTnLst>
+                                </p:cTn>
+                              </p:par>
+                              <p:par>
+                                <p:cTn id="7" presetID="1" presetClass="entr" presetSubtype="0" fill="hold" nodeType="withEffect">
+                                  <p:stCondLst>
+                                    <p:cond delay="0"/>
+                                  </p:stCondLst>
+                                  <p:childTnLst>
+                                    <p:set>
+                                      <p:cBhvr>
+                                        <p:cTn id="8" dur="1" fill="hold">
+                                          <p:stCondLst>
+                                            <p:cond delay="0"/>
+                                          </p:stCondLst>
+                                        </p:cTn>
+                                        <p:tgtEl>
+                                          <p:spTgt spid="1028"/>
+                                        </p:tgtEl>
+                                        <p:attrNameLst>
+                                          <p:attrName>style.visibility</p:attrName>
+                                        </p:attrNameLst>
+                                      </p:cBhvr>
+                                      <p:to>
+                                        <p:strVal val="visible"/>
+                                      </p:to>
+                                    </p:set>
+                                  </p:childTnLst>
+                                </p:cTn>
+                              </p:par>
+                              <p:par>
+                                <p:cTn id="9" presetID="1" presetClass="entr" presetSubtype="0" fill="hold" nodeType="withEffect">
+                                  <p:stCondLst>
+                                    <p:cond delay="0"/>
+                                  </p:stCondLst>
+                                  <p:childTnLst>
+                                    <p:set>
+                                      <p:cBhvr>
+                                        <p:cTn id="10" dur="1" fill="hold">
+                                          <p:stCondLst>
+                                            <p:cond delay="0"/>
+                                          </p:stCondLst>
+                                        </p:cTn>
+                                        <p:tgtEl>
+                                          <p:spTgt spid="1030"/>
+                                        </p:tgtEl>
+                                        <p:attrNameLst>
+                                          <p:attrName>style.visibility</p:attrName>
+                                        </p:attrNameLst>
+                                      </p:cBhvr>
+                                      <p:to>
+                                        <p:strVal val="visible"/>
+                                      </p:to>
+                                    </p:set>
+                                  </p:childTnLst>
+                                </p:cTn>
+                              </p:par>
+                              <p:par>
+                                <p:cTn id="11" presetID="1" presetClass="entr" presetSubtype="0" fill="hold" nodeType="withEffect">
+                                  <p:stCondLst>
+                                    <p:cond delay="0"/>
+                                  </p:stCondLst>
+                                  <p:childTnLst>
+                                    <p:set>
+                                      <p:cBhvr>
+                                        <p:cTn id="12" dur="1" fill="hold">
+                                          <p:stCondLst>
+                                            <p:cond delay="0"/>
+                                          </p:stCondLst>
+                                        </p:cTn>
+                                        <p:tgtEl>
+                                          <p:spTgt spid="1032"/>
+                                        </p:tgtEl>
+                                        <p:attrNameLst>
+                                          <p:attrName>style.visibility</p:attrName>
+                                        </p:attrNameLst>
+                                      </p:cBhvr>
+                                      <p:to>
+                                        <p:strVal val="visible"/>
+                                      </p:to>
+                                    </p:set>
+                                  </p:childTnLst>
+                                </p:cTn>
+                              </p:par>
+                              <p:par>
+                                <p:cTn id="13" presetID="1" presetClass="entr" presetSubtype="0" fill="hold" nodeType="withEffect">
+                                  <p:stCondLst>
+                                    <p:cond delay="0"/>
+                                  </p:stCondLst>
+                                  <p:childTnLst>
+                                    <p:set>
+                                      <p:cBhvr>
+                                        <p:cTn id="14" dur="1" fill="hold">
+                                          <p:stCondLst>
+                                            <p:cond delay="0"/>
+                                          </p:stCondLst>
+                                        </p:cTn>
+                                        <p:tgtEl>
+                                          <p:spTgt spid="1034"/>
+                                        </p:tgtEl>
+                                        <p:attrNameLst>
+                                          <p:attrName>style.visibility</p:attrName>
+                                        </p:attrNameLst>
+                                      </p:cBhvr>
+                                      <p:to>
+                                        <p:strVal val="visible"/>
+                                      </p:to>
+                                    </p:set>
+                                  </p:childTnLst>
+                                </p:cTn>
+                              </p:par>
+                              <p:par>
+                                <p:cTn id="15" presetID="1" presetClass="entr" presetSubtype="0" fill="hold" nodeType="withEffect">
+                                  <p:stCondLst>
+                                    <p:cond delay="0"/>
+                                  </p:stCondLst>
+                                  <p:childTnLst>
+                                    <p:set>
+                                      <p:cBhvr>
+                                        <p:cTn id="16" dur="1" fill="hold">
+                                          <p:stCondLst>
+                                            <p:cond delay="0"/>
+                                          </p:stCondLst>
+                                        </p:cTn>
+                                        <p:tgtEl>
+                                          <p:spTgt spid="1042"/>
+                                        </p:tgtEl>
+                                        <p:attrNameLst>
+                                          <p:attrName>style.visibility</p:attrName>
+                                        </p:attrNameLst>
+                                      </p:cBhvr>
+                                      <p:to>
+                                        <p:strVal val="visible"/>
+                                      </p:to>
+                                    </p:set>
+                                  </p:childTnLst>
+                                </p:cTn>
+                              </p:par>
+                              <p:par>
+                                <p:cTn id="17" presetID="1" presetClass="entr" presetSubtype="0" fill="hold" grpId="0" nodeType="withEffect">
+                                  <p:stCondLst>
+                                    <p:cond delay="0"/>
+                                  </p:stCondLst>
+                                  <p:childTnLst>
+                                    <p:set>
+                                      <p:cBhvr>
+                                        <p:cTn id="18" dur="1" fill="hold">
+                                          <p:stCondLst>
+                                            <p:cond delay="0"/>
+                                          </p:stCondLst>
+                                        </p:cTn>
+                                        <p:tgtEl>
+                                          <p:spTgt spid="10"/>
+                                        </p:tgtEl>
+                                        <p:attrNameLst>
+                                          <p:attrName>style.visibility</p:attrName>
+                                        </p:attrNameLst>
+                                      </p:cBhvr>
+                                      <p:to>
+                                        <p:strVal val="visible"/>
+                                      </p:to>
+                                    </p:set>
+                                  </p:childTnLst>
+                                </p:cTn>
+                              </p:par>
+                              <p:par>
+                                <p:cTn id="19" presetID="1" presetClass="entr" presetSubtype="0" fill="hold" nodeType="withEffect">
+                                  <p:stCondLst>
+                                    <p:cond delay="0"/>
+                                  </p:stCondLst>
+                                  <p:childTnLst>
+                                    <p:set>
+                                      <p:cBhvr>
+                                        <p:cTn id="20" dur="1" fill="hold">
+                                          <p:stCondLst>
+                                            <p:cond delay="0"/>
+                                          </p:stCondLst>
+                                        </p:cTn>
+                                        <p:tgtEl>
+                                          <p:spTgt spid="1044"/>
+                                        </p:tgtEl>
+                                        <p:attrNameLst>
+                                          <p:attrName>style.visibility</p:attrName>
+                                        </p:attrNameLst>
+                                      </p:cBhvr>
+                                      <p:to>
+                                        <p:strVal val="visible"/>
+                                      </p:to>
+                                    </p:set>
+                                  </p:childTnLst>
+                                </p:cTn>
+                              </p:par>
+                              <p:par>
+                                <p:cTn id="21" presetID="1" presetClass="entr" presetSubtype="0" fill="hold" nodeType="withEffect">
+                                  <p:stCondLst>
+                                    <p:cond delay="0"/>
+                                  </p:stCondLst>
+                                  <p:childTnLst>
+                                    <p:set>
+                                      <p:cBhvr>
+                                        <p:cTn id="22" dur="1" fill="hold">
+                                          <p:stCondLst>
+                                            <p:cond delay="0"/>
+                                          </p:stCondLst>
+                                        </p:cTn>
+                                        <p:tgtEl>
+                                          <p:spTgt spid="1046"/>
+                                        </p:tgtEl>
+                                        <p:attrNameLst>
+                                          <p:attrName>style.visibility</p:attrName>
+                                        </p:attrNameLst>
+                                      </p:cBhvr>
+                                      <p:to>
+                                        <p:strVal val="visible"/>
+                                      </p:to>
+                                    </p:set>
+                                  </p:childTnLst>
+                                </p:cTn>
+                              </p:par>
+                              <p:par>
+                                <p:cTn id="23" presetID="1" presetClass="entr" presetSubtype="0" fill="hold" nodeType="withEffect">
+                                  <p:stCondLst>
+                                    <p:cond delay="0"/>
+                                  </p:stCondLst>
+                                  <p:childTnLst>
+                                    <p:set>
+                                      <p:cBhvr>
+                                        <p:cTn id="24" dur="1" fill="hold">
+                                          <p:stCondLst>
+                                            <p:cond delay="0"/>
+                                          </p:stCondLst>
+                                        </p:cTn>
+                                        <p:tgtEl>
+                                          <p:spTgt spid="1048"/>
+                                        </p:tgtEl>
+                                        <p:attrNameLst>
+                                          <p:attrName>style.visibility</p:attrName>
+                                        </p:attrNameLst>
+                                      </p:cBhvr>
+                                      <p:to>
+                                        <p:strVal val="visible"/>
+                                      </p:to>
+                                    </p:set>
+                                  </p:childTnLst>
+                                </p:cTn>
+                              </p:par>
+                              <p:par>
+                                <p:cTn id="25" presetID="1" presetClass="entr" presetSubtype="0" fill="hold" nodeType="withEffect">
+                                  <p:stCondLst>
+                                    <p:cond delay="0"/>
+                                  </p:stCondLst>
+                                  <p:childTnLst>
+                                    <p:set>
+                                      <p:cBhvr>
+                                        <p:cTn id="26" dur="1" fill="hold">
+                                          <p:stCondLst>
+                                            <p:cond delay="0"/>
+                                          </p:stCondLst>
+                                        </p:cTn>
+                                        <p:tgtEl>
+                                          <p:spTgt spid="1050"/>
+                                        </p:tgtEl>
+                                        <p:attrNameLst>
+                                          <p:attrName>style.visibility</p:attrName>
+                                        </p:attrNameLst>
+                                      </p:cBhvr>
+                                      <p:to>
+                                        <p:strVal val="visible"/>
+                                      </p:to>
+                                    </p:set>
+                                  </p:childTnLst>
+                                </p:cTn>
+                              </p:par>
+                              <p:par>
+                                <p:cTn id="27" presetID="1" presetClass="entr" presetSubtype="0" fill="hold" nodeType="withEffect">
+                                  <p:stCondLst>
+                                    <p:cond delay="0"/>
+                                  </p:stCondLst>
+                                  <p:childTnLst>
+                                    <p:set>
+                                      <p:cBhvr>
+                                        <p:cTn id="28" dur="1" fill="hold">
+                                          <p:stCondLst>
+                                            <p:cond delay="0"/>
+                                          </p:stCondLst>
+                                        </p:cTn>
+                                        <p:tgtEl>
+                                          <p:spTgt spid="13"/>
+                                        </p:tgtEl>
+                                        <p:attrNameLst>
+                                          <p:attrName>style.visibility</p:attrName>
+                                        </p:attrNameLst>
+                                      </p:cBhvr>
+                                      <p:to>
+                                        <p:strVal val="visible"/>
+                                      </p:to>
+                                    </p:set>
+                                  </p:childTnLst>
+                                </p:cTn>
+                              </p:par>
+                              <p:par>
+                                <p:cTn id="29" presetID="1" presetClass="entr" presetSubtype="0" fill="hold" nodeType="withEffect">
+                                  <p:stCondLst>
+                                    <p:cond delay="0"/>
+                                  </p:stCondLst>
+                                  <p:childTnLst>
+                                    <p:set>
+                                      <p:cBhvr>
+                                        <p:cTn id="30" dur="1" fill="hold">
+                                          <p:stCondLst>
+                                            <p:cond delay="0"/>
+                                          </p:stCondLst>
+                                        </p:cTn>
+                                        <p:tgtEl>
+                                          <p:spTgt spid="1052"/>
+                                        </p:tgtEl>
+                                        <p:attrNameLst>
+                                          <p:attrName>style.visibility</p:attrName>
+                                        </p:attrNameLst>
+                                      </p:cBhvr>
+                                      <p:to>
+                                        <p:strVal val="visible"/>
+                                      </p:to>
+                                    </p:set>
+                                  </p:childTnLst>
+                                </p:cTn>
+                              </p:par>
+                              <p:par>
+                                <p:cTn id="31" presetID="1" presetClass="entr" presetSubtype="0" fill="hold" grpId="0" nodeType="withEffect">
+                                  <p:stCondLst>
+                                    <p:cond delay="0"/>
+                                  </p:stCondLst>
+                                  <p:childTnLst>
+                                    <p:set>
+                                      <p:cBhvr>
+                                        <p:cTn id="32" dur="1" fill="hold">
+                                          <p:stCondLst>
+                                            <p:cond delay="0"/>
+                                          </p:stCondLst>
+                                        </p:cTn>
+                                        <p:tgtEl>
+                                          <p:spTgt spid="14"/>
+                                        </p:tgtEl>
+                                        <p:attrNameLst>
+                                          <p:attrName>style.visibility</p:attrName>
+                                        </p:attrNameLst>
+                                      </p:cBhvr>
+                                      <p:to>
+                                        <p:strVal val="visible"/>
+                                      </p:to>
+                                    </p:set>
+                                  </p:childTnLst>
+                                </p:cTn>
+                              </p:par>
+                              <p:par>
+                                <p:cTn id="33" presetID="1" presetClass="entr" presetSubtype="0" fill="hold" nodeType="withEffect">
+                                  <p:stCondLst>
+                                    <p:cond delay="0"/>
+                                  </p:stCondLst>
+                                  <p:childTnLst>
+                                    <p:set>
+                                      <p:cBhvr>
+                                        <p:cTn id="34" dur="1" fill="hold">
+                                          <p:stCondLst>
+                                            <p:cond delay="0"/>
+                                          </p:stCondLst>
+                                        </p:cTn>
+                                        <p:tgtEl>
+                                          <p:spTgt spid="1054"/>
+                                        </p:tgtEl>
+                                        <p:attrNameLst>
+                                          <p:attrName>style.visibility</p:attrName>
+                                        </p:attrNameLst>
+                                      </p:cBhvr>
+                                      <p:to>
+                                        <p:strVal val="visible"/>
+                                      </p:to>
+                                    </p:set>
+                                  </p:childTnLst>
+                                </p:cTn>
+                              </p:par>
+                              <p:par>
+                                <p:cTn id="35" presetID="1" presetClass="entr" presetSubtype="0" fill="hold" nodeType="withEffect">
+                                  <p:stCondLst>
+                                    <p:cond delay="0"/>
+                                  </p:stCondLst>
+                                  <p:childTnLst>
+                                    <p:set>
+                                      <p:cBhvr>
+                                        <p:cTn id="36" dur="1" fill="hold">
+                                          <p:stCondLst>
+                                            <p:cond delay="0"/>
+                                          </p:stCondLst>
+                                        </p:cTn>
+                                        <p:tgtEl>
+                                          <p:spTgt spid="1056"/>
+                                        </p:tgtEl>
+                                        <p:attrNameLst>
+                                          <p:attrName>style.visibility</p:attrName>
+                                        </p:attrNameLst>
+                                      </p:cBhvr>
+                                      <p:to>
+                                        <p:strVal val="visible"/>
+                                      </p:to>
+                                    </p:set>
+                                  </p:childTnLst>
+                                </p:cTn>
+                              </p:par>
+                              <p:par>
+                                <p:cTn id="37" presetID="1" presetClass="entr" presetSubtype="0" fill="hold" nodeType="withEffect">
+                                  <p:stCondLst>
+                                    <p:cond delay="0"/>
+                                  </p:stCondLst>
+                                  <p:childTnLst>
+                                    <p:set>
+                                      <p:cBhvr>
+                                        <p:cTn id="38" dur="1" fill="hold">
+                                          <p:stCondLst>
+                                            <p:cond delay="0"/>
+                                          </p:stCondLst>
+                                        </p:cTn>
+                                        <p:tgtEl>
+                                          <p:spTgt spid="1058"/>
+                                        </p:tgtEl>
+                                        <p:attrNameLst>
+                                          <p:attrName>style.visibility</p:attrName>
+                                        </p:attrNameLst>
+                                      </p:cBhvr>
+                                      <p:to>
+                                        <p:strVal val="visible"/>
+                                      </p:to>
+                                    </p:set>
+                                  </p:childTnLst>
+                                </p:cTn>
+                              </p:par>
+                              <p:par>
+                                <p:cTn id="39" presetID="1" presetClass="entr" presetSubtype="0" fill="hold" grpId="0" nodeType="withEffect">
+                                  <p:stCondLst>
+                                    <p:cond delay="0"/>
+                                  </p:stCondLst>
+                                  <p:childTnLst>
+                                    <p:set>
+                                      <p:cBhvr>
+                                        <p:cTn id="40" dur="1" fill="hold">
+                                          <p:stCondLst>
+                                            <p:cond delay="0"/>
+                                          </p:stCondLst>
+                                        </p:cTn>
+                                        <p:tgtEl>
+                                          <p:spTgt spid="3"/>
+                                        </p:tgtEl>
+                                        <p:attrNameLst>
+                                          <p:attrName>style.visibility</p:attrName>
+                                        </p:attrNameLst>
+                                      </p:cBhvr>
+                                      <p:to>
+                                        <p:strVal val="visible"/>
+                                      </p:to>
+                                    </p:set>
+                                  </p:childTnLst>
+                                </p:cTn>
+                              </p:par>
+                            </p:childTnLst>
+                          </p:cTn>
+                        </p:par>
+                      </p:childTnLst>
+                    </p:cTn>
+                  </p:par>
+                  <p:par>
+                    <p:cTn id="41" fill="hold">
+                      <p:stCondLst>
+                        <p:cond delay="indefinite"/>
+                      </p:stCondLst>
+                      <p:childTnLst>
+                        <p:par>
+                          <p:cTn id="42" fill="hold">
+                            <p:stCondLst>
+                              <p:cond delay="0"/>
+                            </p:stCondLst>
+                            <p:childTnLst>
+                              <p:par>
+                                <p:cTn id="43" presetID="2" presetClass="entr" presetSubtype="4" fill="hold" grpId="0" nodeType="clickEffect">
+                                  <p:stCondLst>
+                                    <p:cond delay="0"/>
+                                  </p:stCondLst>
+                                  <p:childTnLst>
+                                    <p:set>
+                                      <p:cBhvr>
+                                        <p:cTn id="44" dur="1" fill="hold">
+                                          <p:stCondLst>
+                                            <p:cond delay="0"/>
+                                          </p:stCondLst>
+                                        </p:cTn>
+                                        <p:tgtEl>
+                                          <p:spTgt spid="8"/>
+                                        </p:tgtEl>
+                                        <p:attrNameLst>
+                                          <p:attrName>style.visibility</p:attrName>
+                                        </p:attrNameLst>
+                                      </p:cBhvr>
+                                      <p:to>
+                                        <p:strVal val="visible"/>
+                                      </p:to>
+                                    </p:set>
+                                    <p:anim calcmode="lin" valueType="num">
+                                      <p:cBhvr additive="base">
+                                        <p:cTn id="45" dur="500" fill="hold"/>
+                                        <p:tgtEl>
+                                          <p:spTgt spid="8"/>
+                                        </p:tgtEl>
+                                        <p:attrNameLst>
+                                          <p:attrName>ppt_x</p:attrName>
+                                        </p:attrNameLst>
+                                      </p:cBhvr>
+                                      <p:tavLst>
+                                        <p:tav tm="0">
+                                          <p:val>
+                                            <p:strVal val="#ppt_x"/>
+                                          </p:val>
+                                        </p:tav>
+                                        <p:tav tm="100000">
+                                          <p:val>
+                                            <p:strVal val="#ppt_x"/>
+                                          </p:val>
+                                        </p:tav>
+                                      </p:tavLst>
+                                    </p:anim>
+                                    <p:anim calcmode="lin" valueType="num">
+                                      <p:cBhvr additive="base">
+                                        <p:cTn id="46" dur="500" fill="hold"/>
+                                        <p:tgtEl>
+                                          <p:spTgt spid="8"/>
+                                        </p:tgtEl>
+                                        <p:attrNameLst>
+                                          <p:attrName>ppt_y</p:attrName>
+                                        </p:attrNameLst>
+                                      </p:cBhvr>
+                                      <p:tavLst>
+                                        <p:tav tm="0">
+                                          <p:val>
+                                            <p:strVal val="1+#ppt_h/2"/>
+                                          </p:val>
+                                        </p:tav>
+                                        <p:tav tm="100000">
+                                          <p:val>
+                                            <p:strVal val="#ppt_y"/>
+                                          </p:val>
+                                        </p:tav>
+                                      </p:tavLst>
+                                    </p:anim>
+                                  </p:childTnLst>
+                                </p:cTn>
+                              </p:par>
+                              <p:par>
+                                <p:cTn id="47" presetID="2" presetClass="entr" presetSubtype="4" fill="hold" nodeType="withEffect">
+                                  <p:stCondLst>
+                                    <p:cond delay="0"/>
+                                  </p:stCondLst>
+                                  <p:childTnLst>
+                                    <p:set>
+                                      <p:cBhvr>
+                                        <p:cTn id="48" dur="1" fill="hold">
+                                          <p:stCondLst>
+                                            <p:cond delay="0"/>
+                                          </p:stCondLst>
+                                        </p:cTn>
+                                        <p:tgtEl>
+                                          <p:spTgt spid="2"/>
+                                        </p:tgtEl>
+                                        <p:attrNameLst>
+                                          <p:attrName>style.visibility</p:attrName>
+                                        </p:attrNameLst>
+                                      </p:cBhvr>
+                                      <p:to>
+                                        <p:strVal val="visible"/>
+                                      </p:to>
+                                    </p:set>
+                                    <p:anim calcmode="lin" valueType="num">
+                                      <p:cBhvr additive="base">
+                                        <p:cTn id="49" dur="500" fill="hold"/>
+                                        <p:tgtEl>
+                                          <p:spTgt spid="2"/>
+                                        </p:tgtEl>
+                                        <p:attrNameLst>
+                                          <p:attrName>ppt_x</p:attrName>
+                                        </p:attrNameLst>
+                                      </p:cBhvr>
+                                      <p:tavLst>
+                                        <p:tav tm="0">
+                                          <p:val>
+                                            <p:strVal val="#ppt_x"/>
+                                          </p:val>
+                                        </p:tav>
+                                        <p:tav tm="100000">
+                                          <p:val>
+                                            <p:strVal val="#ppt_x"/>
+                                          </p:val>
+                                        </p:tav>
+                                      </p:tavLst>
+                                    </p:anim>
+                                    <p:anim calcmode="lin" valueType="num">
+                                      <p:cBhvr additive="base">
+                                        <p:cTn id="50" dur="500" fill="hold"/>
+                                        <p:tgtEl>
+                                          <p:spTgt spid="2"/>
+                                        </p:tgtEl>
+                                        <p:attrNameLst>
+                                          <p:attrName>ppt_y</p:attrName>
+                                        </p:attrNameLst>
+                                      </p:cBhvr>
+                                      <p:tavLst>
+                                        <p:tav tm="0">
+                                          <p:val>
+                                            <p:strVal val="1+#ppt_h/2"/>
+                                          </p:val>
+                                        </p:tav>
+                                        <p:tav tm="100000">
+                                          <p:val>
+                                            <p:strVal val="#ppt_y"/>
+                                          </p:val>
+                                        </p:tav>
+                                      </p:tavLst>
+                                    </p:anim>
+                                  </p:childTnLst>
+                                </p:cTn>
+                              </p:par>
+                              <p:par>
+                                <p:cTn id="51" presetID="2" presetClass="entr" presetSubtype="2" fill="hold" grpId="0" nodeType="withEffect">
+                                  <p:stCondLst>
+                                    <p:cond delay="0"/>
+                                  </p:stCondLst>
+                                  <p:childTnLst>
+                                    <p:set>
+                                      <p:cBhvr>
+                                        <p:cTn id="52" dur="1" fill="hold">
+                                          <p:stCondLst>
+                                            <p:cond delay="0"/>
+                                          </p:stCondLst>
+                                        </p:cTn>
+                                        <p:tgtEl>
+                                          <p:spTgt spid="6"/>
+                                        </p:tgtEl>
+                                        <p:attrNameLst>
+                                          <p:attrName>style.visibility</p:attrName>
+                                        </p:attrNameLst>
+                                      </p:cBhvr>
+                                      <p:to>
+                                        <p:strVal val="visible"/>
+                                      </p:to>
+                                    </p:set>
+                                    <p:anim calcmode="lin" valueType="num">
+                                      <p:cBhvr additive="base">
+                                        <p:cTn id="53" dur="500" fill="hold"/>
+                                        <p:tgtEl>
+                                          <p:spTgt spid="6"/>
+                                        </p:tgtEl>
+                                        <p:attrNameLst>
+                                          <p:attrName>ppt_x</p:attrName>
+                                        </p:attrNameLst>
+                                      </p:cBhvr>
+                                      <p:tavLst>
+                                        <p:tav tm="0">
+                                          <p:val>
+                                            <p:strVal val="1+#ppt_w/2"/>
+                                          </p:val>
+                                        </p:tav>
+                                        <p:tav tm="100000">
+                                          <p:val>
+                                            <p:strVal val="#ppt_x"/>
+                                          </p:val>
+                                        </p:tav>
+                                      </p:tavLst>
+                                    </p:anim>
+                                    <p:anim calcmode="lin" valueType="num">
+                                      <p:cBhvr additive="base">
+                                        <p:cTn id="54" dur="500" fill="hold"/>
+                                        <p:tgtEl>
+                                          <p:spTgt spid="6"/>
+                                        </p:tgtEl>
+                                        <p:attrNameLst>
+                                          <p:attrName>ppt_y</p:attrName>
+                                        </p:attrNameLst>
+                                      </p:cBhvr>
+                                      <p:tavLst>
+                                        <p:tav tm="0">
+                                          <p:val>
+                                            <p:strVal val="#ppt_y"/>
+                                          </p:val>
+                                        </p:tav>
+                                        <p:tav tm="100000">
+                                          <p:val>
+                                            <p:strVal val="#ppt_y"/>
+                                          </p:val>
+                                        </p:tav>
+                                      </p:tavLst>
+                                    </p:anim>
+                                  </p:childTnLst>
+                                </p:cTn>
+                              </p:par>
+                            </p:childTnLst>
+                          </p:cTn>
+                        </p:par>
+                      </p:childTnLst>
+                    </p:cTn>
+                  </p:par>
+                </p:childTnLst>
+              </p:cTn>
+              <p:prevCondLst>
+                <p:cond evt="onPrev" delay="0">
+                  <p:tgtEl>
+                    <p:sldTgt/>
+                  </p:tgtEl>
+                </p:cond>
+              </p:prevCondLst>
+              <p:nextCondLst>
+                <p:cond evt="onNext" delay="0">
+                  <p:tgtEl>
+                    <p:sldTgt/>
+                  </p:tgtEl>
+                </p:cond>
+              </p:nextCondLst>
+            </p:seq>
+          </p:childTnLst>
+        </p:cTn>
+      </p:par>
+    </p:tnLst>
+    <p:bldLst>
+      <p:bldP spid="8" grpId="0" animBg="1"/>
+      <p:bldP spid="6" grpId="0" animBg="1"/>
+      <p:bldP spid="10" grpId="0" animBg="1"/>
+      <p:bldP spid="14" grpId="0" animBg="1"/>
+      <p:bldP spid="3" grpId="0" animBg="1"/>
+    </p:bldLst>
+  </p:timing>
 </p:sld>
 </file>
 
@@ -6939,7 +9242,7 @@
           <p:nvPr/>
         </p:nvPicPr>
         <p:blipFill>
-          <a:blip r:embed="rId2" cstate="print">
+          <a:blip r:embed="rId3" cstate="print">
             <a:extLst>
               <a:ext uri="{28A0092B-C50C-407E-A947-70E740481C1C}">
                 <a14:useLocalDpi xmlns:a14="http://schemas.microsoft.com/office/drawing/2010/main" val="0"/>
@@ -7177,7 +9480,7 @@
           <p:nvPr/>
         </p:nvPicPr>
         <p:blipFill>
-          <a:blip r:embed="rId2">
+          <a:blip r:embed="rId3">
             <a:extLst>
               <a:ext uri="{28A0092B-C50C-407E-A947-70E740481C1C}">
                 <a14:useLocalDpi xmlns:a14="http://schemas.microsoft.com/office/drawing/2010/main" val="0"/>
@@ -7355,7 +9658,7 @@
           <p:nvPr/>
         </p:nvPicPr>
         <p:blipFill>
-          <a:blip r:embed="rId2">
+          <a:blip r:embed="rId3">
             <a:extLst>
               <a:ext uri="{28A0092B-C50C-407E-A947-70E740481C1C}">
                 <a14:useLocalDpi xmlns:a14="http://schemas.microsoft.com/office/drawing/2010/main" val="0"/>
@@ -7533,7 +9836,7 @@
           <p:nvPr/>
         </p:nvPicPr>
         <p:blipFill>
-          <a:blip r:embed="rId2"/>
+          <a:blip r:embed="rId3"/>
           <a:stretch>
             <a:fillRect/>
           </a:stretch>
@@ -7684,7 +9987,7 @@
             <a:pPr algn="ctr"/>
             <a:r>
               <a:rPr lang="pl-PL" sz="2800" dirty="0"/>
-              <a:t>Automatyczne testy jednostkowe</a:t>
+              <a:t>Automatyczne testy jednostkowe oraz integracyjne</a:t>
             </a:r>
           </a:p>
         </p:txBody>
@@ -7705,7 +10008,7 @@
         </p:nvSpPr>
         <p:spPr bwMode="auto">
           <a:xfrm>
-            <a:off x="906379" y="1493576"/>
+            <a:off x="759730" y="1484949"/>
             <a:ext cx="10906626" cy="4339650"/>
           </a:xfrm>
           <a:prstGeom prst="rect">
@@ -10221,7 +12524,7 @@
           <p:nvPr/>
         </p:nvPicPr>
         <p:blipFill>
-          <a:blip r:embed="rId2">
+          <a:blip r:embed="rId3">
             <a:extLst>
               <a:ext uri="{28A0092B-C50C-407E-A947-70E740481C1C}">
                 <a14:useLocalDpi xmlns:a14="http://schemas.microsoft.com/office/drawing/2010/main" val="0"/>
@@ -10454,4 +12757,299 @@
     </a:ext>
   </a:extLst>
 </a:theme>
+</file>
+
+<file path=ppt/theme/theme2.xml><?xml version="1.0" encoding="utf-8"?>
+<a:theme xmlns:a="http://schemas.openxmlformats.org/drawingml/2006/main" name="Motyw pakietu Office">
+  <a:themeElements>
+    <a:clrScheme name="Pakiet Office">
+      <a:dk1>
+        <a:sysClr val="windowText" lastClr="000000"/>
+      </a:dk1>
+      <a:lt1>
+        <a:sysClr val="window" lastClr="FFFFFF"/>
+      </a:lt1>
+      <a:dk2>
+        <a:srgbClr val="44546A"/>
+      </a:dk2>
+      <a:lt2>
+        <a:srgbClr val="E7E6E6"/>
+      </a:lt2>
+      <a:accent1>
+        <a:srgbClr val="4472C4"/>
+      </a:accent1>
+      <a:accent2>
+        <a:srgbClr val="ED7D31"/>
+      </a:accent2>
+      <a:accent3>
+        <a:srgbClr val="A5A5A5"/>
+      </a:accent3>
+      <a:accent4>
+        <a:srgbClr val="FFC000"/>
+      </a:accent4>
+      <a:accent5>
+        <a:srgbClr val="5B9BD5"/>
+      </a:accent5>
+      <a:accent6>
+        <a:srgbClr val="70AD47"/>
+      </a:accent6>
+      <a:hlink>
+        <a:srgbClr val="0563C1"/>
+      </a:hlink>
+      <a:folHlink>
+        <a:srgbClr val="954F72"/>
+      </a:folHlink>
+    </a:clrScheme>
+    <a:fontScheme name="Pakiet Office">
+      <a:majorFont>
+        <a:latin typeface="Calibri Light" panose="020F0302020204030204"/>
+        <a:ea typeface=""/>
+        <a:cs typeface=""/>
+        <a:font script="Jpan" typeface="游ゴシック Light"/>
+        <a:font script="Hang" typeface="맑은 고딕"/>
+        <a:font script="Hans" typeface="等线 Light"/>
+        <a:font script="Hant" typeface="新細明體"/>
+        <a:font script="Arab" typeface="Times New Roman"/>
+        <a:font script="Hebr" typeface="Times New Roman"/>
+        <a:font script="Thai" typeface="Angsana New"/>
+        <a:font script="Ethi" typeface="Nyala"/>
+        <a:font script="Beng" typeface="Vrinda"/>
+        <a:font script="Gujr" typeface="Shruti"/>
+        <a:font script="Khmr" typeface="MoolBoran"/>
+        <a:font script="Knda" typeface="Tunga"/>
+        <a:font script="Guru" typeface="Raavi"/>
+        <a:font script="Cans" typeface="Euphemia"/>
+        <a:font script="Cher" typeface="Plantagenet Cherokee"/>
+        <a:font script="Yiii" typeface="Microsoft Yi Baiti"/>
+        <a:font script="Tibt" typeface="Microsoft Himalaya"/>
+        <a:font script="Thaa" typeface="MV Boli"/>
+        <a:font script="Deva" typeface="Mangal"/>
+        <a:font script="Telu" typeface="Gautami"/>
+        <a:font script="Taml" typeface="Latha"/>
+        <a:font script="Syrc" typeface="Estrangelo Edessa"/>
+        <a:font script="Orya" typeface="Kalinga"/>
+        <a:font script="Mlym" typeface="Kartika"/>
+        <a:font script="Laoo" typeface="DokChampa"/>
+        <a:font script="Sinh" typeface="Iskoola Pota"/>
+        <a:font script="Mong" typeface="Mongolian Baiti"/>
+        <a:font script="Viet" typeface="Times New Roman"/>
+        <a:font script="Uigh" typeface="Microsoft Uighur"/>
+        <a:font script="Geor" typeface="Sylfaen"/>
+        <a:font script="Armn" typeface="Arial"/>
+        <a:font script="Bugi" typeface="Leelawadee UI"/>
+        <a:font script="Bopo" typeface="Microsoft JhengHei"/>
+        <a:font script="Java" typeface="Javanese Text"/>
+        <a:font script="Lisu" typeface="Segoe UI"/>
+        <a:font script="Mymr" typeface="Myanmar Text"/>
+        <a:font script="Nkoo" typeface="Ebrima"/>
+        <a:font script="Olck" typeface="Nirmala UI"/>
+        <a:font script="Osma" typeface="Ebrima"/>
+        <a:font script="Phag" typeface="Phagspa"/>
+        <a:font script="Syrn" typeface="Estrangelo Edessa"/>
+        <a:font script="Syrj" typeface="Estrangelo Edessa"/>
+        <a:font script="Syre" typeface="Estrangelo Edessa"/>
+        <a:font script="Sora" typeface="Nirmala UI"/>
+        <a:font script="Tale" typeface="Microsoft Tai Le"/>
+        <a:font script="Talu" typeface="Microsoft New Tai Lue"/>
+        <a:font script="Tfng" typeface="Ebrima"/>
+      </a:majorFont>
+      <a:minorFont>
+        <a:latin typeface="Calibri" panose="020F0502020204030204"/>
+        <a:ea typeface=""/>
+        <a:cs typeface=""/>
+        <a:font script="Jpan" typeface="游ゴシック"/>
+        <a:font script="Hang" typeface="맑은 고딕"/>
+        <a:font script="Hans" typeface="等线"/>
+        <a:font script="Hant" typeface="新細明體"/>
+        <a:font script="Arab" typeface="Arial"/>
+        <a:font script="Hebr" typeface="Arial"/>
+        <a:font script="Thai" typeface="Cordia New"/>
+        <a:font script="Ethi" typeface="Nyala"/>
+        <a:font script="Beng" typeface="Vrinda"/>
+        <a:font script="Gujr" typeface="Shruti"/>
+        <a:font script="Khmr" typeface="DaunPenh"/>
+        <a:font script="Knda" typeface="Tunga"/>
+        <a:font script="Guru" typeface="Raavi"/>
+        <a:font script="Cans" typeface="Euphemia"/>
+        <a:font script="Cher" typeface="Plantagenet Cherokee"/>
+        <a:font script="Yiii" typeface="Microsoft Yi Baiti"/>
+        <a:font script="Tibt" typeface="Microsoft Himalaya"/>
+        <a:font script="Thaa" typeface="MV Boli"/>
+        <a:font script="Deva" typeface="Mangal"/>
+        <a:font script="Telu" typeface="Gautami"/>
+        <a:font script="Taml" typeface="Latha"/>
+        <a:font script="Syrc" typeface="Estrangelo Edessa"/>
+        <a:font script="Orya" typeface="Kalinga"/>
+        <a:font script="Mlym" typeface="Kartika"/>
+        <a:font script="Laoo" typeface="DokChampa"/>
+        <a:font script="Sinh" typeface="Iskoola Pota"/>
+        <a:font script="Mong" typeface="Mongolian Baiti"/>
+        <a:font script="Viet" typeface="Arial"/>
+        <a:font script="Uigh" typeface="Microsoft Uighur"/>
+        <a:font script="Geor" typeface="Sylfaen"/>
+        <a:font script="Armn" typeface="Arial"/>
+        <a:font script="Bugi" typeface="Leelawadee UI"/>
+        <a:font script="Bopo" typeface="Microsoft JhengHei"/>
+        <a:font script="Java" typeface="Javanese Text"/>
+        <a:font script="Lisu" typeface="Segoe UI"/>
+        <a:font script="Mymr" typeface="Myanmar Text"/>
+        <a:font script="Nkoo" typeface="Ebrima"/>
+        <a:font script="Olck" typeface="Nirmala UI"/>
+        <a:font script="Osma" typeface="Ebrima"/>
+        <a:font script="Phag" typeface="Phagspa"/>
+        <a:font script="Syrn" typeface="Estrangelo Edessa"/>
+        <a:font script="Syrj" typeface="Estrangelo Edessa"/>
+        <a:font script="Syre" typeface="Estrangelo Edessa"/>
+        <a:font script="Sora" typeface="Nirmala UI"/>
+        <a:font script="Tale" typeface="Microsoft Tai Le"/>
+        <a:font script="Talu" typeface="Microsoft New Tai Lue"/>
+        <a:font script="Tfng" typeface="Ebrima"/>
+      </a:minorFont>
+    </a:fontScheme>
+    <a:fmtScheme name="Pakiet Office">
+      <a:fillStyleLst>
+        <a:solidFill>
+          <a:schemeClr val="phClr"/>
+        </a:solidFill>
+        <a:gradFill rotWithShape="1">
+          <a:gsLst>
+            <a:gs pos="0">
+              <a:schemeClr val="phClr">
+                <a:lumMod val="110000"/>
+                <a:satMod val="105000"/>
+                <a:tint val="67000"/>
+              </a:schemeClr>
+            </a:gs>
+            <a:gs pos="50000">
+              <a:schemeClr val="phClr">
+                <a:lumMod val="105000"/>
+                <a:satMod val="103000"/>
+                <a:tint val="73000"/>
+              </a:schemeClr>
+            </a:gs>
+            <a:gs pos="100000">
+              <a:schemeClr val="phClr">
+                <a:lumMod val="105000"/>
+                <a:satMod val="109000"/>
+                <a:tint val="81000"/>
+              </a:schemeClr>
+            </a:gs>
+          </a:gsLst>
+          <a:lin ang="5400000" scaled="0"/>
+        </a:gradFill>
+        <a:gradFill rotWithShape="1">
+          <a:gsLst>
+            <a:gs pos="0">
+              <a:schemeClr val="phClr">
+                <a:satMod val="103000"/>
+                <a:lumMod val="102000"/>
+                <a:tint val="94000"/>
+              </a:schemeClr>
+            </a:gs>
+            <a:gs pos="50000">
+              <a:schemeClr val="phClr">
+                <a:satMod val="110000"/>
+                <a:lumMod val="100000"/>
+                <a:shade val="100000"/>
+              </a:schemeClr>
+            </a:gs>
+            <a:gs pos="100000">
+              <a:schemeClr val="phClr">
+                <a:lumMod val="99000"/>
+                <a:satMod val="120000"/>
+                <a:shade val="78000"/>
+              </a:schemeClr>
+            </a:gs>
+          </a:gsLst>
+          <a:lin ang="5400000" scaled="0"/>
+        </a:gradFill>
+      </a:fillStyleLst>
+      <a:lnStyleLst>
+        <a:ln w="6350" cap="flat" cmpd="sng" algn="ctr">
+          <a:solidFill>
+            <a:schemeClr val="phClr"/>
+          </a:solidFill>
+          <a:prstDash val="solid"/>
+          <a:miter lim="800000"/>
+        </a:ln>
+        <a:ln w="12700" cap="flat" cmpd="sng" algn="ctr">
+          <a:solidFill>
+            <a:schemeClr val="phClr"/>
+          </a:solidFill>
+          <a:prstDash val="solid"/>
+          <a:miter lim="800000"/>
+        </a:ln>
+        <a:ln w="19050" cap="flat" cmpd="sng" algn="ctr">
+          <a:solidFill>
+            <a:schemeClr val="phClr"/>
+          </a:solidFill>
+          <a:prstDash val="solid"/>
+          <a:miter lim="800000"/>
+        </a:ln>
+      </a:lnStyleLst>
+      <a:effectStyleLst>
+        <a:effectStyle>
+          <a:effectLst/>
+        </a:effectStyle>
+        <a:effectStyle>
+          <a:effectLst/>
+        </a:effectStyle>
+        <a:effectStyle>
+          <a:effectLst>
+            <a:outerShdw blurRad="57150" dist="19050" dir="5400000" algn="ctr" rotWithShape="0">
+              <a:srgbClr val="000000">
+                <a:alpha val="63000"/>
+              </a:srgbClr>
+            </a:outerShdw>
+          </a:effectLst>
+        </a:effectStyle>
+      </a:effectStyleLst>
+      <a:bgFillStyleLst>
+        <a:solidFill>
+          <a:schemeClr val="phClr"/>
+        </a:solidFill>
+        <a:solidFill>
+          <a:schemeClr val="phClr">
+            <a:tint val="95000"/>
+            <a:satMod val="170000"/>
+          </a:schemeClr>
+        </a:solidFill>
+        <a:gradFill rotWithShape="1">
+          <a:gsLst>
+            <a:gs pos="0">
+              <a:schemeClr val="phClr">
+                <a:tint val="93000"/>
+                <a:satMod val="150000"/>
+                <a:shade val="98000"/>
+                <a:lumMod val="102000"/>
+              </a:schemeClr>
+            </a:gs>
+            <a:gs pos="50000">
+              <a:schemeClr val="phClr">
+                <a:tint val="98000"/>
+                <a:satMod val="130000"/>
+                <a:shade val="90000"/>
+                <a:lumMod val="103000"/>
+              </a:schemeClr>
+            </a:gs>
+            <a:gs pos="100000">
+              <a:schemeClr val="phClr">
+                <a:shade val="63000"/>
+                <a:satMod val="120000"/>
+              </a:schemeClr>
+            </a:gs>
+          </a:gsLst>
+          <a:lin ang="5400000" scaled="0"/>
+        </a:gradFill>
+      </a:bgFillStyleLst>
+    </a:fmtScheme>
+  </a:themeElements>
+  <a:objectDefaults/>
+  <a:extraClrSchemeLst/>
+  <a:extLst>
+    <a:ext uri="{05A4C25C-085E-4340-85A3-A5531E510DB2}">
+      <thm15:themeFamily xmlns:thm15="http://schemas.microsoft.com/office/thememl/2012/main" name="Office Theme" id="{62F939B6-93AF-4DB8-9C6B-D6C7DFDC589F}" vid="{4A3C46E8-61CC-4603-A589-7422A47A8E4A}"/>
+    </a:ext>
+  </a:extLst>
+</a:theme>
 </file>
--- a/Prezentacja.pptx
+++ b/Prezentacja.pptx
@@ -120,6 +120,9 @@
     <p:ext uri="{EFAFB233-063F-42B5-8137-9DF3F51BA10A}">
       <p15:sldGuideLst xmlns:p15="http://schemas.microsoft.com/office/powerpoint/2012/main"/>
     </p:ext>
+    <p:ext uri="{2D200454-40CA-4A62-9FC3-DE9A4176ACB9}">
+      <p15:notesGuideLst xmlns:p15="http://schemas.microsoft.com/office/powerpoint/2012/main"/>
+    </p:ext>
   </p:extLst>
 </p:presentation>
 </file>
@@ -128,27 +131,6 @@
 <p188:authorLst xmlns:a="http://schemas.openxmlformats.org/drawingml/2006/main" xmlns:r="http://schemas.openxmlformats.org/officeDocument/2006/relationships" xmlns:p188="http://schemas.microsoft.com/office/powerpoint/2018/8/main">
   <p188:author id="{FCDB68FB-A585-D246-ECE8-B3393DE9B499}" name="Lukasz Seremak" initials="LS" userId="2a14ec347cae5b9f" providerId="Windows Live"/>
 </p188:authorLst>
-</file>
-
-<file path=ppt/comments/modernComment_100_6DD788C5.xml><?xml version="1.0" encoding="utf-8"?>
-<p188:cmLst xmlns:a="http://schemas.openxmlformats.org/drawingml/2006/main" xmlns:r="http://schemas.openxmlformats.org/officeDocument/2006/relationships" xmlns:p188="http://schemas.microsoft.com/office/powerpoint/2018/8/main">
-  <p188:cm id="{26ED1860-1EDF-4761-8827-E5A2AB964979}" authorId="{FCDB68FB-A585-D246-ECE8-B3393DE9B499}" created="2023-02-19T15:38:11.223">
-    <pc:sldMkLst xmlns:pc="http://schemas.microsoft.com/office/powerpoint/2013/main/command">
-      <pc:docMk/>
-      <pc:sldMk cId="1842841797" sldId="256"/>
-    </pc:sldMkLst>
-    <p188:txBody>
-      <a:bodyPr/>
-      <a:lstStyle/>
-      <a:p>
-        <a:r>
-          <a:rPr lang="pl-PL"/>
-          <a:t>sss</a:t>
-        </a:r>
-      </a:p>
-    </p188:txBody>
-  </p188:cm>
-</p188:cmLst>
 </file>
 
 <file path=ppt/notesMasters/notesMaster1.xml><?xml version="1.0" encoding="utf-8"?>
@@ -233,7 +215,7 @@
           <a:p>
             <a:fld id="{FF3567AD-46B8-42F9-B53B-49EF8B82F4FA}" type="datetimeFigureOut">
               <a:rPr lang="pl-PL" smtClean="0"/>
-              <a:t>19.02.2023</a:t>
+              <a:t>21.02.2023</a:t>
             </a:fld>
             <a:endParaRPr lang="pl-PL"/>
           </a:p>
@@ -716,7 +698,7 @@
                 <a:ea typeface="Calibri" panose="020F0502020204030204" pitchFamily="34" charset="0"/>
                 <a:cs typeface="Times New Roman" panose="02020603050405020304" pitchFamily="18" charset="0"/>
               </a:rPr>
-              <a:t>Warstwy serwerowej zbudowanej w oparciu o architekturę mikrousług, składającą się z 3 niezależnych mikroserwisów</a:t>
+              <a:t>Warstwy serwerowej zbudowanej w oparciu o architekturę mikrousług, składającą się z 3 niezależnych mikroserwisów napisanych w języku Java z wykorzystaniem bibliotek Spring Boot.</a:t>
             </a:r>
           </a:p>
           <a:p>
@@ -1219,13 +1201,35 @@
           <a:p>
             <a:r>
               <a:rPr lang="pl-PL" dirty="0"/>
-              <a:t>Na następnym slajdzie z kolei przedstawiono diagram przypadku użycia „Dodaj Depozyt”. W tym przypadku komunikacja pomiędzy mikroserwisami odbywa się nie tylko asynchronicznie, ale również synchronicznie. Jak widać na diagramie mikroserwis Asset management, wykonuje serie synchronicznych żądań do serwisu Planning w celu pobrania aktualnego stanu środków oraz sprawdzenia czy kategoria Asset jest utworzona (w przypadku jej braku wysłane  zostanie żądanie utworzenia, co zostało pominięte na schemacie). </a:t>
-            </a:r>
-          </a:p>
-          <a:p>
+              <a:t>Na następnym slajdzie z kolei przedstawiono diagram przypadku użycia „Dodaj Depozyt”. W tym przypadku komunikacja pomiędzy mikroserwisami odbywa się nie tylko asynchronicznie, ale również synchronicznie. Jak widać na diagramie mikroserwis Asset management, wykonuje serie synchronicznych żądań do serwisu Planning w celu pobrania aktualnego stanu środków oraz </a:t>
+            </a:r>
+            <a:r>
+              <a:rPr lang="pl-PL" dirty="0" err="1"/>
+              <a:t>kateforii</a:t>
+            </a:r>
             <a:r>
               <a:rPr lang="pl-PL" dirty="0"/>
-              <a:t>Następnie wykonywane jest synchroniczne żądanie do serwisu Transaction management w celu utworzenia transakcji. Serwis  transaction Management z kolei w trakcie przetwarzania żądania wysyła asynchroniczną wiadomość do serwisu Planning, z informacją o szczegółach utworzonej transakcji.</a:t>
+              <a:t>.</a:t>
+            </a:r>
+          </a:p>
+          <a:p>
+            <a:r>
+              <a:rPr lang="pl-PL" dirty="0"/>
+              <a:t>Następnie wykonywane jest synchroniczne żądanie do serwisu Transaction management w celu utworzenia transakcji. Serwis  transaction Management z kolei w trakcie przetwarzania żądania wysyła asynchroniczną wiadomość do serwisu Planning, z informacją o szczegółach </a:t>
+            </a:r>
+            <a:r>
+              <a:rPr lang="pl-PL"/>
+              <a:t>utworzonej transakcji. </a:t>
+            </a:r>
+            <a:r>
+              <a:rPr lang="pl-PL" dirty="0"/>
+              <a:t>W zasadzie równolegle serwis Transaction Management zwraca odpowiedź zawierającą utworzoną transakcję do serwisu Asset Management.</a:t>
+            </a:r>
+          </a:p>
+          <a:p>
+            <a:r>
+              <a:rPr lang="pl-PL" dirty="0"/>
+              <a:t>Następnie serwis Asset Management tworzy depozyt oraz zwraca go w odpowiedzi do aplikacji klienckiej, która z kolei wyświetla użytkownikowi listę zawierającą już nowy depozyt.</a:t>
             </a:r>
           </a:p>
           <a:p>
@@ -1879,7 +1883,7 @@
           <a:p>
             <a:fld id="{3341EE12-F28E-4B03-A404-A8FCAE0F6316}" type="datetime1">
               <a:rPr lang="en-US" smtClean="0"/>
-              <a:t>2/19/2023</a:t>
+              <a:t>2/21/2023</a:t>
             </a:fld>
             <a:endParaRPr lang="en-US" dirty="0"/>
           </a:p>
@@ -2164,7 +2168,7 @@
           <a:p>
             <a:fld id="{B68B8189-0D9C-48A6-9FA3-862227B094CE}" type="datetime1">
               <a:rPr lang="en-US" smtClean="0"/>
-              <a:t>2/19/2023</a:t>
+              <a:t>2/21/2023</a:t>
             </a:fld>
             <a:endParaRPr lang="en-US"/>
           </a:p>
@@ -2528,7 +2532,7 @@
           <a:p>
             <a:fld id="{26ADDCAE-6443-42C3-9C19-F95985500186}" type="datetime1">
               <a:rPr lang="en-US" smtClean="0"/>
-              <a:t>2/19/2023</a:t>
+              <a:t>2/21/2023</a:t>
             </a:fld>
             <a:endParaRPr lang="en-US" dirty="0"/>
           </a:p>
@@ -2790,7 +2794,7 @@
           <a:p>
             <a:fld id="{1962799E-EB8E-4038-8063-81BB57C732D4}" type="datetime1">
               <a:rPr lang="en-US" smtClean="0"/>
-              <a:t>2/19/2023</a:t>
+              <a:t>2/21/2023</a:t>
             </a:fld>
             <a:endParaRPr lang="en-US"/>
           </a:p>
@@ -3220,7 +3224,7 @@
           <a:p>
             <a:fld id="{217A73C3-B243-44D3-809D-EF8FDFBD85D4}" type="datetime1">
               <a:rPr lang="en-US" smtClean="0"/>
-              <a:t>2/19/2023</a:t>
+              <a:t>2/21/2023</a:t>
             </a:fld>
             <a:endParaRPr lang="en-US" dirty="0"/>
           </a:p>
@@ -3551,7 +3555,7 @@
           <a:p>
             <a:fld id="{C9B6D3E3-28E2-4380-A113-67698215C5F8}" type="datetime1">
               <a:rPr lang="en-US" smtClean="0"/>
-              <a:t>2/19/2023</a:t>
+              <a:t>2/21/2023</a:t>
             </a:fld>
             <a:endParaRPr lang="en-US" dirty="0"/>
           </a:p>
@@ -3984,7 +3988,7 @@
           <a:p>
             <a:fld id="{A9EFCB61-04AD-47C9-BF79-2BD8B9CEC07A}" type="datetime1">
               <a:rPr lang="en-US" smtClean="0"/>
-              <a:t>2/19/2023</a:t>
+              <a:t>2/21/2023</a:t>
             </a:fld>
             <a:endParaRPr lang="en-US" dirty="0"/>
           </a:p>
@@ -4136,7 +4140,7 @@
           <a:p>
             <a:fld id="{A4535E0C-D585-492F-8146-7493F4086301}" type="datetime1">
               <a:rPr lang="en-US" smtClean="0"/>
-              <a:t>2/19/2023</a:t>
+              <a:t>2/21/2023</a:t>
             </a:fld>
             <a:endParaRPr lang="en-US"/>
           </a:p>
@@ -4299,7 +4303,7 @@
           <a:p>
             <a:fld id="{8CE48390-48B5-49AB-B019-A7C8FB8C31F6}" type="datetime1">
               <a:rPr lang="en-US" smtClean="0"/>
-              <a:t>2/19/2023</a:t>
+              <a:t>2/21/2023</a:t>
             </a:fld>
             <a:endParaRPr lang="en-US"/>
           </a:p>
@@ -4828,7 +4832,7 @@
           <a:p>
             <a:fld id="{962E767E-8A14-4E70-91B9-2101CBC4D7BD}" type="datetime1">
               <a:rPr lang="en-US" smtClean="0"/>
-              <a:t>2/19/2023</a:t>
+              <a:t>2/21/2023</a:t>
             </a:fld>
             <a:endParaRPr lang="en-US" dirty="0"/>
           </a:p>
@@ -5349,7 +5353,7 @@
           <a:p>
             <a:fld id="{01AF0C4B-5A4A-45CA-ABEC-10F107160D33}" type="datetime1">
               <a:rPr lang="en-US" smtClean="0"/>
-              <a:t>2/19/2023</a:t>
+              <a:t>2/21/2023</a:t>
             </a:fld>
             <a:endParaRPr lang="en-US" dirty="0"/>
           </a:p>
@@ -5899,7 +5903,7 @@
           <a:p>
             <a:fld id="{6989806E-8E94-473C-AEE7-BE6F15F85533}" type="datetime1">
               <a:rPr lang="en-US" smtClean="0"/>
-              <a:t>2/19/2023</a:t>
+              <a:t>2/21/2023</a:t>
             </a:fld>
             <a:endParaRPr lang="en-US" dirty="0"/>
           </a:p>
@@ -6751,7 +6755,7 @@
           <p:nvPr/>
         </p:nvPicPr>
         <p:blipFill>
-          <a:blip r:embed="rId4"/>
+          <a:blip r:embed="rId3"/>
           <a:stretch>
             <a:fillRect/>
           </a:stretch>
@@ -6991,19 +6995,14 @@
   <p:clrMapOvr>
     <a:masterClrMapping/>
   </p:clrMapOvr>
-  <mc:AlternateContent xmlns:mc="http://schemas.openxmlformats.org/markup-compatibility/2006">
-    <mc:Choice xmlns:p14="http://schemas.microsoft.com/office/powerpoint/2010/main" Requires="p14">
+  <mc:AlternateContent xmlns:mc="http://schemas.openxmlformats.org/markup-compatibility/2006" xmlns:p14="http://schemas.microsoft.com/office/powerpoint/2010/main">
+    <mc:Choice Requires="p14">
       <p:transition p14:dur="10"/>
     </mc:Choice>
-    <mc:Fallback>
+    <mc:Fallback xmlns="">
       <p:transition/>
     </mc:Fallback>
   </mc:AlternateContent>
-  <p:extLst>
-    <p:ext uri="{6950BFC3-D8DA-4A85-94F7-54DA5524770B}">
-      <p188:commentRel xmlns:p188="http://schemas.microsoft.com/office/powerpoint/2018/8/main" r:id="rId3"/>
-    </p:ext>
-  </p:extLst>
 </p:sld>
 </file>
 
@@ -7275,11 +7274,11 @@
   <p:clrMapOvr>
     <a:masterClrMapping/>
   </p:clrMapOvr>
-  <mc:AlternateContent xmlns:mc="http://schemas.openxmlformats.org/markup-compatibility/2006">
-    <mc:Choice xmlns:p14="http://schemas.microsoft.com/office/powerpoint/2010/main" Requires="p14">
+  <mc:AlternateContent xmlns:mc="http://schemas.openxmlformats.org/markup-compatibility/2006" xmlns:p14="http://schemas.microsoft.com/office/powerpoint/2010/main">
+    <mc:Choice Requires="p14">
       <p:transition p14:dur="10"/>
     </mc:Choice>
-    <mc:Fallback>
+    <mc:Fallback xmlns="">
       <p:transition/>
     </mc:Fallback>
   </mc:AlternateContent>

--- a/Prezentacja.pptx
+++ b/Prezentacja.pptx
@@ -5,7 +5,7 @@
     <p:sldMasterId id="2147483712" r:id="rId1"/>
   </p:sldMasterIdLst>
   <p:notesMasterIdLst>
-    <p:notesMasterId r:id="rId12"/>
+    <p:notesMasterId r:id="rId13"/>
   </p:notesMasterIdLst>
   <p:sldIdLst>
     <p:sldId id="256" r:id="rId2"/>
@@ -17,7 +17,8 @@
     <p:sldId id="271" r:id="rId8"/>
     <p:sldId id="267" r:id="rId9"/>
     <p:sldId id="264" r:id="rId10"/>
-    <p:sldId id="263" r:id="rId11"/>
+    <p:sldId id="272" r:id="rId11"/>
+    <p:sldId id="263" r:id="rId12"/>
   </p:sldIdLst>
   <p:sldSz cx="12192000" cy="6858000"/>
   <p:notesSz cx="6858000" cy="9144000"/>
@@ -215,7 +216,7 @@
           <a:p>
             <a:fld id="{FF3567AD-46B8-42F9-B53B-49EF8B82F4FA}" type="datetimeFigureOut">
               <a:rPr lang="pl-PL" smtClean="0"/>
-              <a:t>21.02.2023</a:t>
+              <a:t>26.02.2023</a:t>
             </a:fld>
             <a:endParaRPr lang="pl-PL"/>
           </a:p>
@@ -550,7 +551,7 @@
                 <a:ea typeface="Calibri" panose="020F0502020204030204" pitchFamily="34" charset="0"/>
                 <a:cs typeface="Times New Roman" panose="02020603050405020304" pitchFamily="18" charset="0"/>
               </a:rPr>
-              <a:t>Tematem pracy był Projekt i implementacja aplikacji wspomagającej zarządzanie finansami domowymi. Tematyka pracy posłużyła przy tym głownie do zaprezentowania możliwości jakie oferują wykorzystane technologie.</a:t>
+              <a:t>Tematem mojej pracy był Projekt i implementacja aplikacji wspomagającej zarządzanie finansami domowymi. Tematyka pracy posłużyła przy tym głownie do zaprezentowania możliwości jakie oferują wykorzystane technologie.</a:t>
             </a:r>
           </a:p>
           <a:p>
@@ -585,6 +586,342 @@
     <p:extLst>
       <p:ext uri="{BB962C8B-B14F-4D97-AF65-F5344CB8AC3E}">
         <p14:creationId xmlns:p14="http://schemas.microsoft.com/office/powerpoint/2010/main" val="1685761368"/>
+      </p:ext>
+    </p:extLst>
+  </p:cSld>
+  <p:clrMapOvr>
+    <a:masterClrMapping/>
+  </p:clrMapOvr>
+</p:notes>
+</file>
+
+<file path=ppt/notesSlides/notesSlide10.xml><?xml version="1.0" encoding="utf-8"?>
+<p:notes xmlns:a="http://schemas.openxmlformats.org/drawingml/2006/main" xmlns:r="http://schemas.openxmlformats.org/officeDocument/2006/relationships" xmlns:p="http://schemas.openxmlformats.org/presentationml/2006/main">
+  <p:cSld>
+    <p:spTree>
+      <p:nvGrpSpPr>
+        <p:cNvPr id="1" name=""/>
+        <p:cNvGrpSpPr/>
+        <p:nvPr/>
+      </p:nvGrpSpPr>
+      <p:grpSpPr>
+        <a:xfrm>
+          <a:off x="0" y="0"/>
+          <a:ext cx="0" cy="0"/>
+          <a:chOff x="0" y="0"/>
+          <a:chExt cx="0" cy="0"/>
+        </a:xfrm>
+      </p:grpSpPr>
+      <p:sp>
+        <p:nvSpPr>
+          <p:cNvPr id="2" name="Symbol zastępczy obrazu slajdu 1"/>
+          <p:cNvSpPr>
+            <a:spLocks noGrp="1" noRot="1" noChangeAspect="1"/>
+          </p:cNvSpPr>
+          <p:nvPr>
+            <p:ph type="sldImg"/>
+          </p:nvPr>
+        </p:nvSpPr>
+        <p:spPr/>
+      </p:sp>
+      <p:sp>
+        <p:nvSpPr>
+          <p:cNvPr id="3" name="Symbol zastępczy notatek 2"/>
+          <p:cNvSpPr>
+            <a:spLocks noGrp="1"/>
+          </p:cNvSpPr>
+          <p:nvPr>
+            <p:ph type="body" idx="1"/>
+          </p:nvPr>
+        </p:nvSpPr>
+        <p:spPr/>
+        <p:txBody>
+          <a:bodyPr/>
+          <a:lstStyle/>
+          <a:p>
+            <a:pPr marL="0" marR="0" lvl="0" indent="0" algn="l" defTabSz="914400" rtl="0" eaLnBrk="1" fontAlgn="auto" latinLnBrk="0" hangingPunct="1">
+              <a:lnSpc>
+                <a:spcPct val="100000"/>
+              </a:lnSpc>
+              <a:spcBef>
+                <a:spcPts val="0"/>
+              </a:spcBef>
+              <a:spcAft>
+                <a:spcPts val="0"/>
+              </a:spcAft>
+              <a:buClrTx/>
+              <a:buSzTx/>
+              <a:buFontTx/>
+              <a:buNone/>
+              <a:tabLst/>
+              <a:defRPr/>
+            </a:pPr>
+            <a:r>
+              <a:rPr lang="pl-PL" dirty="0"/>
+              <a:t>Przejdę teraz do podsumowania. </a:t>
+            </a:r>
+            <a:br>
+              <a:rPr lang="pl-PL" dirty="0"/>
+            </a:br>
+            <a:endParaRPr lang="pl-PL" dirty="0"/>
+          </a:p>
+          <a:p>
+            <a:pPr marL="0" indent="0">
+              <a:buFont typeface="Arial" panose="020B0604020202020204" pitchFamily="34" charset="0"/>
+              <a:buNone/>
+            </a:pPr>
+            <a:r>
+              <a:rPr lang="pl-PL" dirty="0"/>
+              <a:t>Żaden system nie jest idealny, więc i ten posiada wady</a:t>
+            </a:r>
+          </a:p>
+          <a:p>
+            <a:pPr marL="171450" indent="-171450">
+              <a:buFont typeface="Arial" panose="020B0604020202020204" pitchFamily="34" charset="0"/>
+              <a:buChar char="•"/>
+            </a:pPr>
+            <a:r>
+              <a:rPr lang="pl-PL" dirty="0"/>
+              <a:t>Jedną z największych wad jest w tym przypadku brak możliwości obsługi transakcji w rozumieniu ACID</a:t>
+            </a:r>
+            <a:br>
+              <a:rPr lang="pl-PL" dirty="0"/>
+            </a:br>
+            <a:r>
+              <a:rPr lang="pl-PL" dirty="0"/>
+              <a:t>(</a:t>
+            </a:r>
+            <a:r>
+              <a:rPr lang="pl-PL" dirty="0" err="1"/>
+              <a:t>Atomicity</a:t>
+            </a:r>
+            <a:r>
+              <a:rPr lang="pl-PL" dirty="0"/>
+              <a:t> - niepodzielność, </a:t>
+            </a:r>
+            <a:r>
+              <a:rPr lang="pl-PL" dirty="0" err="1"/>
+              <a:t>consistency</a:t>
+            </a:r>
+            <a:r>
+              <a:rPr lang="pl-PL" dirty="0"/>
+              <a:t> - spójność, </a:t>
+            </a:r>
+            <a:r>
+              <a:rPr lang="pl-PL" dirty="0" err="1"/>
+              <a:t>isolation</a:t>
+            </a:r>
+            <a:r>
+              <a:rPr lang="pl-PL" dirty="0"/>
+              <a:t> - izolacja, </a:t>
+            </a:r>
+            <a:r>
+              <a:rPr lang="pl-PL" dirty="0" err="1"/>
+              <a:t>durability</a:t>
+            </a:r>
+            <a:r>
+              <a:rPr lang="pl-PL" dirty="0"/>
+              <a:t> - trwałość) </a:t>
+            </a:r>
+          </a:p>
+          <a:p>
+            <a:pPr marL="171450" indent="-171450">
+              <a:buFont typeface="Arial" panose="020B0604020202020204" pitchFamily="34" charset="0"/>
+              <a:buChar char="•"/>
+            </a:pPr>
+            <a:r>
+              <a:rPr lang="pl-PL" dirty="0"/>
+              <a:t>Istotna wadą jest również duże skomplikowanie systemu, a co za tym idzie czasochłonność implementacji większa niż w przypadku monolitów</a:t>
+            </a:r>
+          </a:p>
+          <a:p>
+            <a:pPr marL="171450" indent="-171450">
+              <a:buFont typeface="Arial" panose="020B0604020202020204" pitchFamily="34" charset="0"/>
+              <a:buChar char="•"/>
+            </a:pPr>
+            <a:r>
+              <a:rPr lang="pl-PL" dirty="0"/>
+              <a:t>Wadą jest również zastosowanie brokera wiadomości zamiast brokera zdarzeń, przez co zaimplementowanie pełnej architektury opartej o zdarzenia, nie jest możliwe.</a:t>
+            </a:r>
+          </a:p>
+          <a:p>
+            <a:pPr marL="171450" indent="-171450">
+              <a:buFont typeface="Arial" panose="020B0604020202020204" pitchFamily="34" charset="0"/>
+              <a:buChar char="•"/>
+            </a:pPr>
+            <a:r>
+              <a:rPr lang="pl-PL" dirty="0"/>
+              <a:t>Można by również uznać że wadą jest zastosowana w mikroserwisach architektura warstwowa tworząca w praktyce wiele powiązań między poszczególnymi komponentami, przez co nie może być mowy o pełnej modularności. </a:t>
+            </a:r>
+            <a:br>
+              <a:rPr lang="pl-PL" dirty="0"/>
+            </a:br>
+            <a:r>
+              <a:rPr lang="pl-PL" dirty="0"/>
+              <a:t>Rozwiązaniem tu mogła by być architektura heksagonalna, dzięki której możliwe jest tak naprawdę tworzenie luźno powiązanych komponentów, które mogą stanowić swego rodzaju niezależne komórki w ramach jednego mikroserwisu, reagujące na zmiany otoczenia, </a:t>
+            </a:r>
+            <a:br>
+              <a:rPr lang="pl-PL" dirty="0"/>
+            </a:br>
+            <a:r>
+              <a:rPr lang="pl-PL" dirty="0"/>
+              <a:t>a można by powiedzieć że tymi zmianami otoczenia w praktyce są zdarzenia.</a:t>
+            </a:r>
+            <a:br>
+              <a:rPr lang="pl-PL" dirty="0"/>
+            </a:br>
+            <a:br>
+              <a:rPr lang="pl-PL" dirty="0"/>
+            </a:br>
+            <a:br>
+              <a:rPr lang="pl-PL" dirty="0"/>
+            </a:br>
+            <a:r>
+              <a:rPr lang="pl-PL" dirty="0"/>
+              <a:t>System oczywiście posiada również szereg zalet:</a:t>
+            </a:r>
+          </a:p>
+          <a:p>
+            <a:pPr marL="171450" marR="0" lvl="0" indent="-171450" algn="l" defTabSz="914400" rtl="0" eaLnBrk="1" fontAlgn="auto" latinLnBrk="0" hangingPunct="1">
+              <a:lnSpc>
+                <a:spcPct val="100000"/>
+              </a:lnSpc>
+              <a:spcBef>
+                <a:spcPts val="0"/>
+              </a:spcBef>
+              <a:spcAft>
+                <a:spcPts val="0"/>
+              </a:spcAft>
+              <a:buClrTx/>
+              <a:buSzTx/>
+              <a:buFont typeface="Arial" panose="020B0604020202020204" pitchFamily="34" charset="0"/>
+              <a:buChar char="•"/>
+              <a:tabLst/>
+              <a:defRPr/>
+            </a:pPr>
+            <a:r>
+              <a:rPr lang="pl-PL" dirty="0"/>
+              <a:t>Największa zaletą jest łatwa skalowalność pozioma systemu</a:t>
+            </a:r>
+          </a:p>
+          <a:p>
+            <a:pPr marL="171450" marR="0" lvl="0" indent="-171450" algn="l" defTabSz="914400" rtl="0" eaLnBrk="1" fontAlgn="auto" latinLnBrk="0" hangingPunct="1">
+              <a:lnSpc>
+                <a:spcPct val="100000"/>
+              </a:lnSpc>
+              <a:spcBef>
+                <a:spcPts val="0"/>
+              </a:spcBef>
+              <a:spcAft>
+                <a:spcPts val="0"/>
+              </a:spcAft>
+              <a:buClrTx/>
+              <a:buSzTx/>
+              <a:buFont typeface="Arial" panose="020B0604020202020204" pitchFamily="34" charset="0"/>
+              <a:buChar char="•"/>
+              <a:tabLst/>
+              <a:defRPr/>
+            </a:pPr>
+            <a:r>
+              <a:rPr lang="pl-PL" dirty="0"/>
+              <a:t>Zaletą jest również modularność na poziomie poszczególnych mikroserwisów, ułatwiająca rozbudowę.</a:t>
+            </a:r>
+          </a:p>
+          <a:p>
+            <a:pPr marL="171450" marR="0" lvl="0" indent="-171450" algn="l" defTabSz="914400" rtl="0" eaLnBrk="1" fontAlgn="auto" latinLnBrk="0" hangingPunct="1">
+              <a:lnSpc>
+                <a:spcPct val="100000"/>
+              </a:lnSpc>
+              <a:spcBef>
+                <a:spcPts val="0"/>
+              </a:spcBef>
+              <a:spcAft>
+                <a:spcPts val="0"/>
+              </a:spcAft>
+              <a:buClrTx/>
+              <a:buSzTx/>
+              <a:buFont typeface="Arial" panose="020B0604020202020204" pitchFamily="34" charset="0"/>
+              <a:buChar char="•"/>
+              <a:tabLst/>
+              <a:defRPr/>
+            </a:pPr>
+            <a:r>
+              <a:rPr lang="pl-PL" dirty="0"/>
+              <a:t>Dzięki zastosowaniu brokera wiadomości, komunikacja może odbywać się asynchronicznie, co wpływa zarówno na wydajność, skalowalność oraz możliwość łatwiejszej rozbudowy luźno powiązanych serwisów.</a:t>
+            </a:r>
+          </a:p>
+          <a:p>
+            <a:pPr marL="171450" indent="-171450">
+              <a:buFont typeface="Arial" panose="020B0604020202020204" pitchFamily="34" charset="0"/>
+              <a:buChar char="•"/>
+            </a:pPr>
+            <a:r>
+              <a:rPr lang="pl-PL" dirty="0"/>
+              <a:t>Zastosowanie bibliotek reaktywnych z kolei sprawia że dane przetwarzane są współbieżnie</a:t>
+            </a:r>
+          </a:p>
+          <a:p>
+            <a:pPr marL="171450" indent="-171450">
+              <a:buFont typeface="Arial" panose="020B0604020202020204" pitchFamily="34" charset="0"/>
+              <a:buChar char="•"/>
+            </a:pPr>
+            <a:r>
+              <a:rPr lang="pl-PL" dirty="0"/>
+              <a:t>Aplikacje zostały również tak przygotowane, że można je łatwo wdrożyć z wykorzystaniem konteneryzacji (m.in. przy wykorzystaniu Docker Compose) </a:t>
+            </a:r>
+          </a:p>
+          <a:p>
+            <a:pPr marL="171450" indent="-171450">
+              <a:buFont typeface="Arial" panose="020B0604020202020204" pitchFamily="34" charset="0"/>
+              <a:buChar char="•"/>
+            </a:pPr>
+            <a:r>
+              <a:rPr lang="pl-PL" dirty="0"/>
+              <a:t>Ostatnią ze wskazanych zalet, jest wykorzystanie automatycznych testów jednostkowych i integracyjnych wykorzystujących podejście DDT. Testy zostały zaimplementowanie jedynie w części mikroserwisów, docelowo jednak ich pokrycie powinno być większe tak aby umożliwić możliwie najszerszą kontrole kodu przed każdorazowym wdrożeniem zmian w systemie.</a:t>
+            </a:r>
+          </a:p>
+          <a:p>
+            <a:pPr marL="0" indent="0">
+              <a:buFont typeface="Arial" panose="020B0604020202020204" pitchFamily="34" charset="0"/>
+              <a:buNone/>
+            </a:pPr>
+            <a:br>
+              <a:rPr lang="pl-PL" dirty="0"/>
+            </a:br>
+            <a:r>
+              <a:rPr lang="pl-PL" dirty="0"/>
+              <a:t>Podsumowując ostatecznie udało się stworzyć skalowalny system, o podstawowej funkcjonalności, który dzięki modułowej budowie może być jednak łatwo rozszerzany.</a:t>
+            </a:r>
+          </a:p>
+        </p:txBody>
+      </p:sp>
+      <p:sp>
+        <p:nvSpPr>
+          <p:cNvPr id="4" name="Symbol zastępczy numeru slajdu 3"/>
+          <p:cNvSpPr>
+            <a:spLocks noGrp="1"/>
+          </p:cNvSpPr>
+          <p:nvPr>
+            <p:ph type="sldNum" sz="quarter" idx="5"/>
+          </p:nvPr>
+        </p:nvSpPr>
+        <p:spPr/>
+        <p:txBody>
+          <a:bodyPr/>
+          <a:lstStyle/>
+          <a:p>
+            <a:fld id="{D43575A8-D8DC-4AC7-AE60-45A20BC874FF}" type="slidenum">
+              <a:rPr lang="pl-PL" smtClean="0"/>
+              <a:t>10</a:t>
+            </a:fld>
+            <a:endParaRPr lang="pl-PL"/>
+          </a:p>
+        </p:txBody>
+      </p:sp>
+    </p:spTree>
+    <p:extLst>
+      <p:ext uri="{BB962C8B-B14F-4D97-AF65-F5344CB8AC3E}">
+        <p14:creationId xmlns:p14="http://schemas.microsoft.com/office/powerpoint/2010/main" val="934236448"/>
       </p:ext>
     </p:extLst>
   </p:cSld>
@@ -680,7 +1017,7 @@
                 <a:ea typeface="Calibri" panose="020F0502020204030204" pitchFamily="34" charset="0"/>
                 <a:cs typeface="Times New Roman" panose="02020603050405020304" pitchFamily="18" charset="0"/>
               </a:rPr>
-              <a:t>Warstwy aplikacji klienckiej napisanej w języku TypeScript z wykorzystaniem środowiska Angular</a:t>
+              <a:t>Warstwy aplikacji klienckiej</a:t>
             </a:r>
           </a:p>
           <a:p>
@@ -698,7 +1035,7 @@
                 <a:ea typeface="Calibri" panose="020F0502020204030204" pitchFamily="34" charset="0"/>
                 <a:cs typeface="Times New Roman" panose="02020603050405020304" pitchFamily="18" charset="0"/>
               </a:rPr>
-              <a:t>Warstwy serwerowej zbudowanej w oparciu o architekturę mikrousług, składającą się z 3 niezależnych mikroserwisów napisanych w języku Java z wykorzystaniem bibliotek Spring Boot.</a:t>
+              <a:t>Warstwy serwerowej zbudowanej w oparciu o architekturę mikrousług, składającą się z 3 niezależnych mikroserwisów.</a:t>
             </a:r>
           </a:p>
           <a:p>
@@ -1100,6 +1437,12 @@
             </a:r>
           </a:p>
           <a:p>
+            <a:r>
+              <a:rPr lang="pl-PL" dirty="0"/>
+              <a:t>Podkreślić  tutaj należy że przy realizacji tego przypadku użycia, komunikacja pomiędzy mikroserwisami odbywa się wyłącznie asynchronicznie.</a:t>
+            </a:r>
+          </a:p>
+          <a:p>
             <a:endParaRPr lang="pl-PL" dirty="0"/>
           </a:p>
           <a:p>
@@ -1201,29 +1544,13 @@
           <a:p>
             <a:r>
               <a:rPr lang="pl-PL" dirty="0"/>
-              <a:t>Na następnym slajdzie z kolei przedstawiono diagram przypadku użycia „Dodaj Depozyt”. W tym przypadku komunikacja pomiędzy mikroserwisami odbywa się nie tylko asynchronicznie, ale również synchronicznie. Jak widać na diagramie mikroserwis Asset management, wykonuje serie synchronicznych żądań do serwisu Planning w celu pobrania aktualnego stanu środków oraz </a:t>
-            </a:r>
-            <a:r>
-              <a:rPr lang="pl-PL" dirty="0" err="1"/>
-              <a:t>kateforii</a:t>
-            </a:r>
+              <a:t>Na następnym slajdzie z kolei przedstawiono diagram przypadku użycia „Dodaj Depozyt”. W tym przypadku komunikacja pomiędzy mikroserwisami odbywa się nie tylko asynchronicznie, ale również synchronicznie. Jak widać na diagramie mikroserwis Asset management, wykonuje serie synchronicznych żądań do serwisu Planning w celu pobrania aktualnego stanu środków oraz kategorii.</a:t>
+            </a:r>
+          </a:p>
+          <a:p>
             <a:r>
               <a:rPr lang="pl-PL" dirty="0"/>
-              <a:t>.</a:t>
-            </a:r>
-          </a:p>
-          <a:p>
-            <a:r>
-              <a:rPr lang="pl-PL" dirty="0"/>
-              <a:t>Następnie wykonywane jest synchroniczne żądanie do serwisu Transaction management w celu utworzenia transakcji. Serwis  transaction Management z kolei w trakcie przetwarzania żądania wysyła asynchroniczną wiadomość do serwisu Planning, z informacją o szczegółach </a:t>
-            </a:r>
-            <a:r>
-              <a:rPr lang="pl-PL"/>
-              <a:t>utworzonej transakcji. </a:t>
-            </a:r>
-            <a:r>
-              <a:rPr lang="pl-PL" dirty="0"/>
-              <a:t>W zasadzie równolegle serwis Transaction Management zwraca odpowiedź zawierającą utworzoną transakcję do serwisu Asset Management.</a:t>
+              <a:t>Następnie wykonywane jest synchroniczne żądanie do serwisu Transaction management w celu utworzenia transakcji. Serwis  transaction Management z kolei w trakcie przetwarzania żądania wysyła asynchroniczną wiadomość do serwisu Planning, z informacją o szczegółach utworzonej transakcji. W zasadzie równolegle serwis Transaction Management zwraca odpowiedź zawierającą utworzoną transakcję do serwisu Asset Management.</a:t>
             </a:r>
           </a:p>
           <a:p>
@@ -1575,18 +1902,6 @@
               <a:rPr lang="pl-PL" dirty="0"/>
               <a:t>Dodatkowo na serwerze zewnętrznym również z wykorzystaniem Docker Compose uruchamiana jest aplikacja Keycloak pełniąca funkcję dostarczyciela tożsamości.</a:t>
             </a:r>
-          </a:p>
-          <a:p>
-            <a:endParaRPr lang="pl-PL" dirty="0"/>
-          </a:p>
-          <a:p>
-            <a:r>
-              <a:rPr lang="pl-PL" dirty="0"/>
-              <a:t>Ostatecznym efektem pracy jest działający system o podstawowej funkcjonalności, który jednak dzięki modułowej  budowie może być łatwo rozbudowany. Dzięki zastosowaniu architektury mikroserwisowej, programowanie reaktywnego, nierelacyjnej bazy danych oraz komunikacji asynchronicznej,  system taki może być w łatwy sposób skalowalny, przez co nadaje się do obsługi ruchu o zróżnicowanym nasileniu.</a:t>
-            </a:r>
-          </a:p>
-          <a:p>
-            <a:endParaRPr lang="pl-PL" dirty="0"/>
           </a:p>
         </p:txBody>
       </p:sp>
@@ -1883,7 +2198,7 @@
           <a:p>
             <a:fld id="{3341EE12-F28E-4B03-A404-A8FCAE0F6316}" type="datetime1">
               <a:rPr lang="en-US" smtClean="0"/>
-              <a:t>2/21/2023</a:t>
+              <a:t>2/26/2023</a:t>
             </a:fld>
             <a:endParaRPr lang="en-US" dirty="0"/>
           </a:p>
@@ -2168,7 +2483,7 @@
           <a:p>
             <a:fld id="{B68B8189-0D9C-48A6-9FA3-862227B094CE}" type="datetime1">
               <a:rPr lang="en-US" smtClean="0"/>
-              <a:t>2/21/2023</a:t>
+              <a:t>2/26/2023</a:t>
             </a:fld>
             <a:endParaRPr lang="en-US"/>
           </a:p>
@@ -2532,7 +2847,7 @@
           <a:p>
             <a:fld id="{26ADDCAE-6443-42C3-9C19-F95985500186}" type="datetime1">
               <a:rPr lang="en-US" smtClean="0"/>
-              <a:t>2/21/2023</a:t>
+              <a:t>2/26/2023</a:t>
             </a:fld>
             <a:endParaRPr lang="en-US" dirty="0"/>
           </a:p>
@@ -2794,7 +3109,7 @@
           <a:p>
             <a:fld id="{1962799E-EB8E-4038-8063-81BB57C732D4}" type="datetime1">
               <a:rPr lang="en-US" smtClean="0"/>
-              <a:t>2/21/2023</a:t>
+              <a:t>2/26/2023</a:t>
             </a:fld>
             <a:endParaRPr lang="en-US"/>
           </a:p>
@@ -3224,7 +3539,7 @@
           <a:p>
             <a:fld id="{217A73C3-B243-44D3-809D-EF8FDFBD85D4}" type="datetime1">
               <a:rPr lang="en-US" smtClean="0"/>
-              <a:t>2/21/2023</a:t>
+              <a:t>2/26/2023</a:t>
             </a:fld>
             <a:endParaRPr lang="en-US" dirty="0"/>
           </a:p>
@@ -3555,7 +3870,7 @@
           <a:p>
             <a:fld id="{C9B6D3E3-28E2-4380-A113-67698215C5F8}" type="datetime1">
               <a:rPr lang="en-US" smtClean="0"/>
-              <a:t>2/21/2023</a:t>
+              <a:t>2/26/2023</a:t>
             </a:fld>
             <a:endParaRPr lang="en-US" dirty="0"/>
           </a:p>
@@ -3988,7 +4303,7 @@
           <a:p>
             <a:fld id="{A9EFCB61-04AD-47C9-BF79-2BD8B9CEC07A}" type="datetime1">
               <a:rPr lang="en-US" smtClean="0"/>
-              <a:t>2/21/2023</a:t>
+              <a:t>2/26/2023</a:t>
             </a:fld>
             <a:endParaRPr lang="en-US" dirty="0"/>
           </a:p>
@@ -4140,7 +4455,7 @@
           <a:p>
             <a:fld id="{A4535E0C-D585-492F-8146-7493F4086301}" type="datetime1">
               <a:rPr lang="en-US" smtClean="0"/>
-              <a:t>2/21/2023</a:t>
+              <a:t>2/26/2023</a:t>
             </a:fld>
             <a:endParaRPr lang="en-US"/>
           </a:p>
@@ -4303,7 +4618,7 @@
           <a:p>
             <a:fld id="{8CE48390-48B5-49AB-B019-A7C8FB8C31F6}" type="datetime1">
               <a:rPr lang="en-US" smtClean="0"/>
-              <a:t>2/21/2023</a:t>
+              <a:t>2/26/2023</a:t>
             </a:fld>
             <a:endParaRPr lang="en-US"/>
           </a:p>
@@ -4832,7 +5147,7 @@
           <a:p>
             <a:fld id="{962E767E-8A14-4E70-91B9-2101CBC4D7BD}" type="datetime1">
               <a:rPr lang="en-US" smtClean="0"/>
-              <a:t>2/21/2023</a:t>
+              <a:t>2/26/2023</a:t>
             </a:fld>
             <a:endParaRPr lang="en-US" dirty="0"/>
           </a:p>
@@ -5353,7 +5668,7 @@
           <a:p>
             <a:fld id="{01AF0C4B-5A4A-45CA-ABEC-10F107160D33}" type="datetime1">
               <a:rPr lang="en-US" smtClean="0"/>
-              <a:t>2/21/2023</a:t>
+              <a:t>2/26/2023</a:t>
             </a:fld>
             <a:endParaRPr lang="en-US" dirty="0"/>
           </a:p>
@@ -5903,7 +6218,7 @@
           <a:p>
             <a:fld id="{6989806E-8E94-473C-AEE7-BE6F15F85533}" type="datetime1">
               <a:rPr lang="en-US" smtClean="0"/>
-              <a:t>2/21/2023</a:t>
+              <a:t>2/26/2023</a:t>
             </a:fld>
             <a:endParaRPr lang="en-US" dirty="0"/>
           </a:p>
@@ -7007,6 +7322,607 @@
 </file>
 
 <file path=ppt/slides/slide10.xml><?xml version="1.0" encoding="utf-8"?>
+<p:sld xmlns:a="http://schemas.openxmlformats.org/drawingml/2006/main" xmlns:r="http://schemas.openxmlformats.org/officeDocument/2006/relationships" xmlns:p="http://schemas.openxmlformats.org/presentationml/2006/main" showMasterSp="0">
+  <p:cSld>
+    <p:spTree>
+      <p:nvGrpSpPr>
+        <p:cNvPr id="1" name=""/>
+        <p:cNvGrpSpPr/>
+        <p:nvPr/>
+      </p:nvGrpSpPr>
+      <p:grpSpPr>
+        <a:xfrm>
+          <a:off x="0" y="0"/>
+          <a:ext cx="0" cy="0"/>
+          <a:chOff x="0" y="0"/>
+          <a:chExt cx="0" cy="0"/>
+        </a:xfrm>
+      </p:grpSpPr>
+      <p:sp>
+        <p:nvSpPr>
+          <p:cNvPr id="30" name="Prostokąt: zaokrąglone rogi 29">
+            <a:extLst>
+              <a:ext uri="{FF2B5EF4-FFF2-40B4-BE49-F238E27FC236}">
+                <a16:creationId xmlns:a16="http://schemas.microsoft.com/office/drawing/2014/main" id="{67A45E40-E041-2031-A8B5-BD3AF601DA91}"/>
+              </a:ext>
+            </a:extLst>
+          </p:cNvPr>
+          <p:cNvSpPr/>
+          <p:nvPr/>
+        </p:nvSpPr>
+        <p:spPr>
+          <a:xfrm>
+            <a:off x="360410" y="663880"/>
+            <a:ext cx="5619160" cy="6036874"/>
+          </a:xfrm>
+          <a:prstGeom prst="roundRect">
+            <a:avLst>
+              <a:gd name="adj" fmla="val 2901"/>
+            </a:avLst>
+          </a:prstGeom>
+          <a:solidFill>
+            <a:schemeClr val="bg1"/>
+          </a:solidFill>
+          <a:ln w="22225" cap="sq">
+            <a:solidFill>
+              <a:schemeClr val="accent3">
+                <a:lumMod val="40000"/>
+                <a:lumOff val="60000"/>
+              </a:schemeClr>
+            </a:solidFill>
+            <a:bevel/>
+          </a:ln>
+        </p:spPr>
+        <p:style>
+          <a:lnRef idx="2">
+            <a:schemeClr val="accent1">
+              <a:shade val="50000"/>
+            </a:schemeClr>
+          </a:lnRef>
+          <a:fillRef idx="1">
+            <a:schemeClr val="accent1"/>
+          </a:fillRef>
+          <a:effectRef idx="0">
+            <a:schemeClr val="accent1"/>
+          </a:effectRef>
+          <a:fontRef idx="minor">
+            <a:schemeClr val="lt1"/>
+          </a:fontRef>
+        </p:style>
+        <p:txBody>
+          <a:bodyPr rtlCol="0" anchor="t" anchorCtr="0"/>
+          <a:lstStyle/>
+          <a:p>
+            <a:pPr>
+              <a:spcAft>
+                <a:spcPts val="1200"/>
+              </a:spcAft>
+            </a:pPr>
+            <a:endParaRPr lang="pl-PL" sz="2400" dirty="0"/>
+          </a:p>
+          <a:p>
+            <a:pPr marL="342900" indent="-342900">
+              <a:spcAft>
+                <a:spcPts val="1200"/>
+              </a:spcAft>
+              <a:buBlip>
+                <a:blip r:embed="rId3">
+                  <a:extLst>
+                    <a:ext uri="{96DAC541-7B7A-43D3-8B79-37D633B846F1}">
+                      <asvg:svgBlip xmlns:asvg="http://schemas.microsoft.com/office/drawing/2016/SVG/main" r:embed="rId4"/>
+                    </a:ext>
+                  </a:extLst>
+                </a:blip>
+              </a:buBlip>
+            </a:pPr>
+            <a:r>
+              <a:rPr lang="pl-PL" sz="2400" dirty="0">
+                <a:solidFill>
+                  <a:schemeClr val="tx1"/>
+                </a:solidFill>
+              </a:rPr>
+              <a:t>Brak obsługi transakcji w rozumieniu ACID.</a:t>
+            </a:r>
+          </a:p>
+          <a:p>
+            <a:pPr marL="342900" indent="-342900">
+              <a:spcAft>
+                <a:spcPts val="1200"/>
+              </a:spcAft>
+              <a:buBlip>
+                <a:blip r:embed="rId3">
+                  <a:extLst>
+                    <a:ext uri="{96DAC541-7B7A-43D3-8B79-37D633B846F1}">
+                      <asvg:svgBlip xmlns:asvg="http://schemas.microsoft.com/office/drawing/2016/SVG/main" r:embed="rId4"/>
+                    </a:ext>
+                  </a:extLst>
+                </a:blip>
+              </a:buBlip>
+            </a:pPr>
+            <a:r>
+              <a:rPr lang="pl-PL" sz="2400" dirty="0">
+                <a:solidFill>
+                  <a:schemeClr val="tx1"/>
+                </a:solidFill>
+              </a:rPr>
+              <a:t>Większe niż w przypadku aplikacji monolitycznych skomplikowanie systemu.</a:t>
+            </a:r>
+          </a:p>
+          <a:p>
+            <a:pPr marL="342900" indent="-342900">
+              <a:spcAft>
+                <a:spcPts val="1200"/>
+              </a:spcAft>
+              <a:buBlip>
+                <a:blip r:embed="rId3">
+                  <a:extLst>
+                    <a:ext uri="{96DAC541-7B7A-43D3-8B79-37D633B846F1}">
+                      <asvg:svgBlip xmlns:asvg="http://schemas.microsoft.com/office/drawing/2016/SVG/main" r:embed="rId4"/>
+                    </a:ext>
+                  </a:extLst>
+                </a:blip>
+              </a:buBlip>
+            </a:pPr>
+            <a:r>
+              <a:rPr lang="pl-PL" sz="2400" dirty="0">
+                <a:solidFill>
+                  <a:schemeClr val="tx1"/>
+                </a:solidFill>
+              </a:rPr>
+              <a:t>Zastosowanie brokera wiadomości, zamiast brokera zdarzeń.</a:t>
+            </a:r>
+          </a:p>
+          <a:p>
+            <a:pPr marL="342900" indent="-342900">
+              <a:spcAft>
+                <a:spcPts val="1200"/>
+              </a:spcAft>
+              <a:buBlip>
+                <a:blip r:embed="rId3">
+                  <a:extLst>
+                    <a:ext uri="{96DAC541-7B7A-43D3-8B79-37D633B846F1}">
+                      <asvg:svgBlip xmlns:asvg="http://schemas.microsoft.com/office/drawing/2016/SVG/main" r:embed="rId4"/>
+                    </a:ext>
+                  </a:extLst>
+                </a:blip>
+              </a:buBlip>
+            </a:pPr>
+            <a:r>
+              <a:rPr lang="pl-PL" sz="2400" dirty="0">
+                <a:solidFill>
+                  <a:schemeClr val="tx1"/>
+                </a:solidFill>
+              </a:rPr>
+              <a:t>Zastosowanie architektury warstwowej, która poprzez tworzenie zależności pomiędzy warstwami, nie pozwala na luźne powiązanie komponentów jak np. w przypadku architektury heksagonalnej.</a:t>
+            </a:r>
+          </a:p>
+          <a:p>
+            <a:pPr marL="285750" indent="-285750">
+              <a:spcAft>
+                <a:spcPts val="1200"/>
+              </a:spcAft>
+              <a:buFont typeface="Arial" panose="020B0604020202020204" pitchFamily="34" charset="0"/>
+              <a:buChar char="•"/>
+            </a:pPr>
+            <a:endParaRPr lang="pl-PL" sz="2400" dirty="0">
+              <a:solidFill>
+                <a:schemeClr val="tx1"/>
+              </a:solidFill>
+            </a:endParaRPr>
+          </a:p>
+        </p:txBody>
+      </p:sp>
+      <p:sp>
+        <p:nvSpPr>
+          <p:cNvPr id="4" name="Prostokąt: zaokrąglone rogi 3">
+            <a:extLst>
+              <a:ext uri="{FF2B5EF4-FFF2-40B4-BE49-F238E27FC236}">
+                <a16:creationId xmlns:a16="http://schemas.microsoft.com/office/drawing/2014/main" id="{8398AA6D-966C-08A0-D6C0-2DEFD4B57D7D}"/>
+              </a:ext>
+            </a:extLst>
+          </p:cNvPr>
+          <p:cNvSpPr/>
+          <p:nvPr/>
+        </p:nvSpPr>
+        <p:spPr>
+          <a:xfrm>
+            <a:off x="360410" y="82091"/>
+            <a:ext cx="11410783" cy="439341"/>
+          </a:xfrm>
+          <a:prstGeom prst="roundRect">
+            <a:avLst/>
+          </a:prstGeom>
+          <a:solidFill>
+            <a:srgbClr val="36899A"/>
+          </a:solidFill>
+          <a:ln>
+            <a:noFill/>
+          </a:ln>
+        </p:spPr>
+        <p:style>
+          <a:lnRef idx="2">
+            <a:schemeClr val="accent1">
+              <a:shade val="50000"/>
+            </a:schemeClr>
+          </a:lnRef>
+          <a:fillRef idx="1">
+            <a:schemeClr val="accent1"/>
+          </a:fillRef>
+          <a:effectRef idx="0">
+            <a:schemeClr val="accent1"/>
+          </a:effectRef>
+          <a:fontRef idx="minor">
+            <a:schemeClr val="lt1"/>
+          </a:fontRef>
+        </p:style>
+        <p:txBody>
+          <a:bodyPr rtlCol="0" anchor="ctr"/>
+          <a:lstStyle/>
+          <a:p>
+            <a:pPr algn="ctr"/>
+            <a:r>
+              <a:rPr lang="pl-PL" sz="2800" dirty="0"/>
+              <a:t>Podsumowanie</a:t>
+            </a:r>
+          </a:p>
+        </p:txBody>
+      </p:sp>
+      <p:sp>
+        <p:nvSpPr>
+          <p:cNvPr id="2" name="Prostokąt: zaokrąglone rogi 1">
+            <a:extLst>
+              <a:ext uri="{FF2B5EF4-FFF2-40B4-BE49-F238E27FC236}">
+                <a16:creationId xmlns:a16="http://schemas.microsoft.com/office/drawing/2014/main" id="{6941BFC5-5D4A-9210-16C7-9C14AB1C51BE}"/>
+              </a:ext>
+            </a:extLst>
+          </p:cNvPr>
+          <p:cNvSpPr/>
+          <p:nvPr/>
+        </p:nvSpPr>
+        <p:spPr>
+          <a:xfrm>
+            <a:off x="6152033" y="663880"/>
+            <a:ext cx="5619160" cy="6036874"/>
+          </a:xfrm>
+          <a:prstGeom prst="roundRect">
+            <a:avLst>
+              <a:gd name="adj" fmla="val 2901"/>
+            </a:avLst>
+          </a:prstGeom>
+          <a:solidFill>
+            <a:schemeClr val="bg1"/>
+          </a:solidFill>
+          <a:ln w="22225" cap="sq">
+            <a:solidFill>
+              <a:schemeClr val="accent4">
+                <a:lumMod val="60000"/>
+                <a:lumOff val="40000"/>
+              </a:schemeClr>
+            </a:solidFill>
+            <a:bevel/>
+          </a:ln>
+        </p:spPr>
+        <p:style>
+          <a:lnRef idx="2">
+            <a:schemeClr val="accent1">
+              <a:shade val="50000"/>
+            </a:schemeClr>
+          </a:lnRef>
+          <a:fillRef idx="1">
+            <a:schemeClr val="accent1"/>
+          </a:fillRef>
+          <a:effectRef idx="0">
+            <a:schemeClr val="accent1"/>
+          </a:effectRef>
+          <a:fontRef idx="minor">
+            <a:schemeClr val="lt1"/>
+          </a:fontRef>
+        </p:style>
+        <p:txBody>
+          <a:bodyPr rtlCol="0" anchor="t" anchorCtr="0"/>
+          <a:lstStyle/>
+          <a:p>
+            <a:pPr>
+              <a:spcAft>
+                <a:spcPts val="1200"/>
+              </a:spcAft>
+            </a:pPr>
+            <a:endParaRPr lang="pl-PL" sz="2400" dirty="0"/>
+          </a:p>
+          <a:p>
+            <a:pPr marL="342900" indent="-342900">
+              <a:spcAft>
+                <a:spcPts val="1200"/>
+              </a:spcAft>
+              <a:buBlip>
+                <a:blip r:embed="rId5">
+                  <a:extLst>
+                    <a:ext uri="{96DAC541-7B7A-43D3-8B79-37D633B846F1}">
+                      <asvg:svgBlip xmlns:asvg="http://schemas.microsoft.com/office/drawing/2016/SVG/main" r:embed="rId6"/>
+                    </a:ext>
+                  </a:extLst>
+                </a:blip>
+              </a:buBlip>
+            </a:pPr>
+            <a:r>
+              <a:rPr lang="pl-PL" sz="2400" dirty="0">
+                <a:solidFill>
+                  <a:schemeClr val="tx1"/>
+                </a:solidFill>
+              </a:rPr>
+              <a:t>Łatwa skalowalność pozioma mikroserwisów.</a:t>
+            </a:r>
+          </a:p>
+          <a:p>
+            <a:pPr marL="342900" indent="-342900">
+              <a:spcAft>
+                <a:spcPts val="1200"/>
+              </a:spcAft>
+              <a:buBlip>
+                <a:blip r:embed="rId5">
+                  <a:extLst>
+                    <a:ext uri="{96DAC541-7B7A-43D3-8B79-37D633B846F1}">
+                      <asvg:svgBlip xmlns:asvg="http://schemas.microsoft.com/office/drawing/2016/SVG/main" r:embed="rId6"/>
+                    </a:ext>
+                  </a:extLst>
+                </a:blip>
+              </a:buBlip>
+            </a:pPr>
+            <a:r>
+              <a:rPr lang="pl-PL" sz="2400" dirty="0">
+                <a:solidFill>
+                  <a:schemeClr val="tx1"/>
+                </a:solidFill>
+              </a:rPr>
+              <a:t>Modularność ułatwiająca rozbudowę.</a:t>
+            </a:r>
+          </a:p>
+          <a:p>
+            <a:pPr marL="342900" indent="-342900">
+              <a:spcAft>
+                <a:spcPts val="1200"/>
+              </a:spcAft>
+              <a:buBlip>
+                <a:blip r:embed="rId5">
+                  <a:extLst>
+                    <a:ext uri="{96DAC541-7B7A-43D3-8B79-37D633B846F1}">
+                      <asvg:svgBlip xmlns:asvg="http://schemas.microsoft.com/office/drawing/2016/SVG/main" r:embed="rId6"/>
+                    </a:ext>
+                  </a:extLst>
+                </a:blip>
+              </a:buBlip>
+            </a:pPr>
+            <a:r>
+              <a:rPr lang="pl-PL" sz="2400" dirty="0">
+                <a:solidFill>
+                  <a:schemeClr val="tx1"/>
+                </a:solidFill>
+              </a:rPr>
+              <a:t>Asynchroniczna komunikacja pomiędzy mikroserwisami.</a:t>
+            </a:r>
+          </a:p>
+          <a:p>
+            <a:pPr marL="342900" indent="-342900">
+              <a:spcAft>
+                <a:spcPts val="1200"/>
+              </a:spcAft>
+              <a:buBlip>
+                <a:blip r:embed="rId5">
+                  <a:extLst>
+                    <a:ext uri="{96DAC541-7B7A-43D3-8B79-37D633B846F1}">
+                      <asvg:svgBlip xmlns:asvg="http://schemas.microsoft.com/office/drawing/2016/SVG/main" r:embed="rId6"/>
+                    </a:ext>
+                  </a:extLst>
+                </a:blip>
+              </a:buBlip>
+            </a:pPr>
+            <a:r>
+              <a:rPr lang="pl-PL" sz="2400" dirty="0">
+                <a:solidFill>
+                  <a:schemeClr val="tx1"/>
+                </a:solidFill>
+              </a:rPr>
+              <a:t>Współbieżne przetwarzanie danych.</a:t>
+            </a:r>
+          </a:p>
+          <a:p>
+            <a:pPr marL="342900" indent="-342900">
+              <a:spcAft>
+                <a:spcPts val="1200"/>
+              </a:spcAft>
+              <a:buBlip>
+                <a:blip r:embed="rId5">
+                  <a:extLst>
+                    <a:ext uri="{96DAC541-7B7A-43D3-8B79-37D633B846F1}">
+                      <asvg:svgBlip xmlns:asvg="http://schemas.microsoft.com/office/drawing/2016/SVG/main" r:embed="rId6"/>
+                    </a:ext>
+                  </a:extLst>
+                </a:blip>
+              </a:buBlip>
+            </a:pPr>
+            <a:r>
+              <a:rPr lang="pl-PL" sz="2400" dirty="0">
+                <a:solidFill>
+                  <a:schemeClr val="tx1"/>
+                </a:solidFill>
+              </a:rPr>
+              <a:t>Gotowość do wdrożenia na docelowym systemie z wykorzystaniem konteneryzacji.</a:t>
+            </a:r>
+          </a:p>
+          <a:p>
+            <a:pPr marL="342900" indent="-342900">
+              <a:spcAft>
+                <a:spcPts val="1200"/>
+              </a:spcAft>
+              <a:buBlip>
+                <a:blip r:embed="rId5">
+                  <a:extLst>
+                    <a:ext uri="{96DAC541-7B7A-43D3-8B79-37D633B846F1}">
+                      <asvg:svgBlip xmlns:asvg="http://schemas.microsoft.com/office/drawing/2016/SVG/main" r:embed="rId6"/>
+                    </a:ext>
+                  </a:extLst>
+                </a:blip>
+              </a:buBlip>
+            </a:pPr>
+            <a:r>
+              <a:rPr lang="pl-PL" sz="2400" dirty="0">
+                <a:solidFill>
+                  <a:schemeClr val="tx1"/>
+                </a:solidFill>
+              </a:rPr>
+              <a:t>Automatyczne testy jednostkowe oraz integracyjne DDT.</a:t>
+            </a:r>
+          </a:p>
+          <a:p>
+            <a:pPr marL="285750" indent="-285750">
+              <a:spcAft>
+                <a:spcPts val="1200"/>
+              </a:spcAft>
+              <a:buFont typeface="Arial" panose="020B0604020202020204" pitchFamily="34" charset="0"/>
+              <a:buChar char="•"/>
+            </a:pPr>
+            <a:endParaRPr lang="pl-PL" sz="2400" dirty="0">
+              <a:solidFill>
+                <a:schemeClr val="tx1"/>
+              </a:solidFill>
+            </a:endParaRPr>
+          </a:p>
+        </p:txBody>
+      </p:sp>
+      <p:sp>
+        <p:nvSpPr>
+          <p:cNvPr id="25" name="Prostokąt: zaokrąglone rogi 24">
+            <a:extLst>
+              <a:ext uri="{FF2B5EF4-FFF2-40B4-BE49-F238E27FC236}">
+                <a16:creationId xmlns:a16="http://schemas.microsoft.com/office/drawing/2014/main" id="{B5AA828C-79B4-305B-2E9C-B4E7369ADBAC}"/>
+              </a:ext>
+            </a:extLst>
+          </p:cNvPr>
+          <p:cNvSpPr/>
+          <p:nvPr/>
+        </p:nvSpPr>
+        <p:spPr>
+          <a:xfrm>
+            <a:off x="6152033" y="663880"/>
+            <a:ext cx="5619160" cy="439341"/>
+          </a:xfrm>
+          <a:prstGeom prst="roundRect">
+            <a:avLst>
+              <a:gd name="adj" fmla="val 39793"/>
+            </a:avLst>
+          </a:prstGeom>
+          <a:solidFill>
+            <a:schemeClr val="accent5">
+              <a:lumMod val="60000"/>
+              <a:lumOff val="40000"/>
+            </a:schemeClr>
+          </a:solidFill>
+          <a:ln>
+            <a:noFill/>
+          </a:ln>
+        </p:spPr>
+        <p:style>
+          <a:lnRef idx="2">
+            <a:schemeClr val="accent1">
+              <a:shade val="50000"/>
+            </a:schemeClr>
+          </a:lnRef>
+          <a:fillRef idx="1">
+            <a:schemeClr val="accent1"/>
+          </a:fillRef>
+          <a:effectRef idx="0">
+            <a:schemeClr val="accent1"/>
+          </a:effectRef>
+          <a:fontRef idx="minor">
+            <a:schemeClr val="lt1"/>
+          </a:fontRef>
+        </p:style>
+        <p:txBody>
+          <a:bodyPr rtlCol="0" anchor="ctr"/>
+          <a:lstStyle/>
+          <a:p>
+            <a:pPr algn="ctr"/>
+            <a:r>
+              <a:rPr lang="pl-PL" sz="2800" dirty="0"/>
+              <a:t>Zalety</a:t>
+            </a:r>
+          </a:p>
+        </p:txBody>
+      </p:sp>
+      <p:sp>
+        <p:nvSpPr>
+          <p:cNvPr id="26" name="Prostokąt: zaokrąglone rogi 25">
+            <a:extLst>
+              <a:ext uri="{FF2B5EF4-FFF2-40B4-BE49-F238E27FC236}">
+                <a16:creationId xmlns:a16="http://schemas.microsoft.com/office/drawing/2014/main" id="{A5800A05-7D54-2CF5-22BD-CDE1F93A9778}"/>
+              </a:ext>
+            </a:extLst>
+          </p:cNvPr>
+          <p:cNvSpPr/>
+          <p:nvPr/>
+        </p:nvSpPr>
+        <p:spPr>
+          <a:xfrm>
+            <a:off x="360410" y="663880"/>
+            <a:ext cx="5619160" cy="439341"/>
+          </a:xfrm>
+          <a:prstGeom prst="roundRect">
+            <a:avLst>
+              <a:gd name="adj" fmla="val 25339"/>
+            </a:avLst>
+          </a:prstGeom>
+          <a:solidFill>
+            <a:schemeClr val="accent3">
+              <a:lumMod val="60000"/>
+              <a:lumOff val="40000"/>
+            </a:schemeClr>
+          </a:solidFill>
+          <a:ln>
+            <a:noFill/>
+          </a:ln>
+        </p:spPr>
+        <p:style>
+          <a:lnRef idx="2">
+            <a:schemeClr val="accent1">
+              <a:shade val="50000"/>
+            </a:schemeClr>
+          </a:lnRef>
+          <a:fillRef idx="1">
+            <a:schemeClr val="accent1"/>
+          </a:fillRef>
+          <a:effectRef idx="0">
+            <a:schemeClr val="accent1"/>
+          </a:effectRef>
+          <a:fontRef idx="minor">
+            <a:schemeClr val="lt1"/>
+          </a:fontRef>
+        </p:style>
+        <p:txBody>
+          <a:bodyPr rtlCol="0" anchor="ctr"/>
+          <a:lstStyle/>
+          <a:p>
+            <a:pPr algn="ctr"/>
+            <a:r>
+              <a:rPr lang="pl-PL" sz="2800" dirty="0"/>
+              <a:t>Wady</a:t>
+            </a:r>
+          </a:p>
+        </p:txBody>
+      </p:sp>
+    </p:spTree>
+    <p:extLst>
+      <p:ext uri="{BB962C8B-B14F-4D97-AF65-F5344CB8AC3E}">
+        <p14:creationId xmlns:p14="http://schemas.microsoft.com/office/powerpoint/2010/main" val="240314757"/>
+      </p:ext>
+    </p:extLst>
+  </p:cSld>
+  <p:clrMapOvr>
+    <a:masterClrMapping/>
+  </p:clrMapOvr>
+</p:sld>
+</file>
+
+<file path=ppt/slides/slide11.xml><?xml version="1.0" encoding="utf-8"?>
 <p:sld xmlns:a="http://schemas.openxmlformats.org/drawingml/2006/main" xmlns:r="http://schemas.openxmlformats.org/officeDocument/2006/relationships" xmlns:p="http://schemas.openxmlformats.org/presentationml/2006/main" showMasterSp="0">
   <p:cSld>
     <p:spTree>
